--- a/documents/poster/poster.pptx
+++ b/documents/poster/poster.pptx
@@ -109,921 +109,35 @@
 
 <file path=ppt/charts/chart1.xml><?xml version="1.0" encoding="utf-8"?>
 <c:chartSpace xmlns:c="http://schemas.openxmlformats.org/drawingml/2006/chart" xmlns:a="http://schemas.openxmlformats.org/drawingml/2006/main" xmlns:r="http://schemas.openxmlformats.org/officeDocument/2006/relationships">
+  <c:date1904 val="0"/>
   <c:lang val="en-US"/>
+  <c:roundedCorners val="0"/>
+  <mc:AlternateContent xmlns:mc="http://schemas.openxmlformats.org/markup-compatibility/2006">
+    <mc:Choice xmlns:c14="http://schemas.microsoft.com/office/drawing/2007/8/2/chart" Requires="c14">
+      <c14:style val="102"/>
+    </mc:Choice>
+    <mc:Fallback>
+      <c:style val="2"/>
+    </mc:Fallback>
+  </mc:AlternateContent>
   <c:chart>
-    <c:plotArea>
-      <c:layout/>
-      <c:barChart>
-        <c:barDir val="col"/>
-        <c:grouping val="percentStacked"/>
-        <c:ser>
-          <c:idx val="0"/>
-          <c:order val="0"/>
-          <c:tx>
-            <c:strRef>
-              <c:f>'Sheet2 (2)'!$B$2053</c:f>
-              <c:strCache>
-                <c:ptCount val="1"/>
-                <c:pt idx="0">
-                  <c:v>0-7</c:v>
-                </c:pt>
-              </c:strCache>
-            </c:strRef>
-          </c:tx>
-          <c:cat>
-            <c:strRef>
-              <c:f>'Sheet2 (2)'!$A$2055:$A$2063</c:f>
-              <c:strCache>
-                <c:ptCount val="9"/>
-                <c:pt idx="0">
-                  <c:v>mcf</c:v>
-                </c:pt>
-                <c:pt idx="1">
-                  <c:v>lbm</c:v>
-                </c:pt>
-                <c:pt idx="2">
-                  <c:v>astar</c:v>
-                </c:pt>
-                <c:pt idx="3">
-                  <c:v>tpch2</c:v>
-                </c:pt>
-                <c:pt idx="4">
-                  <c:v>calculix</c:v>
-                </c:pt>
-                <c:pt idx="5">
-                  <c:v>h264ref</c:v>
-                </c:pt>
-                <c:pt idx="6">
-                  <c:v>wrf</c:v>
-                </c:pt>
-                <c:pt idx="7">
-                  <c:v>povray</c:v>
-                </c:pt>
-                <c:pt idx="8">
-                  <c:v>gcc</c:v>
-                </c:pt>
-              </c:strCache>
-            </c:strRef>
-          </c:cat>
-          <c:val>
-            <c:numRef>
-              <c:f>'Sheet2 (2)'!$B$2055:$B$2063</c:f>
-              <c:numCache>
-                <c:formatCode>General</c:formatCode>
-                <c:ptCount val="9"/>
-                <c:pt idx="0">
-                  <c:v>95747</c:v>
-                </c:pt>
-                <c:pt idx="1">
-                  <c:v>74979</c:v>
-                </c:pt>
-                <c:pt idx="2">
-                  <c:v>2102620</c:v>
-                </c:pt>
-                <c:pt idx="3">
-                  <c:v>375881841</c:v>
-                </c:pt>
-                <c:pt idx="4">
-                  <c:v>50813</c:v>
-                </c:pt>
-                <c:pt idx="5">
-                  <c:v>2233065</c:v>
-                </c:pt>
-                <c:pt idx="6">
-                  <c:v>12892190</c:v>
-                </c:pt>
-                <c:pt idx="7">
-                  <c:v>1907038</c:v>
-                </c:pt>
-                <c:pt idx="8">
-                  <c:v>5443123</c:v>
-                </c:pt>
-              </c:numCache>
-            </c:numRef>
-          </c:val>
-        </c:ser>
-        <c:ser>
-          <c:idx val="1"/>
-          <c:order val="1"/>
-          <c:tx>
-            <c:strRef>
-              <c:f>'Sheet2 (2)'!$C$2053</c:f>
-              <c:strCache>
-                <c:ptCount val="1"/>
-                <c:pt idx="0">
-                  <c:v>8-15</c:v>
-                </c:pt>
-              </c:strCache>
-            </c:strRef>
-          </c:tx>
-          <c:cat>
-            <c:strRef>
-              <c:f>'Sheet2 (2)'!$A$2055:$A$2063</c:f>
-              <c:strCache>
-                <c:ptCount val="9"/>
-                <c:pt idx="0">
-                  <c:v>mcf</c:v>
-                </c:pt>
-                <c:pt idx="1">
-                  <c:v>lbm</c:v>
-                </c:pt>
-                <c:pt idx="2">
-                  <c:v>astar</c:v>
-                </c:pt>
-                <c:pt idx="3">
-                  <c:v>tpch2</c:v>
-                </c:pt>
-                <c:pt idx="4">
-                  <c:v>calculix</c:v>
-                </c:pt>
-                <c:pt idx="5">
-                  <c:v>h264ref</c:v>
-                </c:pt>
-                <c:pt idx="6">
-                  <c:v>wrf</c:v>
-                </c:pt>
-                <c:pt idx="7">
-                  <c:v>povray</c:v>
-                </c:pt>
-                <c:pt idx="8">
-                  <c:v>gcc</c:v>
-                </c:pt>
-              </c:strCache>
-            </c:strRef>
-          </c:cat>
-          <c:val>
-            <c:numRef>
-              <c:f>'Sheet2 (2)'!$C$2055:$C$2063</c:f>
-              <c:numCache>
-                <c:formatCode>General</c:formatCode>
-                <c:ptCount val="9"/>
-                <c:pt idx="0">
-                  <c:v>591</c:v>
-                </c:pt>
-                <c:pt idx="1">
-                  <c:v>12817602</c:v>
-                </c:pt>
-                <c:pt idx="2">
-                  <c:v>1006006</c:v>
-                </c:pt>
-                <c:pt idx="3">
-                  <c:v>419865</c:v>
-                </c:pt>
-                <c:pt idx="4">
-                  <c:v>5819</c:v>
-                </c:pt>
-                <c:pt idx="5">
-                  <c:v>2888878</c:v>
-                </c:pt>
-                <c:pt idx="6">
-                  <c:v>994569</c:v>
-                </c:pt>
-                <c:pt idx="7">
-                  <c:v>745306</c:v>
-                </c:pt>
-                <c:pt idx="8">
-                  <c:v>329320</c:v>
-                </c:pt>
-              </c:numCache>
-            </c:numRef>
-          </c:val>
-        </c:ser>
-        <c:ser>
-          <c:idx val="2"/>
-          <c:order val="2"/>
-          <c:tx>
-            <c:strRef>
-              <c:f>'Sheet2 (2)'!$D$2053</c:f>
-              <c:strCache>
-                <c:ptCount val="1"/>
-                <c:pt idx="0">
-                  <c:v>16-23</c:v>
-                </c:pt>
-              </c:strCache>
-            </c:strRef>
-          </c:tx>
-          <c:cat>
-            <c:strRef>
-              <c:f>'Sheet2 (2)'!$A$2055:$A$2063</c:f>
-              <c:strCache>
-                <c:ptCount val="9"/>
-                <c:pt idx="0">
-                  <c:v>mcf</c:v>
-                </c:pt>
-                <c:pt idx="1">
-                  <c:v>lbm</c:v>
-                </c:pt>
-                <c:pt idx="2">
-                  <c:v>astar</c:v>
-                </c:pt>
-                <c:pt idx="3">
-                  <c:v>tpch2</c:v>
-                </c:pt>
-                <c:pt idx="4">
-                  <c:v>calculix</c:v>
-                </c:pt>
-                <c:pt idx="5">
-                  <c:v>h264ref</c:v>
-                </c:pt>
-                <c:pt idx="6">
-                  <c:v>wrf</c:v>
-                </c:pt>
-                <c:pt idx="7">
-                  <c:v>povray</c:v>
-                </c:pt>
-                <c:pt idx="8">
-                  <c:v>gcc</c:v>
-                </c:pt>
-              </c:strCache>
-            </c:strRef>
-          </c:cat>
-          <c:val>
-            <c:numRef>
-              <c:f>'Sheet2 (2)'!$D$2055:$D$2063</c:f>
-              <c:numCache>
-                <c:formatCode>General</c:formatCode>
-                <c:ptCount val="9"/>
-                <c:pt idx="0">
-                  <c:v>1286278</c:v>
-                </c:pt>
-                <c:pt idx="1">
-                  <c:v>879730</c:v>
-                </c:pt>
-                <c:pt idx="2">
-                  <c:v>16461026</c:v>
-                </c:pt>
-                <c:pt idx="3">
-                  <c:v>14614264</c:v>
-                </c:pt>
-                <c:pt idx="4">
-                  <c:v>119491</c:v>
-                </c:pt>
-                <c:pt idx="5">
-                  <c:v>11576435</c:v>
-                </c:pt>
-                <c:pt idx="6">
-                  <c:v>317339</c:v>
-                </c:pt>
-                <c:pt idx="7">
-                  <c:v>5062854</c:v>
-                </c:pt>
-                <c:pt idx="8">
-                  <c:v>15140710</c:v>
-                </c:pt>
-              </c:numCache>
-            </c:numRef>
-          </c:val>
-        </c:ser>
-        <c:ser>
-          <c:idx val="3"/>
-          <c:order val="3"/>
-          <c:tx>
-            <c:strRef>
-              <c:f>'Sheet2 (2)'!$E$2053</c:f>
-              <c:strCache>
-                <c:ptCount val="1"/>
-                <c:pt idx="0">
-                  <c:v>24-31</c:v>
-                </c:pt>
-              </c:strCache>
-            </c:strRef>
-          </c:tx>
-          <c:cat>
-            <c:strRef>
-              <c:f>'Sheet2 (2)'!$A$2055:$A$2063</c:f>
-              <c:strCache>
-                <c:ptCount val="9"/>
-                <c:pt idx="0">
-                  <c:v>mcf</c:v>
-                </c:pt>
-                <c:pt idx="1">
-                  <c:v>lbm</c:v>
-                </c:pt>
-                <c:pt idx="2">
-                  <c:v>astar</c:v>
-                </c:pt>
-                <c:pt idx="3">
-                  <c:v>tpch2</c:v>
-                </c:pt>
-                <c:pt idx="4">
-                  <c:v>calculix</c:v>
-                </c:pt>
-                <c:pt idx="5">
-                  <c:v>h264ref</c:v>
-                </c:pt>
-                <c:pt idx="6">
-                  <c:v>wrf</c:v>
-                </c:pt>
-                <c:pt idx="7">
-                  <c:v>povray</c:v>
-                </c:pt>
-                <c:pt idx="8">
-                  <c:v>gcc</c:v>
-                </c:pt>
-              </c:strCache>
-            </c:strRef>
-          </c:cat>
-          <c:val>
-            <c:numRef>
-              <c:f>'Sheet2 (2)'!$E$2055:$E$2063</c:f>
-              <c:numCache>
-                <c:formatCode>General</c:formatCode>
-                <c:ptCount val="9"/>
-                <c:pt idx="0">
-                  <c:v>101237209</c:v>
-                </c:pt>
-                <c:pt idx="1">
-                  <c:v>1202307</c:v>
-                </c:pt>
-                <c:pt idx="2">
-                  <c:v>169424087</c:v>
-                </c:pt>
-                <c:pt idx="3">
-                  <c:v>34810743</c:v>
-                </c:pt>
-                <c:pt idx="4">
-                  <c:v>84860</c:v>
-                </c:pt>
-                <c:pt idx="5">
-                  <c:v>1509034</c:v>
-                </c:pt>
-                <c:pt idx="6">
-                  <c:v>309028</c:v>
-                </c:pt>
-                <c:pt idx="7">
-                  <c:v>3195618</c:v>
-                </c:pt>
-                <c:pt idx="8">
-                  <c:v>86700988</c:v>
-                </c:pt>
-              </c:numCache>
-            </c:numRef>
-          </c:val>
-        </c:ser>
-        <c:ser>
-          <c:idx val="4"/>
-          <c:order val="4"/>
-          <c:tx>
-            <c:strRef>
-              <c:f>'Sheet2 (2)'!$F$2053</c:f>
-              <c:strCache>
-                <c:ptCount val="1"/>
-                <c:pt idx="0">
-                  <c:v>32-39</c:v>
-                </c:pt>
-              </c:strCache>
-            </c:strRef>
-          </c:tx>
-          <c:cat>
-            <c:strRef>
-              <c:f>'Sheet2 (2)'!$A$2055:$A$2063</c:f>
-              <c:strCache>
-                <c:ptCount val="9"/>
-                <c:pt idx="0">
-                  <c:v>mcf</c:v>
-                </c:pt>
-                <c:pt idx="1">
-                  <c:v>lbm</c:v>
-                </c:pt>
-                <c:pt idx="2">
-                  <c:v>astar</c:v>
-                </c:pt>
-                <c:pt idx="3">
-                  <c:v>tpch2</c:v>
-                </c:pt>
-                <c:pt idx="4">
-                  <c:v>calculix</c:v>
-                </c:pt>
-                <c:pt idx="5">
-                  <c:v>h264ref</c:v>
-                </c:pt>
-                <c:pt idx="6">
-                  <c:v>wrf</c:v>
-                </c:pt>
-                <c:pt idx="7">
-                  <c:v>povray</c:v>
-                </c:pt>
-                <c:pt idx="8">
-                  <c:v>gcc</c:v>
-                </c:pt>
-              </c:strCache>
-            </c:strRef>
-          </c:cat>
-          <c:val>
-            <c:numRef>
-              <c:f>'Sheet2 (2)'!$F$2055:$F$2063</c:f>
-              <c:numCache>
-                <c:formatCode>General</c:formatCode>
-                <c:ptCount val="9"/>
-                <c:pt idx="0">
-                  <c:v>438661822</c:v>
-                </c:pt>
-                <c:pt idx="1">
-                  <c:v>793833</c:v>
-                </c:pt>
-                <c:pt idx="2">
-                  <c:v>670753253</c:v>
-                </c:pt>
-                <c:pt idx="3">
-                  <c:v>50533937</c:v>
-                </c:pt>
-                <c:pt idx="4">
-                  <c:v>194054</c:v>
-                </c:pt>
-                <c:pt idx="5">
-                  <c:v>97922655</c:v>
-                </c:pt>
-                <c:pt idx="6">
-                  <c:v>518059</c:v>
-                </c:pt>
-                <c:pt idx="7">
-                  <c:v>6346086</c:v>
-                </c:pt>
-                <c:pt idx="8">
-                  <c:v>60228812</c:v>
-                </c:pt>
-              </c:numCache>
-            </c:numRef>
-          </c:val>
-        </c:ser>
-        <c:ser>
-          <c:idx val="5"/>
-          <c:order val="5"/>
-          <c:tx>
-            <c:strRef>
-              <c:f>'Sheet2 (2)'!$G$2053</c:f>
-              <c:strCache>
-                <c:ptCount val="1"/>
-                <c:pt idx="0">
-                  <c:v>40-47</c:v>
-                </c:pt>
-              </c:strCache>
-            </c:strRef>
-          </c:tx>
-          <c:cat>
-            <c:strRef>
-              <c:f>'Sheet2 (2)'!$A$2055:$A$2063</c:f>
-              <c:strCache>
-                <c:ptCount val="9"/>
-                <c:pt idx="0">
-                  <c:v>mcf</c:v>
-                </c:pt>
-                <c:pt idx="1">
-                  <c:v>lbm</c:v>
-                </c:pt>
-                <c:pt idx="2">
-                  <c:v>astar</c:v>
-                </c:pt>
-                <c:pt idx="3">
-                  <c:v>tpch2</c:v>
-                </c:pt>
-                <c:pt idx="4">
-                  <c:v>calculix</c:v>
-                </c:pt>
-                <c:pt idx="5">
-                  <c:v>h264ref</c:v>
-                </c:pt>
-                <c:pt idx="6">
-                  <c:v>wrf</c:v>
-                </c:pt>
-                <c:pt idx="7">
-                  <c:v>povray</c:v>
-                </c:pt>
-                <c:pt idx="8">
-                  <c:v>gcc</c:v>
-                </c:pt>
-              </c:strCache>
-            </c:strRef>
-          </c:cat>
-          <c:val>
-            <c:numRef>
-              <c:f>'Sheet2 (2)'!$G$2055:$G$2063</c:f>
-              <c:numCache>
-                <c:formatCode>General</c:formatCode>
-                <c:ptCount val="9"/>
-                <c:pt idx="0">
-                  <c:v>1596238818</c:v>
-                </c:pt>
-                <c:pt idx="1">
-                  <c:v>828881</c:v>
-                </c:pt>
-                <c:pt idx="2">
-                  <c:v>281444015</c:v>
-                </c:pt>
-                <c:pt idx="3">
-                  <c:v>72471798</c:v>
-                </c:pt>
-                <c:pt idx="4">
-                  <c:v>191533</c:v>
-                </c:pt>
-                <c:pt idx="5">
-                  <c:v>2363534</c:v>
-                </c:pt>
-                <c:pt idx="6">
-                  <c:v>690912</c:v>
-                </c:pt>
-                <c:pt idx="7">
-                  <c:v>15479836</c:v>
-                </c:pt>
-                <c:pt idx="8">
-                  <c:v>62365042</c:v>
-                </c:pt>
-              </c:numCache>
-            </c:numRef>
-          </c:val>
-        </c:ser>
-        <c:ser>
-          <c:idx val="6"/>
-          <c:order val="6"/>
-          <c:tx>
-            <c:strRef>
-              <c:f>'Sheet2 (2)'!$H$2053</c:f>
-              <c:strCache>
-                <c:ptCount val="1"/>
-                <c:pt idx="0">
-                  <c:v>48-55</c:v>
-                </c:pt>
-              </c:strCache>
-            </c:strRef>
-          </c:tx>
-          <c:cat>
-            <c:strRef>
-              <c:f>'Sheet2 (2)'!$A$2055:$A$2063</c:f>
-              <c:strCache>
-                <c:ptCount val="9"/>
-                <c:pt idx="0">
-                  <c:v>mcf</c:v>
-                </c:pt>
-                <c:pt idx="1">
-                  <c:v>lbm</c:v>
-                </c:pt>
-                <c:pt idx="2">
-                  <c:v>astar</c:v>
-                </c:pt>
-                <c:pt idx="3">
-                  <c:v>tpch2</c:v>
-                </c:pt>
-                <c:pt idx="4">
-                  <c:v>calculix</c:v>
-                </c:pt>
-                <c:pt idx="5">
-                  <c:v>h264ref</c:v>
-                </c:pt>
-                <c:pt idx="6">
-                  <c:v>wrf</c:v>
-                </c:pt>
-                <c:pt idx="7">
-                  <c:v>povray</c:v>
-                </c:pt>
-                <c:pt idx="8">
-                  <c:v>gcc</c:v>
-                </c:pt>
-              </c:strCache>
-            </c:strRef>
-          </c:cat>
-          <c:val>
-            <c:numRef>
-              <c:f>'Sheet2 (2)'!$H$2055:$H$2063</c:f>
-              <c:numCache>
-                <c:formatCode>General</c:formatCode>
-                <c:ptCount val="9"/>
-                <c:pt idx="0">
-                  <c:v>204885178</c:v>
-                </c:pt>
-                <c:pt idx="1">
-                  <c:v>938329</c:v>
-                </c:pt>
-                <c:pt idx="2">
-                  <c:v>115110431</c:v>
-                </c:pt>
-                <c:pt idx="3">
-                  <c:v>47355960</c:v>
-                </c:pt>
-                <c:pt idx="4">
-                  <c:v>79283</c:v>
-                </c:pt>
-                <c:pt idx="5">
-                  <c:v>980554</c:v>
-                </c:pt>
-                <c:pt idx="6">
-                  <c:v>280055</c:v>
-                </c:pt>
-                <c:pt idx="7">
-                  <c:v>4372842</c:v>
-                </c:pt>
-                <c:pt idx="8">
-                  <c:v>2603173</c:v>
-                </c:pt>
-              </c:numCache>
-            </c:numRef>
-          </c:val>
-        </c:ser>
-        <c:ser>
-          <c:idx val="7"/>
-          <c:order val="7"/>
-          <c:tx>
-            <c:strRef>
-              <c:f>'Sheet2 (2)'!$I$2053</c:f>
-              <c:strCache>
-                <c:ptCount val="1"/>
-                <c:pt idx="0">
-                  <c:v>56-63</c:v>
-                </c:pt>
-              </c:strCache>
-            </c:strRef>
-          </c:tx>
-          <c:cat>
-            <c:strRef>
-              <c:f>'Sheet2 (2)'!$A$2055:$A$2063</c:f>
-              <c:strCache>
-                <c:ptCount val="9"/>
-                <c:pt idx="0">
-                  <c:v>mcf</c:v>
-                </c:pt>
-                <c:pt idx="1">
-                  <c:v>lbm</c:v>
-                </c:pt>
-                <c:pt idx="2">
-                  <c:v>astar</c:v>
-                </c:pt>
-                <c:pt idx="3">
-                  <c:v>tpch2</c:v>
-                </c:pt>
-                <c:pt idx="4">
-                  <c:v>calculix</c:v>
-                </c:pt>
-                <c:pt idx="5">
-                  <c:v>h264ref</c:v>
-                </c:pt>
-                <c:pt idx="6">
-                  <c:v>wrf</c:v>
-                </c:pt>
-                <c:pt idx="7">
-                  <c:v>povray</c:v>
-                </c:pt>
-                <c:pt idx="8">
-                  <c:v>gcc</c:v>
-                </c:pt>
-              </c:strCache>
-            </c:strRef>
-          </c:cat>
-          <c:val>
-            <c:numRef>
-              <c:f>'Sheet2 (2)'!$I$2055:$I$2063</c:f>
-              <c:numCache>
-                <c:formatCode>General</c:formatCode>
-                <c:ptCount val="9"/>
-                <c:pt idx="0">
-                  <c:v>1420617</c:v>
-                </c:pt>
-                <c:pt idx="1">
-                  <c:v>424299303</c:v>
-                </c:pt>
-                <c:pt idx="2">
-                  <c:v>88826182</c:v>
-                </c:pt>
-                <c:pt idx="3">
-                  <c:v>306096812</c:v>
-                </c:pt>
-                <c:pt idx="4">
-                  <c:v>49032</c:v>
-                </c:pt>
-                <c:pt idx="5">
-                  <c:v>313687</c:v>
-                </c:pt>
-                <c:pt idx="6">
-                  <c:v>122215</c:v>
-                </c:pt>
-                <c:pt idx="7">
-                  <c:v>1319390</c:v>
-                </c:pt>
-                <c:pt idx="8">
-                  <c:v>563222</c:v>
-                </c:pt>
-              </c:numCache>
-            </c:numRef>
-          </c:val>
-        </c:ser>
-        <c:ser>
-          <c:idx val="8"/>
-          <c:order val="8"/>
-          <c:tx>
-            <c:strRef>
-              <c:f>'Sheet2 (2)'!$J$2053</c:f>
-              <c:strCache>
-                <c:ptCount val="1"/>
-                <c:pt idx="0">
-                  <c:v>64</c:v>
-                </c:pt>
-              </c:strCache>
-            </c:strRef>
-          </c:tx>
-          <c:cat>
-            <c:strRef>
-              <c:f>'Sheet2 (2)'!$A$2055:$A$2063</c:f>
-              <c:strCache>
-                <c:ptCount val="9"/>
-                <c:pt idx="0">
-                  <c:v>mcf</c:v>
-                </c:pt>
-                <c:pt idx="1">
-                  <c:v>lbm</c:v>
-                </c:pt>
-                <c:pt idx="2">
-                  <c:v>astar</c:v>
-                </c:pt>
-                <c:pt idx="3">
-                  <c:v>tpch2</c:v>
-                </c:pt>
-                <c:pt idx="4">
-                  <c:v>calculix</c:v>
-                </c:pt>
-                <c:pt idx="5">
-                  <c:v>h264ref</c:v>
-                </c:pt>
-                <c:pt idx="6">
-                  <c:v>wrf</c:v>
-                </c:pt>
-                <c:pt idx="7">
-                  <c:v>povray</c:v>
-                </c:pt>
-                <c:pt idx="8">
-                  <c:v>gcc</c:v>
-                </c:pt>
-              </c:strCache>
-            </c:strRef>
-          </c:cat>
-          <c:val>
-            <c:numRef>
-              <c:f>'Sheet2 (2)'!$J$2055:$J$2063</c:f>
-              <c:numCache>
-                <c:formatCode>General</c:formatCode>
-                <c:ptCount val="9"/>
-                <c:pt idx="0">
-                  <c:v>1823662</c:v>
-                </c:pt>
-                <c:pt idx="1">
-                  <c:v>767029723</c:v>
-                </c:pt>
-                <c:pt idx="2">
-                  <c:v>36844724</c:v>
-                </c:pt>
-                <c:pt idx="3">
-                  <c:v>146813883</c:v>
-                </c:pt>
-                <c:pt idx="4">
-                  <c:v>445961</c:v>
-                </c:pt>
-                <c:pt idx="5">
-                  <c:v>3449636</c:v>
-                </c:pt>
-                <c:pt idx="6">
-                  <c:v>1840041</c:v>
-                </c:pt>
-                <c:pt idx="7">
-                  <c:v>8348369</c:v>
-                </c:pt>
-                <c:pt idx="8">
-                  <c:v>2601386</c:v>
-                </c:pt>
-              </c:numCache>
-            </c:numRef>
-          </c:val>
-        </c:ser>
-        <c:overlap val="100"/>
-        <c:axId val="134147072"/>
-        <c:axId val="134827392"/>
-      </c:barChart>
-      <c:catAx>
-        <c:axId val="134147072"/>
-        <c:scaling>
-          <c:orientation val="minMax"/>
-        </c:scaling>
-        <c:axPos val="b"/>
-        <c:title>
-          <c:tx>
-            <c:rich>
-              <a:bodyPr/>
-              <a:lstStyle/>
-              <a:p>
-                <a:pPr>
-                  <a:defRPr sz="3200"/>
-                </a:pPr>
-                <a:r>
-                  <a:rPr lang="en-US" sz="3200"/>
-                  <a:t>Benchmark</a:t>
-                </a:r>
-              </a:p>
-            </c:rich>
-          </c:tx>
-          <c:layout/>
-        </c:title>
-        <c:tickLblPos val="nextTo"/>
-        <c:txPr>
-          <a:bodyPr/>
-          <a:lstStyle/>
-          <a:p>
-            <a:pPr>
-              <a:defRPr sz="2000"/>
-            </a:pPr>
-            <a:endParaRPr lang="en-US"/>
-          </a:p>
-        </c:txPr>
-        <c:crossAx val="134827392"/>
-        <c:crosses val="autoZero"/>
-        <c:auto val="1"/>
-        <c:lblAlgn val="ctr"/>
-        <c:lblOffset val="100"/>
-      </c:catAx>
-      <c:valAx>
-        <c:axId val="134827392"/>
-        <c:scaling>
-          <c:orientation val="minMax"/>
-        </c:scaling>
-        <c:axPos val="l"/>
-        <c:title>
-          <c:tx>
-            <c:rich>
-              <a:bodyPr rot="-5400000" vert="horz"/>
-              <a:lstStyle/>
-              <a:p>
-                <a:pPr>
-                  <a:defRPr sz="2000" b="1"/>
-                </a:pPr>
-                <a:r>
-                  <a:rPr lang="en-US" sz="2000" b="1" dirty="0"/>
-                  <a:t>Percentage of Cache Blocks in Set</a:t>
-                </a:r>
-              </a:p>
-            </c:rich>
-          </c:tx>
-          <c:layout/>
-        </c:title>
-        <c:numFmt formatCode="0%" sourceLinked="1"/>
-        <c:tickLblPos val="nextTo"/>
-        <c:txPr>
-          <a:bodyPr/>
-          <a:lstStyle/>
-          <a:p>
-            <a:pPr>
-              <a:defRPr sz="2000"/>
-            </a:pPr>
-            <a:endParaRPr lang="en-US"/>
-          </a:p>
-        </c:txPr>
-        <c:crossAx val="134147072"/>
-        <c:crosses val="autoZero"/>
-        <c:crossBetween val="between"/>
-      </c:valAx>
-    </c:plotArea>
-    <c:legend>
-      <c:legendPos val="r"/>
-      <c:layout>
-        <c:manualLayout>
-          <c:xMode val="edge"/>
-          <c:yMode val="edge"/>
-          <c:x val="0.78753791192767575"/>
-          <c:y val="6.2691631742866238E-2"/>
-          <c:w val="0.2038361038203558"/>
-          <c:h val="0.6833540640246446"/>
-        </c:manualLayout>
-      </c:layout>
-      <c:txPr>
-        <a:bodyPr/>
-        <a:lstStyle/>
-        <a:p>
-          <a:pPr>
-            <a:defRPr sz="2000"/>
-          </a:pPr>
-          <a:endParaRPr lang="en-US"/>
-        </a:p>
-      </c:txPr>
-    </c:legend>
-    <c:plotVisOnly val="1"/>
-  </c:chart>
-  <c:externalData r:id="rId1"/>
-</c:chartSpace>
-</file>
-
-<file path=ppt/charts/chart2.xml><?xml version="1.0" encoding="utf-8"?>
-<c:chartSpace xmlns:c="http://schemas.openxmlformats.org/drawingml/2006/chart" xmlns:a="http://schemas.openxmlformats.org/drawingml/2006/main" xmlns:r="http://schemas.openxmlformats.org/officeDocument/2006/relationships">
-  <c:lang val="en-US"/>
-  <c:chart>
+    <c:autoTitleDeleted val="0"/>
     <c:plotArea>
       <c:layout>
         <c:manualLayout>
           <c:layoutTarget val="inner"/>
           <c:xMode val="edge"/>
           <c:yMode val="edge"/>
-          <c:x val="8.3966193813199766E-2"/>
-          <c:y val="3.4426417628029088E-2"/>
-          <c:w val="0.90340475122338593"/>
-          <c:h val="0.71114311368973682"/>
+          <c:x val="0.0839661938131998"/>
+          <c:y val="0.0344264176280291"/>
+          <c:w val="0.903404751223386"/>
+          <c:h val="0.711143113689737"/>
         </c:manualLayout>
       </c:layout>
       <c:barChart>
         <c:barDir val="col"/>
         <c:grouping val="clustered"/>
+        <c:varyColors val="0"/>
         <c:ser>
           <c:idx val="0"/>
           <c:order val="0"/>
@@ -1038,6 +152,7 @@
               </c:strCache>
             </c:strRef>
           </c:tx>
+          <c:invertIfNegative val="0"/>
           <c:cat>
             <c:strRef>
               <c:f>Sheet2!$B$2:$B$26</c:f>
@@ -1128,79 +243,79 @@
                 <c:formatCode>General</c:formatCode>
                 <c:ptCount val="25"/>
                 <c:pt idx="0">
-                  <c:v>1</c:v>
+                  <c:v>1.0</c:v>
                 </c:pt>
                 <c:pt idx="1">
-                  <c:v>1</c:v>
+                  <c:v>1.0</c:v>
                 </c:pt>
                 <c:pt idx="2">
-                  <c:v>1</c:v>
+                  <c:v>1.0</c:v>
                 </c:pt>
                 <c:pt idx="3">
-                  <c:v>1</c:v>
+                  <c:v>1.0</c:v>
                 </c:pt>
                 <c:pt idx="4">
-                  <c:v>1</c:v>
+                  <c:v>1.0</c:v>
                 </c:pt>
                 <c:pt idx="5">
-                  <c:v>1</c:v>
+                  <c:v>1.0</c:v>
                 </c:pt>
                 <c:pt idx="6">
-                  <c:v>1</c:v>
+                  <c:v>1.0</c:v>
                 </c:pt>
                 <c:pt idx="7">
-                  <c:v>1</c:v>
+                  <c:v>1.0</c:v>
                 </c:pt>
                 <c:pt idx="8">
-                  <c:v>1</c:v>
+                  <c:v>1.0</c:v>
                 </c:pt>
                 <c:pt idx="9">
-                  <c:v>1</c:v>
+                  <c:v>1.0</c:v>
                 </c:pt>
                 <c:pt idx="10">
-                  <c:v>1</c:v>
+                  <c:v>1.0</c:v>
                 </c:pt>
                 <c:pt idx="11">
-                  <c:v>1</c:v>
+                  <c:v>1.0</c:v>
                 </c:pt>
                 <c:pt idx="12">
-                  <c:v>1</c:v>
+                  <c:v>1.0</c:v>
                 </c:pt>
                 <c:pt idx="13">
-                  <c:v>1</c:v>
+                  <c:v>1.0</c:v>
                 </c:pt>
                 <c:pt idx="14">
-                  <c:v>1</c:v>
+                  <c:v>1.0</c:v>
                 </c:pt>
                 <c:pt idx="15">
-                  <c:v>1</c:v>
+                  <c:v>1.0</c:v>
                 </c:pt>
                 <c:pt idx="16">
-                  <c:v>1</c:v>
+                  <c:v>1.0</c:v>
                 </c:pt>
                 <c:pt idx="17">
-                  <c:v>1</c:v>
+                  <c:v>1.0</c:v>
                 </c:pt>
                 <c:pt idx="18">
-                  <c:v>1</c:v>
+                  <c:v>1.0</c:v>
                 </c:pt>
                 <c:pt idx="19">
-                  <c:v>1</c:v>
+                  <c:v>1.0</c:v>
                 </c:pt>
                 <c:pt idx="20">
-                  <c:v>1</c:v>
+                  <c:v>1.0</c:v>
                 </c:pt>
                 <c:pt idx="21">
-                  <c:v>1</c:v>
+                  <c:v>1.0</c:v>
                 </c:pt>
                 <c:pt idx="22">
-                  <c:v>1</c:v>
+                  <c:v>1.0</c:v>
                 </c:pt>
                 <c:pt idx="23">
-                  <c:v>1</c:v>
+                  <c:v>1.0</c:v>
                 </c:pt>
                 <c:pt idx="24">
-                  <c:v>1</c:v>
+                  <c:v>1.0</c:v>
                 </c:pt>
               </c:numCache>
             </c:numRef>
@@ -1220,6 +335,7 @@
               </c:strCache>
             </c:strRef>
           </c:tx>
+          <c:invertIfNegative val="0"/>
           <c:cat>
             <c:strRef>
               <c:f>Sheet2!$B$2:$B$26</c:f>
@@ -1313,13 +429,13 @@
                   <c:v>1.09355</c:v>
                 </c:pt>
                 <c:pt idx="1">
-                  <c:v>1</c:v>
+                  <c:v>1.0</c:v>
                 </c:pt>
                 <c:pt idx="2">
-                  <c:v>1.0088900000000001</c:v>
+                  <c:v>1.00889</c:v>
                 </c:pt>
                 <c:pt idx="3">
-                  <c:v>1.0105599999999999</c:v>
+                  <c:v>1.01056</c:v>
                 </c:pt>
                 <c:pt idx="4">
                   <c:v>1.00118</c:v>
@@ -1331,40 +447,40 @@
                   <c:v>1.00014</c:v>
                 </c:pt>
                 <c:pt idx="7">
-                  <c:v>1.0081800000000001</c:v>
+                  <c:v>1.00818</c:v>
                 </c:pt>
                 <c:pt idx="8">
-                  <c:v>1</c:v>
+                  <c:v>1.0</c:v>
                 </c:pt>
                 <c:pt idx="9">
-                  <c:v>1.0037700000000001</c:v>
+                  <c:v>1.00377</c:v>
                 </c:pt>
                 <c:pt idx="10">
-                  <c:v>1</c:v>
+                  <c:v>1.0</c:v>
                 </c:pt>
                 <c:pt idx="11">
-                  <c:v>1.0280100000000001</c:v>
+                  <c:v>1.02801</c:v>
                 </c:pt>
                 <c:pt idx="12">
                   <c:v>1.00281</c:v>
                 </c:pt>
                 <c:pt idx="13">
-                  <c:v>1.0146500000000001</c:v>
+                  <c:v>1.01465</c:v>
                 </c:pt>
                 <c:pt idx="14">
-                  <c:v>1.0066900000000001</c:v>
+                  <c:v>1.00669</c:v>
                 </c:pt>
                 <c:pt idx="15">
-                  <c:v>1.0099100000000001</c:v>
+                  <c:v>1.00991</c:v>
                 </c:pt>
                 <c:pt idx="16">
-                  <c:v>1.0454600000000001</c:v>
+                  <c:v>1.04546</c:v>
                 </c:pt>
                 <c:pt idx="17">
-                  <c:v>1.0024900000000001</c:v>
+                  <c:v>1.00249</c:v>
                 </c:pt>
                 <c:pt idx="18">
-                  <c:v>1.0328900000000001</c:v>
+                  <c:v>1.03289</c:v>
                 </c:pt>
                 <c:pt idx="19">
                   <c:v>1.05769</c:v>
@@ -1402,6 +518,7 @@
               </c:strCache>
             </c:strRef>
           </c:tx>
+          <c:invertIfNegative val="0"/>
           <c:cat>
             <c:strRef>
               <c:f>Sheet2!$B$2:$B$26</c:f>
@@ -1510,19 +627,19 @@
                   <c:v>1.1975</c:v>
                 </c:pt>
                 <c:pt idx="6">
-                  <c:v>0.95118000000000003</c:v>
+                  <c:v>0.95118</c:v>
                 </c:pt>
                 <c:pt idx="7">
                   <c:v>1.03085</c:v>
                 </c:pt>
                 <c:pt idx="8">
-                  <c:v>0.92237999999999998</c:v>
+                  <c:v>0.92238</c:v>
                 </c:pt>
                 <c:pt idx="9">
                   <c:v>1.0105</c:v>
                 </c:pt>
                 <c:pt idx="10">
-                  <c:v>1</c:v>
+                  <c:v>1.0</c:v>
                 </c:pt>
                 <c:pt idx="11">
                   <c:v>1.02376</c:v>
@@ -1531,28 +648,28 @@
                   <c:v>1.00258</c:v>
                 </c:pt>
                 <c:pt idx="13">
-                  <c:v>1.1704399999999999</c:v>
+                  <c:v>1.17044</c:v>
                 </c:pt>
                 <c:pt idx="14">
-                  <c:v>1.0379700000000001</c:v>
+                  <c:v>1.03797</c:v>
                 </c:pt>
                 <c:pt idx="15">
                   <c:v>1.00085</c:v>
                 </c:pt>
                 <c:pt idx="16">
-                  <c:v>0.93147999999999997</c:v>
+                  <c:v>0.93148</c:v>
                 </c:pt>
                 <c:pt idx="17">
-                  <c:v>1.0022500000000001</c:v>
+                  <c:v>1.00225</c:v>
                 </c:pt>
                 <c:pt idx="18">
-                  <c:v>0.98389000000000004</c:v>
+                  <c:v>0.98389</c:v>
                 </c:pt>
                 <c:pt idx="19">
                   <c:v>1.09331</c:v>
                 </c:pt>
                 <c:pt idx="20">
-                  <c:v>1.0324199999999999</c:v>
+                  <c:v>1.03242</c:v>
                 </c:pt>
                 <c:pt idx="21">
                   <c:v>0.99156</c:v>
@@ -1564,7 +681,7 @@
                   <c:v>0.99539</c:v>
                 </c:pt>
                 <c:pt idx="24">
-                  <c:v>1.0241400000000001</c:v>
+                  <c:v>1.02414</c:v>
                 </c:pt>
               </c:numCache>
             </c:numRef>
@@ -1584,6 +701,7 @@
               </c:strCache>
             </c:strRef>
           </c:tx>
+          <c:invertIfNegative val="0"/>
           <c:cat>
             <c:strRef>
               <c:f>Sheet2!$B$2:$B$26</c:f>
@@ -1674,37 +792,37 @@
                 <c:formatCode>General</c:formatCode>
                 <c:ptCount val="25"/>
                 <c:pt idx="0">
-                  <c:v>1.1881600000000001</c:v>
+                  <c:v>1.18816</c:v>
                 </c:pt>
                 <c:pt idx="1">
                   <c:v>1.18564</c:v>
                 </c:pt>
                 <c:pt idx="2">
-                  <c:v>1.0223500000000001</c:v>
+                  <c:v>1.02235</c:v>
                 </c:pt>
                 <c:pt idx="3">
-                  <c:v>1.0269699999999999</c:v>
+                  <c:v>1.02697</c:v>
                 </c:pt>
                 <c:pt idx="4">
-                  <c:v>1.0017199999999999</c:v>
+                  <c:v>1.00172</c:v>
                 </c:pt>
                 <c:pt idx="5">
-                  <c:v>1.1984900000000001</c:v>
+                  <c:v>1.19849</c:v>
                 </c:pt>
                 <c:pt idx="6">
-                  <c:v>0.95126999999999995</c:v>
+                  <c:v>0.95127</c:v>
                 </c:pt>
                 <c:pt idx="7">
                   <c:v>1.03851</c:v>
                 </c:pt>
                 <c:pt idx="8">
-                  <c:v>0.92237999999999998</c:v>
+                  <c:v>0.92238</c:v>
                 </c:pt>
                 <c:pt idx="9">
-                  <c:v>1.0152300000000001</c:v>
+                  <c:v>1.01523</c:v>
                 </c:pt>
                 <c:pt idx="10">
-                  <c:v>1.0000100000000001</c:v>
+                  <c:v>1.00001</c:v>
                 </c:pt>
                 <c:pt idx="11">
                   <c:v>1.03244</c:v>
@@ -1713,34 +831,34 @@
                   <c:v>1.00275</c:v>
                 </c:pt>
                 <c:pt idx="13">
-                  <c:v>1.2256899999999999</c:v>
+                  <c:v>1.22569</c:v>
                 </c:pt>
                 <c:pt idx="14">
-                  <c:v>1.0773600000000001</c:v>
+                  <c:v>1.07736</c:v>
                 </c:pt>
                 <c:pt idx="15">
-                  <c:v>1.0095799999999999</c:v>
+                  <c:v>1.00958</c:v>
                 </c:pt>
                 <c:pt idx="16">
-                  <c:v>0.95059000000000005</c:v>
+                  <c:v>0.95059</c:v>
                 </c:pt>
                 <c:pt idx="17">
-                  <c:v>1.0027699999999999</c:v>
+                  <c:v>1.00277</c:v>
                 </c:pt>
                 <c:pt idx="18">
                   <c:v>0.97053</c:v>
                 </c:pt>
                 <c:pt idx="19">
-                  <c:v>1.1068199999999999</c:v>
+                  <c:v>1.10682</c:v>
                 </c:pt>
                 <c:pt idx="20">
-                  <c:v>1.0344800000000001</c:v>
+                  <c:v>1.03448</c:v>
                 </c:pt>
                 <c:pt idx="21">
-                  <c:v>0.99146000000000001</c:v>
+                  <c:v>0.99146</c:v>
                 </c:pt>
                 <c:pt idx="22">
-                  <c:v>1.0308600000000001</c:v>
+                  <c:v>1.03086</c:v>
                 </c:pt>
                 <c:pt idx="23">
                   <c:v>1.00515</c:v>
@@ -1752,14 +870,24 @@
             </c:numRef>
           </c:val>
         </c:ser>
-        <c:axId val="124127488"/>
-        <c:axId val="124141952"/>
+        <c:dLbls>
+          <c:showLegendKey val="0"/>
+          <c:showVal val="0"/>
+          <c:showCatName val="0"/>
+          <c:showSerName val="0"/>
+          <c:showPercent val="0"/>
+          <c:showBubbleSize val="0"/>
+        </c:dLbls>
+        <c:gapWidth val="150"/>
+        <c:axId val="2028542760"/>
+        <c:axId val="2028548296"/>
       </c:barChart>
       <c:catAx>
-        <c:axId val="124127488"/>
+        <c:axId val="2028542760"/>
         <c:scaling>
           <c:orientation val="minMax"/>
         </c:scaling>
+        <c:delete val="0"/>
         <c:axPos val="b"/>
         <c:title>
           <c:tx>
@@ -1778,20 +906,25 @@
             </c:rich>
           </c:tx>
           <c:layout/>
+          <c:overlay val="0"/>
         </c:title>
+        <c:majorTickMark val="out"/>
+        <c:minorTickMark val="none"/>
         <c:tickLblPos val="nextTo"/>
-        <c:crossAx val="124141952"/>
+        <c:crossAx val="2028548296"/>
         <c:crosses val="autoZero"/>
         <c:auto val="1"/>
         <c:lblAlgn val="ctr"/>
         <c:lblOffset val="100"/>
+        <c:noMultiLvlLbl val="0"/>
       </c:catAx>
       <c:valAx>
-        <c:axId val="124141952"/>
+        <c:axId val="2028548296"/>
         <c:scaling>
           <c:orientation val="minMax"/>
           <c:min val="0.88"/>
         </c:scaling>
+        <c:delete val="0"/>
         <c:axPos val="l"/>
         <c:majorGridlines/>
         <c:title>
@@ -1811,10 +944,13 @@
             </c:rich>
           </c:tx>
           <c:layout/>
+          <c:overlay val="0"/>
         </c:title>
         <c:numFmt formatCode="General" sourceLinked="1"/>
+        <c:majorTickMark val="out"/>
+        <c:minorTickMark val="none"/>
         <c:tickLblPos val="nextTo"/>
-        <c:crossAx val="124127488"/>
+        <c:crossAx val="2028542760"/>
         <c:crosses val="autoZero"/>
         <c:crossBetween val="between"/>
       </c:valAx>
@@ -1825,14 +961,17 @@
         <c:manualLayout>
           <c:xMode val="edge"/>
           <c:yMode val="edge"/>
-          <c:x val="0.67242216046523584"/>
-          <c:y val="2.7107162591518165E-2"/>
-          <c:w val="0.14166071087872364"/>
-          <c:h val="0.27535294930239007"/>
+          <c:x val="0.672422160465236"/>
+          <c:y val="0.0271071625915182"/>
+          <c:w val="0.141660710878724"/>
+          <c:h val="0.27535294930239"/>
         </c:manualLayout>
       </c:layout>
+      <c:overlay val="0"/>
     </c:legend>
     <c:plotVisOnly val="1"/>
+    <c:dispBlanksAs val="gap"/>
+    <c:showDLblsOverMax val="0"/>
   </c:chart>
   <c:txPr>
     <a:bodyPr/>
@@ -1846,7 +985,471 @@
       <a:endParaRPr lang="en-US"/>
     </a:p>
   </c:txPr>
-  <c:externalData r:id="rId1"/>
+  <c:externalData r:id="rId1">
+    <c:autoUpdate val="0"/>
+  </c:externalData>
+</c:chartSpace>
+</file>
+
+<file path=ppt/charts/chart2.xml><?xml version="1.0" encoding="utf-8"?>
+<c:chartSpace xmlns:c="http://schemas.openxmlformats.org/drawingml/2006/chart" xmlns:a="http://schemas.openxmlformats.org/drawingml/2006/main" xmlns:r="http://schemas.openxmlformats.org/officeDocument/2006/relationships">
+  <c:date1904 val="0"/>
+  <c:lang val="en-US"/>
+  <c:roundedCorners val="0"/>
+  <mc:AlternateContent xmlns:mc="http://schemas.openxmlformats.org/markup-compatibility/2006">
+    <mc:Choice xmlns:c14="http://schemas.microsoft.com/office/drawing/2007/8/2/chart" Requires="c14">
+      <c14:style val="118"/>
+    </mc:Choice>
+    <mc:Fallback>
+      <c:style val="18"/>
+    </mc:Fallback>
+  </mc:AlternateContent>
+  <c:chart>
+    <c:title>
+      <c:tx>
+        <c:rich>
+          <a:bodyPr/>
+          <a:lstStyle/>
+          <a:p>
+            <a:pPr>
+              <a:defRPr/>
+            </a:pPr>
+            <a:r>
+              <a:rPr lang="en-US" sz="2800" b="1" i="0" baseline="0" dirty="0">
+                <a:effectLst/>
+              </a:rPr>
+              <a:t>Effect of Pooling on Base-Delta Block Types</a:t>
+            </a:r>
+            <a:endParaRPr lang="en-US" sz="2800" dirty="0">
+              <a:effectLst/>
+            </a:endParaRPr>
+          </a:p>
+        </c:rich>
+      </c:tx>
+      <c:layout/>
+      <c:overlay val="0"/>
+    </c:title>
+    <c:autoTitleDeleted val="0"/>
+    <c:plotArea>
+      <c:layout/>
+      <c:barChart>
+        <c:barDir val="col"/>
+        <c:grouping val="percentStacked"/>
+        <c:varyColors val="0"/>
+        <c:ser>
+          <c:idx val="2"/>
+          <c:order val="0"/>
+          <c:tx>
+            <c:v>LARGE</c:v>
+          </c:tx>
+          <c:spPr>
+            <a:solidFill>
+              <a:schemeClr val="tx1">
+                <a:lumMod val="85000"/>
+                <a:lumOff val="15000"/>
+              </a:schemeClr>
+            </a:solidFill>
+          </c:spPr>
+          <c:invertIfNegative val="0"/>
+          <c:cat>
+            <c:strRef>
+              <c:f>Sheet1!$A$47:$A$52</c:f>
+              <c:strCache>
+                <c:ptCount val="6"/>
+                <c:pt idx="0">
+                  <c:v>bisort</c:v>
+                </c:pt>
+                <c:pt idx="1">
+                  <c:v>bisort.pool</c:v>
+                </c:pt>
+                <c:pt idx="2">
+                  <c:v>llu</c:v>
+                </c:pt>
+                <c:pt idx="3">
+                  <c:v>llu.pool</c:v>
+                </c:pt>
+                <c:pt idx="4">
+                  <c:v>sort</c:v>
+                </c:pt>
+                <c:pt idx="5">
+                  <c:v>sort.pool</c:v>
+                </c:pt>
+              </c:strCache>
+            </c:strRef>
+          </c:cat>
+          <c:val>
+            <c:numRef>
+              <c:f>Sheet1!$E$47:$E$52</c:f>
+              <c:numCache>
+                <c:formatCode>General</c:formatCode>
+                <c:ptCount val="6"/>
+                <c:pt idx="0">
+                  <c:v>767.0</c:v>
+                </c:pt>
+                <c:pt idx="1">
+                  <c:v>488.0</c:v>
+                </c:pt>
+                <c:pt idx="2">
+                  <c:v>1763.0</c:v>
+                </c:pt>
+                <c:pt idx="3">
+                  <c:v>28.0</c:v>
+                </c:pt>
+                <c:pt idx="4">
+                  <c:v>251.0</c:v>
+                </c:pt>
+                <c:pt idx="5">
+                  <c:v>80.0</c:v>
+                </c:pt>
+              </c:numCache>
+            </c:numRef>
+          </c:val>
+        </c:ser>
+        <c:ser>
+          <c:idx val="0"/>
+          <c:order val="1"/>
+          <c:tx>
+            <c:v>MEDIUM</c:v>
+          </c:tx>
+          <c:spPr>
+            <a:solidFill>
+              <a:schemeClr val="tx1">
+                <a:lumMod val="75000"/>
+                <a:lumOff val="25000"/>
+              </a:schemeClr>
+            </a:solidFill>
+          </c:spPr>
+          <c:invertIfNegative val="0"/>
+          <c:cat>
+            <c:strRef>
+              <c:f>Sheet1!$A$47:$A$52</c:f>
+              <c:strCache>
+                <c:ptCount val="6"/>
+                <c:pt idx="0">
+                  <c:v>bisort</c:v>
+                </c:pt>
+                <c:pt idx="1">
+                  <c:v>bisort.pool</c:v>
+                </c:pt>
+                <c:pt idx="2">
+                  <c:v>llu</c:v>
+                </c:pt>
+                <c:pt idx="3">
+                  <c:v>llu.pool</c:v>
+                </c:pt>
+                <c:pt idx="4">
+                  <c:v>sort</c:v>
+                </c:pt>
+                <c:pt idx="5">
+                  <c:v>sort.pool</c:v>
+                </c:pt>
+              </c:strCache>
+            </c:strRef>
+          </c:cat>
+          <c:val>
+            <c:numRef>
+              <c:f>Sheet1!$D$47:$D$52</c:f>
+              <c:numCache>
+                <c:formatCode>General</c:formatCode>
+                <c:ptCount val="6"/>
+                <c:pt idx="0">
+                  <c:v>253.0</c:v>
+                </c:pt>
+                <c:pt idx="1">
+                  <c:v>152.0</c:v>
+                </c:pt>
+                <c:pt idx="2">
+                  <c:v>345.0</c:v>
+                </c:pt>
+                <c:pt idx="3">
+                  <c:v>624.0</c:v>
+                </c:pt>
+                <c:pt idx="4">
+                  <c:v>0.0</c:v>
+                </c:pt>
+                <c:pt idx="5">
+                  <c:v>0.0</c:v>
+                </c:pt>
+              </c:numCache>
+            </c:numRef>
+          </c:val>
+        </c:ser>
+        <c:ser>
+          <c:idx val="1"/>
+          <c:order val="2"/>
+          <c:tx>
+            <c:v>REPEATED</c:v>
+          </c:tx>
+          <c:spPr>
+            <a:solidFill>
+              <a:schemeClr val="tx1">
+                <a:lumMod val="65000"/>
+                <a:lumOff val="35000"/>
+              </a:schemeClr>
+            </a:solidFill>
+          </c:spPr>
+          <c:invertIfNegative val="0"/>
+          <c:cat>
+            <c:strRef>
+              <c:f>Sheet1!$A$47:$A$52</c:f>
+              <c:strCache>
+                <c:ptCount val="6"/>
+                <c:pt idx="0">
+                  <c:v>bisort</c:v>
+                </c:pt>
+                <c:pt idx="1">
+                  <c:v>bisort.pool</c:v>
+                </c:pt>
+                <c:pt idx="2">
+                  <c:v>llu</c:v>
+                </c:pt>
+                <c:pt idx="3">
+                  <c:v>llu.pool</c:v>
+                </c:pt>
+                <c:pt idx="4">
+                  <c:v>sort</c:v>
+                </c:pt>
+                <c:pt idx="5">
+                  <c:v>sort.pool</c:v>
+                </c:pt>
+              </c:strCache>
+            </c:strRef>
+          </c:cat>
+          <c:val>
+            <c:numRef>
+              <c:f>Sheet1!$C$47:$C$52</c:f>
+              <c:numCache>
+                <c:formatCode>General</c:formatCode>
+                <c:ptCount val="6"/>
+                <c:pt idx="0">
+                  <c:v>0.0</c:v>
+                </c:pt>
+                <c:pt idx="1">
+                  <c:v>0.0</c:v>
+                </c:pt>
+                <c:pt idx="2">
+                  <c:v>0.0</c:v>
+                </c:pt>
+                <c:pt idx="3">
+                  <c:v>97.0</c:v>
+                </c:pt>
+                <c:pt idx="4">
+                  <c:v>0.0</c:v>
+                </c:pt>
+                <c:pt idx="5">
+                  <c:v>0.0</c:v>
+                </c:pt>
+              </c:numCache>
+            </c:numRef>
+          </c:val>
+        </c:ser>
+        <c:ser>
+          <c:idx val="3"/>
+          <c:order val="3"/>
+          <c:tx>
+            <c:v>ZEROS</c:v>
+          </c:tx>
+          <c:spPr>
+            <a:solidFill>
+              <a:srgbClr val="008000"/>
+            </a:solidFill>
+          </c:spPr>
+          <c:invertIfNegative val="0"/>
+          <c:cat>
+            <c:strRef>
+              <c:f>Sheet1!$A$47:$A$52</c:f>
+              <c:strCache>
+                <c:ptCount val="6"/>
+                <c:pt idx="0">
+                  <c:v>bisort</c:v>
+                </c:pt>
+                <c:pt idx="1">
+                  <c:v>bisort.pool</c:v>
+                </c:pt>
+                <c:pt idx="2">
+                  <c:v>llu</c:v>
+                </c:pt>
+                <c:pt idx="3">
+                  <c:v>llu.pool</c:v>
+                </c:pt>
+                <c:pt idx="4">
+                  <c:v>sort</c:v>
+                </c:pt>
+                <c:pt idx="5">
+                  <c:v>sort.pool</c:v>
+                </c:pt>
+              </c:strCache>
+            </c:strRef>
+          </c:cat>
+          <c:val>
+            <c:numRef>
+              <c:f>Sheet1!$B$47:$B$52</c:f>
+              <c:numCache>
+                <c:formatCode>General</c:formatCode>
+                <c:ptCount val="6"/>
+                <c:pt idx="0">
+                  <c:v>4.0</c:v>
+                </c:pt>
+                <c:pt idx="1">
+                  <c:v>0.0</c:v>
+                </c:pt>
+                <c:pt idx="2">
+                  <c:v>0.0</c:v>
+                </c:pt>
+                <c:pt idx="3">
+                  <c:v>833.0</c:v>
+                </c:pt>
+                <c:pt idx="4">
+                  <c:v>0.0</c:v>
+                </c:pt>
+                <c:pt idx="5">
+                  <c:v>125.0</c:v>
+                </c:pt>
+              </c:numCache>
+            </c:numRef>
+          </c:val>
+        </c:ser>
+        <c:dLbls>
+          <c:showLegendKey val="0"/>
+          <c:showVal val="0"/>
+          <c:showCatName val="0"/>
+          <c:showSerName val="0"/>
+          <c:showPercent val="0"/>
+          <c:showBubbleSize val="0"/>
+        </c:dLbls>
+        <c:gapWidth val="150"/>
+        <c:overlap val="100"/>
+        <c:axId val="2131123192"/>
+        <c:axId val="2136602568"/>
+      </c:barChart>
+      <c:catAx>
+        <c:axId val="2131123192"/>
+        <c:scaling>
+          <c:orientation val="minMax"/>
+        </c:scaling>
+        <c:delete val="0"/>
+        <c:axPos val="b"/>
+        <c:majorTickMark val="out"/>
+        <c:minorTickMark val="none"/>
+        <c:tickLblPos val="nextTo"/>
+        <c:txPr>
+          <a:bodyPr/>
+          <a:lstStyle/>
+          <a:p>
+            <a:pPr>
+              <a:defRPr sz="2000"/>
+            </a:pPr>
+            <a:endParaRPr lang="en-US"/>
+          </a:p>
+        </c:txPr>
+        <c:crossAx val="2136602568"/>
+        <c:crosses val="autoZero"/>
+        <c:auto val="1"/>
+        <c:lblAlgn val="ctr"/>
+        <c:lblOffset val="100"/>
+        <c:noMultiLvlLbl val="0"/>
+      </c:catAx>
+      <c:valAx>
+        <c:axId val="2136602568"/>
+        <c:scaling>
+          <c:orientation val="minMax"/>
+        </c:scaling>
+        <c:delete val="0"/>
+        <c:axPos val="l"/>
+        <c:majorGridlines>
+          <c:spPr>
+            <a:ln>
+              <a:solidFill>
+                <a:schemeClr val="bg1">
+                  <a:lumMod val="85000"/>
+                </a:schemeClr>
+              </a:solidFill>
+            </a:ln>
+          </c:spPr>
+        </c:majorGridlines>
+        <c:title>
+          <c:tx>
+            <c:rich>
+              <a:bodyPr rot="-5400000" vert="horz"/>
+              <a:lstStyle/>
+              <a:p>
+                <a:pPr>
+                  <a:defRPr/>
+                </a:pPr>
+                <a:r>
+                  <a:rPr lang="en-US" sz="1800" dirty="0"/>
+                  <a:t>Fraction of Blocks Used of </a:t>
+                </a:r>
+                <a:r>
+                  <a:rPr lang="en-US" sz="1800" dirty="0" smtClean="0"/>
+                  <a:t>Particular </a:t>
+                </a:r>
+                <a:r>
+                  <a:rPr lang="en-US" sz="1800" dirty="0"/>
+                  <a:t>Type</a:t>
+                </a:r>
+              </a:p>
+            </c:rich>
+          </c:tx>
+          <c:layout/>
+          <c:overlay val="0"/>
+        </c:title>
+        <c:numFmt formatCode="0%" sourceLinked="0"/>
+        <c:majorTickMark val="out"/>
+        <c:minorTickMark val="none"/>
+        <c:tickLblPos val="nextTo"/>
+        <c:txPr>
+          <a:bodyPr/>
+          <a:lstStyle/>
+          <a:p>
+            <a:pPr>
+              <a:defRPr sz="1800"/>
+            </a:pPr>
+            <a:endParaRPr lang="en-US"/>
+          </a:p>
+        </c:txPr>
+        <c:crossAx val="2131123192"/>
+        <c:crosses val="autoZero"/>
+        <c:crossBetween val="between"/>
+        <c:majorUnit val="0.2"/>
+      </c:valAx>
+    </c:plotArea>
+    <c:legend>
+      <c:legendPos val="b"/>
+      <c:layout>
+        <c:manualLayout>
+          <c:xMode val="edge"/>
+          <c:yMode val="edge"/>
+          <c:x val="0.206113239223475"/>
+          <c:y val="0.910389454994596"/>
+          <c:w val="0.629980255846397"/>
+          <c:h val="0.0645752841987999"/>
+        </c:manualLayout>
+      </c:layout>
+      <c:overlay val="0"/>
+      <c:txPr>
+        <a:bodyPr/>
+        <a:lstStyle/>
+        <a:p>
+          <a:pPr>
+            <a:defRPr sz="1800"/>
+          </a:pPr>
+          <a:endParaRPr lang="en-US"/>
+        </a:p>
+      </c:txPr>
+    </c:legend>
+    <c:plotVisOnly val="1"/>
+    <c:dispBlanksAs val="zero"/>
+    <c:showDLblsOverMax val="0"/>
+  </c:chart>
+  <c:spPr>
+    <a:ln>
+      <a:noFill/>
+    </a:ln>
+  </c:spPr>
+  <c:externalData r:id="rId1">
+    <c:autoUpdate val="0"/>
+  </c:externalData>
 </c:chartSpace>
 </file>
 
@@ -2031,7 +1634,7 @@
           <a:p>
             <a:fld id="{8D47C13E-465A-42F8-8A27-38F6083141F5}" type="datetimeFigureOut">
               <a:rPr lang="en-US" smtClean="0"/>
-              <a:t>12/10/2012</a:t>
+              <a:t>12/13/13</a:t>
             </a:fld>
             <a:endParaRPr lang="en-US"/>
           </a:p>
@@ -2196,7 +1799,7 @@
           <a:p>
             <a:fld id="{8D47C13E-465A-42F8-8A27-38F6083141F5}" type="datetimeFigureOut">
               <a:rPr lang="en-US" smtClean="0"/>
-              <a:t>12/10/2012</a:t>
+              <a:t>12/13/13</a:t>
             </a:fld>
             <a:endParaRPr lang="en-US"/>
           </a:p>
@@ -2371,7 +1974,7 @@
           <a:p>
             <a:fld id="{8D47C13E-465A-42F8-8A27-38F6083141F5}" type="datetimeFigureOut">
               <a:rPr lang="en-US" smtClean="0"/>
-              <a:t>12/10/2012</a:t>
+              <a:t>12/13/13</a:t>
             </a:fld>
             <a:endParaRPr lang="en-US"/>
           </a:p>
@@ -2536,7 +2139,7 @@
           <a:p>
             <a:fld id="{8D47C13E-465A-42F8-8A27-38F6083141F5}" type="datetimeFigureOut">
               <a:rPr lang="en-US" smtClean="0"/>
-              <a:t>12/10/2012</a:t>
+              <a:t>12/13/13</a:t>
             </a:fld>
             <a:endParaRPr lang="en-US"/>
           </a:p>
@@ -2777,7 +2380,7 @@
           <a:p>
             <a:fld id="{8D47C13E-465A-42F8-8A27-38F6083141F5}" type="datetimeFigureOut">
               <a:rPr lang="en-US" smtClean="0"/>
-              <a:t>12/10/2012</a:t>
+              <a:t>12/13/13</a:t>
             </a:fld>
             <a:endParaRPr lang="en-US"/>
           </a:p>
@@ -3060,7 +2663,7 @@
           <a:p>
             <a:fld id="{8D47C13E-465A-42F8-8A27-38F6083141F5}" type="datetimeFigureOut">
               <a:rPr lang="en-US" smtClean="0"/>
-              <a:t>12/10/2012</a:t>
+              <a:t>12/13/13</a:t>
             </a:fld>
             <a:endParaRPr lang="en-US"/>
           </a:p>
@@ -3477,7 +3080,7 @@
           <a:p>
             <a:fld id="{8D47C13E-465A-42F8-8A27-38F6083141F5}" type="datetimeFigureOut">
               <a:rPr lang="en-US" smtClean="0"/>
-              <a:t>12/10/2012</a:t>
+              <a:t>12/13/13</a:t>
             </a:fld>
             <a:endParaRPr lang="en-US"/>
           </a:p>
@@ -3590,7 +3193,7 @@
           <a:p>
             <a:fld id="{8D47C13E-465A-42F8-8A27-38F6083141F5}" type="datetimeFigureOut">
               <a:rPr lang="en-US" smtClean="0"/>
-              <a:t>12/10/2012</a:t>
+              <a:t>12/13/13</a:t>
             </a:fld>
             <a:endParaRPr lang="en-US"/>
           </a:p>
@@ -3680,7 +3283,7 @@
           <a:p>
             <a:fld id="{8D47C13E-465A-42F8-8A27-38F6083141F5}" type="datetimeFigureOut">
               <a:rPr lang="en-US" smtClean="0"/>
-              <a:t>12/10/2012</a:t>
+              <a:t>12/13/13</a:t>
             </a:fld>
             <a:endParaRPr lang="en-US"/>
           </a:p>
@@ -3952,7 +3555,7 @@
           <a:p>
             <a:fld id="{8D47C13E-465A-42F8-8A27-38F6083141F5}" type="datetimeFigureOut">
               <a:rPr lang="en-US" smtClean="0"/>
-              <a:t>12/10/2012</a:t>
+              <a:t>12/13/13</a:t>
             </a:fld>
             <a:endParaRPr lang="en-US"/>
           </a:p>
@@ -4200,7 +3803,7 @@
           <a:p>
             <a:fld id="{8D47C13E-465A-42F8-8A27-38F6083141F5}" type="datetimeFigureOut">
               <a:rPr lang="en-US" smtClean="0"/>
-              <a:t>12/10/2012</a:t>
+              <a:t>12/13/13</a:t>
             </a:fld>
             <a:endParaRPr lang="en-US"/>
           </a:p>
@@ -4408,7 +4011,7 @@
           <a:p>
             <a:fld id="{8D47C13E-465A-42F8-8A27-38F6083141F5}" type="datetimeFigureOut">
               <a:rPr lang="en-US" smtClean="0"/>
-              <a:t>12/10/2012</a:t>
+              <a:t>12/13/13</a:t>
             </a:fld>
             <a:endParaRPr lang="en-US"/>
           </a:p>
@@ -4805,7 +4408,7 @@
               <a:rPr lang="en-US" b="1" dirty="0" smtClean="0">
                 <a:latin typeface="Garamond" pitchFamily="18" charset="0"/>
               </a:rPr>
-              <a:t>CARP: Compression Aware Replacement Policies</a:t>
+              <a:t>Enhanced Base-Delta Compression with Memory Pooling</a:t>
             </a:r>
             <a:endParaRPr lang="en-US" b="1" dirty="0">
               <a:latin typeface="Garamond" pitchFamily="18" charset="0"/>
@@ -4840,31 +4443,7 @@
               <a:rPr lang="en-US" sz="4000" dirty="0" smtClean="0">
                 <a:latin typeface="Garamond" pitchFamily="18" charset="0"/>
               </a:rPr>
-              <a:t>Tyler Huberty, </a:t>
-            </a:r>
-            <a:r>
-              <a:rPr lang="en-US" sz="4000" dirty="0" err="1" smtClean="0">
-                <a:latin typeface="Garamond" pitchFamily="18" charset="0"/>
-              </a:rPr>
-              <a:t>Rui</a:t>
-            </a:r>
-            <a:r>
-              <a:rPr lang="en-US" sz="4000" dirty="0" smtClean="0">
-                <a:latin typeface="Garamond" pitchFamily="18" charset="0"/>
-              </a:rPr>
-              <a:t> </a:t>
-            </a:r>
-            <a:r>
-              <a:rPr lang="en-US" sz="4000" dirty="0" err="1" smtClean="0">
-                <a:latin typeface="Garamond" pitchFamily="18" charset="0"/>
-              </a:rPr>
-              <a:t>Cai</a:t>
-            </a:r>
-            <a:r>
-              <a:rPr lang="en-US" sz="4000" dirty="0" smtClean="0">
-                <a:latin typeface="Garamond" pitchFamily="18" charset="0"/>
-              </a:rPr>
-              <a:t>, </a:t>
+              <a:t>Aditya Bhandaru, </a:t>
             </a:r>
             <a:r>
               <a:rPr lang="en-US" sz="4000" dirty="0">
@@ -4873,10 +4452,10 @@
               <a:t>Gennady </a:t>
             </a:r>
             <a:r>
-              <a:rPr lang="en-US" sz="4000" dirty="0" err="1">
+              <a:rPr lang="en-US" sz="4000" dirty="0" smtClean="0">
                 <a:latin typeface="Garamond" pitchFamily="18" charset="0"/>
               </a:rPr>
-              <a:t>Pekhimenko</a:t>
+              <a:t>Pekhimenko, Onur Mutlu</a:t>
             </a:r>
             <a:endParaRPr lang="en-US" sz="4000" dirty="0">
               <a:latin typeface="Garamond" pitchFamily="18" charset="0"/>
@@ -5581,22 +5160,6 @@
           </a:p>
         </p:txBody>
       </p:sp>
-      <p:graphicFrame>
-        <p:nvGraphicFramePr>
-          <p:cNvPr id="33" name="Chart 32"/>
-          <p:cNvGraphicFramePr/>
-          <p:nvPr/>
-        </p:nvGraphicFramePr>
-        <p:xfrm>
-          <a:off x="19964400" y="9067800"/>
-          <a:ext cx="6858000" cy="5046463"/>
-        </p:xfrm>
-        <a:graphic>
-          <a:graphicData uri="http://schemas.openxmlformats.org/drawingml/2006/chart">
-            <c:chart xmlns:c="http://schemas.openxmlformats.org/drawingml/2006/chart" xmlns:r="http://schemas.openxmlformats.org/officeDocument/2006/relationships" r:id="rId5"/>
-          </a:graphicData>
-        </a:graphic>
-      </p:graphicFrame>
       <p:sp>
         <p:nvSpPr>
           <p:cNvPr id="34" name="Rectangle 33"/>
@@ -5606,7 +5169,7 @@
         <p:spPr>
           <a:xfrm>
             <a:off x="533400" y="5638800"/>
-            <a:ext cx="12954000" cy="7478970"/>
+            <a:ext cx="12954000" cy="9202519"/>
           </a:xfrm>
           <a:prstGeom prst="rect">
             <a:avLst/>
@@ -5618,124 +5181,86 @@
           </a:bodyPr>
           <a:lstStyle/>
           <a:p>
-            <a:pPr>
-              <a:buFont typeface="Arial" pitchFamily="34" charset="0"/>
+            <a:pPr marL="571500" indent="-571500">
+              <a:buFont typeface="Arial"/>
               <a:buChar char="•"/>
             </a:pPr>
             <a:r>
-              <a:rPr lang="en-US" sz="4000" dirty="0" smtClean="0"/>
-              <a:t>Traditional cache replacement and insertion policies mainly focus on block </a:t>
-            </a:r>
-            <a:r>
-              <a:rPr lang="en-US" sz="4000" dirty="0">
+              <a:rPr lang="en-US" sz="4000" dirty="0" smtClean="0">
                 <a:solidFill>
-                  <a:srgbClr val="0000FF"/>
+                  <a:srgbClr val="008000"/>
                 </a:solidFill>
               </a:rPr>
-              <a:t>reuse</a:t>
-            </a:r>
-          </a:p>
-          <a:p>
-            <a:pPr>
-              <a:buFont typeface="Arial" pitchFamily="34" charset="0"/>
+              <a:t>Base-Delta </a:t>
+            </a:r>
+            <a:r>
+              <a:rPr lang="en-US" sz="4000" dirty="0" smtClean="0">
+                <a:solidFill>
+                  <a:srgbClr val="008000"/>
+                </a:solidFill>
+              </a:rPr>
+              <a:t>Compression </a:t>
+            </a:r>
+            <a:r>
+              <a:rPr lang="en-US" sz="4000" dirty="0"/>
+              <a:t>[Pekhimenko et. al., PACT’12</a:t>
+            </a:r>
+            <a:r>
+              <a:rPr lang="en-US" sz="4000" dirty="0" smtClean="0"/>
+              <a:t>] proposes a promising technique for increasing on chip cache capacity using </a:t>
+            </a:r>
+            <a:r>
+              <a:rPr lang="en-US" sz="4000" b="1" dirty="0" smtClean="0">
+                <a:solidFill>
+                  <a:srgbClr val="000000"/>
+                </a:solidFill>
+              </a:rPr>
+              <a:t>compression</a:t>
+            </a:r>
+            <a:r>
+              <a:rPr lang="en-US" sz="4000" dirty="0" smtClean="0"/>
+              <a:t>.</a:t>
+            </a:r>
+          </a:p>
+          <a:p>
+            <a:pPr marL="571500" indent="-571500">
+              <a:buFont typeface="Arial"/>
               <a:buChar char="•"/>
             </a:pPr>
             <a:r>
+              <a:rPr lang="en-US" sz="4000" b="1" dirty="0" smtClean="0"/>
+              <a:t>B+Δ </a:t>
+            </a:r>
+            <a:r>
               <a:rPr lang="en-US" sz="4000" dirty="0" smtClean="0"/>
-              <a:t>Recent literature has proposed </a:t>
-            </a:r>
-            <a:r>
-              <a:rPr lang="en-US" sz="4000" dirty="0">
-                <a:solidFill>
-                  <a:srgbClr val="0000FF"/>
-                </a:solidFill>
-              </a:rPr>
-              <a:t>cache compression</a:t>
+              <a:t>offers good compression but incurs an </a:t>
+            </a:r>
+            <a:r>
+              <a:rPr lang="en-US" sz="4000" b="1" dirty="0" smtClean="0"/>
+              <a:t>additional access latency</a:t>
             </a:r>
             <a:r>
               <a:rPr lang="en-US" sz="4000" dirty="0" smtClean="0"/>
-              <a:t>, a promising technique to increase on-chip cache capacity [</a:t>
-            </a:r>
-            <a:r>
-              <a:rPr lang="en-US" sz="4000" dirty="0" err="1" smtClean="0"/>
-              <a:t>Pekhimenko</a:t>
-            </a:r>
-            <a:r>
-              <a:rPr lang="en-US" sz="4000" dirty="0" smtClean="0"/>
-              <a:t> et. al., PACT’12]</a:t>
-            </a:r>
-            <a:endParaRPr lang="en-US" sz="4000" dirty="0" smtClean="0"/>
-          </a:p>
-          <a:p>
-            <a:pPr>
-              <a:buFont typeface="Arial" pitchFamily="34" charset="0"/>
+              <a:t>.</a:t>
+            </a:r>
+            <a:endParaRPr lang="en-US" sz="4000" dirty="0"/>
+          </a:p>
+          <a:p>
+            <a:pPr marL="571500" indent="-571500">
+              <a:buFont typeface="Arial"/>
               <a:buChar char="•"/>
             </a:pPr>
             <a:r>
+              <a:rPr lang="en-US" sz="4000" b="1" dirty="0"/>
+              <a:t>B+</a:t>
+            </a:r>
+            <a:r>
+              <a:rPr lang="en-US" sz="4000" b="1" dirty="0" smtClean="0"/>
+              <a:t>Δ </a:t>
+            </a:r>
+            <a:r>
               <a:rPr lang="en-US" sz="4000" dirty="0" smtClean="0"/>
-              <a:t>In a compressed cache, </a:t>
-            </a:r>
-            <a:r>
-              <a:rPr lang="en-US" sz="4000" dirty="0">
-                <a:solidFill>
-                  <a:srgbClr val="0000FF"/>
-                </a:solidFill>
-              </a:rPr>
-              <a:t>block size </a:t>
-            </a:r>
-            <a:r>
-              <a:rPr lang="en-US" sz="4000" dirty="0" smtClean="0"/>
-              <a:t>is an additional dimension</a:t>
-            </a:r>
-          </a:p>
-          <a:p>
-            <a:pPr>
-              <a:buFont typeface="Arial" pitchFamily="34" charset="0"/>
-              <a:buChar char="•"/>
-            </a:pPr>
-            <a:r>
-              <a:rPr lang="en-US" sz="4000" b="1" u="sng" dirty="0" smtClean="0"/>
-              <a:t>Observation</a:t>
-            </a:r>
-            <a:r>
-              <a:rPr lang="en-US" sz="4000" dirty="0" smtClean="0"/>
-              <a:t>: The block most likely to be reused soon may no longer be the best block to keep in the cache</a:t>
-            </a:r>
-          </a:p>
-          <a:p>
-            <a:pPr>
-              <a:buFont typeface="Arial" pitchFamily="34" charset="0"/>
-              <a:buChar char="•"/>
-            </a:pPr>
-            <a:r>
-              <a:rPr lang="en-US" sz="4000" b="1" u="sng" dirty="0" smtClean="0">
-                <a:solidFill>
-                  <a:srgbClr val="0000FF"/>
-                </a:solidFill>
-              </a:rPr>
-              <a:t>Key Idea</a:t>
-            </a:r>
-            <a:r>
-              <a:rPr lang="en-US" sz="4000" dirty="0" smtClean="0">
-                <a:solidFill>
-                  <a:srgbClr val="0000FF"/>
-                </a:solidFill>
-              </a:rPr>
-              <a:t>: Use compressed block size in making cache replacement decisions</a:t>
-            </a:r>
-          </a:p>
-          <a:p>
-            <a:pPr>
-              <a:buFont typeface="Arial" pitchFamily="34" charset="0"/>
-              <a:buChar char="•"/>
-            </a:pPr>
-            <a:r>
-              <a:rPr lang="en-US" sz="4000" b="1" u="sng" dirty="0" smtClean="0"/>
-              <a:t>Solution</a:t>
-            </a:r>
-            <a:r>
-              <a:rPr lang="en-US" sz="4000" dirty="0" smtClean="0"/>
-              <a:t>: We propose three mechanisms: </a:t>
+              <a:t>suffers </a:t>
             </a:r>
             <a:r>
               <a:rPr lang="en-US" sz="4000" dirty="0" smtClean="0">
@@ -5743,11 +5268,11 @@
                   <a:srgbClr val="FF0000"/>
                 </a:solidFill>
               </a:rPr>
-              <a:t>Min-LRU</a:t>
+              <a:t>poor compressibility</a:t>
             </a:r>
             <a:r>
               <a:rPr lang="en-US" sz="4000" dirty="0" smtClean="0"/>
-              <a:t>, </a:t>
+              <a:t> when adjacent data in memory have </a:t>
             </a:r>
             <a:r>
               <a:rPr lang="en-US" sz="4000" dirty="0" smtClean="0">
@@ -5755,21 +5280,128 @@
                   <a:srgbClr val="FF0000"/>
                 </a:solidFill>
               </a:rPr>
-              <a:t>Min-Eviction</a:t>
+              <a:t>large value ranges</a:t>
             </a:r>
             <a:r>
               <a:rPr lang="en-US" sz="4000" dirty="0" smtClean="0"/>
-              <a:t>, and </a:t>
+              <a:t>.</a:t>
+            </a:r>
+          </a:p>
+          <a:p>
+            <a:endParaRPr lang="en-US" sz="3200" dirty="0" smtClean="0"/>
+          </a:p>
+          <a:p>
+            <a:pPr marL="571500" indent="-571500">
+              <a:buFont typeface="Arial"/>
+              <a:buChar char="•"/>
+            </a:pPr>
+            <a:r>
+              <a:rPr lang="en-US" sz="4000" b="1" u="sng" dirty="0" smtClean="0"/>
+              <a:t>Observation</a:t>
+            </a:r>
+            <a:r>
+              <a:rPr lang="en-US" sz="4000" dirty="0" smtClean="0"/>
+              <a:t>: Traditional compilers and memory-allocators are unaware of </a:t>
+            </a:r>
+            <a:r>
+              <a:rPr lang="en-US" sz="4000" b="1" dirty="0" smtClean="0"/>
+              <a:t>B</a:t>
+            </a:r>
+            <a:r>
+              <a:rPr lang="en-US" sz="4000" b="1" dirty="0"/>
+              <a:t>+</a:t>
+            </a:r>
+            <a:r>
+              <a:rPr lang="en-US" sz="4000" b="1" dirty="0" smtClean="0"/>
+              <a:t>Δ </a:t>
+            </a:r>
+            <a:r>
+              <a:rPr lang="en-US" sz="4000" dirty="0" smtClean="0"/>
+              <a:t>cache compression in hardware.</a:t>
+            </a:r>
+            <a:endParaRPr lang="en-US" sz="4000" dirty="0" smtClean="0"/>
+          </a:p>
+          <a:p>
+            <a:pPr marL="571500" indent="-571500">
+              <a:buFont typeface="Arial"/>
+              <a:buChar char="•"/>
+            </a:pPr>
+            <a:r>
+              <a:rPr lang="en-US" sz="4000" b="1" u="sng" dirty="0" smtClean="0">
+                <a:solidFill>
+                  <a:srgbClr val="008000"/>
+                </a:solidFill>
+              </a:rPr>
+              <a:t>Key Idea</a:t>
             </a:r>
             <a:r>
               <a:rPr lang="en-US" sz="4000" dirty="0" smtClean="0">
                 <a:solidFill>
-                  <a:srgbClr val="FF0000"/>
+                  <a:srgbClr val="008000"/>
                 </a:solidFill>
               </a:rPr>
-              <a:t>Global Min-Eviction</a:t>
-            </a:r>
-            <a:endParaRPr lang="en-US" sz="4000" dirty="0">
+              <a:t>: Arrange data in memory to optimize </a:t>
+            </a:r>
+            <a:r>
+              <a:rPr lang="en-US" sz="4000" dirty="0">
+                <a:solidFill>
+                  <a:srgbClr val="008000"/>
+                </a:solidFill>
+              </a:rPr>
+              <a:t>B+Δ </a:t>
+            </a:r>
+            <a:r>
+              <a:rPr lang="en-US" sz="4000" dirty="0" smtClean="0">
+                <a:solidFill>
+                  <a:srgbClr val="008000"/>
+                </a:solidFill>
+              </a:rPr>
+              <a:t>compressibility.</a:t>
+            </a:r>
+            <a:endParaRPr lang="en-US" sz="3200" dirty="0" smtClean="0">
+              <a:solidFill>
+                <a:srgbClr val="0000FF"/>
+              </a:solidFill>
+            </a:endParaRPr>
+          </a:p>
+          <a:p>
+            <a:pPr marL="571500" indent="-571500">
+              <a:buFont typeface="Arial"/>
+              <a:buChar char="•"/>
+            </a:pPr>
+            <a:r>
+              <a:rPr lang="en-US" sz="4000" b="1" u="sng" dirty="0" smtClean="0"/>
+              <a:t>Solution</a:t>
+            </a:r>
+            <a:r>
+              <a:rPr lang="en-US" sz="4000" dirty="0" smtClean="0"/>
+              <a:t>: Recent literature on </a:t>
+            </a:r>
+            <a:r>
+              <a:rPr lang="en-US" sz="4000" dirty="0" smtClean="0">
+                <a:solidFill>
+                  <a:srgbClr val="3366FF"/>
+                </a:solidFill>
+              </a:rPr>
+              <a:t>Memory Pooling </a:t>
+            </a:r>
+            <a:r>
+              <a:rPr lang="en-US" sz="4000" dirty="0" smtClean="0"/>
+              <a:t>and </a:t>
+            </a:r>
+            <a:r>
+              <a:rPr lang="en-US" sz="4000" dirty="0" smtClean="0">
+                <a:solidFill>
+                  <a:srgbClr val="3366FF"/>
+                </a:solidFill>
+              </a:rPr>
+              <a:t>Data Splitting</a:t>
+            </a:r>
+            <a:r>
+              <a:rPr lang="en-US" sz="4000" dirty="0" smtClean="0"/>
+              <a:t> [Curial et. al., ISMM’08] and related work seem promising.</a:t>
+            </a:r>
+            <a:endParaRPr lang="en-US" sz="4000" dirty="0" smtClean="0">
               <a:solidFill>
                 <a:srgbClr val="FF0000"/>
               </a:solidFill>
@@ -5786,7 +5418,7 @@
         <p:spPr>
           <a:xfrm>
             <a:off x="14020800" y="5638800"/>
-            <a:ext cx="12954000" cy="3724096"/>
+            <a:ext cx="12954000" cy="4462760"/>
           </a:xfrm>
           <a:prstGeom prst="rect">
             <a:avLst/>
@@ -5813,116 +5445,108 @@
                   <a:srgbClr val="FF0000"/>
                 </a:solidFill>
               </a:rPr>
-              <a:t>: How can we maximize cache performance utilizing both block reuse and size?</a:t>
-            </a:r>
-          </a:p>
-          <a:p>
-            <a:pPr>
-              <a:buFont typeface="Arial" pitchFamily="34" charset="0"/>
+              <a:t>: Can we mitigate low compressibility cases for </a:t>
+            </a:r>
+            <a:r>
+              <a:rPr lang="en-US" sz="4000" b="1" dirty="0"/>
+              <a:t>B+</a:t>
+            </a:r>
+            <a:r>
+              <a:rPr lang="en-US" sz="4000" b="1" dirty="0" smtClean="0"/>
+              <a:t>Δ</a:t>
+            </a:r>
+            <a:r>
+              <a:rPr lang="en-US" sz="4000" dirty="0" smtClean="0"/>
+              <a:t> compression?</a:t>
+            </a:r>
+            <a:endParaRPr lang="en-US" sz="4000" dirty="0" smtClean="0">
+              <a:solidFill>
+                <a:srgbClr val="FF0000"/>
+              </a:solidFill>
+            </a:endParaRPr>
+          </a:p>
+          <a:p>
+            <a:pPr marL="457200" indent="-457200">
+              <a:buFont typeface="Arial"/>
               <a:buChar char="•"/>
             </a:pPr>
             <a:r>
-              <a:rPr lang="en-US" sz="4000" dirty="0" smtClean="0"/>
-              <a:t> </a:t>
-            </a:r>
-            <a:r>
               <a:rPr lang="en-US" sz="3200" dirty="0" smtClean="0"/>
-              <a:t>No existing policy considers the many varied block sizes </a:t>
-            </a:r>
-            <a:r>
-              <a:rPr lang="en-US" sz="3200" b="1" dirty="0" smtClean="0"/>
-              <a:t>and</a:t>
+              <a:t>Increase viability for </a:t>
+            </a:r>
+            <a:r>
+              <a:rPr lang="el-GR" sz="3200" dirty="0"/>
+              <a:t>B+</a:t>
+            </a:r>
+            <a:r>
+              <a:rPr lang="el-GR" sz="3200" dirty="0" smtClean="0"/>
+              <a:t>Δ</a:t>
             </a:r>
             <a:r>
               <a:rPr lang="en-US" sz="3200" dirty="0" smtClean="0"/>
-              <a:t> potentials for reuse in making a replacement decision</a:t>
-            </a:r>
-            <a:endParaRPr lang="en-US" sz="4000" dirty="0"/>
-          </a:p>
-          <a:p>
-            <a:r>
-              <a:rPr lang="en-US" sz="4000" u="sng" dirty="0" smtClean="0"/>
-              <a:t>We propose compression aware replacement policies</a:t>
-            </a:r>
-            <a:endParaRPr lang="en-US" sz="4000" u="sng" dirty="0" smtClean="0"/>
-          </a:p>
-          <a:p>
-            <a:endParaRPr lang="en-US" sz="4400" dirty="0"/>
-          </a:p>
-        </p:txBody>
-      </p:sp>
-      <p:sp>
-        <p:nvSpPr>
-          <p:cNvPr id="36" name="TextBox 35"/>
-          <p:cNvSpPr txBox="1"/>
-          <p:nvPr/>
-        </p:nvSpPr>
-        <p:spPr>
-          <a:xfrm>
-            <a:off x="19507200" y="13868400"/>
-            <a:ext cx="7543800" cy="954107"/>
-          </a:xfrm>
-          <a:prstGeom prst="rect">
-            <a:avLst/>
-          </a:prstGeom>
-          <a:noFill/>
-        </p:spPr>
-        <p:txBody>
-          <a:bodyPr wrap="square" rtlCol="0">
-            <a:spAutoFit/>
-          </a:bodyPr>
-          <a:lstStyle/>
-          <a:p>
-            <a:pPr algn="ctr"/>
-            <a:r>
-              <a:rPr lang="en-US" sz="2800" dirty="0" smtClean="0"/>
-              <a:t>Distribution of Compressed Block Sizes (in bytes): potentially useful to replacement decision</a:t>
-            </a:r>
-            <a:endParaRPr lang="en-US" sz="2800" dirty="0"/>
-          </a:p>
-        </p:txBody>
-      </p:sp>
-      <p:sp>
-        <p:nvSpPr>
-          <p:cNvPr id="37" name="Rectangle 36"/>
-          <p:cNvSpPr/>
-          <p:nvPr/>
-        </p:nvSpPr>
-        <p:spPr>
-          <a:xfrm>
-            <a:off x="14249400" y="13456146"/>
-            <a:ext cx="5562600" cy="3231654"/>
-          </a:xfrm>
-          <a:prstGeom prst="rect">
-            <a:avLst/>
-          </a:prstGeom>
-        </p:spPr>
-        <p:txBody>
-          <a:bodyPr wrap="square">
-            <a:spAutoFit/>
-          </a:bodyPr>
-          <a:lstStyle/>
-          <a:p>
-            <a:r>
-              <a:rPr lang="en-US" sz="2400" b="1" dirty="0" smtClean="0"/>
-              <a:t>Shortcoming of Traditional LRU</a:t>
-            </a:r>
-          </a:p>
-          <a:p>
-            <a:pPr>
-              <a:buFont typeface="Arial" pitchFamily="34" charset="0"/>
+              <a:t> implementation in hardware, and justify the extra access latency.</a:t>
+            </a:r>
+          </a:p>
+          <a:p>
+            <a:pPr marL="457200" indent="-457200">
+              <a:buFont typeface="Arial"/>
               <a:buChar char="•"/>
             </a:pPr>
             <a:r>
-              <a:rPr lang="en-US" sz="2400" dirty="0" smtClean="0"/>
-              <a:t>LRU evicts more than necessary, underutilizing cache capacity</a:t>
-            </a:r>
-          </a:p>
-          <a:p>
-            <a:endParaRPr lang="en-US" sz="4400" dirty="0"/>
-          </a:p>
-          <a:p>
-            <a:endParaRPr lang="en-US" sz="4400" dirty="0" smtClean="0"/>
+              <a:rPr lang="en-US" sz="3200" dirty="0" smtClean="0"/>
+              <a:t>Proposals like Memory Pooling and Data Splitting </a:t>
+            </a:r>
+            <a:r>
+              <a:rPr lang="en-US" sz="3200" b="1" dirty="0" smtClean="0"/>
+              <a:t>already improve locality and reduce value range</a:t>
+            </a:r>
+            <a:r>
+              <a:rPr lang="en-US" sz="3200" dirty="0" smtClean="0"/>
+              <a:t> in adjacent data values.</a:t>
+            </a:r>
+          </a:p>
+          <a:p>
+            <a:pPr marL="457200" indent="-457200">
+              <a:buFont typeface="Arial"/>
+              <a:buChar char="•"/>
+            </a:pPr>
+            <a:r>
+              <a:rPr lang="en-US" sz="3200" dirty="0" smtClean="0">
+                <a:solidFill>
+                  <a:srgbClr val="008000"/>
+                </a:solidFill>
+              </a:rPr>
+              <a:t>But they have not yet been applied to </a:t>
+            </a:r>
+            <a:r>
+              <a:rPr lang="en-US" sz="3200" b="1" dirty="0">
+                <a:solidFill>
+                  <a:srgbClr val="008000"/>
+                </a:solidFill>
+              </a:rPr>
+              <a:t>B+</a:t>
+            </a:r>
+            <a:r>
+              <a:rPr lang="en-US" sz="3200" b="1" dirty="0" smtClean="0">
+                <a:solidFill>
+                  <a:srgbClr val="008000"/>
+                </a:solidFill>
+              </a:rPr>
+              <a:t>Δ</a:t>
+            </a:r>
+            <a:r>
+              <a:rPr lang="en-US" sz="3200" dirty="0" smtClean="0">
+                <a:solidFill>
+                  <a:srgbClr val="008000"/>
+                </a:solidFill>
+              </a:rPr>
+              <a:t>!</a:t>
+            </a:r>
+            <a:endParaRPr lang="en-US" sz="3200" dirty="0">
+              <a:solidFill>
+                <a:srgbClr val="008000"/>
+              </a:solidFill>
+            </a:endParaRPr>
           </a:p>
           <a:p>
             <a:endParaRPr lang="en-US" sz="4400" dirty="0"/>
@@ -5941,7 +5565,7 @@
         </p:xfrm>
         <a:graphic>
           <a:graphicData uri="http://schemas.openxmlformats.org/drawingml/2006/chart">
-            <c:chart xmlns:c="http://schemas.openxmlformats.org/drawingml/2006/chart" xmlns:r="http://schemas.openxmlformats.org/officeDocument/2006/relationships" r:id="rId6"/>
+            <c:chart xmlns:c="http://schemas.openxmlformats.org/drawingml/2006/chart" xmlns:r="http://schemas.openxmlformats.org/officeDocument/2006/relationships" r:id="rId5"/>
           </a:graphicData>
         </a:graphic>
       </p:graphicFrame>
@@ -6014,604 +5638,6 @@
           </a:p>
         </p:txBody>
       </p:sp>
-      <p:grpSp>
-        <p:nvGrpSpPr>
-          <p:cNvPr id="107" name="Group 106"/>
-          <p:cNvGrpSpPr/>
-          <p:nvPr/>
-        </p:nvGrpSpPr>
-        <p:grpSpPr>
-          <a:xfrm>
-            <a:off x="14325600" y="8915400"/>
-            <a:ext cx="4800600" cy="4343400"/>
-            <a:chOff x="685800" y="16992600"/>
-            <a:chExt cx="6629400" cy="4800600"/>
-          </a:xfrm>
-        </p:grpSpPr>
-        <p:sp>
-          <p:nvSpPr>
-            <p:cNvPr id="41" name="Rectangle 40"/>
-            <p:cNvSpPr/>
-            <p:nvPr/>
-          </p:nvSpPr>
-          <p:spPr>
-            <a:xfrm>
-              <a:off x="685800" y="18516600"/>
-              <a:ext cx="6553200" cy="914400"/>
-            </a:xfrm>
-            <a:prstGeom prst="rect">
-              <a:avLst/>
-            </a:prstGeom>
-          </p:spPr>
-          <p:style>
-            <a:lnRef idx="1">
-              <a:schemeClr val="dk1"/>
-            </a:lnRef>
-            <a:fillRef idx="2">
-              <a:schemeClr val="dk1"/>
-            </a:fillRef>
-            <a:effectRef idx="1">
-              <a:schemeClr val="dk1"/>
-            </a:effectRef>
-            <a:fontRef idx="minor">
-              <a:schemeClr val="dk1"/>
-            </a:fontRef>
-          </p:style>
-          <p:txBody>
-            <a:bodyPr rtlCol="0" anchor="ctr"/>
-            <a:lstStyle/>
-            <a:p>
-              <a:pPr algn="ctr"/>
-              <a:endParaRPr lang="en-US" sz="6000"/>
-            </a:p>
-          </p:txBody>
-        </p:sp>
-        <p:sp>
-          <p:nvSpPr>
-            <p:cNvPr id="42" name="TextBox 41"/>
-            <p:cNvSpPr txBox="1"/>
-            <p:nvPr/>
-          </p:nvSpPr>
-          <p:spPr>
-            <a:xfrm>
-              <a:off x="1828800" y="18592800"/>
-              <a:ext cx="2057399" cy="646330"/>
-            </a:xfrm>
-            <a:prstGeom prst="rect">
-              <a:avLst/>
-            </a:prstGeom>
-          </p:spPr>
-          <p:style>
-            <a:lnRef idx="2">
-              <a:schemeClr val="accent1">
-                <a:shade val="50000"/>
-              </a:schemeClr>
-            </a:lnRef>
-            <a:fillRef idx="1">
-              <a:schemeClr val="accent1"/>
-            </a:fillRef>
-            <a:effectRef idx="0">
-              <a:schemeClr val="accent1"/>
-            </a:effectRef>
-            <a:fontRef idx="minor">
-              <a:schemeClr val="lt1"/>
-            </a:fontRef>
-          </p:style>
-          <p:txBody>
-            <a:bodyPr wrap="square" rtlCol="0">
-              <a:spAutoFit/>
-            </a:bodyPr>
-            <a:lstStyle/>
-            <a:p>
-              <a:pPr algn="ctr"/>
-              <a:r>
-                <a:rPr lang="en-US" sz="3200" dirty="0" smtClean="0"/>
-                <a:t>4x</a:t>
-              </a:r>
-              <a:endParaRPr lang="en-US" sz="3200" dirty="0"/>
-            </a:p>
-          </p:txBody>
-        </p:sp>
-        <p:sp>
-          <p:nvSpPr>
-            <p:cNvPr id="43" name="TextBox 42"/>
-            <p:cNvSpPr txBox="1"/>
-            <p:nvPr/>
-          </p:nvSpPr>
-          <p:spPr>
-            <a:xfrm>
-              <a:off x="4191000" y="18592800"/>
-              <a:ext cx="762000" cy="646330"/>
-            </a:xfrm>
-            <a:prstGeom prst="rect">
-              <a:avLst/>
-            </a:prstGeom>
-          </p:spPr>
-          <p:style>
-            <a:lnRef idx="2">
-              <a:schemeClr val="accent1">
-                <a:shade val="50000"/>
-              </a:schemeClr>
-            </a:lnRef>
-            <a:fillRef idx="1">
-              <a:schemeClr val="accent1"/>
-            </a:fillRef>
-            <a:effectRef idx="0">
-              <a:schemeClr val="accent1"/>
-            </a:effectRef>
-            <a:fontRef idx="minor">
-              <a:schemeClr val="lt1"/>
-            </a:fontRef>
-          </p:style>
-          <p:txBody>
-            <a:bodyPr wrap="square" rtlCol="0">
-              <a:spAutoFit/>
-            </a:bodyPr>
-            <a:lstStyle/>
-            <a:p>
-              <a:pPr algn="ctr"/>
-              <a:r>
-                <a:rPr lang="en-US" sz="3200" dirty="0" smtClean="0"/>
-                <a:t>x</a:t>
-              </a:r>
-              <a:endParaRPr lang="en-US" sz="3200" dirty="0"/>
-            </a:p>
-          </p:txBody>
-        </p:sp>
-        <p:sp>
-          <p:nvSpPr>
-            <p:cNvPr id="44" name="TextBox 43"/>
-            <p:cNvSpPr txBox="1"/>
-            <p:nvPr/>
-          </p:nvSpPr>
-          <p:spPr>
-            <a:xfrm>
-              <a:off x="5257801" y="18592800"/>
-              <a:ext cx="762000" cy="646330"/>
-            </a:xfrm>
-            <a:prstGeom prst="rect">
-              <a:avLst/>
-            </a:prstGeom>
-          </p:spPr>
-          <p:style>
-            <a:lnRef idx="2">
-              <a:schemeClr val="accent1">
-                <a:shade val="50000"/>
-              </a:schemeClr>
-            </a:lnRef>
-            <a:fillRef idx="1">
-              <a:schemeClr val="accent1"/>
-            </a:fillRef>
-            <a:effectRef idx="0">
-              <a:schemeClr val="accent1"/>
-            </a:effectRef>
-            <a:fontRef idx="minor">
-              <a:schemeClr val="lt1"/>
-            </a:fontRef>
-          </p:style>
-          <p:txBody>
-            <a:bodyPr wrap="square" rtlCol="0">
-              <a:spAutoFit/>
-            </a:bodyPr>
-            <a:lstStyle/>
-            <a:p>
-              <a:pPr algn="ctr"/>
-              <a:r>
-                <a:rPr lang="en-US" sz="3200" dirty="0" smtClean="0"/>
-                <a:t>x</a:t>
-              </a:r>
-              <a:endParaRPr lang="en-US" sz="3200" dirty="0"/>
-            </a:p>
-          </p:txBody>
-        </p:sp>
-        <p:sp>
-          <p:nvSpPr>
-            <p:cNvPr id="45" name="TextBox 44"/>
-            <p:cNvSpPr txBox="1"/>
-            <p:nvPr/>
-          </p:nvSpPr>
-          <p:spPr>
-            <a:xfrm>
-              <a:off x="6324600" y="18592800"/>
-              <a:ext cx="762000" cy="646330"/>
-            </a:xfrm>
-            <a:prstGeom prst="rect">
-              <a:avLst/>
-            </a:prstGeom>
-          </p:spPr>
-          <p:style>
-            <a:lnRef idx="2">
-              <a:schemeClr val="accent1">
-                <a:shade val="50000"/>
-              </a:schemeClr>
-            </a:lnRef>
-            <a:fillRef idx="1">
-              <a:schemeClr val="accent1"/>
-            </a:fillRef>
-            <a:effectRef idx="0">
-              <a:schemeClr val="accent1"/>
-            </a:effectRef>
-            <a:fontRef idx="minor">
-              <a:schemeClr val="lt1"/>
-            </a:fontRef>
-          </p:style>
-          <p:txBody>
-            <a:bodyPr wrap="square" rtlCol="0">
-              <a:spAutoFit/>
-            </a:bodyPr>
-            <a:lstStyle/>
-            <a:p>
-              <a:pPr algn="ctr"/>
-              <a:r>
-                <a:rPr lang="en-US" sz="3200" dirty="0" smtClean="0"/>
-                <a:t>x</a:t>
-              </a:r>
-              <a:endParaRPr lang="en-US" sz="3200" dirty="0"/>
-            </a:p>
-          </p:txBody>
-        </p:sp>
-        <p:sp>
-          <p:nvSpPr>
-            <p:cNvPr id="46" name="TextBox 45"/>
-            <p:cNvSpPr txBox="1"/>
-            <p:nvPr/>
-          </p:nvSpPr>
-          <p:spPr>
-            <a:xfrm>
-              <a:off x="838201" y="18745200"/>
-              <a:ext cx="1143000" cy="442227"/>
-            </a:xfrm>
-            <a:prstGeom prst="rect">
-              <a:avLst/>
-            </a:prstGeom>
-            <a:noFill/>
-          </p:spPr>
-          <p:txBody>
-            <a:bodyPr wrap="square" rtlCol="0">
-              <a:spAutoFit/>
-            </a:bodyPr>
-            <a:lstStyle/>
-            <a:p>
-              <a:r>
-                <a:rPr lang="en-US" sz="2000" b="1" dirty="0" smtClean="0"/>
-                <a:t>Set 0</a:t>
-              </a:r>
-              <a:endParaRPr lang="en-US" sz="2000" b="1" dirty="0"/>
-            </a:p>
-          </p:txBody>
-        </p:sp>
-        <p:sp>
-          <p:nvSpPr>
-            <p:cNvPr id="47" name="TextBox 46"/>
-            <p:cNvSpPr txBox="1"/>
-            <p:nvPr/>
-          </p:nvSpPr>
-          <p:spPr>
-            <a:xfrm>
-              <a:off x="5181600" y="16992600"/>
-              <a:ext cx="2057399" cy="646330"/>
-            </a:xfrm>
-            <a:prstGeom prst="rect">
-              <a:avLst/>
-            </a:prstGeom>
-          </p:spPr>
-          <p:style>
-            <a:lnRef idx="2">
-              <a:schemeClr val="accent2">
-                <a:shade val="50000"/>
-              </a:schemeClr>
-            </a:lnRef>
-            <a:fillRef idx="1">
-              <a:schemeClr val="accent2"/>
-            </a:fillRef>
-            <a:effectRef idx="0">
-              <a:schemeClr val="accent2"/>
-            </a:effectRef>
-            <a:fontRef idx="minor">
-              <a:schemeClr val="lt1"/>
-            </a:fontRef>
-          </p:style>
-          <p:txBody>
-            <a:bodyPr wrap="square" rtlCol="0">
-              <a:spAutoFit/>
-            </a:bodyPr>
-            <a:lstStyle/>
-            <a:p>
-              <a:pPr algn="ctr"/>
-              <a:r>
-                <a:rPr lang="en-US" sz="3200" dirty="0" smtClean="0"/>
-                <a:t>4x</a:t>
-              </a:r>
-              <a:endParaRPr lang="en-US" sz="3200" dirty="0"/>
-            </a:p>
-          </p:txBody>
-        </p:sp>
-        <p:sp>
-          <p:nvSpPr>
-            <p:cNvPr id="48" name="TextBox 47"/>
-            <p:cNvSpPr txBox="1"/>
-            <p:nvPr/>
-          </p:nvSpPr>
-          <p:spPr>
-            <a:xfrm>
-              <a:off x="3810000" y="17068800"/>
-              <a:ext cx="1295400" cy="442227"/>
-            </a:xfrm>
-            <a:prstGeom prst="rect">
-              <a:avLst/>
-            </a:prstGeom>
-            <a:noFill/>
-          </p:spPr>
-          <p:txBody>
-            <a:bodyPr wrap="square" rtlCol="0">
-              <a:spAutoFit/>
-            </a:bodyPr>
-            <a:lstStyle/>
-            <a:p>
-              <a:r>
-                <a:rPr lang="en-US" sz="2000" b="1" dirty="0" smtClean="0"/>
-                <a:t>Insert</a:t>
-              </a:r>
-              <a:endParaRPr lang="en-US" sz="2000" b="1" dirty="0"/>
-            </a:p>
-          </p:txBody>
-        </p:sp>
-        <p:sp>
-          <p:nvSpPr>
-            <p:cNvPr id="49" name="TextBox 48"/>
-            <p:cNvSpPr txBox="1"/>
-            <p:nvPr/>
-          </p:nvSpPr>
-          <p:spPr>
-            <a:xfrm>
-              <a:off x="6248400" y="18059400"/>
-              <a:ext cx="1066800" cy="442227"/>
-            </a:xfrm>
-            <a:prstGeom prst="rect">
-              <a:avLst/>
-            </a:prstGeom>
-            <a:noFill/>
-          </p:spPr>
-          <p:txBody>
-            <a:bodyPr wrap="square" rtlCol="0">
-              <a:spAutoFit/>
-            </a:bodyPr>
-            <a:lstStyle/>
-            <a:p>
-              <a:pPr algn="ctr"/>
-              <a:r>
-                <a:rPr lang="en-US" sz="2000" b="1" dirty="0" smtClean="0"/>
-                <a:t>LRU</a:t>
-              </a:r>
-              <a:endParaRPr lang="en-US" sz="2000" b="1" dirty="0"/>
-            </a:p>
-          </p:txBody>
-        </p:sp>
-        <p:sp>
-          <p:nvSpPr>
-            <p:cNvPr id="50" name="TextBox 49"/>
-            <p:cNvSpPr txBox="1"/>
-            <p:nvPr/>
-          </p:nvSpPr>
-          <p:spPr>
-            <a:xfrm>
-              <a:off x="5181600" y="16992600"/>
-              <a:ext cx="2057399" cy="646330"/>
-            </a:xfrm>
-            <a:prstGeom prst="rect">
-              <a:avLst/>
-            </a:prstGeom>
-          </p:spPr>
-          <p:style>
-            <a:lnRef idx="2">
-              <a:schemeClr val="accent2"/>
-            </a:lnRef>
-            <a:fillRef idx="1">
-              <a:schemeClr val="lt1"/>
-            </a:fillRef>
-            <a:effectRef idx="0">
-              <a:schemeClr val="accent2"/>
-            </a:effectRef>
-            <a:fontRef idx="minor">
-              <a:schemeClr val="dk1"/>
-            </a:fontRef>
-          </p:style>
-          <p:txBody>
-            <a:bodyPr wrap="square" rtlCol="0">
-              <a:spAutoFit/>
-            </a:bodyPr>
-            <a:lstStyle/>
-            <a:p>
-              <a:pPr algn="ctr"/>
-              <a:r>
-                <a:rPr lang="en-US" sz="3200" dirty="0" smtClean="0"/>
-                <a:t>4x</a:t>
-              </a:r>
-              <a:endParaRPr lang="en-US" sz="3200" dirty="0"/>
-            </a:p>
-          </p:txBody>
-        </p:sp>
-        <p:sp>
-          <p:nvSpPr>
-            <p:cNvPr id="51" name="Rectangle 50"/>
-            <p:cNvSpPr/>
-            <p:nvPr/>
-          </p:nvSpPr>
-          <p:spPr>
-            <a:xfrm>
-              <a:off x="685800" y="19659600"/>
-              <a:ext cx="6553200" cy="914400"/>
-            </a:xfrm>
-            <a:prstGeom prst="rect">
-              <a:avLst/>
-            </a:prstGeom>
-          </p:spPr>
-          <p:style>
-            <a:lnRef idx="1">
-              <a:schemeClr val="dk1"/>
-            </a:lnRef>
-            <a:fillRef idx="2">
-              <a:schemeClr val="dk1"/>
-            </a:fillRef>
-            <a:effectRef idx="1">
-              <a:schemeClr val="dk1"/>
-            </a:effectRef>
-            <a:fontRef idx="minor">
-              <a:schemeClr val="dk1"/>
-            </a:fontRef>
-          </p:style>
-          <p:txBody>
-            <a:bodyPr rtlCol="0" anchor="ctr"/>
-            <a:lstStyle/>
-            <a:p>
-              <a:pPr algn="ctr"/>
-              <a:endParaRPr lang="en-US" sz="6000"/>
-            </a:p>
-          </p:txBody>
-        </p:sp>
-        <p:sp>
-          <p:nvSpPr>
-            <p:cNvPr id="52" name="TextBox 51"/>
-            <p:cNvSpPr txBox="1"/>
-            <p:nvPr/>
-          </p:nvSpPr>
-          <p:spPr>
-            <a:xfrm>
-              <a:off x="838201" y="19888200"/>
-              <a:ext cx="1143000" cy="442227"/>
-            </a:xfrm>
-            <a:prstGeom prst="rect">
-              <a:avLst/>
-            </a:prstGeom>
-            <a:noFill/>
-          </p:spPr>
-          <p:txBody>
-            <a:bodyPr wrap="square" rtlCol="0">
-              <a:spAutoFit/>
-            </a:bodyPr>
-            <a:lstStyle/>
-            <a:p>
-              <a:r>
-                <a:rPr lang="en-US" sz="2000" b="1" dirty="0" smtClean="0"/>
-                <a:t>Set 0</a:t>
-              </a:r>
-              <a:endParaRPr lang="en-US" sz="2000" b="1" dirty="0"/>
-            </a:p>
-          </p:txBody>
-        </p:sp>
-        <p:sp>
-          <p:nvSpPr>
-            <p:cNvPr id="53" name="Rectangle 52"/>
-            <p:cNvSpPr/>
-            <p:nvPr/>
-          </p:nvSpPr>
-          <p:spPr>
-            <a:xfrm>
-              <a:off x="685800" y="20878800"/>
-              <a:ext cx="6553200" cy="914400"/>
-            </a:xfrm>
-            <a:prstGeom prst="rect">
-              <a:avLst/>
-            </a:prstGeom>
-          </p:spPr>
-          <p:style>
-            <a:lnRef idx="1">
-              <a:schemeClr val="dk1"/>
-            </a:lnRef>
-            <a:fillRef idx="2">
-              <a:schemeClr val="dk1"/>
-            </a:fillRef>
-            <a:effectRef idx="1">
-              <a:schemeClr val="dk1"/>
-            </a:effectRef>
-            <a:fontRef idx="minor">
-              <a:schemeClr val="dk1"/>
-            </a:fontRef>
-          </p:style>
-          <p:txBody>
-            <a:bodyPr rtlCol="0" anchor="ctr"/>
-            <a:lstStyle/>
-            <a:p>
-              <a:pPr algn="ctr"/>
-              <a:endParaRPr lang="en-US" sz="6000"/>
-            </a:p>
-          </p:txBody>
-        </p:sp>
-        <p:sp>
-          <p:nvSpPr>
-            <p:cNvPr id="54" name="TextBox 53"/>
-            <p:cNvSpPr txBox="1"/>
-            <p:nvPr/>
-          </p:nvSpPr>
-          <p:spPr>
-            <a:xfrm>
-              <a:off x="838201" y="21107400"/>
-              <a:ext cx="1143000" cy="442227"/>
-            </a:xfrm>
-            <a:prstGeom prst="rect">
-              <a:avLst/>
-            </a:prstGeom>
-            <a:noFill/>
-          </p:spPr>
-          <p:txBody>
-            <a:bodyPr wrap="square" rtlCol="0">
-              <a:spAutoFit/>
-            </a:bodyPr>
-            <a:lstStyle/>
-            <a:p>
-              <a:r>
-                <a:rPr lang="en-US" sz="2000" b="1" dirty="0" smtClean="0"/>
-                <a:t>Set 0</a:t>
-              </a:r>
-              <a:endParaRPr lang="en-US" sz="2000" b="1" dirty="0"/>
-            </a:p>
-          </p:txBody>
-        </p:sp>
-        <p:sp>
-          <p:nvSpPr>
-            <p:cNvPr id="55" name="TextBox 54"/>
-            <p:cNvSpPr txBox="1"/>
-            <p:nvPr/>
-          </p:nvSpPr>
-          <p:spPr>
-            <a:xfrm>
-              <a:off x="1828800" y="20955000"/>
-              <a:ext cx="2057399" cy="646330"/>
-            </a:xfrm>
-            <a:prstGeom prst="rect">
-              <a:avLst/>
-            </a:prstGeom>
-          </p:spPr>
-          <p:style>
-            <a:lnRef idx="2">
-              <a:schemeClr val="accent2"/>
-            </a:lnRef>
-            <a:fillRef idx="1">
-              <a:schemeClr val="lt1"/>
-            </a:fillRef>
-            <a:effectRef idx="0">
-              <a:schemeClr val="accent2"/>
-            </a:effectRef>
-            <a:fontRef idx="minor">
-              <a:schemeClr val="dk1"/>
-            </a:fontRef>
-          </p:style>
-          <p:txBody>
-            <a:bodyPr wrap="square" rtlCol="0">
-              <a:spAutoFit/>
-            </a:bodyPr>
-            <a:lstStyle/>
-            <a:p>
-              <a:pPr algn="ctr"/>
-              <a:r>
-                <a:rPr lang="en-US" sz="3200" dirty="0" smtClean="0"/>
-                <a:t>4x</a:t>
-              </a:r>
-              <a:endParaRPr lang="en-US" sz="3200" dirty="0"/>
-            </a:p>
-          </p:txBody>
-        </p:sp>
-      </p:grpSp>
       <p:grpSp>
         <p:nvGrpSpPr>
           <p:cNvPr id="104" name="Group 103"/>
@@ -7126,9 +6152,59 @@
           </p:xfrm>
           <a:graphic>
             <a:graphicData uri="http://schemas.openxmlformats.org/presentationml/2006/ole">
-              <p:oleObj spid="_x0000_s1027" name="Equation" r:id="rId7" imgW="114120" imgH="215640" progId="Equation.3">
-                <p:embed/>
-              </p:oleObj>
+              <mc:AlternateContent xmlns:mc="http://schemas.openxmlformats.org/markup-compatibility/2006">
+                <mc:Choice xmlns:v="urn:schemas-microsoft-com:vml" Requires="v">
+                  <p:oleObj spid="_x0000_s1038" name="Equation" r:id="rId6" imgW="114120" imgH="215640" progId="Equation.3">
+                    <p:embed/>
+                  </p:oleObj>
+                </mc:Choice>
+                <mc:Fallback>
+                  <p:oleObj name="Equation" r:id="rId6" imgW="114120" imgH="215640" progId="Equation.3">
+                    <p:embed/>
+                    <p:pic>
+                      <p:nvPicPr>
+                        <p:cNvPr id="0" name="Picture 3"/>
+                        <p:cNvPicPr>
+                          <a:picLocks noChangeAspect="1" noChangeArrowheads="1"/>
+                        </p:cNvPicPr>
+                        <p:nvPr/>
+                      </p:nvPicPr>
+                      <p:blipFill>
+                        <a:blip r:embed="rId7">
+                          <a:extLst>
+                            <a:ext uri="{28A0092B-C50C-407E-A947-70E740481C1C}">
+                              <a14:useLocalDpi xmlns:a14="http://schemas.microsoft.com/office/drawing/2010/main" val="0"/>
+                            </a:ext>
+                          </a:extLst>
+                        </a:blip>
+                        <a:srcRect/>
+                        <a:stretch>
+                          <a:fillRect/>
+                        </a:stretch>
+                      </p:blipFill>
+                      <p:spPr bwMode="auto">
+                        <a:xfrm>
+                          <a:off x="14725650" y="18364200"/>
+                          <a:ext cx="114300" cy="215900"/>
+                        </a:xfrm>
+                        <a:prstGeom prst="rect">
+                          <a:avLst/>
+                        </a:prstGeom>
+                        <a:noFill/>
+                        <a:extLst>
+                          <a:ext uri="{909E8E84-426E-40dd-AFC4-6F175D3DCCD1}">
+                            <a14:hiddenFill xmlns:a14="http://schemas.microsoft.com/office/drawing/2010/main">
+                              <a:solidFill>
+                                <a:srgbClr val="FFFFFF"/>
+                              </a:solidFill>
+                            </a14:hiddenFill>
+                          </a:ext>
+                        </a:extLst>
+                      </p:spPr>
+                    </p:pic>
+                  </p:oleObj>
+                </mc:Fallback>
+              </mc:AlternateContent>
             </a:graphicData>
           </a:graphic>
         </p:graphicFrame>
@@ -8687,11 +7763,7 @@
             </a:r>
             <a:r>
               <a:rPr lang="en-US" sz="3600" u="sng" dirty="0" smtClean="0"/>
-              <a:t>O</a:t>
-            </a:r>
-            <a:r>
-              <a:rPr lang="en-US" sz="3600" u="sng" dirty="0" smtClean="0"/>
-              <a:t>utperforms current state-of-the-art replacement policies</a:t>
+              <a:t>Outperforms current state-of-the-art replacement policies</a:t>
             </a:r>
           </a:p>
           <a:p>
@@ -9128,39 +8200,6 @@
       </p:sp>
       <p:sp>
         <p:nvSpPr>
-          <p:cNvPr id="113" name="TextBox 112"/>
-          <p:cNvSpPr txBox="1"/>
-          <p:nvPr/>
-        </p:nvSpPr>
-        <p:spPr>
-          <a:xfrm>
-            <a:off x="14249400" y="8763000"/>
-            <a:ext cx="2209800" cy="707886"/>
-          </a:xfrm>
-          <a:prstGeom prst="rect">
-            <a:avLst/>
-          </a:prstGeom>
-          <a:noFill/>
-        </p:spPr>
-        <p:txBody>
-          <a:bodyPr wrap="square" rtlCol="0">
-            <a:spAutoFit/>
-          </a:bodyPr>
-          <a:lstStyle/>
-          <a:p>
-            <a:r>
-              <a:rPr lang="en-US" sz="4000" dirty="0">
-                <a:solidFill>
-                  <a:srgbClr val="0000FF"/>
-                </a:solidFill>
-              </a:rPr>
-              <a:t>Example</a:t>
-            </a:r>
-          </a:p>
-        </p:txBody>
-      </p:sp>
-      <p:sp>
-        <p:nvSpPr>
           <p:cNvPr id="114" name="TextBox 113"/>
           <p:cNvSpPr txBox="1"/>
           <p:nvPr/>
@@ -9189,6 +8228,73 @@
           </a:p>
         </p:txBody>
       </p:sp>
+      <p:graphicFrame>
+        <p:nvGraphicFramePr>
+          <p:cNvPr id="115" name="Chart 114"/>
+          <p:cNvGraphicFramePr>
+            <a:graphicFrameLocks/>
+          </p:cNvGraphicFramePr>
+          <p:nvPr>
+            <p:extLst>
+              <p:ext uri="{D42A27DB-BD31-4B8C-83A1-F6EECF244321}">
+                <p14:modId xmlns:p14="http://schemas.microsoft.com/office/powerpoint/2010/main" val="2023913523"/>
+              </p:ext>
+            </p:extLst>
+          </p:nvPr>
+        </p:nvGraphicFramePr>
+        <p:xfrm>
+          <a:off x="14020800" y="9601200"/>
+          <a:ext cx="8458200" cy="5181600"/>
+        </p:xfrm>
+        <a:graphic>
+          <a:graphicData uri="http://schemas.openxmlformats.org/drawingml/2006/chart">
+            <c:chart xmlns:c="http://schemas.openxmlformats.org/drawingml/2006/chart" xmlns:r="http://schemas.openxmlformats.org/officeDocument/2006/relationships" r:id="rId10"/>
+          </a:graphicData>
+        </a:graphic>
+      </p:graphicFrame>
+      <p:sp>
+        <p:nvSpPr>
+          <p:cNvPr id="3" name="TextBox 2"/>
+          <p:cNvSpPr txBox="1"/>
+          <p:nvPr/>
+        </p:nvSpPr>
+        <p:spPr>
+          <a:xfrm>
+            <a:off x="22555200" y="10134600"/>
+            <a:ext cx="4267200" cy="3970318"/>
+          </a:xfrm>
+          <a:prstGeom prst="rect">
+            <a:avLst/>
+          </a:prstGeom>
+          <a:noFill/>
+        </p:spPr>
+        <p:txBody>
+          <a:bodyPr wrap="square" rtlCol="0">
+            <a:spAutoFit/>
+          </a:bodyPr>
+          <a:lstStyle/>
+          <a:p>
+            <a:r>
+              <a:rPr lang="en-US" sz="2800" b="1" dirty="0" smtClean="0"/>
+              <a:t>Figure 1. </a:t>
+            </a:r>
+            <a:r>
+              <a:rPr lang="en-US" sz="2800" dirty="0" smtClean="0"/>
+              <a:t>Each column shows the ratio block-types for B+D with and without splitting and pooling.</a:t>
+            </a:r>
+          </a:p>
+          <a:p>
+            <a:endParaRPr lang="en-US" sz="2800" dirty="0" smtClean="0"/>
+          </a:p>
+          <a:p>
+            <a:r>
+              <a:rPr lang="en-US" sz="2800" dirty="0" smtClean="0"/>
+              <a:t>Notice the large increase in 1-byte all-zero blocks, and general decrease of large, uncompressed blocks.</a:t>
+            </a:r>
+            <a:endParaRPr lang="en-US" sz="2800" dirty="0"/>
+          </a:p>
+        </p:txBody>
+      </p:sp>
     </p:spTree>
   </p:cSld>
   <p:clrMapOvr>
@@ -9197,7 +8303,7 @@
   <p:timing>
     <p:tnLst>
       <p:par>
-        <p:cTn id="1" dur="indefinite" restart="never" nodeType="tmRoot"/>
+        <p:cTn xmlns:p14="http://schemas.microsoft.com/office/powerpoint/2010/main" id="1" dur="indefinite" restart="never" nodeType="tmRoot"/>
       </p:par>
     </p:tnLst>
   </p:timing>

--- a/documents/poster/poster.pptx
+++ b/documents/poster/poster.pptx
@@ -114,890 +114,6 @@
   <c:roundedCorners val="0"/>
   <mc:AlternateContent xmlns:mc="http://schemas.openxmlformats.org/markup-compatibility/2006">
     <mc:Choice xmlns:c14="http://schemas.microsoft.com/office/drawing/2007/8/2/chart" Requires="c14">
-      <c14:style val="102"/>
-    </mc:Choice>
-    <mc:Fallback>
-      <c:style val="2"/>
-    </mc:Fallback>
-  </mc:AlternateContent>
-  <c:chart>
-    <c:autoTitleDeleted val="0"/>
-    <c:plotArea>
-      <c:layout>
-        <c:manualLayout>
-          <c:layoutTarget val="inner"/>
-          <c:xMode val="edge"/>
-          <c:yMode val="edge"/>
-          <c:x val="0.0839661938131998"/>
-          <c:y val="0.0344264176280291"/>
-          <c:w val="0.903404751223386"/>
-          <c:h val="0.711143113689737"/>
-        </c:manualLayout>
-      </c:layout>
-      <c:barChart>
-        <c:barDir val="col"/>
-        <c:grouping val="clustered"/>
-        <c:varyColors val="0"/>
-        <c:ser>
-          <c:idx val="0"/>
-          <c:order val="0"/>
-          <c:tx>
-            <c:strRef>
-              <c:f>Sheet2!$C$1</c:f>
-              <c:strCache>
-                <c:ptCount val="1"/>
-                <c:pt idx="0">
-                  <c:v>LRU</c:v>
-                </c:pt>
-              </c:strCache>
-            </c:strRef>
-          </c:tx>
-          <c:invertIfNegative val="0"/>
-          <c:cat>
-            <c:strRef>
-              <c:f>Sheet2!$B$2:$B$26</c:f>
-              <c:strCache>
-                <c:ptCount val="25"/>
-                <c:pt idx="0">
-                  <c:v>astar</c:v>
-                </c:pt>
-                <c:pt idx="1">
-                  <c:v>cactusADM</c:v>
-                </c:pt>
-                <c:pt idx="2">
-                  <c:v>gcc</c:v>
-                </c:pt>
-                <c:pt idx="3">
-                  <c:v>gobmk</c:v>
-                </c:pt>
-                <c:pt idx="4">
-                  <c:v>h264ref</c:v>
-                </c:pt>
-                <c:pt idx="5">
-                  <c:v>soplex</c:v>
-                </c:pt>
-                <c:pt idx="6">
-                  <c:v>zeusmp</c:v>
-                </c:pt>
-                <c:pt idx="7">
-                  <c:v>bzip2</c:v>
-                </c:pt>
-                <c:pt idx="8">
-                  <c:v>GemsFDTD</c:v>
-                </c:pt>
-                <c:pt idx="9">
-                  <c:v>gromacs</c:v>
-                </c:pt>
-                <c:pt idx="10">
-                  <c:v>hmmer</c:v>
-                </c:pt>
-                <c:pt idx="11">
-                  <c:v>leslie3d</c:v>
-                </c:pt>
-                <c:pt idx="12">
-                  <c:v>sjeng</c:v>
-                </c:pt>
-                <c:pt idx="13">
-                  <c:v>sphinx3</c:v>
-                </c:pt>
-                <c:pt idx="14">
-                  <c:v>xalancbmk</c:v>
-                </c:pt>
-                <c:pt idx="15">
-                  <c:v>milc</c:v>
-                </c:pt>
-                <c:pt idx="16">
-                  <c:v>omnetpp</c:v>
-                </c:pt>
-                <c:pt idx="17">
-                  <c:v>libquantum</c:v>
-                </c:pt>
-                <c:pt idx="18">
-                  <c:v>lbm</c:v>
-                </c:pt>
-                <c:pt idx="19">
-                  <c:v>mcf</c:v>
-                </c:pt>
-                <c:pt idx="20">
-                  <c:v>tpch2</c:v>
-                </c:pt>
-                <c:pt idx="21">
-                  <c:v>tpch6</c:v>
-                </c:pt>
-                <c:pt idx="22">
-                  <c:v>tpch17</c:v>
-                </c:pt>
-                <c:pt idx="23">
-                  <c:v>apache</c:v>
-                </c:pt>
-                <c:pt idx="24">
-                  <c:v>gmean</c:v>
-                </c:pt>
-              </c:strCache>
-            </c:strRef>
-          </c:cat>
-          <c:val>
-            <c:numRef>
-              <c:f>Sheet2!$C$2:$C$26</c:f>
-              <c:numCache>
-                <c:formatCode>General</c:formatCode>
-                <c:ptCount val="25"/>
-                <c:pt idx="0">
-                  <c:v>1.0</c:v>
-                </c:pt>
-                <c:pt idx="1">
-                  <c:v>1.0</c:v>
-                </c:pt>
-                <c:pt idx="2">
-                  <c:v>1.0</c:v>
-                </c:pt>
-                <c:pt idx="3">
-                  <c:v>1.0</c:v>
-                </c:pt>
-                <c:pt idx="4">
-                  <c:v>1.0</c:v>
-                </c:pt>
-                <c:pt idx="5">
-                  <c:v>1.0</c:v>
-                </c:pt>
-                <c:pt idx="6">
-                  <c:v>1.0</c:v>
-                </c:pt>
-                <c:pt idx="7">
-                  <c:v>1.0</c:v>
-                </c:pt>
-                <c:pt idx="8">
-                  <c:v>1.0</c:v>
-                </c:pt>
-                <c:pt idx="9">
-                  <c:v>1.0</c:v>
-                </c:pt>
-                <c:pt idx="10">
-                  <c:v>1.0</c:v>
-                </c:pt>
-                <c:pt idx="11">
-                  <c:v>1.0</c:v>
-                </c:pt>
-                <c:pt idx="12">
-                  <c:v>1.0</c:v>
-                </c:pt>
-                <c:pt idx="13">
-                  <c:v>1.0</c:v>
-                </c:pt>
-                <c:pt idx="14">
-                  <c:v>1.0</c:v>
-                </c:pt>
-                <c:pt idx="15">
-                  <c:v>1.0</c:v>
-                </c:pt>
-                <c:pt idx="16">
-                  <c:v>1.0</c:v>
-                </c:pt>
-                <c:pt idx="17">
-                  <c:v>1.0</c:v>
-                </c:pt>
-                <c:pt idx="18">
-                  <c:v>1.0</c:v>
-                </c:pt>
-                <c:pt idx="19">
-                  <c:v>1.0</c:v>
-                </c:pt>
-                <c:pt idx="20">
-                  <c:v>1.0</c:v>
-                </c:pt>
-                <c:pt idx="21">
-                  <c:v>1.0</c:v>
-                </c:pt>
-                <c:pt idx="22">
-                  <c:v>1.0</c:v>
-                </c:pt>
-                <c:pt idx="23">
-                  <c:v>1.0</c:v>
-                </c:pt>
-                <c:pt idx="24">
-                  <c:v>1.0</c:v>
-                </c:pt>
-              </c:numCache>
-            </c:numRef>
-          </c:val>
-        </c:ser>
-        <c:ser>
-          <c:idx val="1"/>
-          <c:order val="1"/>
-          <c:tx>
-            <c:strRef>
-              <c:f>Sheet2!$D$1</c:f>
-              <c:strCache>
-                <c:ptCount val="1"/>
-                <c:pt idx="0">
-                  <c:v>Min-LRU</c:v>
-                </c:pt>
-              </c:strCache>
-            </c:strRef>
-          </c:tx>
-          <c:invertIfNegative val="0"/>
-          <c:cat>
-            <c:strRef>
-              <c:f>Sheet2!$B$2:$B$26</c:f>
-              <c:strCache>
-                <c:ptCount val="25"/>
-                <c:pt idx="0">
-                  <c:v>astar</c:v>
-                </c:pt>
-                <c:pt idx="1">
-                  <c:v>cactusADM</c:v>
-                </c:pt>
-                <c:pt idx="2">
-                  <c:v>gcc</c:v>
-                </c:pt>
-                <c:pt idx="3">
-                  <c:v>gobmk</c:v>
-                </c:pt>
-                <c:pt idx="4">
-                  <c:v>h264ref</c:v>
-                </c:pt>
-                <c:pt idx="5">
-                  <c:v>soplex</c:v>
-                </c:pt>
-                <c:pt idx="6">
-                  <c:v>zeusmp</c:v>
-                </c:pt>
-                <c:pt idx="7">
-                  <c:v>bzip2</c:v>
-                </c:pt>
-                <c:pt idx="8">
-                  <c:v>GemsFDTD</c:v>
-                </c:pt>
-                <c:pt idx="9">
-                  <c:v>gromacs</c:v>
-                </c:pt>
-                <c:pt idx="10">
-                  <c:v>hmmer</c:v>
-                </c:pt>
-                <c:pt idx="11">
-                  <c:v>leslie3d</c:v>
-                </c:pt>
-                <c:pt idx="12">
-                  <c:v>sjeng</c:v>
-                </c:pt>
-                <c:pt idx="13">
-                  <c:v>sphinx3</c:v>
-                </c:pt>
-                <c:pt idx="14">
-                  <c:v>xalancbmk</c:v>
-                </c:pt>
-                <c:pt idx="15">
-                  <c:v>milc</c:v>
-                </c:pt>
-                <c:pt idx="16">
-                  <c:v>omnetpp</c:v>
-                </c:pt>
-                <c:pt idx="17">
-                  <c:v>libquantum</c:v>
-                </c:pt>
-                <c:pt idx="18">
-                  <c:v>lbm</c:v>
-                </c:pt>
-                <c:pt idx="19">
-                  <c:v>mcf</c:v>
-                </c:pt>
-                <c:pt idx="20">
-                  <c:v>tpch2</c:v>
-                </c:pt>
-                <c:pt idx="21">
-                  <c:v>tpch6</c:v>
-                </c:pt>
-                <c:pt idx="22">
-                  <c:v>tpch17</c:v>
-                </c:pt>
-                <c:pt idx="23">
-                  <c:v>apache</c:v>
-                </c:pt>
-                <c:pt idx="24">
-                  <c:v>gmean</c:v>
-                </c:pt>
-              </c:strCache>
-            </c:strRef>
-          </c:cat>
-          <c:val>
-            <c:numRef>
-              <c:f>Sheet2!$D$2:$D$26</c:f>
-              <c:numCache>
-                <c:formatCode>General</c:formatCode>
-                <c:ptCount val="25"/>
-                <c:pt idx="0">
-                  <c:v>1.09355</c:v>
-                </c:pt>
-                <c:pt idx="1">
-                  <c:v>1.0</c:v>
-                </c:pt>
-                <c:pt idx="2">
-                  <c:v>1.00889</c:v>
-                </c:pt>
-                <c:pt idx="3">
-                  <c:v>1.01056</c:v>
-                </c:pt>
-                <c:pt idx="4">
-                  <c:v>1.00118</c:v>
-                </c:pt>
-                <c:pt idx="5">
-                  <c:v>1.00129</c:v>
-                </c:pt>
-                <c:pt idx="6">
-                  <c:v>1.00014</c:v>
-                </c:pt>
-                <c:pt idx="7">
-                  <c:v>1.00818</c:v>
-                </c:pt>
-                <c:pt idx="8">
-                  <c:v>1.0</c:v>
-                </c:pt>
-                <c:pt idx="9">
-                  <c:v>1.00377</c:v>
-                </c:pt>
-                <c:pt idx="10">
-                  <c:v>1.0</c:v>
-                </c:pt>
-                <c:pt idx="11">
-                  <c:v>1.02801</c:v>
-                </c:pt>
-                <c:pt idx="12">
-                  <c:v>1.00281</c:v>
-                </c:pt>
-                <c:pt idx="13">
-                  <c:v>1.01465</c:v>
-                </c:pt>
-                <c:pt idx="14">
-                  <c:v>1.00669</c:v>
-                </c:pt>
-                <c:pt idx="15">
-                  <c:v>1.00991</c:v>
-                </c:pt>
-                <c:pt idx="16">
-                  <c:v>1.04546</c:v>
-                </c:pt>
-                <c:pt idx="17">
-                  <c:v>1.00249</c:v>
-                </c:pt>
-                <c:pt idx="18">
-                  <c:v>1.03289</c:v>
-                </c:pt>
-                <c:pt idx="19">
-                  <c:v>1.05769</c:v>
-                </c:pt>
-                <c:pt idx="20">
-                  <c:v>1.00258</c:v>
-                </c:pt>
-                <c:pt idx="21">
-                  <c:v>1.00109</c:v>
-                </c:pt>
-                <c:pt idx="22">
-                  <c:v>1.00173</c:v>
-                </c:pt>
-                <c:pt idx="23">
-                  <c:v>1.01997</c:v>
-                </c:pt>
-                <c:pt idx="24">
-                  <c:v>1.01122</c:v>
-                </c:pt>
-              </c:numCache>
-            </c:numRef>
-          </c:val>
-        </c:ser>
-        <c:ser>
-          <c:idx val="2"/>
-          <c:order val="2"/>
-          <c:tx>
-            <c:strRef>
-              <c:f>Sheet2!$E$1</c:f>
-              <c:strCache>
-                <c:ptCount val="1"/>
-                <c:pt idx="0">
-                  <c:v>RRIP</c:v>
-                </c:pt>
-              </c:strCache>
-            </c:strRef>
-          </c:tx>
-          <c:invertIfNegative val="0"/>
-          <c:cat>
-            <c:strRef>
-              <c:f>Sheet2!$B$2:$B$26</c:f>
-              <c:strCache>
-                <c:ptCount val="25"/>
-                <c:pt idx="0">
-                  <c:v>astar</c:v>
-                </c:pt>
-                <c:pt idx="1">
-                  <c:v>cactusADM</c:v>
-                </c:pt>
-                <c:pt idx="2">
-                  <c:v>gcc</c:v>
-                </c:pt>
-                <c:pt idx="3">
-                  <c:v>gobmk</c:v>
-                </c:pt>
-                <c:pt idx="4">
-                  <c:v>h264ref</c:v>
-                </c:pt>
-                <c:pt idx="5">
-                  <c:v>soplex</c:v>
-                </c:pt>
-                <c:pt idx="6">
-                  <c:v>zeusmp</c:v>
-                </c:pt>
-                <c:pt idx="7">
-                  <c:v>bzip2</c:v>
-                </c:pt>
-                <c:pt idx="8">
-                  <c:v>GemsFDTD</c:v>
-                </c:pt>
-                <c:pt idx="9">
-                  <c:v>gromacs</c:v>
-                </c:pt>
-                <c:pt idx="10">
-                  <c:v>hmmer</c:v>
-                </c:pt>
-                <c:pt idx="11">
-                  <c:v>leslie3d</c:v>
-                </c:pt>
-                <c:pt idx="12">
-                  <c:v>sjeng</c:v>
-                </c:pt>
-                <c:pt idx="13">
-                  <c:v>sphinx3</c:v>
-                </c:pt>
-                <c:pt idx="14">
-                  <c:v>xalancbmk</c:v>
-                </c:pt>
-                <c:pt idx="15">
-                  <c:v>milc</c:v>
-                </c:pt>
-                <c:pt idx="16">
-                  <c:v>omnetpp</c:v>
-                </c:pt>
-                <c:pt idx="17">
-                  <c:v>libquantum</c:v>
-                </c:pt>
-                <c:pt idx="18">
-                  <c:v>lbm</c:v>
-                </c:pt>
-                <c:pt idx="19">
-                  <c:v>mcf</c:v>
-                </c:pt>
-                <c:pt idx="20">
-                  <c:v>tpch2</c:v>
-                </c:pt>
-                <c:pt idx="21">
-                  <c:v>tpch6</c:v>
-                </c:pt>
-                <c:pt idx="22">
-                  <c:v>tpch17</c:v>
-                </c:pt>
-                <c:pt idx="23">
-                  <c:v>apache</c:v>
-                </c:pt>
-                <c:pt idx="24">
-                  <c:v>gmean</c:v>
-                </c:pt>
-              </c:strCache>
-            </c:strRef>
-          </c:cat>
-          <c:val>
-            <c:numRef>
-              <c:f>Sheet2!$E$2:$E$26</c:f>
-              <c:numCache>
-                <c:formatCode>General</c:formatCode>
-                <c:ptCount val="25"/>
-                <c:pt idx="0">
-                  <c:v>1.16577</c:v>
-                </c:pt>
-                <c:pt idx="1">
-                  <c:v>1.18564</c:v>
-                </c:pt>
-                <c:pt idx="2">
-                  <c:v>1.01949</c:v>
-                </c:pt>
-                <c:pt idx="3">
-                  <c:v>1.02339</c:v>
-                </c:pt>
-                <c:pt idx="4">
-                  <c:v>1.00078</c:v>
-                </c:pt>
-                <c:pt idx="5">
-                  <c:v>1.1975</c:v>
-                </c:pt>
-                <c:pt idx="6">
-                  <c:v>0.95118</c:v>
-                </c:pt>
-                <c:pt idx="7">
-                  <c:v>1.03085</c:v>
-                </c:pt>
-                <c:pt idx="8">
-                  <c:v>0.92238</c:v>
-                </c:pt>
-                <c:pt idx="9">
-                  <c:v>1.0105</c:v>
-                </c:pt>
-                <c:pt idx="10">
-                  <c:v>1.0</c:v>
-                </c:pt>
-                <c:pt idx="11">
-                  <c:v>1.02376</c:v>
-                </c:pt>
-                <c:pt idx="12">
-                  <c:v>1.00258</c:v>
-                </c:pt>
-                <c:pt idx="13">
-                  <c:v>1.17044</c:v>
-                </c:pt>
-                <c:pt idx="14">
-                  <c:v>1.03797</c:v>
-                </c:pt>
-                <c:pt idx="15">
-                  <c:v>1.00085</c:v>
-                </c:pt>
-                <c:pt idx="16">
-                  <c:v>0.93148</c:v>
-                </c:pt>
-                <c:pt idx="17">
-                  <c:v>1.00225</c:v>
-                </c:pt>
-                <c:pt idx="18">
-                  <c:v>0.98389</c:v>
-                </c:pt>
-                <c:pt idx="19">
-                  <c:v>1.09331</c:v>
-                </c:pt>
-                <c:pt idx="20">
-                  <c:v>1.03242</c:v>
-                </c:pt>
-                <c:pt idx="21">
-                  <c:v>0.99156</c:v>
-                </c:pt>
-                <c:pt idx="22">
-                  <c:v>1.03064</c:v>
-                </c:pt>
-                <c:pt idx="23">
-                  <c:v>0.99539</c:v>
-                </c:pt>
-                <c:pt idx="24">
-                  <c:v>1.02414</c:v>
-                </c:pt>
-              </c:numCache>
-            </c:numRef>
-          </c:val>
-        </c:ser>
-        <c:ser>
-          <c:idx val="3"/>
-          <c:order val="3"/>
-          <c:tx>
-            <c:strRef>
-              <c:f>Sheet2!$F$1</c:f>
-              <c:strCache>
-                <c:ptCount val="1"/>
-                <c:pt idx="0">
-                  <c:v>Min-Eviction</c:v>
-                </c:pt>
-              </c:strCache>
-            </c:strRef>
-          </c:tx>
-          <c:invertIfNegative val="0"/>
-          <c:cat>
-            <c:strRef>
-              <c:f>Sheet2!$B$2:$B$26</c:f>
-              <c:strCache>
-                <c:ptCount val="25"/>
-                <c:pt idx="0">
-                  <c:v>astar</c:v>
-                </c:pt>
-                <c:pt idx="1">
-                  <c:v>cactusADM</c:v>
-                </c:pt>
-                <c:pt idx="2">
-                  <c:v>gcc</c:v>
-                </c:pt>
-                <c:pt idx="3">
-                  <c:v>gobmk</c:v>
-                </c:pt>
-                <c:pt idx="4">
-                  <c:v>h264ref</c:v>
-                </c:pt>
-                <c:pt idx="5">
-                  <c:v>soplex</c:v>
-                </c:pt>
-                <c:pt idx="6">
-                  <c:v>zeusmp</c:v>
-                </c:pt>
-                <c:pt idx="7">
-                  <c:v>bzip2</c:v>
-                </c:pt>
-                <c:pt idx="8">
-                  <c:v>GemsFDTD</c:v>
-                </c:pt>
-                <c:pt idx="9">
-                  <c:v>gromacs</c:v>
-                </c:pt>
-                <c:pt idx="10">
-                  <c:v>hmmer</c:v>
-                </c:pt>
-                <c:pt idx="11">
-                  <c:v>leslie3d</c:v>
-                </c:pt>
-                <c:pt idx="12">
-                  <c:v>sjeng</c:v>
-                </c:pt>
-                <c:pt idx="13">
-                  <c:v>sphinx3</c:v>
-                </c:pt>
-                <c:pt idx="14">
-                  <c:v>xalancbmk</c:v>
-                </c:pt>
-                <c:pt idx="15">
-                  <c:v>milc</c:v>
-                </c:pt>
-                <c:pt idx="16">
-                  <c:v>omnetpp</c:v>
-                </c:pt>
-                <c:pt idx="17">
-                  <c:v>libquantum</c:v>
-                </c:pt>
-                <c:pt idx="18">
-                  <c:v>lbm</c:v>
-                </c:pt>
-                <c:pt idx="19">
-                  <c:v>mcf</c:v>
-                </c:pt>
-                <c:pt idx="20">
-                  <c:v>tpch2</c:v>
-                </c:pt>
-                <c:pt idx="21">
-                  <c:v>tpch6</c:v>
-                </c:pt>
-                <c:pt idx="22">
-                  <c:v>tpch17</c:v>
-                </c:pt>
-                <c:pt idx="23">
-                  <c:v>apache</c:v>
-                </c:pt>
-                <c:pt idx="24">
-                  <c:v>gmean</c:v>
-                </c:pt>
-              </c:strCache>
-            </c:strRef>
-          </c:cat>
-          <c:val>
-            <c:numRef>
-              <c:f>Sheet2!$F$2:$F$26</c:f>
-              <c:numCache>
-                <c:formatCode>General</c:formatCode>
-                <c:ptCount val="25"/>
-                <c:pt idx="0">
-                  <c:v>1.18816</c:v>
-                </c:pt>
-                <c:pt idx="1">
-                  <c:v>1.18564</c:v>
-                </c:pt>
-                <c:pt idx="2">
-                  <c:v>1.02235</c:v>
-                </c:pt>
-                <c:pt idx="3">
-                  <c:v>1.02697</c:v>
-                </c:pt>
-                <c:pt idx="4">
-                  <c:v>1.00172</c:v>
-                </c:pt>
-                <c:pt idx="5">
-                  <c:v>1.19849</c:v>
-                </c:pt>
-                <c:pt idx="6">
-                  <c:v>0.95127</c:v>
-                </c:pt>
-                <c:pt idx="7">
-                  <c:v>1.03851</c:v>
-                </c:pt>
-                <c:pt idx="8">
-                  <c:v>0.92238</c:v>
-                </c:pt>
-                <c:pt idx="9">
-                  <c:v>1.01523</c:v>
-                </c:pt>
-                <c:pt idx="10">
-                  <c:v>1.00001</c:v>
-                </c:pt>
-                <c:pt idx="11">
-                  <c:v>1.03244</c:v>
-                </c:pt>
-                <c:pt idx="12">
-                  <c:v>1.00275</c:v>
-                </c:pt>
-                <c:pt idx="13">
-                  <c:v>1.22569</c:v>
-                </c:pt>
-                <c:pt idx="14">
-                  <c:v>1.07736</c:v>
-                </c:pt>
-                <c:pt idx="15">
-                  <c:v>1.00958</c:v>
-                </c:pt>
-                <c:pt idx="16">
-                  <c:v>0.95059</c:v>
-                </c:pt>
-                <c:pt idx="17">
-                  <c:v>1.00277</c:v>
-                </c:pt>
-                <c:pt idx="18">
-                  <c:v>0.97053</c:v>
-                </c:pt>
-                <c:pt idx="19">
-                  <c:v>1.10682</c:v>
-                </c:pt>
-                <c:pt idx="20">
-                  <c:v>1.03448</c:v>
-                </c:pt>
-                <c:pt idx="21">
-                  <c:v>0.99146</c:v>
-                </c:pt>
-                <c:pt idx="22">
-                  <c:v>1.03086</c:v>
-                </c:pt>
-                <c:pt idx="23">
-                  <c:v>1.00515</c:v>
-                </c:pt>
-                <c:pt idx="24">
-                  <c:v>1.02986</c:v>
-                </c:pt>
-              </c:numCache>
-            </c:numRef>
-          </c:val>
-        </c:ser>
-        <c:dLbls>
-          <c:showLegendKey val="0"/>
-          <c:showVal val="0"/>
-          <c:showCatName val="0"/>
-          <c:showSerName val="0"/>
-          <c:showPercent val="0"/>
-          <c:showBubbleSize val="0"/>
-        </c:dLbls>
-        <c:gapWidth val="150"/>
-        <c:axId val="2028542760"/>
-        <c:axId val="2028548296"/>
-      </c:barChart>
-      <c:catAx>
-        <c:axId val="2028542760"/>
-        <c:scaling>
-          <c:orientation val="minMax"/>
-        </c:scaling>
-        <c:delete val="0"/>
-        <c:axPos val="b"/>
-        <c:title>
-          <c:tx>
-            <c:rich>
-              <a:bodyPr/>
-              <a:lstStyle/>
-              <a:p>
-                <a:pPr>
-                  <a:defRPr/>
-                </a:pPr>
-                <a:r>
-                  <a:rPr lang="en-US"/>
-                  <a:t>Benchmark</a:t>
-                </a:r>
-              </a:p>
-            </c:rich>
-          </c:tx>
-          <c:layout/>
-          <c:overlay val="0"/>
-        </c:title>
-        <c:majorTickMark val="out"/>
-        <c:minorTickMark val="none"/>
-        <c:tickLblPos val="nextTo"/>
-        <c:crossAx val="2028548296"/>
-        <c:crosses val="autoZero"/>
-        <c:auto val="1"/>
-        <c:lblAlgn val="ctr"/>
-        <c:lblOffset val="100"/>
-        <c:noMultiLvlLbl val="0"/>
-      </c:catAx>
-      <c:valAx>
-        <c:axId val="2028548296"/>
-        <c:scaling>
-          <c:orientation val="minMax"/>
-          <c:min val="0.88"/>
-        </c:scaling>
-        <c:delete val="0"/>
-        <c:axPos val="l"/>
-        <c:majorGridlines/>
-        <c:title>
-          <c:tx>
-            <c:rich>
-              <a:bodyPr rot="-5400000" vert="horz"/>
-              <a:lstStyle/>
-              <a:p>
-                <a:pPr>
-                  <a:defRPr/>
-                </a:pPr>
-                <a:r>
-                  <a:rPr lang="en-US"/>
-                  <a:t>Normalized IPC</a:t>
-                </a:r>
-              </a:p>
-            </c:rich>
-          </c:tx>
-          <c:layout/>
-          <c:overlay val="0"/>
-        </c:title>
-        <c:numFmt formatCode="General" sourceLinked="1"/>
-        <c:majorTickMark val="out"/>
-        <c:minorTickMark val="none"/>
-        <c:tickLblPos val="nextTo"/>
-        <c:crossAx val="2028542760"/>
-        <c:crosses val="autoZero"/>
-        <c:crossBetween val="between"/>
-      </c:valAx>
-    </c:plotArea>
-    <c:legend>
-      <c:legendPos val="r"/>
-      <c:layout>
-        <c:manualLayout>
-          <c:xMode val="edge"/>
-          <c:yMode val="edge"/>
-          <c:x val="0.672422160465236"/>
-          <c:y val="0.0271071625915182"/>
-          <c:w val="0.141660710878724"/>
-          <c:h val="0.27535294930239"/>
-        </c:manualLayout>
-      </c:layout>
-      <c:overlay val="0"/>
-    </c:legend>
-    <c:plotVisOnly val="1"/>
-    <c:dispBlanksAs val="gap"/>
-    <c:showDLblsOverMax val="0"/>
-  </c:chart>
-  <c:txPr>
-    <a:bodyPr/>
-    <a:lstStyle/>
-    <a:p>
-      <a:pPr>
-        <a:defRPr sz="1800">
-          <a:latin typeface="+mn-lt"/>
-        </a:defRPr>
-      </a:pPr>
-      <a:endParaRPr lang="en-US"/>
-    </a:p>
-  </c:txPr>
-  <c:externalData r:id="rId1">
-    <c:autoUpdate val="0"/>
-  </c:externalData>
-</c:chartSpace>
-</file>
-
-<file path=ppt/charts/chart2.xml><?xml version="1.0" encoding="utf-8"?>
-<c:chartSpace xmlns:c="http://schemas.openxmlformats.org/drawingml/2006/chart" xmlns:a="http://schemas.openxmlformats.org/drawingml/2006/main" xmlns:r="http://schemas.openxmlformats.org/officeDocument/2006/relationships">
-  <c:date1904 val="0"/>
-  <c:lang val="en-US"/>
-  <c:roundedCorners val="0"/>
-  <mc:AlternateContent xmlns:mc="http://schemas.openxmlformats.org/markup-compatibility/2006">
-    <mc:Choice xmlns:c14="http://schemas.microsoft.com/office/drawing/2007/8/2/chart" Requires="c14">
       <c14:style val="118"/>
     </mc:Choice>
     <mc:Fallback>
@@ -1011,16 +127,73 @@
           <a:bodyPr/>
           <a:lstStyle/>
           <a:p>
-            <a:pPr>
-              <a:defRPr/>
+            <a:pPr marL="0" marR="0" indent="0" algn="ctr" defTabSz="914400" rtl="0" eaLnBrk="1" fontAlgn="auto" latinLnBrk="0" hangingPunct="1">
+              <a:lnSpc>
+                <a:spcPct val="100000"/>
+              </a:lnSpc>
+              <a:spcBef>
+                <a:spcPts val="0"/>
+              </a:spcBef>
+              <a:spcAft>
+                <a:spcPts val="0"/>
+              </a:spcAft>
+              <a:buClrTx/>
+              <a:buSzTx/>
+              <a:buFontTx/>
+              <a:buNone/>
+              <a:tabLst/>
+              <a:defRPr sz="1800" b="1" i="0" u="none" strike="noStrike" kern="1200" baseline="0">
+                <a:solidFill>
+                  <a:prstClr val="black"/>
+                </a:solidFill>
+                <a:latin typeface="+mn-lt"/>
+                <a:ea typeface="+mn-ea"/>
+                <a:cs typeface="+mn-cs"/>
+              </a:defRPr>
             </a:pPr>
             <a:r>
-              <a:rPr lang="en-US" sz="2800" b="1" i="0" baseline="0" dirty="0">
+              <a:rPr lang="en-US" sz="3600" b="1" i="0" baseline="0" dirty="0">
                 <a:effectLst/>
               </a:rPr>
-              <a:t>Effect of Pooling on Base-Delta Block Types</a:t>
-            </a:r>
-            <a:endParaRPr lang="en-US" sz="2800" dirty="0">
+              <a:t>Effect of Pooling on </a:t>
+            </a:r>
+            <a:r>
+              <a:rPr lang="el-GR" sz="3600" kern="1200" dirty="0" smtClean="0">
+                <a:solidFill>
+                  <a:srgbClr val="000000"/>
+                </a:solidFill>
+                <a:effectLst/>
+                <a:latin typeface="Calibri"/>
+                <a:ea typeface="+mn-ea"/>
+                <a:cs typeface="+mn-cs"/>
+              </a:rPr>
+              <a:t>B+Δ</a:t>
+            </a:r>
+            <a:r>
+              <a:rPr lang="en-US" sz="3600" kern="1200" dirty="0" smtClean="0">
+                <a:solidFill>
+                  <a:srgbClr val="000000"/>
+                </a:solidFill>
+                <a:effectLst/>
+                <a:latin typeface="Calibri"/>
+                <a:ea typeface="+mn-ea"/>
+                <a:cs typeface="+mn-cs"/>
+              </a:rPr>
+              <a:t> Compression </a:t>
+            </a:r>
+            <a:r>
+              <a:rPr lang="en-US" sz="3600" b="1" i="0" baseline="0" dirty="0" smtClean="0">
+                <a:effectLst/>
+              </a:rPr>
+              <a:t>Block </a:t>
+            </a:r>
+            <a:r>
+              <a:rPr lang="en-US" sz="3600" b="1" i="0" baseline="0" dirty="0">
+                <a:effectLst/>
+              </a:rPr>
+              <a:t>Types</a:t>
+            </a:r>
+            <a:endParaRPr lang="en-US" sz="3600" dirty="0">
               <a:effectLst/>
             </a:endParaRPr>
           </a:p>
@@ -1031,7 +204,17 @@
     </c:title>
     <c:autoTitleDeleted val="0"/>
     <c:plotArea>
-      <c:layout/>
+      <c:layout>
+        <c:manualLayout>
+          <c:layoutTarget val="inner"/>
+          <c:xMode val="edge"/>
+          <c:yMode val="edge"/>
+          <c:x val="0.124524297628477"/>
+          <c:y val="0.148039022695692"/>
+          <c:w val="0.857716147167994"/>
+          <c:h val="0.65235660799753"/>
+        </c:manualLayout>
+      </c:layout>
       <c:barChart>
         <c:barDir val="col"/>
         <c:grouping val="percentStacked"/>
@@ -1337,7 +520,7 @@
           <a:lstStyle/>
           <a:p>
             <a:pPr>
-              <a:defRPr sz="2000"/>
+              <a:defRPr sz="2800"/>
             </a:pPr>
             <a:endParaRPr lang="en-US"/>
           </a:p>
@@ -1377,21 +560,32 @@
                   <a:defRPr/>
                 </a:pPr>
                 <a:r>
-                  <a:rPr lang="en-US" sz="1800" dirty="0"/>
-                  <a:t>Fraction of Blocks Used of </a:t>
+                  <a:rPr lang="en-US" sz="2800" dirty="0" smtClean="0"/>
+                  <a:t>Ratio </a:t>
                 </a:r>
                 <a:r>
-                  <a:rPr lang="en-US" sz="1800" dirty="0" smtClean="0"/>
-                  <a:t>Particular </a:t>
+                  <a:rPr lang="en-US" sz="2800" dirty="0"/>
+                  <a:t>of Blocks </a:t>
                 </a:r>
                 <a:r>
-                  <a:rPr lang="en-US" sz="1800" dirty="0"/>
+                  <a:rPr lang="en-US" sz="2800" dirty="0" smtClean="0"/>
+                  <a:t>of Particular </a:t>
+                </a:r>
+                <a:r>
+                  <a:rPr lang="en-US" sz="2800" dirty="0"/>
                   <a:t>Type</a:t>
                 </a:r>
               </a:p>
             </c:rich>
           </c:tx>
-          <c:layout/>
+          <c:layout>
+            <c:manualLayout>
+              <c:xMode val="edge"/>
+              <c:yMode val="edge"/>
+              <c:x val="0.00763041823914022"/>
+              <c:y val="0.148039020366993"/>
+            </c:manualLayout>
+          </c:layout>
           <c:overlay val="0"/>
         </c:title>
         <c:numFmt formatCode="0%" sourceLinked="0"/>
@@ -1403,7 +597,7 @@
           <a:lstStyle/>
           <a:p>
             <a:pPr>
-              <a:defRPr sz="1800"/>
+              <a:defRPr sz="2400"/>
             </a:pPr>
             <a:endParaRPr lang="en-US"/>
           </a:p>
@@ -1432,7 +626,7 @@
         <a:lstStyle/>
         <a:p>
           <a:pPr>
-            <a:defRPr sz="1800"/>
+            <a:defRPr sz="2800"/>
           </a:pPr>
           <a:endParaRPr lang="en-US"/>
         </a:p>
@@ -1440,6 +634,364 @@
     </c:legend>
     <c:plotVisOnly val="1"/>
     <c:dispBlanksAs val="zero"/>
+    <c:showDLblsOverMax val="0"/>
+  </c:chart>
+  <c:spPr>
+    <a:ln>
+      <a:noFill/>
+    </a:ln>
+  </c:spPr>
+  <c:externalData r:id="rId1">
+    <c:autoUpdate val="0"/>
+  </c:externalData>
+</c:chartSpace>
+</file>
+
+<file path=ppt/charts/chart2.xml><?xml version="1.0" encoding="utf-8"?>
+<c:chartSpace xmlns:c="http://schemas.openxmlformats.org/drawingml/2006/chart" xmlns:a="http://schemas.openxmlformats.org/drawingml/2006/main" xmlns:r="http://schemas.openxmlformats.org/officeDocument/2006/relationships">
+  <c:date1904 val="0"/>
+  <c:lang val="en-US"/>
+  <c:roundedCorners val="0"/>
+  <mc:AlternateContent xmlns:mc="http://schemas.openxmlformats.org/markup-compatibility/2006">
+    <mc:Choice xmlns:c14="http://schemas.microsoft.com/office/drawing/2007/8/2/chart" Requires="c14">
+      <c14:style val="118"/>
+    </mc:Choice>
+    <mc:Fallback>
+      <c:style val="18"/>
+    </mc:Fallback>
+  </mc:AlternateContent>
+  <c:chart>
+    <c:title>
+      <c:tx>
+        <c:rich>
+          <a:bodyPr/>
+          <a:lstStyle/>
+          <a:p>
+            <a:pPr>
+              <a:defRPr sz="4000"/>
+            </a:pPr>
+            <a:r>
+              <a:rPr lang="en-US" sz="4000" b="1" i="0" baseline="0">
+                <a:effectLst/>
+              </a:rPr>
+              <a:t>Normalized Compression Ratio for Benchmarks</a:t>
+            </a:r>
+            <a:endParaRPr lang="en-US" sz="4000">
+              <a:effectLst/>
+            </a:endParaRPr>
+          </a:p>
+        </c:rich>
+      </c:tx>
+      <c:layout/>
+      <c:overlay val="0"/>
+    </c:title>
+    <c:autoTitleDeleted val="0"/>
+    <c:plotArea>
+      <c:layout>
+        <c:manualLayout>
+          <c:layoutTarget val="inner"/>
+          <c:xMode val="edge"/>
+          <c:yMode val="edge"/>
+          <c:x val="0.118556818711271"/>
+          <c:y val="0.143739275503815"/>
+          <c:w val="0.868622668468217"/>
+          <c:h val="0.663766646169017"/>
+        </c:manualLayout>
+      </c:layout>
+      <c:barChart>
+        <c:barDir val="col"/>
+        <c:grouping val="clustered"/>
+        <c:varyColors val="0"/>
+        <c:ser>
+          <c:idx val="2"/>
+          <c:order val="0"/>
+          <c:tx>
+            <c:v>BASELINE</c:v>
+          </c:tx>
+          <c:spPr>
+            <a:solidFill>
+              <a:schemeClr val="tx1">
+                <a:lumMod val="50000"/>
+                <a:lumOff val="50000"/>
+              </a:schemeClr>
+            </a:solidFill>
+          </c:spPr>
+          <c:invertIfNegative val="0"/>
+          <c:cat>
+            <c:strRef>
+              <c:f>Sheet1!$A$30:$A$32</c:f>
+              <c:strCache>
+                <c:ptCount val="3"/>
+                <c:pt idx="0">
+                  <c:v>bisort</c:v>
+                </c:pt>
+                <c:pt idx="1">
+                  <c:v>llu</c:v>
+                </c:pt>
+                <c:pt idx="2">
+                  <c:v>sort</c:v>
+                </c:pt>
+              </c:strCache>
+            </c:strRef>
+          </c:cat>
+          <c:val>
+            <c:numRef>
+              <c:f>Sheet1!$F$34:$F$36</c:f>
+              <c:numCache>
+                <c:formatCode>0.00</c:formatCode>
+                <c:ptCount val="3"/>
+                <c:pt idx="0">
+                  <c:v>1.0</c:v>
+                </c:pt>
+                <c:pt idx="1">
+                  <c:v>1.0</c:v>
+                </c:pt>
+                <c:pt idx="2">
+                  <c:v>1.0</c:v>
+                </c:pt>
+              </c:numCache>
+            </c:numRef>
+          </c:val>
+        </c:ser>
+        <c:ser>
+          <c:idx val="0"/>
+          <c:order val="1"/>
+          <c:tx>
+            <c:v>POOLING</c:v>
+          </c:tx>
+          <c:spPr>
+            <a:solidFill>
+              <a:schemeClr val="tx1">
+                <a:lumMod val="65000"/>
+                <a:lumOff val="35000"/>
+              </a:schemeClr>
+            </a:solidFill>
+          </c:spPr>
+          <c:invertIfNegative val="0"/>
+          <c:val>
+            <c:numRef>
+              <c:f>Sheet1!$G$34:$G$36</c:f>
+              <c:numCache>
+                <c:formatCode>0.00</c:formatCode>
+                <c:ptCount val="3"/>
+                <c:pt idx="0">
+                  <c:v>1.6</c:v>
+                </c:pt>
+                <c:pt idx="1">
+                  <c:v>1.327315666642771</c:v>
+                </c:pt>
+                <c:pt idx="2">
+                  <c:v>1.224390243902439</c:v>
+                </c:pt>
+              </c:numCache>
+            </c:numRef>
+          </c:val>
+        </c:ser>
+        <c:ser>
+          <c:idx val="1"/>
+          <c:order val="2"/>
+          <c:tx>
+            <c:v>BASE-DELTA</c:v>
+          </c:tx>
+          <c:spPr>
+            <a:solidFill>
+              <a:schemeClr val="tx1">
+                <a:lumMod val="75000"/>
+                <a:lumOff val="25000"/>
+              </a:schemeClr>
+            </a:solidFill>
+          </c:spPr>
+          <c:invertIfNegative val="0"/>
+          <c:val>
+            <c:numRef>
+              <c:f>Sheet1!$H$34:$H$36</c:f>
+              <c:numCache>
+                <c:formatCode>0.00</c:formatCode>
+                <c:ptCount val="3"/>
+                <c:pt idx="0">
+                  <c:v>1.144774640379779</c:v>
+                </c:pt>
+                <c:pt idx="1">
+                  <c:v>1.102039534160874</c:v>
+                </c:pt>
+                <c:pt idx="2">
+                  <c:v>1.05020920502092</c:v>
+                </c:pt>
+              </c:numCache>
+            </c:numRef>
+          </c:val>
+        </c:ser>
+        <c:ser>
+          <c:idx val="3"/>
+          <c:order val="3"/>
+          <c:tx>
+            <c:v>BD+POOL</c:v>
+          </c:tx>
+          <c:spPr>
+            <a:solidFill>
+              <a:srgbClr val="008000"/>
+            </a:solidFill>
+          </c:spPr>
+          <c:invertIfNegative val="0"/>
+          <c:dLbls>
+            <c:txPr>
+              <a:bodyPr/>
+              <a:lstStyle/>
+              <a:p>
+                <a:pPr>
+                  <a:defRPr sz="2800"/>
+                </a:pPr>
+                <a:endParaRPr lang="en-US"/>
+              </a:p>
+            </c:txPr>
+            <c:showLegendKey val="0"/>
+            <c:showVal val="1"/>
+            <c:showCatName val="0"/>
+            <c:showSerName val="0"/>
+            <c:showPercent val="0"/>
+            <c:showBubbleSize val="0"/>
+            <c:showLeaderLines val="0"/>
+          </c:dLbls>
+          <c:val>
+            <c:numRef>
+              <c:f>Sheet1!$I$34:$I$36</c:f>
+              <c:numCache>
+                <c:formatCode>0.00</c:formatCode>
+                <c:ptCount val="3"/>
+                <c:pt idx="0">
+                  <c:v>1.815602836879433</c:v>
+                </c:pt>
+                <c:pt idx="1">
+                  <c:v>3.727391683628962</c:v>
+                </c:pt>
+                <c:pt idx="2">
+                  <c:v>2.261261261261261</c:v>
+                </c:pt>
+              </c:numCache>
+            </c:numRef>
+          </c:val>
+        </c:ser>
+        <c:dLbls>
+          <c:showLegendKey val="0"/>
+          <c:showVal val="0"/>
+          <c:showCatName val="0"/>
+          <c:showSerName val="0"/>
+          <c:showPercent val="0"/>
+          <c:showBubbleSize val="0"/>
+        </c:dLbls>
+        <c:gapWidth val="150"/>
+        <c:axId val="2132085832"/>
+        <c:axId val="-2145698936"/>
+      </c:barChart>
+      <c:catAx>
+        <c:axId val="2132085832"/>
+        <c:scaling>
+          <c:orientation val="minMax"/>
+        </c:scaling>
+        <c:delete val="0"/>
+        <c:axPos val="b"/>
+        <c:majorTickMark val="out"/>
+        <c:minorTickMark val="none"/>
+        <c:tickLblPos val="nextTo"/>
+        <c:txPr>
+          <a:bodyPr/>
+          <a:lstStyle/>
+          <a:p>
+            <a:pPr>
+              <a:defRPr sz="2800"/>
+            </a:pPr>
+            <a:endParaRPr lang="en-US"/>
+          </a:p>
+        </c:txPr>
+        <c:crossAx val="-2145698936"/>
+        <c:crosses val="autoZero"/>
+        <c:auto val="1"/>
+        <c:lblAlgn val="ctr"/>
+        <c:lblOffset val="100"/>
+        <c:noMultiLvlLbl val="0"/>
+      </c:catAx>
+      <c:valAx>
+        <c:axId val="-2145698936"/>
+        <c:scaling>
+          <c:orientation val="minMax"/>
+        </c:scaling>
+        <c:delete val="0"/>
+        <c:axPos val="l"/>
+        <c:majorGridlines>
+          <c:spPr>
+            <a:ln>
+              <a:solidFill>
+                <a:schemeClr val="bg1">
+                  <a:lumMod val="85000"/>
+                </a:schemeClr>
+              </a:solidFill>
+            </a:ln>
+          </c:spPr>
+        </c:majorGridlines>
+        <c:title>
+          <c:tx>
+            <c:rich>
+              <a:bodyPr rot="-5400000" vert="horz"/>
+              <a:lstStyle/>
+              <a:p>
+                <a:pPr>
+                  <a:defRPr sz="2800"/>
+                </a:pPr>
+                <a:r>
+                  <a:rPr lang="en-US" sz="2800"/>
+                  <a:t>Normalized Compression Ratio</a:t>
+                </a:r>
+              </a:p>
+            </c:rich>
+          </c:tx>
+          <c:layout/>
+          <c:overlay val="0"/>
+        </c:title>
+        <c:numFmt formatCode="0.00" sourceLinked="0"/>
+        <c:majorTickMark val="out"/>
+        <c:minorTickMark val="none"/>
+        <c:tickLblPos val="nextTo"/>
+        <c:txPr>
+          <a:bodyPr/>
+          <a:lstStyle/>
+          <a:p>
+            <a:pPr>
+              <a:defRPr sz="2800"/>
+            </a:pPr>
+            <a:endParaRPr lang="en-US"/>
+          </a:p>
+        </c:txPr>
+        <c:crossAx val="2132085832"/>
+        <c:crosses val="autoZero"/>
+        <c:crossBetween val="between"/>
+      </c:valAx>
+    </c:plotArea>
+    <c:legend>
+      <c:legendPos val="b"/>
+      <c:layout>
+        <c:manualLayout>
+          <c:xMode val="edge"/>
+          <c:yMode val="edge"/>
+          <c:x val="0.159039898119244"/>
+          <c:y val="0.917636429598979"/>
+          <c:w val="0.681474320147851"/>
+          <c:h val="0.0645752841987999"/>
+        </c:manualLayout>
+      </c:layout>
+      <c:overlay val="0"/>
+      <c:txPr>
+        <a:bodyPr/>
+        <a:lstStyle/>
+        <a:p>
+          <a:pPr>
+            <a:defRPr sz="2800"/>
+          </a:pPr>
+          <a:endParaRPr lang="en-US"/>
+        </a:p>
+      </c:txPr>
+    </c:legend>
+    <c:plotVisOnly val="1"/>
+    <c:dispBlanksAs val="gap"/>
     <c:showDLblsOverMax val="0"/>
   </c:chart>
   <c:spPr>
@@ -4472,7 +4024,7 @@
           <p:nvPr/>
         </p:nvPicPr>
         <p:blipFill>
-          <a:blip r:embed="rId3" cstate="print"/>
+          <a:blip r:embed="rId2" cstate="print"/>
           <a:srcRect t="92588" r="43587"/>
           <a:stretch>
             <a:fillRect/>
@@ -4504,7 +4056,7 @@
           <p:nvPr/>
         </p:nvPicPr>
         <p:blipFill>
-          <a:blip r:embed="rId4" cstate="print"/>
+          <a:blip r:embed="rId3" cstate="print"/>
           <a:srcRect/>
           <a:stretch>
             <a:fillRect/>
@@ -4782,7 +4334,7 @@
         <p:spPr>
           <a:xfrm>
             <a:off x="609600" y="15258871"/>
-            <a:ext cx="26289000" cy="1200329"/>
+            <a:ext cx="12877800" cy="1200329"/>
           </a:xfrm>
           <a:prstGeom prst="rect">
             <a:avLst/>
@@ -4830,7 +4382,7 @@
         </p:nvSpPr>
         <p:spPr>
           <a:xfrm>
-            <a:off x="609600" y="26136600"/>
+            <a:off x="14020800" y="15316200"/>
             <a:ext cx="12877800" cy="1200329"/>
           </a:xfrm>
           <a:prstGeom prst="rect">
@@ -5025,7 +4577,7 @@
         <p:spPr>
           <a:xfrm>
             <a:off x="457200" y="15163800"/>
-            <a:ext cx="26593800" cy="10515600"/>
+            <a:ext cx="13182600" cy="20955000"/>
           </a:xfrm>
           <a:prstGeom prst="rect">
             <a:avLst/>
@@ -5072,7 +4624,7 @@
         </p:nvSpPr>
         <p:spPr>
           <a:xfrm>
-            <a:off x="457200" y="25984200"/>
+            <a:off x="13868400" y="15163800"/>
             <a:ext cx="13182600" cy="10134600"/>
           </a:xfrm>
           <a:prstGeom prst="rect">
@@ -5418,7 +4970,7 @@
         <p:spPr>
           <a:xfrm>
             <a:off x="14020800" y="5638800"/>
-            <a:ext cx="12954000" cy="4462760"/>
+            <a:ext cx="12954000" cy="6801862"/>
           </a:xfrm>
           <a:prstGeom prst="rect">
             <a:avLst/>
@@ -5448,18 +5000,32 @@
               <a:t>: Can we mitigate low compressibility cases for </a:t>
             </a:r>
             <a:r>
-              <a:rPr lang="en-US" sz="4000" b="1" dirty="0"/>
+              <a:rPr lang="en-US" sz="4000" b="1" dirty="0">
+                <a:solidFill>
+                  <a:srgbClr val="FF0000"/>
+                </a:solidFill>
+              </a:rPr>
               <a:t>B+</a:t>
             </a:r>
             <a:r>
-              <a:rPr lang="en-US" sz="4000" b="1" dirty="0" smtClean="0"/>
+              <a:rPr lang="en-US" sz="4000" b="1" dirty="0" smtClean="0">
+                <a:solidFill>
+                  <a:srgbClr val="FF0000"/>
+                </a:solidFill>
+              </a:rPr>
               <a:t>Δ</a:t>
             </a:r>
             <a:r>
-              <a:rPr lang="en-US" sz="4000" dirty="0" smtClean="0"/>
+              <a:rPr lang="en-US" sz="4000" dirty="0" smtClean="0">
+                <a:solidFill>
+                  <a:srgbClr val="FF0000"/>
+                </a:solidFill>
+              </a:rPr>
               <a:t> compression?</a:t>
             </a:r>
-            <a:endParaRPr lang="en-US" sz="4000" dirty="0" smtClean="0">
+          </a:p>
+          <a:p>
+            <a:endParaRPr lang="en-US" sz="3200" dirty="0" smtClean="0">
               <a:solidFill>
                 <a:srgbClr val="FF0000"/>
               </a:solidFill>
@@ -5471,19 +5037,19 @@
               <a:buChar char="•"/>
             </a:pPr>
             <a:r>
-              <a:rPr lang="en-US" sz="3200" dirty="0" smtClean="0"/>
+              <a:rPr lang="en-US" sz="4000" dirty="0" smtClean="0"/>
               <a:t>Increase viability for </a:t>
             </a:r>
             <a:r>
-              <a:rPr lang="el-GR" sz="3200" dirty="0"/>
+              <a:rPr lang="el-GR" sz="4000" dirty="0"/>
               <a:t>B+</a:t>
             </a:r>
             <a:r>
-              <a:rPr lang="el-GR" sz="3200" dirty="0" smtClean="0"/>
+              <a:rPr lang="el-GR" sz="4000" dirty="0" smtClean="0"/>
               <a:t>Δ</a:t>
             </a:r>
             <a:r>
-              <a:rPr lang="en-US" sz="3200" dirty="0" smtClean="0"/>
+              <a:rPr lang="en-US" sz="4000" dirty="0" smtClean="0"/>
               <a:t> implementation in hardware, and justify the extra access latency.</a:t>
             </a:r>
           </a:p>
@@ -5493,15 +5059,15 @@
               <a:buChar char="•"/>
             </a:pPr>
             <a:r>
-              <a:rPr lang="en-US" sz="3200" dirty="0" smtClean="0"/>
+              <a:rPr lang="en-US" sz="4000" dirty="0" smtClean="0"/>
               <a:t>Proposals like Memory Pooling and Data Splitting </a:t>
             </a:r>
             <a:r>
-              <a:rPr lang="en-US" sz="3200" b="1" dirty="0" smtClean="0"/>
+              <a:rPr lang="en-US" sz="4000" b="1" dirty="0" smtClean="0"/>
               <a:t>already improve locality and reduce value range</a:t>
             </a:r>
             <a:r>
-              <a:rPr lang="en-US" sz="3200" dirty="0" smtClean="0"/>
+              <a:rPr lang="en-US" sz="4000" dirty="0" smtClean="0"/>
               <a:t> in adjacent data values.</a:t>
             </a:r>
           </a:p>
@@ -5510,8 +5076,15 @@
               <a:buFont typeface="Arial"/>
               <a:buChar char="•"/>
             </a:pPr>
-            <a:r>
-              <a:rPr lang="en-US" sz="3200" dirty="0" smtClean="0">
+            <a:endParaRPr lang="en-US" sz="4000" dirty="0" smtClean="0"/>
+          </a:p>
+          <a:p>
+            <a:pPr marL="457200" indent="-457200">
+              <a:buFont typeface="Arial"/>
+              <a:buChar char="•"/>
+            </a:pPr>
+            <a:r>
+              <a:rPr lang="en-US" sz="4000" dirty="0" smtClean="0">
                 <a:solidFill>
                   <a:srgbClr val="008000"/>
                 </a:solidFill>
@@ -5519,7 +5092,7 @@
               <a:t>But they have not yet been applied to </a:t>
             </a:r>
             <a:r>
-              <a:rPr lang="en-US" sz="3200" b="1" dirty="0">
+              <a:rPr lang="en-US" sz="4000" b="1" dirty="0">
                 <a:solidFill>
                   <a:srgbClr val="008000"/>
                 </a:solidFill>
@@ -5527,7 +5100,7 @@
               <a:t>B+</a:t>
             </a:r>
             <a:r>
-              <a:rPr lang="en-US" sz="3200" b="1" dirty="0" smtClean="0">
+              <a:rPr lang="en-US" sz="4000" b="1" dirty="0" smtClean="0">
                 <a:solidFill>
                   <a:srgbClr val="008000"/>
                 </a:solidFill>
@@ -5535,14 +5108,14 @@
               <a:t>Δ</a:t>
             </a:r>
             <a:r>
-              <a:rPr lang="en-US" sz="3200" dirty="0" smtClean="0">
+              <a:rPr lang="en-US" sz="4000" dirty="0" smtClean="0">
                 <a:solidFill>
                   <a:srgbClr val="008000"/>
                 </a:solidFill>
               </a:rPr>
               <a:t>!</a:t>
             </a:r>
-            <a:endParaRPr lang="en-US" sz="3200" dirty="0">
+            <a:endParaRPr lang="en-US" sz="4000" dirty="0">
               <a:solidFill>
                 <a:srgbClr val="008000"/>
               </a:solidFill>
@@ -5553,32 +5126,16 @@
           </a:p>
         </p:txBody>
       </p:sp>
-      <p:graphicFrame>
-        <p:nvGraphicFramePr>
-          <p:cNvPr id="39" name="Chart 38"/>
-          <p:cNvGraphicFramePr/>
-          <p:nvPr/>
-        </p:nvGraphicFramePr>
-        <p:xfrm>
-          <a:off x="838200" y="29641800"/>
-          <a:ext cx="11658600" cy="5791200"/>
-        </p:xfrm>
-        <a:graphic>
-          <a:graphicData uri="http://schemas.openxmlformats.org/drawingml/2006/chart">
-            <c:chart xmlns:c="http://schemas.openxmlformats.org/drawingml/2006/chart" xmlns:r="http://schemas.openxmlformats.org/officeDocument/2006/relationships" r:id="rId5"/>
-          </a:graphicData>
-        </a:graphic>
-      </p:graphicFrame>
-      <p:sp>
-        <p:nvSpPr>
-          <p:cNvPr id="40" name="Rectangle 39"/>
+      <p:sp>
+        <p:nvSpPr>
+          <p:cNvPr id="106" name="Rectangle 105"/>
           <p:cNvSpPr/>
           <p:nvPr/>
         </p:nvSpPr>
         <p:spPr>
           <a:xfrm>
-            <a:off x="685800" y="27508200"/>
-            <a:ext cx="12954000" cy="2123658"/>
+            <a:off x="13944600" y="27584400"/>
+            <a:ext cx="13487400" cy="7663636"/>
           </a:xfrm>
           <a:prstGeom prst="rect">
             <a:avLst/>
@@ -5590,21 +5147,31 @@
           </a:bodyPr>
           <a:lstStyle/>
           <a:p>
+            <a:r>
+              <a:rPr lang="en-US" sz="4400" dirty="0" smtClean="0">
+                <a:solidFill>
+                  <a:srgbClr val="0000FF"/>
+                </a:solidFill>
+              </a:rPr>
+              <a:t>Min-Eviction</a:t>
+            </a:r>
+            <a:r>
+              <a:rPr lang="en-US" sz="4400" dirty="0" smtClean="0"/>
+              <a:t>: a novel replacement policy for the compressed cache</a:t>
+            </a:r>
+          </a:p>
+          <a:p>
             <a:pPr>
               <a:buFont typeface="Arial" pitchFamily="34" charset="0"/>
               <a:buChar char="•"/>
             </a:pPr>
             <a:r>
-              <a:rPr lang="en-US" sz="4400" dirty="0" smtClean="0">
-                <a:solidFill>
-                  <a:srgbClr val="FF0000"/>
-                </a:solidFill>
-              </a:rPr>
-              <a:t>Min-LRU</a:t>
-            </a:r>
-            <a:r>
-              <a:rPr lang="en-US" sz="4400" dirty="0" smtClean="0"/>
-              <a:t>: 1% increase in IPC over LRU</a:t>
+              <a:rPr lang="en-US" sz="3600" dirty="0"/>
+              <a:t> </a:t>
+            </a:r>
+            <a:r>
+              <a:rPr lang="en-US" sz="3600" u="sng" dirty="0" smtClean="0"/>
+              <a:t>Outperforms current state-of-the-art replacement policies</a:t>
             </a:r>
           </a:p>
           <a:p>
@@ -5613,16 +5180,12 @@
               <a:buChar char="•"/>
             </a:pPr>
             <a:r>
-              <a:rPr lang="en-US" sz="4400" dirty="0" smtClean="0">
-                <a:solidFill>
-                  <a:srgbClr val="FF0000"/>
-                </a:solidFill>
-              </a:rPr>
-              <a:t>Min-Eviction</a:t>
-            </a:r>
-            <a:r>
-              <a:rPr lang="en-US" sz="4400" dirty="0" smtClean="0"/>
-              <a:t>: 3% increase in IPC over LRU</a:t>
+              <a:rPr lang="en-US" sz="3600" dirty="0"/>
+              <a:t> </a:t>
+            </a:r>
+            <a:r>
+              <a:rPr lang="en-US" sz="3600" u="sng" dirty="0" smtClean="0"/>
+              <a:t>First to consider both compressed block size and probability of reuse</a:t>
             </a:r>
           </a:p>
           <a:p>
@@ -5631,75 +5194,228 @@
               <a:buChar char="•"/>
             </a:pPr>
             <a:r>
-              <a:rPr lang="en-US" sz="4400" dirty="0" smtClean="0"/>
-              <a:t>IPC increase due to MPKI decrease</a:t>
-            </a:r>
-            <a:endParaRPr lang="en-US" sz="4400" dirty="0"/>
+              <a:rPr lang="en-US" sz="3600" dirty="0"/>
+              <a:t> </a:t>
+            </a:r>
+            <a:r>
+              <a:rPr lang="en-US" sz="3600" u="sng" dirty="0" smtClean="0"/>
+              <a:t>Simple to implement</a:t>
+            </a:r>
+          </a:p>
+          <a:p>
+            <a:pPr>
+              <a:buFont typeface="Arial" pitchFamily="34" charset="0"/>
+              <a:buChar char="•"/>
+            </a:pPr>
+            <a:endParaRPr lang="en-US" sz="3600" u="sng" dirty="0"/>
+          </a:p>
+          <a:p>
+            <a:r>
+              <a:rPr lang="en-US" sz="4400" dirty="0">
+                <a:solidFill>
+                  <a:srgbClr val="0000FF"/>
+                </a:solidFill>
+              </a:rPr>
+              <a:t>Further Work</a:t>
+            </a:r>
+            <a:r>
+              <a:rPr lang="en-US" sz="4400" dirty="0" smtClean="0">
+                <a:solidFill>
+                  <a:srgbClr val="0000FF"/>
+                </a:solidFill>
+              </a:rPr>
+              <a:t>:</a:t>
+            </a:r>
+          </a:p>
+          <a:p>
+            <a:pPr>
+              <a:buFont typeface="Arial" pitchFamily="34" charset="0"/>
+              <a:buChar char="•"/>
+            </a:pPr>
+            <a:r>
+              <a:rPr lang="en-US" sz="3600" dirty="0" smtClean="0">
+                <a:solidFill>
+                  <a:srgbClr val="0000FF"/>
+                </a:solidFill>
+              </a:rPr>
+              <a:t> </a:t>
+            </a:r>
+            <a:r>
+              <a:rPr lang="en-US" sz="3600" b="1" dirty="0" smtClean="0"/>
+              <a:t>Global Min-Eviction</a:t>
+            </a:r>
+            <a:r>
+              <a:rPr lang="en-US" sz="3600" dirty="0" smtClean="0"/>
+              <a:t>: a global replacement policy for the compressed decoupled variable way cache that applies similar insight as Min-Eviction</a:t>
+            </a:r>
+          </a:p>
+          <a:p>
+            <a:pPr>
+              <a:buFont typeface="Arial" pitchFamily="34" charset="0"/>
+              <a:buChar char="•"/>
+            </a:pPr>
+            <a:r>
+              <a:rPr lang="en-US" sz="3600" dirty="0"/>
+              <a:t> </a:t>
+            </a:r>
+            <a:r>
+              <a:rPr lang="en-US" sz="3600" b="1" dirty="0" smtClean="0"/>
+              <a:t>Fairness</a:t>
+            </a:r>
+            <a:r>
+              <a:rPr lang="en-US" sz="3600" dirty="0" smtClean="0"/>
+              <a:t> in compressed cache replacement</a:t>
+            </a:r>
+          </a:p>
+          <a:p>
+            <a:pPr>
+              <a:buFont typeface="Arial" pitchFamily="34" charset="0"/>
+              <a:buChar char="•"/>
+            </a:pPr>
+            <a:r>
+              <a:rPr lang="en-US" sz="3600" dirty="0" smtClean="0">
+                <a:solidFill>
+                  <a:srgbClr val="0000FF"/>
+                </a:solidFill>
+              </a:rPr>
+              <a:t> </a:t>
+            </a:r>
+            <a:r>
+              <a:rPr lang="en-US" sz="3600" b="1" dirty="0" smtClean="0"/>
+              <a:t>Multi-core evaluation and analysis </a:t>
+            </a:r>
+            <a:r>
+              <a:rPr lang="en-US" sz="3600" dirty="0" smtClean="0"/>
+              <a:t>(see paper): 4% increase in normalized weighted speedup over LRU in heterogeneous workloads</a:t>
+            </a:r>
+            <a:endParaRPr lang="en-US" sz="3600" dirty="0"/>
+          </a:p>
+        </p:txBody>
+      </p:sp>
+      <p:graphicFrame>
+        <p:nvGraphicFramePr>
+          <p:cNvPr id="115" name="Chart 114"/>
+          <p:cNvGraphicFramePr>
+            <a:graphicFrameLocks/>
+          </p:cNvGraphicFramePr>
+          <p:nvPr>
+            <p:extLst>
+              <p:ext uri="{D42A27DB-BD31-4B8C-83A1-F6EECF244321}">
+                <p14:modId xmlns:p14="http://schemas.microsoft.com/office/powerpoint/2010/main" val="3235637092"/>
+              </p:ext>
+            </p:extLst>
+          </p:nvPr>
+        </p:nvGraphicFramePr>
+        <p:xfrm>
+          <a:off x="609600" y="25580876"/>
+          <a:ext cx="12877800" cy="7177790"/>
+        </p:xfrm>
+        <a:graphic>
+          <a:graphicData uri="http://schemas.openxmlformats.org/drawingml/2006/chart">
+            <c:chart xmlns:c="http://schemas.openxmlformats.org/drawingml/2006/chart" xmlns:r="http://schemas.openxmlformats.org/officeDocument/2006/relationships" r:id="rId4"/>
+          </a:graphicData>
+        </a:graphic>
+      </p:graphicFrame>
+      <p:sp>
+        <p:nvSpPr>
+          <p:cNvPr id="3" name="TextBox 2"/>
+          <p:cNvSpPr txBox="1"/>
+          <p:nvPr/>
+        </p:nvSpPr>
+        <p:spPr>
+          <a:xfrm>
+            <a:off x="609600" y="32972276"/>
+            <a:ext cx="12877800" cy="2308324"/>
+          </a:xfrm>
+          <a:prstGeom prst="rect">
+            <a:avLst/>
+          </a:prstGeom>
+          <a:noFill/>
+        </p:spPr>
+        <p:txBody>
+          <a:bodyPr wrap="square" rtlCol="0">
+            <a:spAutoFit/>
+          </a:bodyPr>
+          <a:lstStyle/>
+          <a:p>
+            <a:r>
+              <a:rPr lang="en-US" sz="3600" b="1" dirty="0" smtClean="0"/>
+              <a:t>Figure 1. </a:t>
+            </a:r>
+            <a:r>
+              <a:rPr lang="en-US" sz="3600" dirty="0" smtClean="0"/>
+              <a:t>Each column shows the ratio of block-types for B+D compression with and without splitting and pooling. </a:t>
+            </a:r>
+            <a:r>
+              <a:rPr lang="en-US" sz="3600" dirty="0" smtClean="0">
+                <a:solidFill>
+                  <a:srgbClr val="008000"/>
+                </a:solidFill>
+              </a:rPr>
+              <a:t>Notice the large increase in 1-byte all-zero blocks, and general decrease of large, uncompressed blocks</a:t>
+            </a:r>
+            <a:r>
+              <a:rPr lang="en-US" sz="3600" dirty="0" smtClean="0"/>
+              <a:t>.</a:t>
+            </a:r>
+            <a:endParaRPr lang="en-US" sz="3600" dirty="0"/>
+          </a:p>
+        </p:txBody>
+      </p:sp>
+      <p:sp>
+        <p:nvSpPr>
+          <p:cNvPr id="116" name="TextBox 115"/>
+          <p:cNvSpPr txBox="1"/>
+          <p:nvPr/>
+        </p:nvSpPr>
+        <p:spPr>
+          <a:xfrm>
+            <a:off x="609600" y="16535400"/>
+            <a:ext cx="12877800" cy="707886"/>
+          </a:xfrm>
+          <a:prstGeom prst="rect">
+            <a:avLst/>
+          </a:prstGeom>
+          <a:noFill/>
+        </p:spPr>
+        <p:txBody>
+          <a:bodyPr wrap="square" rtlCol="0">
+            <a:spAutoFit/>
+          </a:bodyPr>
+          <a:lstStyle/>
+          <a:p>
+            <a:r>
+              <a:rPr lang="en-US" sz="4000" b="1" dirty="0" smtClean="0"/>
+              <a:t>Basic Splitting-Pooling Example (64-bit)</a:t>
+            </a:r>
+            <a:endParaRPr lang="en-US" sz="4000" b="1" dirty="0"/>
           </a:p>
         </p:txBody>
       </p:sp>
       <p:grpSp>
         <p:nvGrpSpPr>
-          <p:cNvPr id="104" name="Group 103"/>
+          <p:cNvPr id="6" name="Group 5"/>
           <p:cNvGrpSpPr/>
           <p:nvPr/>
         </p:nvGrpSpPr>
         <p:grpSpPr>
           <a:xfrm>
-            <a:off x="10134600" y="16535400"/>
-            <a:ext cx="7467600" cy="10796290"/>
-            <a:chOff x="12344400" y="16535400"/>
-            <a:chExt cx="7467600" cy="10796290"/>
+            <a:off x="762000" y="17983200"/>
+            <a:ext cx="6934200" cy="461665"/>
+            <a:chOff x="685800" y="17449800"/>
+            <a:chExt cx="6934200" cy="461665"/>
           </a:xfrm>
         </p:grpSpPr>
         <p:sp>
           <p:nvSpPr>
-            <p:cNvPr id="56" name="Rectangle 55"/>
-            <p:cNvSpPr/>
-            <p:nvPr/>
-          </p:nvSpPr>
-          <p:spPr>
-            <a:xfrm>
-              <a:off x="12344400" y="17526000"/>
-              <a:ext cx="6781800" cy="914400"/>
-            </a:xfrm>
-            <a:prstGeom prst="rect">
-              <a:avLst/>
-            </a:prstGeom>
-          </p:spPr>
-          <p:style>
-            <a:lnRef idx="1">
-              <a:schemeClr val="dk1"/>
-            </a:lnRef>
-            <a:fillRef idx="2">
-              <a:schemeClr val="dk1"/>
-            </a:fillRef>
-            <a:effectRef idx="1">
-              <a:schemeClr val="dk1"/>
-            </a:effectRef>
-            <a:fontRef idx="minor">
-              <a:schemeClr val="dk1"/>
-            </a:fontRef>
-          </p:style>
-          <p:txBody>
-            <a:bodyPr rtlCol="0" anchor="ctr"/>
-            <a:lstStyle/>
-            <a:p>
-              <a:pPr algn="ctr"/>
-              <a:endParaRPr lang="en-US"/>
-            </a:p>
-          </p:txBody>
-        </p:sp>
-        <p:sp>
-          <p:nvSpPr>
-            <p:cNvPr id="57" name="TextBox 56"/>
+            <p:cNvPr id="118" name="TextBox 117"/>
             <p:cNvSpPr txBox="1"/>
             <p:nvPr/>
           </p:nvSpPr>
           <p:spPr>
             <a:xfrm>
-              <a:off x="13335000" y="17602200"/>
-              <a:ext cx="2057400" cy="707886"/>
+              <a:off x="685800" y="17449800"/>
+              <a:ext cx="1524000" cy="461665"/>
             </a:xfrm>
             <a:prstGeom prst="rect">
               <a:avLst/>
@@ -5729,83 +5445,800 @@
             <a:p>
               <a:pPr algn="ctr"/>
               <a:r>
-                <a:rPr lang="en-US" sz="4000" dirty="0" smtClean="0"/>
-                <a:t>{70%,2x}</a:t>
+                <a:rPr lang="en-US" sz="2400" dirty="0" smtClean="0"/>
+                <a:t>FLAG (1B)</a:t>
               </a:r>
-              <a:endParaRPr lang="en-US" sz="4000" dirty="0"/>
+              <a:endParaRPr lang="en-US" sz="2400" dirty="0"/>
             </a:p>
           </p:txBody>
         </p:sp>
         <p:sp>
           <p:nvSpPr>
-            <p:cNvPr id="58" name="TextBox 57"/>
+            <p:cNvPr id="119" name="TextBox 118"/>
             <p:cNvSpPr txBox="1"/>
             <p:nvPr/>
           </p:nvSpPr>
           <p:spPr>
             <a:xfrm>
-              <a:off x="12420600" y="17754600"/>
-              <a:ext cx="762000" cy="400110"/>
+              <a:off x="2209800" y="17449801"/>
+              <a:ext cx="2133600" cy="457200"/>
             </a:xfrm>
             <a:prstGeom prst="rect">
               <a:avLst/>
             </a:prstGeom>
-            <a:noFill/>
           </p:spPr>
+          <p:style>
+            <a:lnRef idx="2">
+              <a:schemeClr val="accent4">
+                <a:shade val="50000"/>
+              </a:schemeClr>
+            </a:lnRef>
+            <a:fillRef idx="1">
+              <a:schemeClr val="accent4"/>
+            </a:fillRef>
+            <a:effectRef idx="0">
+              <a:schemeClr val="accent4"/>
+            </a:effectRef>
+            <a:fontRef idx="minor">
+              <a:schemeClr val="lt1"/>
+            </a:fontRef>
+          </p:style>
           <p:txBody>
             <a:bodyPr wrap="square" rtlCol="0">
               <a:spAutoFit/>
             </a:bodyPr>
             <a:lstStyle/>
             <a:p>
+              <a:pPr algn="ctr"/>
               <a:r>
-                <a:rPr lang="en-US" sz="2000" b="1" dirty="0" smtClean="0"/>
-                <a:t>Set 0</a:t>
+                <a:rPr lang="en-US" sz="2400" dirty="0" smtClean="0"/>
+                <a:t>VAL (</a:t>
               </a:r>
-              <a:endParaRPr lang="en-US" sz="2000" b="1" dirty="0"/>
+              <a:r>
+                <a:rPr lang="en-US" sz="2400" dirty="0"/>
+                <a:t>4</a:t>
+              </a:r>
+              <a:r>
+                <a:rPr lang="en-US" sz="2400" dirty="0" smtClean="0"/>
+                <a:t>B)</a:t>
+              </a:r>
+              <a:endParaRPr lang="en-US" sz="2400" dirty="0"/>
             </a:p>
           </p:txBody>
         </p:sp>
         <p:sp>
           <p:nvSpPr>
-            <p:cNvPr id="59" name="TextBox 58"/>
+            <p:cNvPr id="120" name="TextBox 119"/>
             <p:cNvSpPr txBox="1"/>
             <p:nvPr/>
           </p:nvSpPr>
           <p:spPr>
             <a:xfrm>
-              <a:off x="15621000" y="16687800"/>
-              <a:ext cx="1295400" cy="523220"/>
+              <a:off x="4343400" y="17449800"/>
+              <a:ext cx="3276600" cy="457200"/>
             </a:xfrm>
             <a:prstGeom prst="rect">
               <a:avLst/>
             </a:prstGeom>
-            <a:noFill/>
           </p:spPr>
+          <p:style>
+            <a:lnRef idx="2">
+              <a:schemeClr val="accent2">
+                <a:shade val="50000"/>
+              </a:schemeClr>
+            </a:lnRef>
+            <a:fillRef idx="1">
+              <a:schemeClr val="accent2"/>
+            </a:fillRef>
+            <a:effectRef idx="0">
+              <a:schemeClr val="accent2"/>
+            </a:effectRef>
+            <a:fontRef idx="minor">
+              <a:schemeClr val="lt1"/>
+            </a:fontRef>
+          </p:style>
           <p:txBody>
             <a:bodyPr wrap="square" rtlCol="0">
               <a:spAutoFit/>
             </a:bodyPr>
             <a:lstStyle/>
             <a:p>
+              <a:pPr algn="ctr"/>
               <a:r>
-                <a:rPr lang="en-US" sz="2800" b="1" dirty="0" smtClean="0"/>
-                <a:t>Insert</a:t>
+                <a:rPr lang="en-US" sz="2400" dirty="0" smtClean="0"/>
+                <a:t>POINTER (8B)</a:t>
               </a:r>
-              <a:endParaRPr lang="en-US" sz="2800" b="1" dirty="0"/>
+              <a:endParaRPr lang="en-US" sz="2400" dirty="0"/>
+            </a:p>
+          </p:txBody>
+        </p:sp>
+      </p:grpSp>
+      <p:sp>
+        <p:nvSpPr>
+          <p:cNvPr id="9" name="TextBox 8"/>
+          <p:cNvSpPr txBox="1"/>
+          <p:nvPr/>
+        </p:nvSpPr>
+        <p:spPr>
+          <a:xfrm>
+            <a:off x="762000" y="17297400"/>
+            <a:ext cx="5296241" cy="584776"/>
+          </a:xfrm>
+          <a:prstGeom prst="rect">
+            <a:avLst/>
+          </a:prstGeom>
+          <a:noFill/>
+        </p:spPr>
+        <p:txBody>
+          <a:bodyPr wrap="none" rtlCol="0">
+            <a:spAutoFit/>
+          </a:bodyPr>
+          <a:lstStyle/>
+          <a:p>
+            <a:r>
+              <a:rPr lang="en-US" sz="3200" dirty="0" smtClean="0"/>
+              <a:t>Simple struct (a </a:t>
+            </a:r>
+            <a:r>
+              <a:rPr lang="en-US" sz="3200" dirty="0" smtClean="0">
+                <a:solidFill>
+                  <a:srgbClr val="3366FF"/>
+                </a:solidFill>
+              </a:rPr>
+              <a:t>node</a:t>
+            </a:r>
+            <a:r>
+              <a:rPr lang="en-US" sz="3200" dirty="0" smtClean="0"/>
+              <a:t> perhaps)</a:t>
+            </a:r>
+            <a:endParaRPr lang="en-US" sz="3200" dirty="0"/>
+          </a:p>
+        </p:txBody>
+      </p:sp>
+      <p:sp>
+        <p:nvSpPr>
+          <p:cNvPr id="125" name="TextBox 124"/>
+          <p:cNvSpPr txBox="1"/>
+          <p:nvPr/>
+        </p:nvSpPr>
+        <p:spPr>
+          <a:xfrm>
+            <a:off x="762000" y="18693824"/>
+            <a:ext cx="8327921" cy="584776"/>
+          </a:xfrm>
+          <a:prstGeom prst="rect">
+            <a:avLst/>
+          </a:prstGeom>
+          <a:noFill/>
+        </p:spPr>
+        <p:txBody>
+          <a:bodyPr wrap="none" rtlCol="0">
+            <a:spAutoFit/>
+          </a:bodyPr>
+          <a:lstStyle/>
+          <a:p>
+            <a:r>
+              <a:rPr lang="en-US" sz="3200" dirty="0" smtClean="0"/>
+              <a:t>In memory layout (</a:t>
+            </a:r>
+            <a:r>
+              <a:rPr lang="en-US" sz="3200" dirty="0" smtClean="0">
+                <a:solidFill>
+                  <a:srgbClr val="FF0000"/>
+                </a:solidFill>
+              </a:rPr>
+              <a:t>high range in adjacent values</a:t>
+            </a:r>
+            <a:r>
+              <a:rPr lang="en-US" sz="3200" dirty="0" smtClean="0"/>
+              <a:t>)</a:t>
+            </a:r>
+            <a:endParaRPr lang="en-US" sz="3200" dirty="0"/>
+          </a:p>
+        </p:txBody>
+      </p:sp>
+      <p:grpSp>
+        <p:nvGrpSpPr>
+          <p:cNvPr id="10" name="Group 9"/>
+          <p:cNvGrpSpPr/>
+          <p:nvPr/>
+        </p:nvGrpSpPr>
+        <p:grpSpPr>
+          <a:xfrm>
+            <a:off x="762000" y="19431000"/>
+            <a:ext cx="8382000" cy="461665"/>
+            <a:chOff x="152400" y="20193000"/>
+            <a:chExt cx="8382000" cy="461665"/>
+          </a:xfrm>
+        </p:grpSpPr>
+        <p:grpSp>
+          <p:nvGrpSpPr>
+            <p:cNvPr id="121" name="Group 120"/>
+            <p:cNvGrpSpPr/>
+            <p:nvPr/>
+          </p:nvGrpSpPr>
+          <p:grpSpPr>
+            <a:xfrm>
+              <a:off x="457200" y="20193000"/>
+              <a:ext cx="2590800" cy="457201"/>
+              <a:chOff x="457200" y="17449800"/>
+              <a:chExt cx="2590800" cy="457201"/>
+            </a:xfrm>
+          </p:grpSpPr>
+          <p:sp>
+            <p:nvSpPr>
+              <p:cNvPr id="122" name="TextBox 121"/>
+              <p:cNvSpPr txBox="1"/>
+              <p:nvPr/>
+            </p:nvSpPr>
+            <p:spPr>
+              <a:xfrm>
+                <a:off x="457200" y="17449801"/>
+                <a:ext cx="533400" cy="457200"/>
+              </a:xfrm>
+              <a:prstGeom prst="rect">
+                <a:avLst/>
+              </a:prstGeom>
+            </p:spPr>
+            <p:style>
+              <a:lnRef idx="2">
+                <a:schemeClr val="accent1">
+                  <a:shade val="50000"/>
+                </a:schemeClr>
+              </a:lnRef>
+              <a:fillRef idx="1">
+                <a:schemeClr val="accent1"/>
+              </a:fillRef>
+              <a:effectRef idx="0">
+                <a:schemeClr val="accent1"/>
+              </a:effectRef>
+              <a:fontRef idx="minor">
+                <a:schemeClr val="lt1"/>
+              </a:fontRef>
+            </p:style>
+            <p:txBody>
+              <a:bodyPr wrap="square" rtlCol="0">
+                <a:spAutoFit/>
+              </a:bodyPr>
+              <a:lstStyle/>
+              <a:p>
+                <a:pPr algn="ctr"/>
+                <a:r>
+                  <a:rPr lang="en-US" sz="2400" dirty="0" smtClean="0"/>
+                  <a:t>0</a:t>
+                </a:r>
+                <a:endParaRPr lang="en-US" sz="2400" dirty="0"/>
+              </a:p>
+            </p:txBody>
+          </p:sp>
+          <p:sp>
+            <p:nvSpPr>
+              <p:cNvPr id="123" name="TextBox 122"/>
+              <p:cNvSpPr txBox="1"/>
+              <p:nvPr/>
+            </p:nvSpPr>
+            <p:spPr>
+              <a:xfrm>
+                <a:off x="990600" y="17449800"/>
+                <a:ext cx="838200" cy="457200"/>
+              </a:xfrm>
+              <a:prstGeom prst="rect">
+                <a:avLst/>
+              </a:prstGeom>
+            </p:spPr>
+            <p:style>
+              <a:lnRef idx="2">
+                <a:schemeClr val="accent4">
+                  <a:shade val="50000"/>
+                </a:schemeClr>
+              </a:lnRef>
+              <a:fillRef idx="1">
+                <a:schemeClr val="accent4"/>
+              </a:fillRef>
+              <a:effectRef idx="0">
+                <a:schemeClr val="accent4"/>
+              </a:effectRef>
+              <a:fontRef idx="minor">
+                <a:schemeClr val="lt1"/>
+              </a:fontRef>
+            </p:style>
+            <p:txBody>
+              <a:bodyPr wrap="square" rtlCol="0">
+                <a:spAutoFit/>
+              </a:bodyPr>
+              <a:lstStyle/>
+              <a:p>
+                <a:pPr algn="ctr"/>
+                <a:r>
+                  <a:rPr lang="en-US" sz="2400" dirty="0" smtClean="0"/>
+                  <a:t>100</a:t>
+                </a:r>
+                <a:endParaRPr lang="en-US" sz="2400" dirty="0"/>
+              </a:p>
+            </p:txBody>
+          </p:sp>
+          <p:sp>
+            <p:nvSpPr>
+              <p:cNvPr id="124" name="TextBox 123"/>
+              <p:cNvSpPr txBox="1"/>
+              <p:nvPr/>
+            </p:nvSpPr>
+            <p:spPr>
+              <a:xfrm>
+                <a:off x="1828800" y="17449800"/>
+                <a:ext cx="1219200" cy="457200"/>
+              </a:xfrm>
+              <a:prstGeom prst="rect">
+                <a:avLst/>
+              </a:prstGeom>
+            </p:spPr>
+            <p:style>
+              <a:lnRef idx="2">
+                <a:schemeClr val="accent2">
+                  <a:shade val="50000"/>
+                </a:schemeClr>
+              </a:lnRef>
+              <a:fillRef idx="1">
+                <a:schemeClr val="accent2"/>
+              </a:fillRef>
+              <a:effectRef idx="0">
+                <a:schemeClr val="accent2"/>
+              </a:effectRef>
+              <a:fontRef idx="minor">
+                <a:schemeClr val="lt1"/>
+              </a:fontRef>
+            </p:style>
+            <p:txBody>
+              <a:bodyPr wrap="square" rtlCol="0">
+                <a:spAutoFit/>
+              </a:bodyPr>
+              <a:lstStyle/>
+              <a:p>
+                <a:pPr algn="ctr"/>
+                <a:r>
+                  <a:rPr lang="en-US" sz="2400" dirty="0" smtClean="0"/>
+                  <a:t>0x77..0</a:t>
+                </a:r>
+                <a:endParaRPr lang="en-US" sz="2400" dirty="0"/>
+              </a:p>
+            </p:txBody>
+          </p:sp>
+        </p:grpSp>
+        <p:grpSp>
+          <p:nvGrpSpPr>
+            <p:cNvPr id="126" name="Group 125"/>
+            <p:cNvGrpSpPr/>
+            <p:nvPr/>
+          </p:nvGrpSpPr>
+          <p:grpSpPr>
+            <a:xfrm>
+              <a:off x="3048000" y="20193000"/>
+              <a:ext cx="2590800" cy="457201"/>
+              <a:chOff x="457200" y="17449800"/>
+              <a:chExt cx="2590800" cy="457201"/>
+            </a:xfrm>
+          </p:grpSpPr>
+          <p:sp>
+            <p:nvSpPr>
+              <p:cNvPr id="127" name="TextBox 126"/>
+              <p:cNvSpPr txBox="1"/>
+              <p:nvPr/>
+            </p:nvSpPr>
+            <p:spPr>
+              <a:xfrm>
+                <a:off x="457200" y="17449801"/>
+                <a:ext cx="533400" cy="457200"/>
+              </a:xfrm>
+              <a:prstGeom prst="rect">
+                <a:avLst/>
+              </a:prstGeom>
+            </p:spPr>
+            <p:style>
+              <a:lnRef idx="2">
+                <a:schemeClr val="accent1">
+                  <a:shade val="50000"/>
+                </a:schemeClr>
+              </a:lnRef>
+              <a:fillRef idx="1">
+                <a:schemeClr val="accent1"/>
+              </a:fillRef>
+              <a:effectRef idx="0">
+                <a:schemeClr val="accent1"/>
+              </a:effectRef>
+              <a:fontRef idx="minor">
+                <a:schemeClr val="lt1"/>
+              </a:fontRef>
+            </p:style>
+            <p:txBody>
+              <a:bodyPr wrap="square" rtlCol="0">
+                <a:spAutoFit/>
+              </a:bodyPr>
+              <a:lstStyle/>
+              <a:p>
+                <a:pPr algn="ctr"/>
+                <a:r>
+                  <a:rPr lang="en-US" sz="2400" dirty="0" smtClean="0"/>
+                  <a:t>1</a:t>
+                </a:r>
+                <a:endParaRPr lang="en-US" sz="2400" dirty="0"/>
+              </a:p>
+            </p:txBody>
+          </p:sp>
+          <p:sp>
+            <p:nvSpPr>
+              <p:cNvPr id="128" name="TextBox 127"/>
+              <p:cNvSpPr txBox="1"/>
+              <p:nvPr/>
+            </p:nvSpPr>
+            <p:spPr>
+              <a:xfrm>
+                <a:off x="990600" y="17449800"/>
+                <a:ext cx="838200" cy="457200"/>
+              </a:xfrm>
+              <a:prstGeom prst="rect">
+                <a:avLst/>
+              </a:prstGeom>
+            </p:spPr>
+            <p:style>
+              <a:lnRef idx="2">
+                <a:schemeClr val="accent4">
+                  <a:shade val="50000"/>
+                </a:schemeClr>
+              </a:lnRef>
+              <a:fillRef idx="1">
+                <a:schemeClr val="accent4"/>
+              </a:fillRef>
+              <a:effectRef idx="0">
+                <a:schemeClr val="accent4"/>
+              </a:effectRef>
+              <a:fontRef idx="minor">
+                <a:schemeClr val="lt1"/>
+              </a:fontRef>
+            </p:style>
+            <p:txBody>
+              <a:bodyPr wrap="square" rtlCol="0">
+                <a:spAutoFit/>
+              </a:bodyPr>
+              <a:lstStyle/>
+              <a:p>
+                <a:pPr algn="ctr"/>
+                <a:r>
+                  <a:rPr lang="en-US" sz="2400" dirty="0" smtClean="0"/>
+                  <a:t>108</a:t>
+                </a:r>
+                <a:endParaRPr lang="en-US" sz="2400" dirty="0"/>
+              </a:p>
+            </p:txBody>
+          </p:sp>
+          <p:sp>
+            <p:nvSpPr>
+              <p:cNvPr id="129" name="TextBox 128"/>
+              <p:cNvSpPr txBox="1"/>
+              <p:nvPr/>
+            </p:nvSpPr>
+            <p:spPr>
+              <a:xfrm>
+                <a:off x="1828800" y="17449800"/>
+                <a:ext cx="1219200" cy="457200"/>
+              </a:xfrm>
+              <a:prstGeom prst="rect">
+                <a:avLst/>
+              </a:prstGeom>
+            </p:spPr>
+            <p:style>
+              <a:lnRef idx="2">
+                <a:schemeClr val="accent2">
+                  <a:shade val="50000"/>
+                </a:schemeClr>
+              </a:lnRef>
+              <a:fillRef idx="1">
+                <a:schemeClr val="accent2"/>
+              </a:fillRef>
+              <a:effectRef idx="0">
+                <a:schemeClr val="accent2"/>
+              </a:effectRef>
+              <a:fontRef idx="minor">
+                <a:schemeClr val="lt1"/>
+              </a:fontRef>
+            </p:style>
+            <p:txBody>
+              <a:bodyPr wrap="square" rtlCol="0">
+                <a:spAutoFit/>
+              </a:bodyPr>
+              <a:lstStyle/>
+              <a:p>
+                <a:pPr algn="ctr"/>
+                <a:r>
+                  <a:rPr lang="en-US" sz="2400" dirty="0" smtClean="0"/>
+                  <a:t>0x77..4</a:t>
+                </a:r>
+                <a:endParaRPr lang="en-US" sz="2400" dirty="0"/>
+              </a:p>
+            </p:txBody>
+          </p:sp>
+        </p:grpSp>
+        <p:grpSp>
+          <p:nvGrpSpPr>
+            <p:cNvPr id="130" name="Group 129"/>
+            <p:cNvGrpSpPr/>
+            <p:nvPr/>
+          </p:nvGrpSpPr>
+          <p:grpSpPr>
+            <a:xfrm>
+              <a:off x="5638800" y="20193000"/>
+              <a:ext cx="2590800" cy="457201"/>
+              <a:chOff x="457200" y="17449800"/>
+              <a:chExt cx="2590800" cy="457201"/>
+            </a:xfrm>
+          </p:grpSpPr>
+          <p:sp>
+            <p:nvSpPr>
+              <p:cNvPr id="131" name="TextBox 130"/>
+              <p:cNvSpPr txBox="1"/>
+              <p:nvPr/>
+            </p:nvSpPr>
+            <p:spPr>
+              <a:xfrm>
+                <a:off x="457200" y="17449801"/>
+                <a:ext cx="533400" cy="457200"/>
+              </a:xfrm>
+              <a:prstGeom prst="rect">
+                <a:avLst/>
+              </a:prstGeom>
+            </p:spPr>
+            <p:style>
+              <a:lnRef idx="2">
+                <a:schemeClr val="accent1">
+                  <a:shade val="50000"/>
+                </a:schemeClr>
+              </a:lnRef>
+              <a:fillRef idx="1">
+                <a:schemeClr val="accent1"/>
+              </a:fillRef>
+              <a:effectRef idx="0">
+                <a:schemeClr val="accent1"/>
+              </a:effectRef>
+              <a:fontRef idx="minor">
+                <a:schemeClr val="lt1"/>
+              </a:fontRef>
+            </p:style>
+            <p:txBody>
+              <a:bodyPr wrap="square" rtlCol="0">
+                <a:spAutoFit/>
+              </a:bodyPr>
+              <a:lstStyle/>
+              <a:p>
+                <a:pPr algn="ctr"/>
+                <a:r>
+                  <a:rPr lang="en-US" sz="2400" dirty="0" smtClean="0"/>
+                  <a:t>0</a:t>
+                </a:r>
+                <a:endParaRPr lang="en-US" sz="2400" dirty="0"/>
+              </a:p>
+            </p:txBody>
+          </p:sp>
+          <p:sp>
+            <p:nvSpPr>
+              <p:cNvPr id="132" name="TextBox 131"/>
+              <p:cNvSpPr txBox="1"/>
+              <p:nvPr/>
+            </p:nvSpPr>
+            <p:spPr>
+              <a:xfrm>
+                <a:off x="990600" y="17449800"/>
+                <a:ext cx="838200" cy="457200"/>
+              </a:xfrm>
+              <a:prstGeom prst="rect">
+                <a:avLst/>
+              </a:prstGeom>
+            </p:spPr>
+            <p:style>
+              <a:lnRef idx="2">
+                <a:schemeClr val="accent4">
+                  <a:shade val="50000"/>
+                </a:schemeClr>
+              </a:lnRef>
+              <a:fillRef idx="1">
+                <a:schemeClr val="accent4"/>
+              </a:fillRef>
+              <a:effectRef idx="0">
+                <a:schemeClr val="accent4"/>
+              </a:effectRef>
+              <a:fontRef idx="minor">
+                <a:schemeClr val="lt1"/>
+              </a:fontRef>
+            </p:style>
+            <p:txBody>
+              <a:bodyPr wrap="square" rtlCol="0">
+                <a:spAutoFit/>
+              </a:bodyPr>
+              <a:lstStyle/>
+              <a:p>
+                <a:pPr algn="ctr"/>
+                <a:r>
+                  <a:rPr lang="en-US" sz="2400" dirty="0" smtClean="0"/>
+                  <a:t>93</a:t>
+                </a:r>
+                <a:endParaRPr lang="en-US" sz="2400" dirty="0"/>
+              </a:p>
+            </p:txBody>
+          </p:sp>
+          <p:sp>
+            <p:nvSpPr>
+              <p:cNvPr id="133" name="TextBox 132"/>
+              <p:cNvSpPr txBox="1"/>
+              <p:nvPr/>
+            </p:nvSpPr>
+            <p:spPr>
+              <a:xfrm>
+                <a:off x="1828800" y="17449800"/>
+                <a:ext cx="1219200" cy="457200"/>
+              </a:xfrm>
+              <a:prstGeom prst="rect">
+                <a:avLst/>
+              </a:prstGeom>
+            </p:spPr>
+            <p:style>
+              <a:lnRef idx="2">
+                <a:schemeClr val="accent2">
+                  <a:shade val="50000"/>
+                </a:schemeClr>
+              </a:lnRef>
+              <a:fillRef idx="1">
+                <a:schemeClr val="accent2"/>
+              </a:fillRef>
+              <a:effectRef idx="0">
+                <a:schemeClr val="accent2"/>
+              </a:effectRef>
+              <a:fontRef idx="minor">
+                <a:schemeClr val="lt1"/>
+              </a:fontRef>
+            </p:style>
+            <p:txBody>
+              <a:bodyPr wrap="square" rtlCol="0">
+                <a:spAutoFit/>
+              </a:bodyPr>
+              <a:lstStyle/>
+              <a:p>
+                <a:pPr algn="ctr"/>
+                <a:r>
+                  <a:rPr lang="en-US" sz="2400" dirty="0" smtClean="0"/>
+                  <a:t>0x77..C</a:t>
+                </a:r>
+                <a:endParaRPr lang="en-US" sz="2400" dirty="0"/>
+              </a:p>
+            </p:txBody>
+          </p:sp>
+        </p:grpSp>
+        <p:sp>
+          <p:nvSpPr>
+            <p:cNvPr id="134" name="TextBox 133"/>
+            <p:cNvSpPr txBox="1"/>
+            <p:nvPr/>
+          </p:nvSpPr>
+          <p:spPr>
+            <a:xfrm>
+              <a:off x="8229600" y="20193000"/>
+              <a:ext cx="304800" cy="461665"/>
+            </a:xfrm>
+            <a:prstGeom prst="rect">
+              <a:avLst/>
+            </a:prstGeom>
+            <a:ln>
+              <a:solidFill>
+                <a:schemeClr val="tx1">
+                  <a:lumMod val="65000"/>
+                  <a:lumOff val="35000"/>
+                </a:schemeClr>
+              </a:solidFill>
+            </a:ln>
+          </p:spPr>
+          <p:style>
+            <a:lnRef idx="2">
+              <a:schemeClr val="dk1"/>
+            </a:lnRef>
+            <a:fillRef idx="1">
+              <a:schemeClr val="lt1"/>
+            </a:fillRef>
+            <a:effectRef idx="0">
+              <a:schemeClr val="dk1"/>
+            </a:effectRef>
+            <a:fontRef idx="minor">
+              <a:schemeClr val="dk1"/>
+            </a:fontRef>
+          </p:style>
+          <p:txBody>
+            <a:bodyPr wrap="square" rtlCol="0">
+              <a:spAutoFit/>
+            </a:bodyPr>
+            <a:lstStyle/>
+            <a:p>
+              <a:pPr algn="ctr"/>
+              <a:r>
+                <a:rPr lang="en-US" sz="2400" dirty="0" smtClean="0"/>
+                <a:t>…</a:t>
+              </a:r>
+              <a:endParaRPr lang="en-US" sz="2400" dirty="0"/>
             </a:p>
           </p:txBody>
         </p:sp>
         <p:sp>
           <p:nvSpPr>
-            <p:cNvPr id="60" name="TextBox 59"/>
+            <p:cNvPr id="135" name="TextBox 134"/>
             <p:cNvSpPr txBox="1"/>
             <p:nvPr/>
           </p:nvSpPr>
           <p:spPr>
             <a:xfrm>
-              <a:off x="15468600" y="17602200"/>
-              <a:ext cx="1752600" cy="707886"/>
+              <a:off x="152400" y="20193000"/>
+              <a:ext cx="304800" cy="457200"/>
+            </a:xfrm>
+            <a:prstGeom prst="rect">
+              <a:avLst/>
+            </a:prstGeom>
+            <a:ln>
+              <a:solidFill>
+                <a:schemeClr val="tx1">
+                  <a:lumMod val="65000"/>
+                  <a:lumOff val="35000"/>
+                </a:schemeClr>
+              </a:solidFill>
+            </a:ln>
+          </p:spPr>
+          <p:style>
+            <a:lnRef idx="2">
+              <a:schemeClr val="dk1"/>
+            </a:lnRef>
+            <a:fillRef idx="1">
+              <a:schemeClr val="lt1"/>
+            </a:fillRef>
+            <a:effectRef idx="0">
+              <a:schemeClr val="dk1"/>
+            </a:effectRef>
+            <a:fontRef idx="minor">
+              <a:schemeClr val="dk1"/>
+            </a:fontRef>
+          </p:style>
+          <p:txBody>
+            <a:bodyPr wrap="square" rtlCol="0">
+              <a:spAutoFit/>
+            </a:bodyPr>
+            <a:lstStyle/>
+            <a:p>
+              <a:pPr algn="ctr"/>
+              <a:r>
+                <a:rPr lang="en-US" sz="2400" dirty="0" smtClean="0"/>
+                <a:t>…</a:t>
+              </a:r>
+              <a:endParaRPr lang="en-US" sz="2400" dirty="0"/>
+            </a:p>
+          </p:txBody>
+        </p:sp>
+      </p:grpSp>
+      <p:grpSp>
+        <p:nvGrpSpPr>
+          <p:cNvPr id="11" name="Group 10"/>
+          <p:cNvGrpSpPr/>
+          <p:nvPr/>
+        </p:nvGrpSpPr>
+        <p:grpSpPr>
+          <a:xfrm>
+            <a:off x="762000" y="20874335"/>
+            <a:ext cx="8534400" cy="461665"/>
+            <a:chOff x="609600" y="21488400"/>
+            <a:chExt cx="8534400" cy="461665"/>
+          </a:xfrm>
+        </p:grpSpPr>
+        <p:sp>
+          <p:nvSpPr>
+            <p:cNvPr id="137" name="TextBox 136"/>
+            <p:cNvSpPr txBox="1"/>
+            <p:nvPr/>
+          </p:nvSpPr>
+          <p:spPr>
+            <a:xfrm>
+              <a:off x="914400" y="21488400"/>
+              <a:ext cx="533400" cy="457200"/>
             </a:xfrm>
             <a:prstGeom prst="rect">
               <a:avLst/>
@@ -5835,23 +6268,23 @@
             <a:p>
               <a:pPr algn="ctr"/>
               <a:r>
-                <a:rPr lang="en-US" sz="4000" dirty="0" smtClean="0"/>
-                <a:t>{50%,x}</a:t>
+                <a:rPr lang="en-US" sz="2400" dirty="0" smtClean="0"/>
+                <a:t>0</a:t>
               </a:r>
-              <a:endParaRPr lang="en-US" sz="4000" dirty="0"/>
+              <a:endParaRPr lang="en-US" sz="2400" dirty="0"/>
             </a:p>
           </p:txBody>
         </p:sp>
         <p:sp>
           <p:nvSpPr>
-            <p:cNvPr id="61" name="TextBox 60"/>
+            <p:cNvPr id="138" name="TextBox 137"/>
             <p:cNvSpPr txBox="1"/>
             <p:nvPr/>
           </p:nvSpPr>
           <p:spPr>
             <a:xfrm>
-              <a:off x="17297400" y="17602200"/>
-              <a:ext cx="1752600" cy="707886"/>
+              <a:off x="1447800" y="21488400"/>
+              <a:ext cx="533400" cy="457200"/>
             </a:xfrm>
             <a:prstGeom prst="rect">
               <a:avLst/>
@@ -5881,61 +6314,23 @@
             <a:p>
               <a:pPr algn="ctr"/>
               <a:r>
-                <a:rPr lang="en-US" sz="4000" dirty="0" smtClean="0"/>
-                <a:t>{50%,x}</a:t>
+                <a:rPr lang="en-US" sz="2400" dirty="0"/>
+                <a:t>1</a:t>
               </a:r>
-              <a:endParaRPr lang="en-US" sz="4000" dirty="0"/>
+              <a:endParaRPr lang="en-US" sz="2400" dirty="0"/>
             </a:p>
           </p:txBody>
         </p:sp>
         <p:sp>
           <p:nvSpPr>
-            <p:cNvPr id="62" name="Rectangle 61"/>
-            <p:cNvSpPr/>
-            <p:nvPr/>
-          </p:nvSpPr>
-          <p:spPr>
-            <a:xfrm>
-              <a:off x="12344400" y="18624550"/>
-              <a:ext cx="6781800" cy="914400"/>
-            </a:xfrm>
-            <a:prstGeom prst="rect">
-              <a:avLst/>
-            </a:prstGeom>
-          </p:spPr>
-          <p:style>
-            <a:lnRef idx="1">
-              <a:schemeClr val="dk1"/>
-            </a:lnRef>
-            <a:fillRef idx="2">
-              <a:schemeClr val="dk1"/>
-            </a:fillRef>
-            <a:effectRef idx="1">
-              <a:schemeClr val="dk1"/>
-            </a:effectRef>
-            <a:fontRef idx="minor">
-              <a:schemeClr val="dk1"/>
-            </a:fontRef>
-          </p:style>
-          <p:txBody>
-            <a:bodyPr rtlCol="0" anchor="ctr"/>
-            <a:lstStyle/>
-            <a:p>
-              <a:pPr algn="ctr"/>
-              <a:endParaRPr lang="en-US"/>
-            </a:p>
-          </p:txBody>
-        </p:sp>
-        <p:sp>
-          <p:nvSpPr>
-            <p:cNvPr id="63" name="TextBox 62"/>
+            <p:cNvPr id="139" name="TextBox 138"/>
             <p:cNvSpPr txBox="1"/>
             <p:nvPr/>
           </p:nvSpPr>
           <p:spPr>
             <a:xfrm>
-              <a:off x="13335000" y="18700750"/>
-              <a:ext cx="2057400" cy="707886"/>
+              <a:off x="1981200" y="21488400"/>
+              <a:ext cx="533400" cy="457200"/>
             </a:xfrm>
             <a:prstGeom prst="rect">
               <a:avLst/>
@@ -5965,159 +6360,45 @@
             <a:p>
               <a:pPr algn="ctr"/>
               <a:r>
-                <a:rPr lang="en-US" sz="4000" dirty="0" smtClean="0"/>
-                <a:t>35</a:t>
+                <a:rPr lang="en-US" sz="2400" dirty="0" smtClean="0"/>
+                <a:t>0</a:t>
               </a:r>
-              <a:endParaRPr lang="en-US" sz="4000" dirty="0"/>
+              <a:endParaRPr lang="en-US" sz="2400" dirty="0"/>
             </a:p>
           </p:txBody>
         </p:sp>
         <p:sp>
           <p:nvSpPr>
-            <p:cNvPr id="64" name="TextBox 63"/>
+            <p:cNvPr id="140" name="TextBox 139"/>
             <p:cNvSpPr txBox="1"/>
             <p:nvPr/>
           </p:nvSpPr>
           <p:spPr>
             <a:xfrm>
-              <a:off x="12420600" y="18853150"/>
-              <a:ext cx="762000" cy="400110"/>
+              <a:off x="2514600" y="21488400"/>
+              <a:ext cx="381000" cy="457200"/>
             </a:xfrm>
             <a:prstGeom prst="rect">
               <a:avLst/>
             </a:prstGeom>
-            <a:noFill/>
-          </p:spPr>
-          <p:txBody>
-            <a:bodyPr wrap="square" rtlCol="0">
-              <a:spAutoFit/>
-            </a:bodyPr>
-            <a:lstStyle/>
-            <a:p>
-              <a:r>
-                <a:rPr lang="en-US" sz="2000" b="1" dirty="0" smtClean="0"/>
-                <a:t>Set 0</a:t>
-              </a:r>
-              <a:endParaRPr lang="en-US" sz="2000" b="1" dirty="0"/>
-            </a:p>
-          </p:txBody>
-        </p:sp>
-        <p:sp>
-          <p:nvSpPr>
-            <p:cNvPr id="65" name="TextBox 64"/>
-            <p:cNvSpPr txBox="1"/>
-            <p:nvPr/>
-          </p:nvSpPr>
-          <p:spPr>
-            <a:xfrm>
-              <a:off x="15468600" y="18700750"/>
-              <a:ext cx="1752600" cy="707886"/>
-            </a:xfrm>
-            <a:prstGeom prst="rect">
-              <a:avLst/>
-            </a:prstGeom>
+            <a:ln>
+              <a:solidFill>
+                <a:schemeClr val="tx1">
+                  <a:lumMod val="65000"/>
+                  <a:lumOff val="35000"/>
+                </a:schemeClr>
+              </a:solidFill>
+            </a:ln>
           </p:spPr>
           <p:style>
             <a:lnRef idx="2">
-              <a:schemeClr val="accent1">
-                <a:shade val="50000"/>
-              </a:schemeClr>
-            </a:lnRef>
-            <a:fillRef idx="1">
-              <a:schemeClr val="accent1"/>
-            </a:fillRef>
-            <a:effectRef idx="0">
-              <a:schemeClr val="accent1"/>
-            </a:effectRef>
-            <a:fontRef idx="minor">
-              <a:schemeClr val="lt1"/>
-            </a:fontRef>
-          </p:style>
-          <p:txBody>
-            <a:bodyPr wrap="square" rtlCol="0">
-              <a:spAutoFit/>
-            </a:bodyPr>
-            <a:lstStyle/>
-            <a:p>
-              <a:pPr algn="ctr"/>
-              <a:r>
-                <a:rPr lang="en-US" sz="4000" dirty="0" smtClean="0"/>
-                <a:t>50</a:t>
-              </a:r>
-              <a:endParaRPr lang="en-US" sz="4000" dirty="0"/>
-            </a:p>
-          </p:txBody>
-        </p:sp>
-        <p:sp>
-          <p:nvSpPr>
-            <p:cNvPr id="66" name="TextBox 65"/>
-            <p:cNvSpPr txBox="1"/>
-            <p:nvPr/>
-          </p:nvSpPr>
-          <p:spPr>
-            <a:xfrm>
-              <a:off x="17297400" y="18700750"/>
-              <a:ext cx="1752600" cy="707886"/>
-            </a:xfrm>
-            <a:prstGeom prst="rect">
-              <a:avLst/>
-            </a:prstGeom>
-          </p:spPr>
-          <p:style>
-            <a:lnRef idx="2">
-              <a:schemeClr val="accent1">
-                <a:shade val="50000"/>
-              </a:schemeClr>
-            </a:lnRef>
-            <a:fillRef idx="1">
-              <a:schemeClr val="accent1"/>
-            </a:fillRef>
-            <a:effectRef idx="0">
-              <a:schemeClr val="accent1"/>
-            </a:effectRef>
-            <a:fontRef idx="minor">
-              <a:schemeClr val="lt1"/>
-            </a:fontRef>
-          </p:style>
-          <p:txBody>
-            <a:bodyPr wrap="square" rtlCol="0">
-              <a:spAutoFit/>
-            </a:bodyPr>
-            <a:lstStyle/>
-            <a:p>
-              <a:pPr algn="ctr"/>
-              <a:r>
-                <a:rPr lang="en-US" sz="4000" dirty="0" smtClean="0"/>
-                <a:t>50</a:t>
-              </a:r>
-              <a:endParaRPr lang="en-US" sz="4000" dirty="0"/>
-            </a:p>
-          </p:txBody>
-        </p:sp>
-        <p:sp>
-          <p:nvSpPr>
-            <p:cNvPr id="67" name="TextBox 66"/>
-            <p:cNvSpPr txBox="1"/>
-            <p:nvPr/>
-          </p:nvSpPr>
-          <p:spPr>
-            <a:xfrm>
-              <a:off x="17068800" y="16535400"/>
-              <a:ext cx="2057400" cy="707886"/>
-            </a:xfrm>
-            <a:prstGeom prst="rect">
-              <a:avLst/>
-            </a:prstGeom>
-          </p:spPr>
-          <p:style>
-            <a:lnRef idx="2">
-              <a:schemeClr val="accent2"/>
+              <a:schemeClr val="dk1"/>
             </a:lnRef>
             <a:fillRef idx="1">
               <a:schemeClr val="lt1"/>
             </a:fillRef>
             <a:effectRef idx="0">
-              <a:schemeClr val="accent2"/>
+              <a:schemeClr val="dk1"/>
             </a:effectRef>
             <a:fontRef idx="minor">
               <a:schemeClr val="dk1"/>
@@ -6131,839 +6412,23 @@
             <a:p>
               <a:pPr algn="ctr"/>
               <a:r>
-                <a:rPr lang="en-US" sz="4000" dirty="0" smtClean="0"/>
-                <a:t>2x</a:t>
+                <a:rPr lang="en-US" sz="2400" dirty="0" smtClean="0"/>
+                <a:t>…</a:t>
               </a:r>
-              <a:endParaRPr lang="en-US" sz="4000" dirty="0"/>
-            </a:p>
-          </p:txBody>
-        </p:sp>
-        <p:graphicFrame>
-          <p:nvGraphicFramePr>
-            <p:cNvPr id="68" name="Object 67"/>
-            <p:cNvGraphicFramePr>
-              <a:graphicFrameLocks noChangeAspect="1"/>
-            </p:cNvGraphicFramePr>
-            <p:nvPr/>
-          </p:nvGraphicFramePr>
-          <p:xfrm>
-            <a:off x="14725650" y="18364200"/>
-            <a:ext cx="114300" cy="215900"/>
-          </p:xfrm>
-          <a:graphic>
-            <a:graphicData uri="http://schemas.openxmlformats.org/presentationml/2006/ole">
-              <mc:AlternateContent xmlns:mc="http://schemas.openxmlformats.org/markup-compatibility/2006">
-                <mc:Choice xmlns:v="urn:schemas-microsoft-com:vml" Requires="v">
-                  <p:oleObj spid="_x0000_s1038" name="Equation" r:id="rId6" imgW="114120" imgH="215640" progId="Equation.3">
-                    <p:embed/>
-                  </p:oleObj>
-                </mc:Choice>
-                <mc:Fallback>
-                  <p:oleObj name="Equation" r:id="rId6" imgW="114120" imgH="215640" progId="Equation.3">
-                    <p:embed/>
-                    <p:pic>
-                      <p:nvPicPr>
-                        <p:cNvPr id="0" name="Picture 3"/>
-                        <p:cNvPicPr>
-                          <a:picLocks noChangeAspect="1" noChangeArrowheads="1"/>
-                        </p:cNvPicPr>
-                        <p:nvPr/>
-                      </p:nvPicPr>
-                      <p:blipFill>
-                        <a:blip r:embed="rId7">
-                          <a:extLst>
-                            <a:ext uri="{28A0092B-C50C-407E-A947-70E740481C1C}">
-                              <a14:useLocalDpi xmlns:a14="http://schemas.microsoft.com/office/drawing/2010/main" val="0"/>
-                            </a:ext>
-                          </a:extLst>
-                        </a:blip>
-                        <a:srcRect/>
-                        <a:stretch>
-                          <a:fillRect/>
-                        </a:stretch>
-                      </p:blipFill>
-                      <p:spPr bwMode="auto">
-                        <a:xfrm>
-                          <a:off x="14725650" y="18364200"/>
-                          <a:ext cx="114300" cy="215900"/>
-                        </a:xfrm>
-                        <a:prstGeom prst="rect">
-                          <a:avLst/>
-                        </a:prstGeom>
-                        <a:noFill/>
-                        <a:extLst>
-                          <a:ext uri="{909E8E84-426E-40dd-AFC4-6F175D3DCCD1}">
-                            <a14:hiddenFill xmlns:a14="http://schemas.microsoft.com/office/drawing/2010/main">
-                              <a:solidFill>
-                                <a:srgbClr val="FFFFFF"/>
-                              </a:solidFill>
-                            </a14:hiddenFill>
-                          </a:ext>
-                        </a:extLst>
-                      </p:spPr>
-                    </p:pic>
-                  </p:oleObj>
-                </mc:Fallback>
-              </mc:AlternateContent>
-            </a:graphicData>
-          </a:graphic>
-        </p:graphicFrame>
-        <p:sp>
-          <p:nvSpPr>
-            <p:cNvPr id="69" name="Rectangle 68"/>
-            <p:cNvSpPr/>
-            <p:nvPr/>
-          </p:nvSpPr>
-          <p:spPr>
-            <a:xfrm>
-              <a:off x="12344400" y="19735800"/>
-              <a:ext cx="6781800" cy="914400"/>
-            </a:xfrm>
-            <a:prstGeom prst="rect">
-              <a:avLst/>
-            </a:prstGeom>
-          </p:spPr>
-          <p:style>
-            <a:lnRef idx="1">
-              <a:schemeClr val="dk1"/>
-            </a:lnRef>
-            <a:fillRef idx="2">
-              <a:schemeClr val="dk1"/>
-            </a:fillRef>
-            <a:effectRef idx="1">
-              <a:schemeClr val="dk1"/>
-            </a:effectRef>
-            <a:fontRef idx="minor">
-              <a:schemeClr val="dk1"/>
-            </a:fontRef>
-          </p:style>
-          <p:txBody>
-            <a:bodyPr rtlCol="0" anchor="ctr"/>
-            <a:lstStyle/>
-            <a:p>
-              <a:pPr algn="ctr"/>
-              <a:endParaRPr lang="en-US"/>
+              <a:endParaRPr lang="en-US" sz="2400" dirty="0"/>
             </a:p>
           </p:txBody>
         </p:sp>
         <p:sp>
           <p:nvSpPr>
-            <p:cNvPr id="70" name="TextBox 69"/>
+            <p:cNvPr id="141" name="TextBox 140"/>
             <p:cNvSpPr txBox="1"/>
             <p:nvPr/>
           </p:nvSpPr>
           <p:spPr>
             <a:xfrm>
-              <a:off x="16992600" y="19812000"/>
-              <a:ext cx="2057400" cy="707886"/>
-            </a:xfrm>
-            <a:prstGeom prst="rect">
-              <a:avLst/>
-            </a:prstGeom>
-          </p:spPr>
-          <p:style>
-            <a:lnRef idx="2">
-              <a:schemeClr val="accent1">
-                <a:shade val="50000"/>
-              </a:schemeClr>
-            </a:lnRef>
-            <a:fillRef idx="1">
-              <a:schemeClr val="accent1"/>
-            </a:fillRef>
-            <a:effectRef idx="0">
-              <a:schemeClr val="accent1"/>
-            </a:effectRef>
-            <a:fontRef idx="minor">
-              <a:schemeClr val="lt1"/>
-            </a:fontRef>
-          </p:style>
-          <p:txBody>
-            <a:bodyPr wrap="square" rtlCol="0">
-              <a:spAutoFit/>
-            </a:bodyPr>
-            <a:lstStyle/>
-            <a:p>
-              <a:pPr algn="ctr"/>
-              <a:r>
-                <a:rPr lang="en-US" sz="4000" dirty="0" smtClean="0"/>
-                <a:t>35</a:t>
-              </a:r>
-              <a:endParaRPr lang="en-US" sz="4000" dirty="0"/>
-            </a:p>
-          </p:txBody>
-        </p:sp>
-        <p:sp>
-          <p:nvSpPr>
-            <p:cNvPr id="71" name="TextBox 70"/>
-            <p:cNvSpPr txBox="1"/>
-            <p:nvPr/>
-          </p:nvSpPr>
-          <p:spPr>
-            <a:xfrm>
-              <a:off x="12420600" y="19964400"/>
-              <a:ext cx="762000" cy="400110"/>
-            </a:xfrm>
-            <a:prstGeom prst="rect">
-              <a:avLst/>
-            </a:prstGeom>
-            <a:noFill/>
-          </p:spPr>
-          <p:txBody>
-            <a:bodyPr wrap="square" rtlCol="0">
-              <a:spAutoFit/>
-            </a:bodyPr>
-            <a:lstStyle/>
-            <a:p>
-              <a:r>
-                <a:rPr lang="en-US" sz="2000" b="1" dirty="0" smtClean="0"/>
-                <a:t>Set 0</a:t>
-              </a:r>
-              <a:endParaRPr lang="en-US" sz="2000" b="1" dirty="0"/>
-            </a:p>
-          </p:txBody>
-        </p:sp>
-        <p:sp>
-          <p:nvSpPr>
-            <p:cNvPr id="72" name="TextBox 71"/>
-            <p:cNvSpPr txBox="1"/>
-            <p:nvPr/>
-          </p:nvSpPr>
-          <p:spPr>
-            <a:xfrm>
-              <a:off x="13335000" y="19812000"/>
-              <a:ext cx="1752600" cy="707886"/>
-            </a:xfrm>
-            <a:prstGeom prst="rect">
-              <a:avLst/>
-            </a:prstGeom>
-          </p:spPr>
-          <p:style>
-            <a:lnRef idx="2">
-              <a:schemeClr val="accent1">
-                <a:shade val="50000"/>
-              </a:schemeClr>
-            </a:lnRef>
-            <a:fillRef idx="1">
-              <a:schemeClr val="accent1"/>
-            </a:fillRef>
-            <a:effectRef idx="0">
-              <a:schemeClr val="accent1"/>
-            </a:effectRef>
-            <a:fontRef idx="minor">
-              <a:schemeClr val="lt1"/>
-            </a:fontRef>
-          </p:style>
-          <p:txBody>
-            <a:bodyPr wrap="square" rtlCol="0">
-              <a:spAutoFit/>
-            </a:bodyPr>
-            <a:lstStyle/>
-            <a:p>
-              <a:pPr algn="ctr"/>
-              <a:r>
-                <a:rPr lang="en-US" sz="4000" dirty="0" smtClean="0"/>
-                <a:t>50</a:t>
-              </a:r>
-              <a:endParaRPr lang="en-US" sz="4000" dirty="0"/>
-            </a:p>
-          </p:txBody>
-        </p:sp>
-        <p:sp>
-          <p:nvSpPr>
-            <p:cNvPr id="73" name="TextBox 72"/>
-            <p:cNvSpPr txBox="1"/>
-            <p:nvPr/>
-          </p:nvSpPr>
-          <p:spPr>
-            <a:xfrm>
-              <a:off x="15163800" y="19812000"/>
-              <a:ext cx="1752600" cy="707886"/>
-            </a:xfrm>
-            <a:prstGeom prst="rect">
-              <a:avLst/>
-            </a:prstGeom>
-          </p:spPr>
-          <p:style>
-            <a:lnRef idx="2">
-              <a:schemeClr val="accent1">
-                <a:shade val="50000"/>
-              </a:schemeClr>
-            </a:lnRef>
-            <a:fillRef idx="1">
-              <a:schemeClr val="accent1"/>
-            </a:fillRef>
-            <a:effectRef idx="0">
-              <a:schemeClr val="accent1"/>
-            </a:effectRef>
-            <a:fontRef idx="minor">
-              <a:schemeClr val="lt1"/>
-            </a:fontRef>
-          </p:style>
-          <p:txBody>
-            <a:bodyPr wrap="square" rtlCol="0">
-              <a:spAutoFit/>
-            </a:bodyPr>
-            <a:lstStyle/>
-            <a:p>
-              <a:pPr algn="ctr"/>
-              <a:r>
-                <a:rPr lang="en-US" sz="4000" dirty="0" smtClean="0"/>
-                <a:t>50</a:t>
-              </a:r>
-              <a:endParaRPr lang="en-US" sz="4000" dirty="0"/>
-            </a:p>
-          </p:txBody>
-        </p:sp>
-        <p:sp>
-          <p:nvSpPr>
-            <p:cNvPr id="74" name="Rectangle 73"/>
-            <p:cNvSpPr/>
-            <p:nvPr/>
-          </p:nvSpPr>
-          <p:spPr>
-            <a:xfrm>
-              <a:off x="12344400" y="20878800"/>
-              <a:ext cx="6781800" cy="914400"/>
-            </a:xfrm>
-            <a:prstGeom prst="rect">
-              <a:avLst/>
-            </a:prstGeom>
-          </p:spPr>
-          <p:style>
-            <a:lnRef idx="1">
-              <a:schemeClr val="dk1"/>
-            </a:lnRef>
-            <a:fillRef idx="2">
-              <a:schemeClr val="dk1"/>
-            </a:fillRef>
-            <a:effectRef idx="1">
-              <a:schemeClr val="dk1"/>
-            </a:effectRef>
-            <a:fontRef idx="minor">
-              <a:schemeClr val="dk1"/>
-            </a:fontRef>
-          </p:style>
-          <p:txBody>
-            <a:bodyPr rtlCol="0" anchor="ctr"/>
-            <a:lstStyle/>
-            <a:p>
-              <a:pPr algn="ctr"/>
-              <a:endParaRPr lang="en-US"/>
-            </a:p>
-          </p:txBody>
-        </p:sp>
-        <p:sp>
-          <p:nvSpPr>
-            <p:cNvPr id="75" name="TextBox 74"/>
-            <p:cNvSpPr txBox="1"/>
-            <p:nvPr/>
-          </p:nvSpPr>
-          <p:spPr>
-            <a:xfrm>
-              <a:off x="12420600" y="21107400"/>
-              <a:ext cx="762000" cy="400110"/>
-            </a:xfrm>
-            <a:prstGeom prst="rect">
-              <a:avLst/>
-            </a:prstGeom>
-            <a:noFill/>
-          </p:spPr>
-          <p:txBody>
-            <a:bodyPr wrap="square" rtlCol="0">
-              <a:spAutoFit/>
-            </a:bodyPr>
-            <a:lstStyle/>
-            <a:p>
-              <a:r>
-                <a:rPr lang="en-US" sz="2000" b="1" dirty="0" smtClean="0"/>
-                <a:t>Set 0</a:t>
-              </a:r>
-              <a:endParaRPr lang="en-US" sz="2000" b="1" dirty="0"/>
-            </a:p>
-          </p:txBody>
-        </p:sp>
-        <p:sp>
-          <p:nvSpPr>
-            <p:cNvPr id="76" name="TextBox 75"/>
-            <p:cNvSpPr txBox="1"/>
-            <p:nvPr/>
-          </p:nvSpPr>
-          <p:spPr>
-            <a:xfrm>
-              <a:off x="13335000" y="20955000"/>
-              <a:ext cx="1752600" cy="707886"/>
-            </a:xfrm>
-            <a:prstGeom prst="rect">
-              <a:avLst/>
-            </a:prstGeom>
-          </p:spPr>
-          <p:style>
-            <a:lnRef idx="2">
-              <a:schemeClr val="accent1">
-                <a:shade val="50000"/>
-              </a:schemeClr>
-            </a:lnRef>
-            <a:fillRef idx="1">
-              <a:schemeClr val="accent1"/>
-            </a:fillRef>
-            <a:effectRef idx="0">
-              <a:schemeClr val="accent1"/>
-            </a:effectRef>
-            <a:fontRef idx="minor">
-              <a:schemeClr val="lt1"/>
-            </a:fontRef>
-          </p:style>
-          <p:txBody>
-            <a:bodyPr wrap="square" rtlCol="0">
-              <a:spAutoFit/>
-            </a:bodyPr>
-            <a:lstStyle/>
-            <a:p>
-              <a:pPr algn="ctr"/>
-              <a:r>
-                <a:rPr lang="en-US" sz="4000" dirty="0" smtClean="0"/>
-                <a:t>x</a:t>
-              </a:r>
-              <a:endParaRPr lang="en-US" sz="4000" dirty="0"/>
-            </a:p>
-          </p:txBody>
-        </p:sp>
-        <p:sp>
-          <p:nvSpPr>
-            <p:cNvPr id="77" name="TextBox 76"/>
-            <p:cNvSpPr txBox="1"/>
-            <p:nvPr/>
-          </p:nvSpPr>
-          <p:spPr>
-            <a:xfrm>
-              <a:off x="15163800" y="20955000"/>
-              <a:ext cx="1752600" cy="707886"/>
-            </a:xfrm>
-            <a:prstGeom prst="rect">
-              <a:avLst/>
-            </a:prstGeom>
-          </p:spPr>
-          <p:style>
-            <a:lnRef idx="2">
-              <a:schemeClr val="accent1">
-                <a:shade val="50000"/>
-              </a:schemeClr>
-            </a:lnRef>
-            <a:fillRef idx="1">
-              <a:schemeClr val="accent1"/>
-            </a:fillRef>
-            <a:effectRef idx="0">
-              <a:schemeClr val="accent1"/>
-            </a:effectRef>
-            <a:fontRef idx="minor">
-              <a:schemeClr val="lt1"/>
-            </a:fontRef>
-          </p:style>
-          <p:txBody>
-            <a:bodyPr wrap="square" rtlCol="0">
-              <a:spAutoFit/>
-            </a:bodyPr>
-            <a:lstStyle/>
-            <a:p>
-              <a:pPr algn="ctr"/>
-              <a:r>
-                <a:rPr lang="en-US" sz="4000" dirty="0" smtClean="0"/>
-                <a:t>x</a:t>
-              </a:r>
-              <a:endParaRPr lang="en-US" sz="4000" dirty="0"/>
-            </a:p>
-          </p:txBody>
-        </p:sp>
-        <p:sp>
-          <p:nvSpPr>
-            <p:cNvPr id="78" name="TextBox 77"/>
-            <p:cNvSpPr txBox="1"/>
-            <p:nvPr/>
-          </p:nvSpPr>
-          <p:spPr>
-            <a:xfrm>
-              <a:off x="16992600" y="20955000"/>
-              <a:ext cx="2057400" cy="707886"/>
-            </a:xfrm>
-            <a:prstGeom prst="rect">
-              <a:avLst/>
-            </a:prstGeom>
-          </p:spPr>
-          <p:style>
-            <a:lnRef idx="2">
-              <a:schemeClr val="accent2"/>
-            </a:lnRef>
-            <a:fillRef idx="1">
-              <a:schemeClr val="lt1"/>
-            </a:fillRef>
-            <a:effectRef idx="0">
-              <a:schemeClr val="accent2"/>
-            </a:effectRef>
-            <a:fontRef idx="minor">
-              <a:schemeClr val="dk1"/>
-            </a:fontRef>
-          </p:style>
-          <p:txBody>
-            <a:bodyPr wrap="square" rtlCol="0">
-              <a:spAutoFit/>
-            </a:bodyPr>
-            <a:lstStyle/>
-            <a:p>
-              <a:pPr algn="ctr"/>
-              <a:r>
-                <a:rPr lang="en-US" sz="4000" dirty="0" smtClean="0"/>
-                <a:t>2x</a:t>
-              </a:r>
-              <a:endParaRPr lang="en-US" sz="4000" dirty="0"/>
-            </a:p>
-          </p:txBody>
-        </p:sp>
-        <p:sp>
-          <p:nvSpPr>
-            <p:cNvPr id="101" name="Rectangle 100"/>
-            <p:cNvSpPr/>
-            <p:nvPr/>
-          </p:nvSpPr>
-          <p:spPr>
-            <a:xfrm>
-              <a:off x="12496800" y="21945600"/>
-              <a:ext cx="7315200" cy="5386090"/>
-            </a:xfrm>
-            <a:prstGeom prst="rect">
-              <a:avLst/>
-            </a:prstGeom>
-          </p:spPr>
-          <p:txBody>
-            <a:bodyPr wrap="square">
-              <a:spAutoFit/>
-            </a:bodyPr>
-            <a:lstStyle/>
-            <a:p>
-              <a:pPr>
-                <a:buFont typeface="Arial" pitchFamily="34" charset="0"/>
-                <a:buChar char="•"/>
-              </a:pPr>
-              <a:r>
-                <a:rPr lang="en-US" sz="4400" dirty="0" smtClean="0"/>
-                <a:t>Policy 2: </a:t>
-              </a:r>
-              <a:r>
-                <a:rPr lang="en-US" sz="4400" dirty="0">
-                  <a:solidFill>
-                    <a:srgbClr val="0000FF"/>
-                  </a:solidFill>
-                </a:rPr>
-                <a:t>Min-Eviction</a:t>
-              </a:r>
-            </a:p>
-            <a:p>
-              <a:r>
-                <a:rPr lang="en-US" sz="2800" u="sng" dirty="0" smtClean="0"/>
-                <a:t>Insight</a:t>
-              </a:r>
-              <a:r>
-                <a:rPr lang="en-US" sz="2800" dirty="0" smtClean="0"/>
-                <a:t>: Keeping multiple compressible blocks with less reuse may be more valuable than a single uncompressible block of higher reuse</a:t>
-              </a:r>
-            </a:p>
-            <a:p>
-              <a:r>
-                <a:rPr lang="en-US" sz="2800" u="sng" dirty="0" smtClean="0"/>
-                <a:t>Key Idea</a:t>
-              </a:r>
-              <a:r>
-                <a:rPr lang="en-US" sz="2800" dirty="0" smtClean="0"/>
-                <a:t>: Assign a value based on reuse and compressibility to all blocks and on replacement, evict the set of blocks with the least value</a:t>
-              </a:r>
-            </a:p>
-            <a:p>
-              <a:endParaRPr lang="en-US" sz="4400" dirty="0"/>
-            </a:p>
-            <a:p>
-              <a:endParaRPr lang="en-US" sz="4400" dirty="0" smtClean="0"/>
-            </a:p>
-            <a:p>
-              <a:endParaRPr lang="en-US" sz="4400" dirty="0"/>
-            </a:p>
-          </p:txBody>
-        </p:sp>
-      </p:grpSp>
-      <p:grpSp>
-        <p:nvGrpSpPr>
-          <p:cNvPr id="103" name="Group 102"/>
-          <p:cNvGrpSpPr/>
-          <p:nvPr/>
-        </p:nvGrpSpPr>
-        <p:grpSpPr>
-          <a:xfrm>
-            <a:off x="685800" y="16840200"/>
-            <a:ext cx="6629400" cy="9553515"/>
-            <a:chOff x="15544800" y="16992600"/>
-            <a:chExt cx="6629400" cy="9553515"/>
-          </a:xfrm>
-        </p:grpSpPr>
-        <p:sp>
-          <p:nvSpPr>
-            <p:cNvPr id="79" name="Rectangle 78"/>
-            <p:cNvSpPr/>
-            <p:nvPr/>
-          </p:nvSpPr>
-          <p:spPr>
-            <a:xfrm>
-              <a:off x="15544800" y="18516600"/>
-              <a:ext cx="6553200" cy="914400"/>
-            </a:xfrm>
-            <a:prstGeom prst="rect">
-              <a:avLst/>
-            </a:prstGeom>
-          </p:spPr>
-          <p:style>
-            <a:lnRef idx="1">
-              <a:schemeClr val="dk1"/>
-            </a:lnRef>
-            <a:fillRef idx="2">
-              <a:schemeClr val="dk1"/>
-            </a:fillRef>
-            <a:effectRef idx="1">
-              <a:schemeClr val="dk1"/>
-            </a:effectRef>
-            <a:fontRef idx="minor">
-              <a:schemeClr val="dk1"/>
-            </a:fontRef>
-          </p:style>
-          <p:txBody>
-            <a:bodyPr rtlCol="0" anchor="ctr"/>
-            <a:lstStyle/>
-            <a:p>
-              <a:pPr algn="ctr"/>
-              <a:endParaRPr lang="en-US"/>
-            </a:p>
-          </p:txBody>
-        </p:sp>
-        <p:sp>
-          <p:nvSpPr>
-            <p:cNvPr id="80" name="TextBox 79"/>
-            <p:cNvSpPr txBox="1"/>
-            <p:nvPr/>
-          </p:nvSpPr>
-          <p:spPr>
-            <a:xfrm>
-              <a:off x="16687800" y="18592800"/>
-              <a:ext cx="2057400" cy="707886"/>
-            </a:xfrm>
-            <a:prstGeom prst="rect">
-              <a:avLst/>
-            </a:prstGeom>
-          </p:spPr>
-          <p:style>
-            <a:lnRef idx="2">
-              <a:schemeClr val="accent1">
-                <a:shade val="50000"/>
-              </a:schemeClr>
-            </a:lnRef>
-            <a:fillRef idx="1">
-              <a:schemeClr val="accent1"/>
-            </a:fillRef>
-            <a:effectRef idx="0">
-              <a:schemeClr val="accent1"/>
-            </a:effectRef>
-            <a:fontRef idx="minor">
-              <a:schemeClr val="lt1"/>
-            </a:fontRef>
-          </p:style>
-          <p:txBody>
-            <a:bodyPr wrap="square" rtlCol="0">
-              <a:spAutoFit/>
-            </a:bodyPr>
-            <a:lstStyle/>
-            <a:p>
-              <a:pPr algn="ctr"/>
-              <a:r>
-                <a:rPr lang="en-US" sz="4000" dirty="0" smtClean="0"/>
-                <a:t>4x</a:t>
-              </a:r>
-              <a:endParaRPr lang="en-US" sz="4000" dirty="0"/>
-            </a:p>
-          </p:txBody>
-        </p:sp>
-        <p:sp>
-          <p:nvSpPr>
-            <p:cNvPr id="81" name="TextBox 80"/>
-            <p:cNvSpPr txBox="1"/>
-            <p:nvPr/>
-          </p:nvSpPr>
-          <p:spPr>
-            <a:xfrm>
-              <a:off x="19050000" y="18592800"/>
-              <a:ext cx="762000" cy="707886"/>
-            </a:xfrm>
-            <a:prstGeom prst="rect">
-              <a:avLst/>
-            </a:prstGeom>
-          </p:spPr>
-          <p:style>
-            <a:lnRef idx="2">
-              <a:schemeClr val="accent1">
-                <a:shade val="50000"/>
-              </a:schemeClr>
-            </a:lnRef>
-            <a:fillRef idx="1">
-              <a:schemeClr val="accent1"/>
-            </a:fillRef>
-            <a:effectRef idx="0">
-              <a:schemeClr val="accent1"/>
-            </a:effectRef>
-            <a:fontRef idx="minor">
-              <a:schemeClr val="lt1"/>
-            </a:fontRef>
-          </p:style>
-          <p:txBody>
-            <a:bodyPr wrap="square" rtlCol="0">
-              <a:spAutoFit/>
-            </a:bodyPr>
-            <a:lstStyle/>
-            <a:p>
-              <a:pPr algn="ctr"/>
-              <a:r>
-                <a:rPr lang="en-US" sz="4000" dirty="0" smtClean="0"/>
-                <a:t>x</a:t>
-              </a:r>
-              <a:endParaRPr lang="en-US" sz="4000" dirty="0"/>
-            </a:p>
-          </p:txBody>
-        </p:sp>
-        <p:sp>
-          <p:nvSpPr>
-            <p:cNvPr id="82" name="TextBox 81"/>
-            <p:cNvSpPr txBox="1"/>
-            <p:nvPr/>
-          </p:nvSpPr>
-          <p:spPr>
-            <a:xfrm>
-              <a:off x="20116800" y="18592800"/>
-              <a:ext cx="762000" cy="707886"/>
-            </a:xfrm>
-            <a:prstGeom prst="rect">
-              <a:avLst/>
-            </a:prstGeom>
-          </p:spPr>
-          <p:style>
-            <a:lnRef idx="2">
-              <a:schemeClr val="accent1">
-                <a:shade val="50000"/>
-              </a:schemeClr>
-            </a:lnRef>
-            <a:fillRef idx="1">
-              <a:schemeClr val="accent1"/>
-            </a:fillRef>
-            <a:effectRef idx="0">
-              <a:schemeClr val="accent1"/>
-            </a:effectRef>
-            <a:fontRef idx="minor">
-              <a:schemeClr val="lt1"/>
-            </a:fontRef>
-          </p:style>
-          <p:txBody>
-            <a:bodyPr wrap="square" rtlCol="0">
-              <a:spAutoFit/>
-            </a:bodyPr>
-            <a:lstStyle/>
-            <a:p>
-              <a:pPr algn="ctr"/>
-              <a:r>
-                <a:rPr lang="en-US" sz="4000" dirty="0" smtClean="0"/>
-                <a:t>x</a:t>
-              </a:r>
-              <a:endParaRPr lang="en-US" sz="4000" dirty="0"/>
-            </a:p>
-          </p:txBody>
-        </p:sp>
-        <p:sp>
-          <p:nvSpPr>
-            <p:cNvPr id="83" name="TextBox 82"/>
-            <p:cNvSpPr txBox="1"/>
-            <p:nvPr/>
-          </p:nvSpPr>
-          <p:spPr>
-            <a:xfrm>
-              <a:off x="21183600" y="18592800"/>
-              <a:ext cx="762000" cy="707886"/>
-            </a:xfrm>
-            <a:prstGeom prst="rect">
-              <a:avLst/>
-            </a:prstGeom>
-          </p:spPr>
-          <p:style>
-            <a:lnRef idx="2">
-              <a:schemeClr val="accent1">
-                <a:shade val="50000"/>
-              </a:schemeClr>
-            </a:lnRef>
-            <a:fillRef idx="1">
-              <a:schemeClr val="accent1"/>
-            </a:fillRef>
-            <a:effectRef idx="0">
-              <a:schemeClr val="accent1"/>
-            </a:effectRef>
-            <a:fontRef idx="minor">
-              <a:schemeClr val="lt1"/>
-            </a:fontRef>
-          </p:style>
-          <p:txBody>
-            <a:bodyPr wrap="square" rtlCol="0">
-              <a:spAutoFit/>
-            </a:bodyPr>
-            <a:lstStyle/>
-            <a:p>
-              <a:pPr algn="ctr"/>
-              <a:r>
-                <a:rPr lang="en-US" sz="4000" dirty="0" smtClean="0"/>
-                <a:t>x</a:t>
-              </a:r>
-              <a:endParaRPr lang="en-US" sz="4000" dirty="0"/>
-            </a:p>
-          </p:txBody>
-        </p:sp>
-        <p:sp>
-          <p:nvSpPr>
-            <p:cNvPr id="84" name="TextBox 83"/>
-            <p:cNvSpPr txBox="1"/>
-            <p:nvPr/>
-          </p:nvSpPr>
-          <p:spPr>
-            <a:xfrm>
-              <a:off x="15697200" y="18745200"/>
-              <a:ext cx="1143000" cy="523220"/>
-            </a:xfrm>
-            <a:prstGeom prst="rect">
-              <a:avLst/>
-            </a:prstGeom>
-            <a:noFill/>
-          </p:spPr>
-          <p:txBody>
-            <a:bodyPr wrap="square" rtlCol="0">
-              <a:spAutoFit/>
-            </a:bodyPr>
-            <a:lstStyle/>
-            <a:p>
-              <a:r>
-                <a:rPr lang="en-US" sz="2800" b="1" dirty="0" smtClean="0"/>
-                <a:t>Set 0</a:t>
-              </a:r>
-              <a:endParaRPr lang="en-US" sz="2800" b="1" dirty="0"/>
-            </a:p>
-          </p:txBody>
-        </p:sp>
-        <p:sp>
-          <p:nvSpPr>
-            <p:cNvPr id="85" name="TextBox 84"/>
-            <p:cNvSpPr txBox="1"/>
-            <p:nvPr/>
-          </p:nvSpPr>
-          <p:spPr>
-            <a:xfrm>
-              <a:off x="20040600" y="16992600"/>
-              <a:ext cx="2057400" cy="707886"/>
+              <a:off x="2895600" y="21488400"/>
+              <a:ext cx="1143000" cy="461665"/>
             </a:xfrm>
             <a:prstGeom prst="rect">
               <a:avLst/>
@@ -6993,59 +6458,44 @@
             <a:p>
               <a:pPr algn="ctr"/>
               <a:r>
-                <a:rPr lang="en-US" sz="4000" dirty="0" smtClean="0"/>
-                <a:t>4x</a:t>
+                <a:rPr lang="en-US" sz="2400" dirty="0" smtClean="0"/>
+                <a:t>0x77..0</a:t>
               </a:r>
-              <a:endParaRPr lang="en-US" sz="4000" dirty="0"/>
+              <a:endParaRPr lang="en-US" sz="2400" dirty="0"/>
             </a:p>
           </p:txBody>
         </p:sp>
         <p:sp>
           <p:nvSpPr>
-            <p:cNvPr id="86" name="TextBox 85"/>
+            <p:cNvPr id="142" name="TextBox 141"/>
             <p:cNvSpPr txBox="1"/>
             <p:nvPr/>
           </p:nvSpPr>
           <p:spPr>
             <a:xfrm>
-              <a:off x="18669000" y="17068800"/>
-              <a:ext cx="1295400" cy="523220"/>
+              <a:off x="4038600" y="21488400"/>
+              <a:ext cx="1143000" cy="457200"/>
             </a:xfrm>
             <a:prstGeom prst="rect">
               <a:avLst/>
             </a:prstGeom>
-            <a:noFill/>
           </p:spPr>
-          <p:txBody>
-            <a:bodyPr wrap="square" rtlCol="0">
-              <a:spAutoFit/>
-            </a:bodyPr>
-            <a:lstStyle/>
-            <a:p>
-              <a:r>
-                <a:rPr lang="en-US" sz="2800" b="1" dirty="0" smtClean="0"/>
-                <a:t>Insert</a:t>
-              </a:r>
-              <a:endParaRPr lang="en-US" sz="2800" b="1" dirty="0"/>
-            </a:p>
-          </p:txBody>
-        </p:sp>
-        <p:sp>
-          <p:nvSpPr>
-            <p:cNvPr id="87" name="TextBox 86"/>
-            <p:cNvSpPr txBox="1"/>
-            <p:nvPr/>
-          </p:nvSpPr>
-          <p:spPr>
-            <a:xfrm>
-              <a:off x="21107400" y="18059400"/>
-              <a:ext cx="1066800" cy="523220"/>
-            </a:xfrm>
-            <a:prstGeom prst="rect">
-              <a:avLst/>
-            </a:prstGeom>
-            <a:noFill/>
-          </p:spPr>
+          <p:style>
+            <a:lnRef idx="2">
+              <a:schemeClr val="accent2">
+                <a:shade val="50000"/>
+              </a:schemeClr>
+            </a:lnRef>
+            <a:fillRef idx="1">
+              <a:schemeClr val="accent2"/>
+            </a:fillRef>
+            <a:effectRef idx="0">
+              <a:schemeClr val="accent2"/>
+            </a:effectRef>
+            <a:fontRef idx="minor">
+              <a:schemeClr val="lt1"/>
+            </a:fontRef>
+          </p:style>
           <p:txBody>
             <a:bodyPr wrap="square" rtlCol="0">
               <a:spAutoFit/>
@@ -7054,23 +6504,23 @@
             <a:p>
               <a:pPr algn="ctr"/>
               <a:r>
-                <a:rPr lang="en-US" sz="2800" b="1" dirty="0" smtClean="0"/>
-                <a:t>LRU</a:t>
+                <a:rPr lang="en-US" sz="2400" dirty="0" smtClean="0"/>
+                <a:t>0x77..4</a:t>
               </a:r>
-              <a:endParaRPr lang="en-US" sz="2800" b="1" dirty="0"/>
+              <a:endParaRPr lang="en-US" sz="2400" dirty="0"/>
             </a:p>
           </p:txBody>
         </p:sp>
         <p:sp>
           <p:nvSpPr>
-            <p:cNvPr id="88" name="TextBox 87"/>
+            <p:cNvPr id="143" name="TextBox 142"/>
             <p:cNvSpPr txBox="1"/>
             <p:nvPr/>
           </p:nvSpPr>
           <p:spPr>
             <a:xfrm>
-              <a:off x="20040600" y="16992600"/>
-              <a:ext cx="2057400" cy="707886"/>
+              <a:off x="5181600" y="21488400"/>
+              <a:ext cx="1219200" cy="457200"/>
             </a:xfrm>
             <a:prstGeom prst="rect">
               <a:avLst/>
@@ -7078,13 +6528,67 @@
           </p:spPr>
           <p:style>
             <a:lnRef idx="2">
-              <a:schemeClr val="accent6"/>
+              <a:schemeClr val="accent2">
+                <a:shade val="50000"/>
+              </a:schemeClr>
+            </a:lnRef>
+            <a:fillRef idx="1">
+              <a:schemeClr val="accent2"/>
+            </a:fillRef>
+            <a:effectRef idx="0">
+              <a:schemeClr val="accent2"/>
+            </a:effectRef>
+            <a:fontRef idx="minor">
+              <a:schemeClr val="lt1"/>
+            </a:fontRef>
+          </p:style>
+          <p:txBody>
+            <a:bodyPr wrap="square" rtlCol="0">
+              <a:spAutoFit/>
+            </a:bodyPr>
+            <a:lstStyle/>
+            <a:p>
+              <a:pPr algn="ctr"/>
+              <a:r>
+                <a:rPr lang="en-US" sz="2400" dirty="0" smtClean="0"/>
+                <a:t>0x77..C</a:t>
+              </a:r>
+              <a:endParaRPr lang="en-US" sz="2400" dirty="0"/>
+            </a:p>
+          </p:txBody>
+        </p:sp>
+        <p:sp>
+          <p:nvSpPr>
+            <p:cNvPr id="144" name="TextBox 143"/>
+            <p:cNvSpPr txBox="1"/>
+            <p:nvPr/>
+          </p:nvSpPr>
+          <p:spPr>
+            <a:xfrm>
+              <a:off x="6400800" y="21488400"/>
+              <a:ext cx="381000" cy="457200"/>
+            </a:xfrm>
+            <a:prstGeom prst="rect">
+              <a:avLst/>
+            </a:prstGeom>
+            <a:ln>
+              <a:solidFill>
+                <a:schemeClr val="tx1">
+                  <a:lumMod val="65000"/>
+                  <a:lumOff val="35000"/>
+                </a:schemeClr>
+              </a:solidFill>
+            </a:ln>
+          </p:spPr>
+          <p:style>
+            <a:lnRef idx="2">
+              <a:schemeClr val="dk1"/>
             </a:lnRef>
             <a:fillRef idx="1">
               <a:schemeClr val="lt1"/>
             </a:fillRef>
             <a:effectRef idx="0">
-              <a:schemeClr val="accent6"/>
+              <a:schemeClr val="dk1"/>
             </a:effectRef>
             <a:fontRef idx="minor">
               <a:schemeClr val="dk1"/>
@@ -7098,173 +6602,45 @@
             <a:p>
               <a:pPr algn="ctr"/>
               <a:r>
-                <a:rPr lang="en-US" sz="4000" dirty="0" smtClean="0"/>
-                <a:t>4x</a:t>
+                <a:rPr lang="en-US" sz="2400" dirty="0" smtClean="0"/>
+                <a:t>…</a:t>
               </a:r>
-              <a:endParaRPr lang="en-US" sz="4000" dirty="0"/>
+              <a:endParaRPr lang="en-US" sz="2400" dirty="0"/>
             </a:p>
           </p:txBody>
         </p:sp>
         <p:sp>
           <p:nvSpPr>
-            <p:cNvPr id="89" name="Rectangle 88"/>
-            <p:cNvSpPr/>
-            <p:nvPr/>
-          </p:nvSpPr>
-          <p:spPr>
-            <a:xfrm>
-              <a:off x="15544800" y="19659600"/>
-              <a:ext cx="6553200" cy="914400"/>
-            </a:xfrm>
-            <a:prstGeom prst="rect">
-              <a:avLst/>
-            </a:prstGeom>
-          </p:spPr>
-          <p:style>
-            <a:lnRef idx="1">
-              <a:schemeClr val="dk1"/>
-            </a:lnRef>
-            <a:fillRef idx="2">
-              <a:schemeClr val="dk1"/>
-            </a:fillRef>
-            <a:effectRef idx="1">
-              <a:schemeClr val="dk1"/>
-            </a:effectRef>
-            <a:fontRef idx="minor">
-              <a:schemeClr val="dk1"/>
-            </a:fontRef>
-          </p:style>
-          <p:txBody>
-            <a:bodyPr rtlCol="0" anchor="ctr"/>
-            <a:lstStyle/>
-            <a:p>
-              <a:pPr algn="ctr"/>
-              <a:endParaRPr lang="en-US"/>
-            </a:p>
-          </p:txBody>
-        </p:sp>
-        <p:sp>
-          <p:nvSpPr>
-            <p:cNvPr id="90" name="TextBox 89"/>
+            <p:cNvPr id="145" name="TextBox 144"/>
             <p:cNvSpPr txBox="1"/>
             <p:nvPr/>
           </p:nvSpPr>
           <p:spPr>
             <a:xfrm>
-              <a:off x="15697200" y="19888200"/>
-              <a:ext cx="1143000" cy="523220"/>
+              <a:off x="609600" y="21488400"/>
+              <a:ext cx="304800" cy="457200"/>
             </a:xfrm>
             <a:prstGeom prst="rect">
               <a:avLst/>
             </a:prstGeom>
-            <a:noFill/>
-          </p:spPr>
-          <p:txBody>
-            <a:bodyPr wrap="square" rtlCol="0">
-              <a:spAutoFit/>
-            </a:bodyPr>
-            <a:lstStyle/>
-            <a:p>
-              <a:r>
-                <a:rPr lang="en-US" sz="2800" b="1" dirty="0" smtClean="0"/>
-                <a:t>Set 0</a:t>
-              </a:r>
-              <a:endParaRPr lang="en-US" sz="2800" b="1" dirty="0"/>
-            </a:p>
-          </p:txBody>
-        </p:sp>
-        <p:sp>
-          <p:nvSpPr>
-            <p:cNvPr id="91" name="Rectangle 90"/>
-            <p:cNvSpPr/>
-            <p:nvPr/>
-          </p:nvSpPr>
-          <p:spPr>
-            <a:xfrm>
-              <a:off x="15544800" y="20878800"/>
-              <a:ext cx="6553200" cy="914400"/>
-            </a:xfrm>
-            <a:prstGeom prst="rect">
-              <a:avLst/>
-            </a:prstGeom>
-          </p:spPr>
-          <p:style>
-            <a:lnRef idx="1">
-              <a:schemeClr val="dk1"/>
-            </a:lnRef>
-            <a:fillRef idx="2">
-              <a:schemeClr val="dk1"/>
-            </a:fillRef>
-            <a:effectRef idx="1">
-              <a:schemeClr val="dk1"/>
-            </a:effectRef>
-            <a:fontRef idx="minor">
-              <a:schemeClr val="dk1"/>
-            </a:fontRef>
-          </p:style>
-          <p:txBody>
-            <a:bodyPr rtlCol="0" anchor="ctr"/>
-            <a:lstStyle/>
-            <a:p>
-              <a:pPr algn="ctr"/>
-              <a:endParaRPr lang="en-US"/>
-            </a:p>
-          </p:txBody>
-        </p:sp>
-        <p:sp>
-          <p:nvSpPr>
-            <p:cNvPr id="92" name="TextBox 91"/>
-            <p:cNvSpPr txBox="1"/>
-            <p:nvPr/>
-          </p:nvSpPr>
-          <p:spPr>
-            <a:xfrm>
-              <a:off x="15697200" y="21107400"/>
-              <a:ext cx="1143000" cy="523220"/>
-            </a:xfrm>
-            <a:prstGeom prst="rect">
-              <a:avLst/>
-            </a:prstGeom>
-            <a:noFill/>
-          </p:spPr>
-          <p:txBody>
-            <a:bodyPr wrap="square" rtlCol="0">
-              <a:spAutoFit/>
-            </a:bodyPr>
-            <a:lstStyle/>
-            <a:p>
-              <a:r>
-                <a:rPr lang="en-US" sz="2800" b="1" dirty="0" smtClean="0"/>
-                <a:t>Set 0</a:t>
-              </a:r>
-              <a:endParaRPr lang="en-US" sz="2800" b="1" dirty="0"/>
-            </a:p>
-          </p:txBody>
-        </p:sp>
-        <p:sp>
-          <p:nvSpPr>
-            <p:cNvPr id="93" name="TextBox 92"/>
-            <p:cNvSpPr txBox="1"/>
-            <p:nvPr/>
-          </p:nvSpPr>
-          <p:spPr>
-            <a:xfrm>
-              <a:off x="16687800" y="20955000"/>
-              <a:ext cx="2057400" cy="707886"/>
-            </a:xfrm>
-            <a:prstGeom prst="rect">
-              <a:avLst/>
-            </a:prstGeom>
+            <a:ln>
+              <a:solidFill>
+                <a:schemeClr val="tx1">
+                  <a:lumMod val="65000"/>
+                  <a:lumOff val="35000"/>
+                </a:schemeClr>
+              </a:solidFill>
+            </a:ln>
           </p:spPr>
           <p:style>
             <a:lnRef idx="2">
-              <a:schemeClr val="accent6"/>
+              <a:schemeClr val="dk1"/>
             </a:lnRef>
             <a:fillRef idx="1">
               <a:schemeClr val="lt1"/>
             </a:fillRef>
             <a:effectRef idx="0">
-              <a:schemeClr val="accent6"/>
+              <a:schemeClr val="dk1"/>
             </a:effectRef>
             <a:fontRef idx="minor">
               <a:schemeClr val="dk1"/>
@@ -7278,42 +6654,39 @@
             <a:p>
               <a:pPr algn="ctr"/>
               <a:r>
-                <a:rPr lang="en-US" sz="4000" dirty="0" smtClean="0"/>
-                <a:t>4x</a:t>
+                <a:rPr lang="en-US" sz="2400" dirty="0" smtClean="0"/>
+                <a:t>…</a:t>
               </a:r>
-              <a:endParaRPr lang="en-US" sz="4000" dirty="0"/>
+              <a:endParaRPr lang="en-US" sz="2400" dirty="0"/>
             </a:p>
           </p:txBody>
         </p:sp>
         <p:sp>
           <p:nvSpPr>
-            <p:cNvPr id="94" name="TextBox 93"/>
+            <p:cNvPr id="147" name="TextBox 146"/>
             <p:cNvSpPr txBox="1"/>
             <p:nvPr/>
           </p:nvSpPr>
           <p:spPr>
             <a:xfrm>
-              <a:off x="16687800" y="19789914"/>
-              <a:ext cx="2057400" cy="707886"/>
+              <a:off x="6781800" y="21488400"/>
+              <a:ext cx="685800" cy="461665"/>
             </a:xfrm>
             <a:prstGeom prst="rect">
               <a:avLst/>
             </a:prstGeom>
-            <a:solidFill>
-              <a:srgbClr val="92D050"/>
-            </a:solidFill>
           </p:spPr>
           <p:style>
             <a:lnRef idx="2">
-              <a:schemeClr val="accent1">
+              <a:schemeClr val="accent4">
                 <a:shade val="50000"/>
               </a:schemeClr>
             </a:lnRef>
             <a:fillRef idx="1">
-              <a:schemeClr val="accent1"/>
+              <a:schemeClr val="accent4"/>
             </a:fillRef>
             <a:effectRef idx="0">
-              <a:schemeClr val="accent1"/>
+              <a:schemeClr val="accent4"/>
             </a:effectRef>
             <a:fontRef idx="minor">
               <a:schemeClr val="lt1"/>
@@ -7327,42 +6700,39 @@
             <a:p>
               <a:pPr algn="ctr"/>
               <a:r>
-                <a:rPr lang="en-US" sz="4000" dirty="0" smtClean="0"/>
-                <a:t>4x</a:t>
+                <a:rPr lang="en-US" sz="2400" dirty="0" smtClean="0"/>
+                <a:t>100</a:t>
               </a:r>
-              <a:endParaRPr lang="en-US" sz="4000" dirty="0"/>
+              <a:endParaRPr lang="en-US" sz="2400" dirty="0"/>
             </a:p>
           </p:txBody>
         </p:sp>
         <p:sp>
           <p:nvSpPr>
-            <p:cNvPr id="95" name="TextBox 94"/>
+            <p:cNvPr id="148" name="TextBox 147"/>
             <p:cNvSpPr txBox="1"/>
             <p:nvPr/>
           </p:nvSpPr>
           <p:spPr>
             <a:xfrm>
-              <a:off x="19050000" y="19789914"/>
-              <a:ext cx="762000" cy="707886"/>
+              <a:off x="7467600" y="21488400"/>
+              <a:ext cx="685800" cy="461665"/>
             </a:xfrm>
             <a:prstGeom prst="rect">
               <a:avLst/>
             </a:prstGeom>
-            <a:solidFill>
-              <a:srgbClr val="92D050"/>
-            </a:solidFill>
           </p:spPr>
           <p:style>
             <a:lnRef idx="2">
-              <a:schemeClr val="accent1">
+              <a:schemeClr val="accent4">
                 <a:shade val="50000"/>
               </a:schemeClr>
             </a:lnRef>
             <a:fillRef idx="1">
-              <a:schemeClr val="accent1"/>
+              <a:schemeClr val="accent4"/>
             </a:fillRef>
             <a:effectRef idx="0">
-              <a:schemeClr val="accent1"/>
+              <a:schemeClr val="accent4"/>
             </a:effectRef>
             <a:fontRef idx="minor">
               <a:schemeClr val="lt1"/>
@@ -7376,42 +6746,39 @@
             <a:p>
               <a:pPr algn="ctr"/>
               <a:r>
-                <a:rPr lang="en-US" sz="4000" dirty="0" smtClean="0"/>
-                <a:t>x</a:t>
+                <a:rPr lang="en-US" sz="2400" dirty="0" smtClean="0"/>
+                <a:t>108</a:t>
               </a:r>
-              <a:endParaRPr lang="en-US" sz="4000" dirty="0"/>
+              <a:endParaRPr lang="en-US" sz="2400" dirty="0"/>
             </a:p>
           </p:txBody>
         </p:sp>
         <p:sp>
           <p:nvSpPr>
-            <p:cNvPr id="96" name="TextBox 95"/>
+            <p:cNvPr id="150" name="TextBox 149"/>
             <p:cNvSpPr txBox="1"/>
             <p:nvPr/>
           </p:nvSpPr>
           <p:spPr>
             <a:xfrm>
-              <a:off x="20116800" y="19789914"/>
-              <a:ext cx="762000" cy="707886"/>
+              <a:off x="8153400" y="21488400"/>
+              <a:ext cx="685800" cy="461665"/>
             </a:xfrm>
             <a:prstGeom prst="rect">
               <a:avLst/>
             </a:prstGeom>
-            <a:solidFill>
-              <a:srgbClr val="92D050"/>
-            </a:solidFill>
           </p:spPr>
           <p:style>
             <a:lnRef idx="2">
-              <a:schemeClr val="accent1">
+              <a:schemeClr val="accent4">
                 <a:shade val="50000"/>
               </a:schemeClr>
             </a:lnRef>
             <a:fillRef idx="1">
-              <a:schemeClr val="accent1"/>
+              <a:schemeClr val="accent4"/>
             </a:fillRef>
             <a:effectRef idx="0">
-              <a:schemeClr val="accent1"/>
+              <a:schemeClr val="accent4"/>
             </a:effectRef>
             <a:fontRef idx="minor">
               <a:schemeClr val="lt1"/>
@@ -7425,45 +6792,48 @@
             <a:p>
               <a:pPr algn="ctr"/>
               <a:r>
-                <a:rPr lang="en-US" sz="4000" dirty="0" smtClean="0"/>
-                <a:t>x</a:t>
+                <a:rPr lang="en-US" sz="2400" dirty="0" smtClean="0"/>
+                <a:t>93</a:t>
               </a:r>
-              <a:endParaRPr lang="en-US" sz="4000" dirty="0"/>
+              <a:endParaRPr lang="en-US" sz="2400" dirty="0"/>
             </a:p>
           </p:txBody>
         </p:sp>
         <p:sp>
           <p:nvSpPr>
-            <p:cNvPr id="97" name="TextBox 96"/>
+            <p:cNvPr id="151" name="TextBox 150"/>
             <p:cNvSpPr txBox="1"/>
             <p:nvPr/>
           </p:nvSpPr>
           <p:spPr>
             <a:xfrm>
-              <a:off x="21183600" y="19789914"/>
-              <a:ext cx="762000" cy="707886"/>
+              <a:off x="8839200" y="21488400"/>
+              <a:ext cx="304800" cy="461665"/>
             </a:xfrm>
             <a:prstGeom prst="rect">
               <a:avLst/>
             </a:prstGeom>
-            <a:solidFill>
-              <a:srgbClr val="92D050"/>
-            </a:solidFill>
+            <a:ln>
+              <a:solidFill>
+                <a:schemeClr val="tx1">
+                  <a:lumMod val="65000"/>
+                  <a:lumOff val="35000"/>
+                </a:schemeClr>
+              </a:solidFill>
+            </a:ln>
           </p:spPr>
           <p:style>
             <a:lnRef idx="2">
-              <a:schemeClr val="accent1">
-                <a:shade val="50000"/>
-              </a:schemeClr>
+              <a:schemeClr val="dk1"/>
             </a:lnRef>
             <a:fillRef idx="1">
-              <a:schemeClr val="accent1"/>
+              <a:schemeClr val="lt1"/>
             </a:fillRef>
             <a:effectRef idx="0">
-              <a:schemeClr val="accent1"/>
+              <a:schemeClr val="dk1"/>
             </a:effectRef>
             <a:fontRef idx="minor">
-              <a:schemeClr val="lt1"/>
+              <a:schemeClr val="dk1"/>
             </a:fontRef>
           </p:style>
           <p:txBody>
@@ -7474,426 +6844,24 @@
             <a:p>
               <a:pPr algn="ctr"/>
               <a:r>
-                <a:rPr lang="en-US" sz="4000" dirty="0" smtClean="0"/>
-                <a:t>x</a:t>
+                <a:rPr lang="en-US" sz="2400" dirty="0" smtClean="0"/>
+                <a:t>…</a:t>
               </a:r>
-              <a:endParaRPr lang="en-US" sz="4000" dirty="0"/>
-            </a:p>
-          </p:txBody>
-        </p:sp>
-        <p:sp>
-          <p:nvSpPr>
-            <p:cNvPr id="98" name="TextBox 97"/>
-            <p:cNvSpPr txBox="1"/>
-            <p:nvPr/>
-          </p:nvSpPr>
-          <p:spPr>
-            <a:xfrm>
-              <a:off x="19050000" y="20955000"/>
-              <a:ext cx="762000" cy="707886"/>
-            </a:xfrm>
-            <a:prstGeom prst="rect">
-              <a:avLst/>
-            </a:prstGeom>
-          </p:spPr>
-          <p:style>
-            <a:lnRef idx="2">
-              <a:schemeClr val="accent1">
-                <a:shade val="50000"/>
-              </a:schemeClr>
-            </a:lnRef>
-            <a:fillRef idx="1">
-              <a:schemeClr val="accent1"/>
-            </a:fillRef>
-            <a:effectRef idx="0">
-              <a:schemeClr val="accent1"/>
-            </a:effectRef>
-            <a:fontRef idx="minor">
-              <a:schemeClr val="lt1"/>
-            </a:fontRef>
-          </p:style>
-          <p:txBody>
-            <a:bodyPr wrap="square" rtlCol="0">
-              <a:spAutoFit/>
-            </a:bodyPr>
-            <a:lstStyle/>
-            <a:p>
-              <a:pPr algn="ctr"/>
-              <a:r>
-                <a:rPr lang="en-US" sz="4000" dirty="0" smtClean="0"/>
-                <a:t>x</a:t>
-              </a:r>
-              <a:endParaRPr lang="en-US" sz="4000" dirty="0"/>
-            </a:p>
-          </p:txBody>
-        </p:sp>
-        <p:sp>
-          <p:nvSpPr>
-            <p:cNvPr id="99" name="TextBox 98"/>
-            <p:cNvSpPr txBox="1"/>
-            <p:nvPr/>
-          </p:nvSpPr>
-          <p:spPr>
-            <a:xfrm>
-              <a:off x="20116800" y="20955000"/>
-              <a:ext cx="762000" cy="707886"/>
-            </a:xfrm>
-            <a:prstGeom prst="rect">
-              <a:avLst/>
-            </a:prstGeom>
-          </p:spPr>
-          <p:style>
-            <a:lnRef idx="2">
-              <a:schemeClr val="accent1">
-                <a:shade val="50000"/>
-              </a:schemeClr>
-            </a:lnRef>
-            <a:fillRef idx="1">
-              <a:schemeClr val="accent1"/>
-            </a:fillRef>
-            <a:effectRef idx="0">
-              <a:schemeClr val="accent1"/>
-            </a:effectRef>
-            <a:fontRef idx="minor">
-              <a:schemeClr val="lt1"/>
-            </a:fontRef>
-          </p:style>
-          <p:txBody>
-            <a:bodyPr wrap="square" rtlCol="0">
-              <a:spAutoFit/>
-            </a:bodyPr>
-            <a:lstStyle/>
-            <a:p>
-              <a:pPr algn="ctr"/>
-              <a:r>
-                <a:rPr lang="en-US" sz="4000" dirty="0" smtClean="0"/>
-                <a:t>x</a:t>
-              </a:r>
-              <a:endParaRPr lang="en-US" sz="4000" dirty="0"/>
-            </a:p>
-          </p:txBody>
-        </p:sp>
-        <p:sp>
-          <p:nvSpPr>
-            <p:cNvPr id="100" name="TextBox 99"/>
-            <p:cNvSpPr txBox="1"/>
-            <p:nvPr/>
-          </p:nvSpPr>
-          <p:spPr>
-            <a:xfrm>
-              <a:off x="21183600" y="20955000"/>
-              <a:ext cx="762000" cy="707886"/>
-            </a:xfrm>
-            <a:prstGeom prst="rect">
-              <a:avLst/>
-            </a:prstGeom>
-          </p:spPr>
-          <p:style>
-            <a:lnRef idx="2">
-              <a:schemeClr val="accent1">
-                <a:shade val="50000"/>
-              </a:schemeClr>
-            </a:lnRef>
-            <a:fillRef idx="1">
-              <a:schemeClr val="accent1"/>
-            </a:fillRef>
-            <a:effectRef idx="0">
-              <a:schemeClr val="accent1"/>
-            </a:effectRef>
-            <a:fontRef idx="minor">
-              <a:schemeClr val="lt1"/>
-            </a:fontRef>
-          </p:style>
-          <p:txBody>
-            <a:bodyPr wrap="square" rtlCol="0">
-              <a:spAutoFit/>
-            </a:bodyPr>
-            <a:lstStyle/>
-            <a:p>
-              <a:pPr algn="ctr"/>
-              <a:r>
-                <a:rPr lang="en-US" sz="4000" dirty="0" smtClean="0"/>
-                <a:t>x</a:t>
-              </a:r>
-              <a:endParaRPr lang="en-US" sz="4000" dirty="0"/>
-            </a:p>
-          </p:txBody>
-        </p:sp>
-        <p:sp>
-          <p:nvSpPr>
-            <p:cNvPr id="102" name="Rectangle 101"/>
-            <p:cNvSpPr/>
-            <p:nvPr/>
-          </p:nvSpPr>
-          <p:spPr>
-            <a:xfrm>
-              <a:off x="15544800" y="22021800"/>
-              <a:ext cx="6629400" cy="4524315"/>
-            </a:xfrm>
-            <a:prstGeom prst="rect">
-              <a:avLst/>
-            </a:prstGeom>
-          </p:spPr>
-          <p:txBody>
-            <a:bodyPr wrap="square">
-              <a:spAutoFit/>
-            </a:bodyPr>
-            <a:lstStyle/>
-            <a:p>
-              <a:pPr>
-                <a:buFont typeface="Arial" pitchFamily="34" charset="0"/>
-                <a:buChar char="•"/>
-              </a:pPr>
-              <a:r>
-                <a:rPr lang="en-US" sz="4400" dirty="0" smtClean="0"/>
-                <a:t>Policy 1: </a:t>
-              </a:r>
-              <a:r>
-                <a:rPr lang="en-US" sz="4400" dirty="0">
-                  <a:solidFill>
-                    <a:srgbClr val="0000FF"/>
-                  </a:solidFill>
-                </a:rPr>
-                <a:t>Min-LRU</a:t>
-              </a:r>
-            </a:p>
-            <a:p>
-              <a:r>
-                <a:rPr lang="en-US" sz="2800" u="sng" dirty="0" smtClean="0"/>
-                <a:t>Insight</a:t>
-              </a:r>
-              <a:r>
-                <a:rPr lang="en-US" sz="2800" dirty="0" smtClean="0"/>
-                <a:t>: LRU evicts more blocks than necessary</a:t>
-              </a:r>
-            </a:p>
-            <a:p>
-              <a:r>
-                <a:rPr lang="en-US" sz="2800" u="sng" dirty="0" smtClean="0"/>
-                <a:t>Key Idea</a:t>
-              </a:r>
-              <a:r>
-                <a:rPr lang="en-US" sz="2800" dirty="0" smtClean="0"/>
-                <a:t>: Evict only the minimum number of LRU blocks</a:t>
-              </a:r>
-            </a:p>
-            <a:p>
-              <a:endParaRPr lang="en-US" sz="4400" dirty="0"/>
-            </a:p>
-            <a:p>
-              <a:endParaRPr lang="en-US" sz="4400" dirty="0" smtClean="0"/>
-            </a:p>
-            <a:p>
-              <a:endParaRPr lang="en-US" sz="4400" dirty="0"/>
+              <a:endParaRPr lang="en-US" sz="2400" dirty="0"/>
             </a:p>
           </p:txBody>
         </p:sp>
       </p:grpSp>
       <p:sp>
         <p:nvSpPr>
-          <p:cNvPr id="105" name="Rectangle 104"/>
-          <p:cNvSpPr/>
+          <p:cNvPr id="152" name="TextBox 151"/>
+          <p:cNvSpPr txBox="1"/>
           <p:nvPr/>
         </p:nvSpPr>
         <p:spPr>
           <a:xfrm>
-            <a:off x="838200" y="35356800"/>
-            <a:ext cx="12954000" cy="461665"/>
-          </a:xfrm>
-          <a:prstGeom prst="rect">
-            <a:avLst/>
-          </a:prstGeom>
-        </p:spPr>
-        <p:txBody>
-          <a:bodyPr wrap="square">
-            <a:spAutoFit/>
-          </a:bodyPr>
-          <a:lstStyle/>
-          <a:p>
-            <a:r>
-              <a:rPr lang="en-US" sz="2400" dirty="0" smtClean="0"/>
-              <a:t>2MB cache size, Base-Delta-Immediate compression scheme, 4Ghz x86 in-order, 1B instructions</a:t>
-            </a:r>
-            <a:endParaRPr lang="en-US" sz="2400" dirty="0"/>
-          </a:p>
-        </p:txBody>
-      </p:sp>
-      <p:sp>
-        <p:nvSpPr>
-          <p:cNvPr id="106" name="Rectangle 105"/>
-          <p:cNvSpPr/>
-          <p:nvPr/>
-        </p:nvSpPr>
-        <p:spPr>
-          <a:xfrm>
-            <a:off x="13944600" y="27584400"/>
-            <a:ext cx="13487400" cy="7663636"/>
-          </a:xfrm>
-          <a:prstGeom prst="rect">
-            <a:avLst/>
-          </a:prstGeom>
-        </p:spPr>
-        <p:txBody>
-          <a:bodyPr wrap="square">
-            <a:spAutoFit/>
-          </a:bodyPr>
-          <a:lstStyle/>
-          <a:p>
-            <a:r>
-              <a:rPr lang="en-US" sz="4400" dirty="0" smtClean="0">
-                <a:solidFill>
-                  <a:srgbClr val="0000FF"/>
-                </a:solidFill>
-              </a:rPr>
-              <a:t>Min-Eviction</a:t>
-            </a:r>
-            <a:r>
-              <a:rPr lang="en-US" sz="4400" dirty="0" smtClean="0"/>
-              <a:t>: a novel replacement policy for the compressed cache</a:t>
-            </a:r>
-          </a:p>
-          <a:p>
-            <a:pPr>
-              <a:buFont typeface="Arial" pitchFamily="34" charset="0"/>
-              <a:buChar char="•"/>
-            </a:pPr>
-            <a:r>
-              <a:rPr lang="en-US" sz="3600" dirty="0"/>
-              <a:t> </a:t>
-            </a:r>
-            <a:r>
-              <a:rPr lang="en-US" sz="3600" u="sng" dirty="0" smtClean="0"/>
-              <a:t>Outperforms current state-of-the-art replacement policies</a:t>
-            </a:r>
-          </a:p>
-          <a:p>
-            <a:pPr>
-              <a:buFont typeface="Arial" pitchFamily="34" charset="0"/>
-              <a:buChar char="•"/>
-            </a:pPr>
-            <a:r>
-              <a:rPr lang="en-US" sz="3600" dirty="0"/>
-              <a:t> </a:t>
-            </a:r>
-            <a:r>
-              <a:rPr lang="en-US" sz="3600" u="sng" dirty="0" smtClean="0"/>
-              <a:t>First to consider both compressed block size and probability of reuse</a:t>
-            </a:r>
-          </a:p>
-          <a:p>
-            <a:pPr>
-              <a:buFont typeface="Arial" pitchFamily="34" charset="0"/>
-              <a:buChar char="•"/>
-            </a:pPr>
-            <a:r>
-              <a:rPr lang="en-US" sz="3600" dirty="0"/>
-              <a:t> </a:t>
-            </a:r>
-            <a:r>
-              <a:rPr lang="en-US" sz="3600" u="sng" dirty="0" smtClean="0"/>
-              <a:t>Simple to implement</a:t>
-            </a:r>
-          </a:p>
-          <a:p>
-            <a:pPr>
-              <a:buFont typeface="Arial" pitchFamily="34" charset="0"/>
-              <a:buChar char="•"/>
-            </a:pPr>
-            <a:endParaRPr lang="en-US" sz="3600" u="sng" dirty="0"/>
-          </a:p>
-          <a:p>
-            <a:r>
-              <a:rPr lang="en-US" sz="4400" dirty="0">
-                <a:solidFill>
-                  <a:srgbClr val="0000FF"/>
-                </a:solidFill>
-              </a:rPr>
-              <a:t>Further Work</a:t>
-            </a:r>
-            <a:r>
-              <a:rPr lang="en-US" sz="4400" dirty="0" smtClean="0">
-                <a:solidFill>
-                  <a:srgbClr val="0000FF"/>
-                </a:solidFill>
-              </a:rPr>
-              <a:t>:</a:t>
-            </a:r>
-          </a:p>
-          <a:p>
-            <a:pPr>
-              <a:buFont typeface="Arial" pitchFamily="34" charset="0"/>
-              <a:buChar char="•"/>
-            </a:pPr>
-            <a:r>
-              <a:rPr lang="en-US" sz="3600" dirty="0" smtClean="0">
-                <a:solidFill>
-                  <a:srgbClr val="0000FF"/>
-                </a:solidFill>
-              </a:rPr>
-              <a:t> </a:t>
-            </a:r>
-            <a:r>
-              <a:rPr lang="en-US" sz="3600" b="1" dirty="0" smtClean="0"/>
-              <a:t>Global Min-Eviction</a:t>
-            </a:r>
-            <a:r>
-              <a:rPr lang="en-US" sz="3600" dirty="0" smtClean="0"/>
-              <a:t>: a global replacement policy for the compressed decoupled variable way cache that applies similar insight as Min-Eviction</a:t>
-            </a:r>
-          </a:p>
-          <a:p>
-            <a:pPr>
-              <a:buFont typeface="Arial" pitchFamily="34" charset="0"/>
-              <a:buChar char="•"/>
-            </a:pPr>
-            <a:r>
-              <a:rPr lang="en-US" sz="3600" dirty="0"/>
-              <a:t> </a:t>
-            </a:r>
-            <a:r>
-              <a:rPr lang="en-US" sz="3600" b="1" dirty="0" smtClean="0"/>
-              <a:t>Fairness</a:t>
-            </a:r>
-            <a:r>
-              <a:rPr lang="en-US" sz="3600" dirty="0" smtClean="0"/>
-              <a:t> in compressed cache replacement</a:t>
-            </a:r>
-          </a:p>
-          <a:p>
-            <a:pPr>
-              <a:buFont typeface="Arial" pitchFamily="34" charset="0"/>
-              <a:buChar char="•"/>
-            </a:pPr>
-            <a:r>
-              <a:rPr lang="en-US" sz="3600" dirty="0" smtClean="0">
-                <a:solidFill>
-                  <a:srgbClr val="0000FF"/>
-                </a:solidFill>
-              </a:rPr>
-              <a:t> </a:t>
-            </a:r>
-            <a:r>
-              <a:rPr lang="en-US" sz="3600" b="1" dirty="0" smtClean="0"/>
-              <a:t>Multi-core evaluation and analysis </a:t>
-            </a:r>
-            <a:r>
-              <a:rPr lang="en-US" sz="3600" dirty="0" smtClean="0"/>
-              <a:t>(see paper): 4% increase in normalized weighted speedup over LRU in heterogeneous workloads</a:t>
-            </a:r>
-            <a:endParaRPr lang="en-US" sz="3600" dirty="0"/>
-          </a:p>
-        </p:txBody>
-      </p:sp>
-      <p:sp>
-        <p:nvSpPr>
-          <p:cNvPr id="108" name="TextBox 107"/>
-          <p:cNvSpPr txBox="1"/>
-          <p:nvPr/>
-        </p:nvSpPr>
-        <p:spPr>
-          <a:xfrm>
-            <a:off x="7391400" y="18288000"/>
-            <a:ext cx="9067800" cy="3323987"/>
+            <a:off x="762000" y="20141624"/>
+            <a:ext cx="7773282" cy="584776"/>
           </a:xfrm>
           <a:prstGeom prst="rect">
             <a:avLst/>
@@ -7901,55 +6869,41 @@
           <a:noFill/>
         </p:spPr>
         <p:txBody>
-          <a:bodyPr wrap="square" rtlCol="0">
+          <a:bodyPr wrap="none" rtlCol="0">
             <a:spAutoFit/>
           </a:bodyPr>
           <a:lstStyle/>
           <a:p>
-            <a:pPr>
-              <a:lnSpc>
-                <a:spcPct val="250000"/>
-              </a:lnSpc>
-            </a:pPr>
-            <a:r>
-              <a:rPr lang="en-US" sz="2800" dirty="0"/>
-              <a:t>Before Eviction</a:t>
-            </a:r>
-          </a:p>
-          <a:p>
-            <a:pPr>
-              <a:lnSpc>
-                <a:spcPct val="250000"/>
-              </a:lnSpc>
-            </a:pPr>
-            <a:r>
-              <a:rPr lang="en-US" sz="2800" dirty="0"/>
-              <a:t>Marking</a:t>
-            </a:r>
-          </a:p>
-          <a:p>
-            <a:pPr>
-              <a:lnSpc>
-                <a:spcPct val="250000"/>
-              </a:lnSpc>
-            </a:pPr>
-            <a:r>
-              <a:rPr lang="en-US" sz="2800" dirty="0"/>
-              <a:t>Replacement</a:t>
-            </a:r>
-          </a:p>
-        </p:txBody>
-      </p:sp>
-      <p:sp>
-        <p:nvSpPr>
-          <p:cNvPr id="109" name="TextBox 108"/>
+            <a:r>
+              <a:rPr lang="en-US" sz="3200" dirty="0" smtClean="0"/>
+              <a:t>After split-pool allocation (</a:t>
+            </a:r>
+            <a:r>
+              <a:rPr lang="en-US" sz="3200" dirty="0" smtClean="0">
+                <a:solidFill>
+                  <a:srgbClr val="008000"/>
+                </a:solidFill>
+              </a:rPr>
+              <a:t>much lower range</a:t>
+            </a:r>
+            <a:r>
+              <a:rPr lang="en-US" sz="3200" dirty="0" smtClean="0"/>
+              <a:t>)</a:t>
+            </a:r>
+            <a:endParaRPr lang="en-US" sz="3200" dirty="0"/>
+          </a:p>
+        </p:txBody>
+      </p:sp>
+      <p:sp>
+        <p:nvSpPr>
+          <p:cNvPr id="153" name="TextBox 152"/>
           <p:cNvSpPr txBox="1"/>
           <p:nvPr/>
         </p:nvSpPr>
         <p:spPr>
           <a:xfrm>
-            <a:off x="16992600" y="17337930"/>
-            <a:ext cx="3276600" cy="4226670"/>
+            <a:off x="457200" y="21640800"/>
+            <a:ext cx="13030200" cy="3785652"/>
           </a:xfrm>
           <a:prstGeom prst="rect">
             <a:avLst/>
@@ -7962,336 +6916,101 @@
           </a:bodyPr>
           <a:lstStyle/>
           <a:p>
-            <a:pPr>
-              <a:lnSpc>
-                <a:spcPct val="250000"/>
-              </a:lnSpc>
-            </a:pPr>
-            <a:r>
-              <a:rPr lang="en-US" sz="2800" dirty="0" smtClean="0"/>
-              <a:t>Before Eviction</a:t>
-            </a:r>
-          </a:p>
-          <a:p>
-            <a:pPr>
-              <a:lnSpc>
-                <a:spcPct val="250000"/>
-              </a:lnSpc>
-            </a:pPr>
-            <a:r>
-              <a:rPr lang="en-US" sz="2800" dirty="0" smtClean="0"/>
-              <a:t>Assign Values</a:t>
-            </a:r>
-          </a:p>
-          <a:p>
-            <a:pPr>
-              <a:lnSpc>
-                <a:spcPct val="250000"/>
-              </a:lnSpc>
-            </a:pPr>
-            <a:r>
-              <a:rPr lang="en-US" sz="2800" dirty="0" smtClean="0"/>
-              <a:t>Sort</a:t>
-            </a:r>
-          </a:p>
-          <a:p>
-            <a:pPr>
-              <a:lnSpc>
-                <a:spcPct val="250000"/>
-              </a:lnSpc>
-            </a:pPr>
-            <a:r>
-              <a:rPr lang="en-US" sz="2800" dirty="0" smtClean="0"/>
-              <a:t>Replacement</a:t>
-            </a:r>
-            <a:endParaRPr lang="en-US" sz="2800" dirty="0"/>
-          </a:p>
-        </p:txBody>
-      </p:sp>
-      <p:pic>
-        <p:nvPicPr>
-          <p:cNvPr id="110" name="Picture 109"/>
-          <p:cNvPicPr/>
-          <p:nvPr/>
-        </p:nvPicPr>
-        <p:blipFill>
-          <a:blip r:embed="rId8" cstate="print"/>
-          <a:srcRect/>
-          <a:stretch>
-            <a:fillRect/>
-          </a:stretch>
-        </p:blipFill>
-        <p:spPr bwMode="auto">
-          <a:xfrm>
-            <a:off x="19812000" y="22583044"/>
-            <a:ext cx="3200400" cy="2334356"/>
-          </a:xfrm>
-          <a:prstGeom prst="rect">
-            <a:avLst/>
-          </a:prstGeom>
-          <a:noFill/>
-          <a:ln w="9525">
-            <a:noFill/>
-            <a:miter lim="800000"/>
-            <a:headEnd/>
-            <a:tailEnd/>
-          </a:ln>
-        </p:spPr>
-      </p:pic>
-      <p:pic>
-        <p:nvPicPr>
-          <p:cNvPr id="111" name="Picture 110"/>
-          <p:cNvPicPr/>
-          <p:nvPr/>
-        </p:nvPicPr>
-        <p:blipFill>
-          <a:blip r:embed="rId9" cstate="print"/>
-          <a:srcRect/>
-          <a:stretch>
-            <a:fillRect/>
-          </a:stretch>
-        </p:blipFill>
-        <p:spPr bwMode="auto">
-          <a:xfrm>
-            <a:off x="23469600" y="22479000"/>
-            <a:ext cx="3200400" cy="2330040"/>
-          </a:xfrm>
-          <a:prstGeom prst="rect">
-            <a:avLst/>
-          </a:prstGeom>
-          <a:noFill/>
-          <a:ln w="9525">
-            <a:noFill/>
-            <a:miter lim="800000"/>
-            <a:headEnd/>
-            <a:tailEnd/>
-          </a:ln>
-        </p:spPr>
-      </p:pic>
-      <p:sp>
-        <p:nvSpPr>
-          <p:cNvPr id="112" name="Rectangle 111"/>
-          <p:cNvSpPr/>
-          <p:nvPr/>
-        </p:nvSpPr>
-        <p:spPr>
-          <a:xfrm>
-            <a:off x="19888200" y="16687800"/>
-            <a:ext cx="6629400" cy="7417415"/>
-          </a:xfrm>
-          <a:prstGeom prst="rect">
-            <a:avLst/>
-          </a:prstGeom>
-        </p:spPr>
-        <p:txBody>
-          <a:bodyPr wrap="square">
-            <a:spAutoFit/>
-          </a:bodyPr>
-          <a:lstStyle/>
-          <a:p>
-            <a:r>
-              <a:rPr lang="en-US" sz="3600" dirty="0" smtClean="0">
-                <a:solidFill>
-                  <a:srgbClr val="FF0000"/>
-                </a:solidFill>
-              </a:rPr>
-              <a:t>Assigning Values to Block</a:t>
-            </a:r>
-          </a:p>
-          <a:p>
-            <a:pPr>
-              <a:buFont typeface="Arial" pitchFamily="34" charset="0"/>
+            <a:r>
+              <a:rPr lang="en-US" sz="4000" b="1" dirty="0" smtClean="0"/>
+              <a:t>Proof of Concept Methodology</a:t>
+            </a:r>
+            <a:endParaRPr lang="en-US" sz="4000" b="1" dirty="0"/>
+          </a:p>
+          <a:p>
+            <a:pPr marL="571500" indent="-571500">
+              <a:buFont typeface="Arial"/>
               <a:buChar char="•"/>
             </a:pPr>
             <a:r>
-              <a:rPr lang="en-US" sz="2800" b="1" u="sng" dirty="0" smtClean="0"/>
-              <a:t>Value function</a:t>
-            </a:r>
-            <a:r>
-              <a:rPr lang="en-US" sz="2800" b="1" dirty="0" smtClean="0"/>
-              <a:t>: f(block reuse, block size)</a:t>
-            </a:r>
-          </a:p>
-          <a:p>
-            <a:pPr>
-              <a:buFont typeface="Arial" pitchFamily="34" charset="0"/>
+              <a:rPr lang="en-US" sz="4000" dirty="0" smtClean="0"/>
+              <a:t>To test the affect of splitting and pooling on </a:t>
+            </a:r>
+            <a:r>
+              <a:rPr lang="en-US" sz="4000" b="1" dirty="0"/>
+              <a:t>B+Δ </a:t>
+            </a:r>
+            <a:r>
+              <a:rPr lang="en-US" sz="4000" dirty="0" smtClean="0"/>
+              <a:t>compression, we manually restructured programs for optimal data layout.</a:t>
+            </a:r>
+          </a:p>
+          <a:p>
+            <a:pPr marL="571500" indent="-571500">
+              <a:buFont typeface="Arial"/>
               <a:buChar char="•"/>
             </a:pPr>
             <a:r>
-              <a:rPr lang="en-US" sz="2800" dirty="0" smtClean="0"/>
-              <a:t>Monotonically  increasing with respect to block reuse</a:t>
-            </a:r>
-          </a:p>
-          <a:p>
-            <a:pPr>
-              <a:buFont typeface="Arial" pitchFamily="34" charset="0"/>
-              <a:buChar char="•"/>
-            </a:pPr>
-            <a:r>
-              <a:rPr lang="en-US" sz="2800" dirty="0" smtClean="0"/>
-              <a:t>Monotonically decreasing with respect to block size</a:t>
-            </a:r>
-          </a:p>
-          <a:p>
-            <a:pPr>
-              <a:buFont typeface="Arial" pitchFamily="34" charset="0"/>
-              <a:buChar char="•"/>
-            </a:pPr>
-            <a:r>
-              <a:rPr lang="en-US" sz="2800" b="1" dirty="0" smtClean="0"/>
-              <a:t>Plane</a:t>
-            </a:r>
-            <a:r>
-              <a:rPr lang="en-US" sz="2800" dirty="0" smtClean="0"/>
-              <a:t> (see figure) achieves these goals, but is complex to implement in hardware</a:t>
-            </a:r>
-          </a:p>
-          <a:p>
-            <a:pPr>
-              <a:buFont typeface="Arial" pitchFamily="34" charset="0"/>
-              <a:buChar char="•"/>
-            </a:pPr>
-            <a:r>
-              <a:rPr lang="en-US" sz="2800" b="1" dirty="0" smtClean="0"/>
-              <a:t>Reuse/Size </a:t>
-            </a:r>
-            <a:r>
-              <a:rPr lang="en-US" sz="2800" dirty="0" smtClean="0"/>
-              <a:t>(see figure) approximates plane and is less complex</a:t>
-            </a:r>
-          </a:p>
-          <a:p>
-            <a:pPr>
-              <a:buFont typeface="Arial" pitchFamily="34" charset="0"/>
-              <a:buChar char="•"/>
-            </a:pPr>
-            <a:r>
-              <a:rPr lang="en-US" sz="2800" b="1" u="sng" dirty="0" smtClean="0"/>
-              <a:t>Probability of reuse predictor:</a:t>
-            </a:r>
-            <a:r>
-              <a:rPr lang="en-US" sz="2800" dirty="0"/>
-              <a:t> </a:t>
-            </a:r>
-            <a:r>
-              <a:rPr lang="en-US" sz="2800" b="1" dirty="0" smtClean="0"/>
-              <a:t>RRIP [</a:t>
-            </a:r>
-            <a:r>
-              <a:rPr lang="en-US" sz="2800" b="1" dirty="0" err="1" smtClean="0"/>
-              <a:t>Jaleel</a:t>
-            </a:r>
-            <a:r>
-              <a:rPr lang="en-US" sz="2800" b="1" dirty="0" smtClean="0"/>
-              <a:t> et. al., ISCA’10] derivative</a:t>
-            </a:r>
-            <a:endParaRPr lang="en-US" sz="2800" b="1" u="sng" dirty="0" smtClean="0"/>
-          </a:p>
-          <a:p>
-            <a:endParaRPr lang="en-US" sz="4400" dirty="0"/>
-          </a:p>
-          <a:p>
-            <a:endParaRPr lang="en-US" sz="4400" dirty="0" smtClean="0"/>
-          </a:p>
-          <a:p>
-            <a:endParaRPr lang="en-US" sz="4400" dirty="0"/>
-          </a:p>
-        </p:txBody>
-      </p:sp>
-      <p:sp>
-        <p:nvSpPr>
-          <p:cNvPr id="114" name="TextBox 113"/>
-          <p:cNvSpPr txBox="1"/>
-          <p:nvPr/>
-        </p:nvSpPr>
-        <p:spPr>
-          <a:xfrm>
-            <a:off x="20040600" y="24841200"/>
-            <a:ext cx="6400800" cy="523220"/>
-          </a:xfrm>
-          <a:prstGeom prst="rect">
-            <a:avLst/>
-          </a:prstGeom>
-          <a:noFill/>
-        </p:spPr>
-        <p:txBody>
-          <a:bodyPr wrap="square" rtlCol="0">
-            <a:spAutoFit/>
-          </a:bodyPr>
-          <a:lstStyle/>
-          <a:p>
-            <a:r>
-              <a:rPr lang="en-US" sz="2800" dirty="0" smtClean="0"/>
-              <a:t>3D Plane	Reuse/Size</a:t>
-            </a:r>
-            <a:endParaRPr lang="en-US" sz="2800" dirty="0"/>
+              <a:rPr lang="en-US" sz="4000" dirty="0" smtClean="0"/>
+              <a:t>Ideally these pointer transformations will be implemented in the compiler.</a:t>
+            </a:r>
           </a:p>
         </p:txBody>
       </p:sp>
       <p:graphicFrame>
         <p:nvGraphicFramePr>
-          <p:cNvPr id="115" name="Chart 114"/>
+          <p:cNvPr id="154" name="Chart 153"/>
           <p:cNvGraphicFramePr>
             <a:graphicFrameLocks/>
           </p:cNvGraphicFramePr>
           <p:nvPr>
             <p:extLst>
               <p:ext uri="{D42A27DB-BD31-4B8C-83A1-F6EECF244321}">
-                <p14:modId xmlns:p14="http://schemas.microsoft.com/office/powerpoint/2010/main" val="2023913523"/>
+                <p14:modId xmlns:p14="http://schemas.microsoft.com/office/powerpoint/2010/main" val="1669007236"/>
               </p:ext>
             </p:extLst>
           </p:nvPr>
         </p:nvGraphicFramePr>
         <p:xfrm>
-          <a:off x="14020800" y="9601200"/>
-          <a:ext cx="8458200" cy="5181600"/>
+          <a:off x="14020800" y="16687800"/>
+          <a:ext cx="12877800" cy="7139030"/>
         </p:xfrm>
         <a:graphic>
           <a:graphicData uri="http://schemas.openxmlformats.org/drawingml/2006/chart">
-            <c:chart xmlns:c="http://schemas.openxmlformats.org/drawingml/2006/chart" xmlns:r="http://schemas.openxmlformats.org/officeDocument/2006/relationships" r:id="rId10"/>
+            <c:chart xmlns:c="http://schemas.openxmlformats.org/drawingml/2006/chart" xmlns:r="http://schemas.openxmlformats.org/officeDocument/2006/relationships" r:id="rId5"/>
           </a:graphicData>
         </a:graphic>
       </p:graphicFrame>
       <p:sp>
         <p:nvSpPr>
-          <p:cNvPr id="3" name="TextBox 2"/>
-          <p:cNvSpPr txBox="1"/>
+          <p:cNvPr id="13" name="Rectangle 12"/>
+          <p:cNvSpPr/>
           <p:nvPr/>
         </p:nvSpPr>
         <p:spPr>
           <a:xfrm>
-            <a:off x="22555200" y="10134600"/>
-            <a:ext cx="4267200" cy="3970318"/>
+            <a:off x="533400" y="35280600"/>
+            <a:ext cx="12954000" cy="646331"/>
           </a:xfrm>
           <a:prstGeom prst="rect">
             <a:avLst/>
           </a:prstGeom>
-          <a:noFill/>
         </p:spPr>
         <p:txBody>
-          <a:bodyPr wrap="square" rtlCol="0">
+          <a:bodyPr wrap="square">
             <a:spAutoFit/>
           </a:bodyPr>
           <a:lstStyle/>
           <a:p>
-            <a:r>
-              <a:rPr lang="en-US" sz="2800" b="1" dirty="0" smtClean="0"/>
-              <a:t>Figure 1. </a:t>
-            </a:r>
-            <a:r>
-              <a:rPr lang="en-US" sz="2800" dirty="0" smtClean="0"/>
-              <a:t>Each column shows the ratio block-types for B+D with and without splitting and pooling.</a:t>
-            </a:r>
-          </a:p>
-          <a:p>
-            <a:endParaRPr lang="en-US" sz="2800" dirty="0" smtClean="0"/>
-          </a:p>
-          <a:p>
-            <a:r>
-              <a:rPr lang="en-US" sz="2800" dirty="0" smtClean="0"/>
-              <a:t>Notice the large increase in 1-byte all-zero blocks, and general decrease of large, uncompressed blocks.</a:t>
-            </a:r>
-            <a:endParaRPr lang="en-US" sz="2800" dirty="0"/>
+            <a:pPr algn="ctr"/>
+            <a:r>
+              <a:rPr lang="en-US" sz="3600" b="1" i="1" dirty="0" smtClean="0"/>
+              <a:t>B</a:t>
+            </a:r>
+            <a:r>
+              <a:rPr lang="en-US" sz="3600" b="1" i="1" dirty="0"/>
+              <a:t>+Δ </a:t>
+            </a:r>
+            <a:r>
+              <a:rPr lang="en-US" sz="3600" i="1" dirty="0"/>
+              <a:t>compression on a 2MB, 16-way, 32BiB cache. </a:t>
+            </a:r>
+            <a:endParaRPr lang="en-US" sz="3600" i="1" dirty="0"/>
           </a:p>
         </p:txBody>
       </p:sp>

--- a/documents/poster/poster.pptx
+++ b/documents/poster/poster.pptx
@@ -569,12 +569,9 @@
                 </a:r>
                 <a:r>
                   <a:rPr lang="en-US" sz="2800" dirty="0" smtClean="0"/>
-                  <a:t>of Particular </a:t>
+                  <a:t>per Type</a:t>
                 </a:r>
-                <a:r>
-                  <a:rPr lang="en-US" sz="2800" dirty="0"/>
-                  <a:t>Type</a:t>
-                </a:r>
+                <a:endParaRPr lang="en-US" sz="2800" dirty="0"/>
               </a:p>
             </c:rich>
           </c:tx>
@@ -661,41 +658,17 @@
     </mc:Fallback>
   </mc:AlternateContent>
   <c:chart>
-    <c:title>
-      <c:tx>
-        <c:rich>
-          <a:bodyPr/>
-          <a:lstStyle/>
-          <a:p>
-            <a:pPr>
-              <a:defRPr sz="4000"/>
-            </a:pPr>
-            <a:r>
-              <a:rPr lang="en-US" sz="4000" b="1" i="0" baseline="0">
-                <a:effectLst/>
-              </a:rPr>
-              <a:t>Normalized Compression Ratio for Benchmarks</a:t>
-            </a:r>
-            <a:endParaRPr lang="en-US" sz="4000">
-              <a:effectLst/>
-            </a:endParaRPr>
-          </a:p>
-        </c:rich>
-      </c:tx>
-      <c:layout/>
-      <c:overlay val="0"/>
-    </c:title>
-    <c:autoTitleDeleted val="0"/>
+    <c:autoTitleDeleted val="1"/>
     <c:plotArea>
       <c:layout>
         <c:manualLayout>
           <c:layoutTarget val="inner"/>
           <c:xMode val="edge"/>
           <c:yMode val="edge"/>
-          <c:x val="0.118556818711271"/>
-          <c:y val="0.143739275503815"/>
-          <c:w val="0.868622668468217"/>
-          <c:h val="0.663766646169017"/>
+          <c:x val="0.12006671652077"/>
+          <c:y val="0.03"/>
+          <c:w val="0.405641982613445"/>
+          <c:h val="0.802595144356955"/>
         </c:manualLayout>
       </c:layout>
       <c:barChart>
@@ -719,27 +692,36 @@
           <c:invertIfNegative val="0"/>
           <c:cat>
             <c:strRef>
-              <c:f>Sheet1!$A$30:$A$32</c:f>
+              <c:f>Sheet1!$A$6:$A$11</c:f>
               <c:strCache>
-                <c:ptCount val="3"/>
+                <c:ptCount val="6"/>
                 <c:pt idx="0">
-                  <c:v>bisort</c:v>
+                  <c:v>16KB</c:v>
                 </c:pt>
                 <c:pt idx="1">
-                  <c:v>llu</c:v>
+                  <c:v>32KB</c:v>
                 </c:pt>
                 <c:pt idx="2">
-                  <c:v>sort</c:v>
+                  <c:v>64KB</c:v>
+                </c:pt>
+                <c:pt idx="3">
+                  <c:v>128KB</c:v>
+                </c:pt>
+                <c:pt idx="4">
+                  <c:v>256KB</c:v>
+                </c:pt>
+                <c:pt idx="5">
+                  <c:v>512KB</c:v>
                 </c:pt>
               </c:strCache>
             </c:strRef>
           </c:cat>
           <c:val>
             <c:numRef>
-              <c:f>Sheet1!$F$34:$F$36</c:f>
+              <c:f>Sheet1!$G$48:$G$51</c:f>
               <c:numCache>
                 <c:formatCode>0.00</c:formatCode>
-                <c:ptCount val="3"/>
+                <c:ptCount val="4"/>
                 <c:pt idx="0">
                   <c:v>1.0</c:v>
                 </c:pt>
@@ -747,6 +729,9 @@
                   <c:v>1.0</c:v>
                 </c:pt>
                 <c:pt idx="2">
+                  <c:v>1.0</c:v>
+                </c:pt>
+                <c:pt idx="3">
                   <c:v>1.0</c:v>
                 </c:pt>
               </c:numCache>
@@ -768,20 +753,49 @@
             </a:solidFill>
           </c:spPr>
           <c:invertIfNegative val="0"/>
+          <c:cat>
+            <c:strRef>
+              <c:f>Sheet1!$A$6:$A$11</c:f>
+              <c:strCache>
+                <c:ptCount val="6"/>
+                <c:pt idx="0">
+                  <c:v>16KB</c:v>
+                </c:pt>
+                <c:pt idx="1">
+                  <c:v>32KB</c:v>
+                </c:pt>
+                <c:pt idx="2">
+                  <c:v>64KB</c:v>
+                </c:pt>
+                <c:pt idx="3">
+                  <c:v>128KB</c:v>
+                </c:pt>
+                <c:pt idx="4">
+                  <c:v>256KB</c:v>
+                </c:pt>
+                <c:pt idx="5">
+                  <c:v>512KB</c:v>
+                </c:pt>
+              </c:strCache>
+            </c:strRef>
+          </c:cat>
           <c:val>
             <c:numRef>
-              <c:f>Sheet1!$G$34:$G$36</c:f>
+              <c:f>Sheet1!$H$48:$H$51</c:f>
               <c:numCache>
                 <c:formatCode>0.00</c:formatCode>
-                <c:ptCount val="3"/>
+                <c:ptCount val="4"/>
                 <c:pt idx="0">
-                  <c:v>1.6</c:v>
+                  <c:v>0.908728476669454</c:v>
                 </c:pt>
                 <c:pt idx="1">
-                  <c:v>1.327315666642771</c:v>
+                  <c:v>0.948389027368222</c:v>
                 </c:pt>
                 <c:pt idx="2">
-                  <c:v>1.224390243902439</c:v>
+                  <c:v>1.018887313872017</c:v>
+                </c:pt>
+                <c:pt idx="3">
+                  <c:v>1.00030076712363</c:v>
                 </c:pt>
               </c:numCache>
             </c:numRef>
@@ -802,20 +816,49 @@
             </a:solidFill>
           </c:spPr>
           <c:invertIfNegative val="0"/>
+          <c:cat>
+            <c:strRef>
+              <c:f>Sheet1!$A$6:$A$11</c:f>
+              <c:strCache>
+                <c:ptCount val="6"/>
+                <c:pt idx="0">
+                  <c:v>16KB</c:v>
+                </c:pt>
+                <c:pt idx="1">
+                  <c:v>32KB</c:v>
+                </c:pt>
+                <c:pt idx="2">
+                  <c:v>64KB</c:v>
+                </c:pt>
+                <c:pt idx="3">
+                  <c:v>128KB</c:v>
+                </c:pt>
+                <c:pt idx="4">
+                  <c:v>256KB</c:v>
+                </c:pt>
+                <c:pt idx="5">
+                  <c:v>512KB</c:v>
+                </c:pt>
+              </c:strCache>
+            </c:strRef>
+          </c:cat>
           <c:val>
             <c:numRef>
-              <c:f>Sheet1!$H$34:$H$36</c:f>
+              <c:f>Sheet1!$I$48:$I$51</c:f>
               <c:numCache>
                 <c:formatCode>0.00</c:formatCode>
-                <c:ptCount val="3"/>
+                <c:ptCount val="4"/>
                 <c:pt idx="0">
-                  <c:v>1.144774640379779</c:v>
+                  <c:v>1.074369813684046</c:v>
                 </c:pt>
                 <c:pt idx="1">
-                  <c:v>1.102039534160874</c:v>
+                  <c:v>0.984344619649433</c:v>
                 </c:pt>
                 <c:pt idx="2">
-                  <c:v>1.05020920502092</c:v>
+                  <c:v>1.013379281170892</c:v>
+                </c:pt>
+                <c:pt idx="3">
+                  <c:v>1.000023891672033</c:v>
                 </c:pt>
               </c:numCache>
             </c:numRef>
@@ -834,12 +877,13 @@
           </c:spPr>
           <c:invertIfNegative val="0"/>
           <c:dLbls>
+            <c:numFmt formatCode="#,##0.00" sourceLinked="0"/>
             <c:txPr>
               <a:bodyPr/>
               <a:lstStyle/>
               <a:p>
                 <a:pPr>
-                  <a:defRPr sz="2800"/>
+                  <a:defRPr sz="2000"/>
                 </a:pPr>
                 <a:endParaRPr lang="en-US"/>
               </a:p>
@@ -852,20 +896,49 @@
             <c:showBubbleSize val="0"/>
             <c:showLeaderLines val="0"/>
           </c:dLbls>
+          <c:cat>
+            <c:strRef>
+              <c:f>Sheet1!$A$6:$A$11</c:f>
+              <c:strCache>
+                <c:ptCount val="6"/>
+                <c:pt idx="0">
+                  <c:v>16KB</c:v>
+                </c:pt>
+                <c:pt idx="1">
+                  <c:v>32KB</c:v>
+                </c:pt>
+                <c:pt idx="2">
+                  <c:v>64KB</c:v>
+                </c:pt>
+                <c:pt idx="3">
+                  <c:v>128KB</c:v>
+                </c:pt>
+                <c:pt idx="4">
+                  <c:v>256KB</c:v>
+                </c:pt>
+                <c:pt idx="5">
+                  <c:v>512KB</c:v>
+                </c:pt>
+              </c:strCache>
+            </c:strRef>
+          </c:cat>
           <c:val>
             <c:numRef>
-              <c:f>Sheet1!$I$34:$I$36</c:f>
+              <c:f>Sheet1!$J$48:$J$51</c:f>
               <c:numCache>
                 <c:formatCode>0.00</c:formatCode>
-                <c:ptCount val="3"/>
+                <c:ptCount val="4"/>
                 <c:pt idx="0">
-                  <c:v>1.815602836879433</c:v>
+                  <c:v>1.148730626070268</c:v>
                 </c:pt>
                 <c:pt idx="1">
-                  <c:v>3.727391683628962</c:v>
+                  <c:v>1.064213498985428</c:v>
                 </c:pt>
                 <c:pt idx="2">
-                  <c:v>2.261261261261261</c:v>
+                  <c:v>1.031063352732969</c:v>
+                </c:pt>
+                <c:pt idx="3">
+                  <c:v>1.00030076712363</c:v>
                 </c:pt>
               </c:numCache>
             </c:numRef>
@@ -880,16 +953,17 @@
           <c:showBubbleSize val="0"/>
         </c:dLbls>
         <c:gapWidth val="150"/>
-        <c:axId val="2132085832"/>
-        <c:axId val="-2145698936"/>
+        <c:axId val="2127415688"/>
+        <c:axId val="2130976808"/>
       </c:barChart>
       <c:catAx>
-        <c:axId val="2132085832"/>
+        <c:axId val="2127415688"/>
         <c:scaling>
           <c:orientation val="minMax"/>
         </c:scaling>
         <c:delete val="0"/>
         <c:axPos val="b"/>
+        <c:numFmt formatCode="General" sourceLinked="1"/>
         <c:majorTickMark val="out"/>
         <c:minorTickMark val="none"/>
         <c:tickLblPos val="nextTo"/>
@@ -898,12 +972,12 @@
           <a:lstStyle/>
           <a:p>
             <a:pPr>
-              <a:defRPr sz="2800"/>
+              <a:defRPr sz="2000"/>
             </a:pPr>
             <a:endParaRPr lang="en-US"/>
           </a:p>
         </c:txPr>
-        <c:crossAx val="-2145698936"/>
+        <c:crossAx val="2130976808"/>
         <c:crosses val="autoZero"/>
         <c:auto val="1"/>
         <c:lblAlgn val="ctr"/>
@@ -911,7 +985,425 @@
         <c:noMultiLvlLbl val="0"/>
       </c:catAx>
       <c:valAx>
-        <c:axId val="-2145698936"/>
+        <c:axId val="2130976808"/>
+        <c:scaling>
+          <c:orientation val="minMax"/>
+          <c:min val="0.7"/>
+        </c:scaling>
+        <c:delete val="0"/>
+        <c:axPos val="l"/>
+        <c:majorGridlines>
+          <c:spPr>
+            <a:ln>
+              <a:solidFill>
+                <a:schemeClr val="bg1">
+                  <a:lumMod val="85000"/>
+                </a:schemeClr>
+              </a:solidFill>
+            </a:ln>
+          </c:spPr>
+        </c:majorGridlines>
+        <c:numFmt formatCode="0.0" sourceLinked="0"/>
+        <c:majorTickMark val="out"/>
+        <c:minorTickMark val="none"/>
+        <c:tickLblPos val="nextTo"/>
+        <c:txPr>
+          <a:bodyPr/>
+          <a:lstStyle/>
+          <a:p>
+            <a:pPr>
+              <a:defRPr sz="2400" baseline="0"/>
+            </a:pPr>
+            <a:endParaRPr lang="en-US"/>
+          </a:p>
+        </c:txPr>
+        <c:crossAx val="2127415688"/>
+        <c:crosses val="autoZero"/>
+        <c:crossBetween val="between"/>
+        <c:majorUnit val="0.1"/>
+      </c:valAx>
+    </c:plotArea>
+    <c:legend>
+      <c:legendPos val="b"/>
+      <c:layout>
+        <c:manualLayout>
+          <c:xMode val="edge"/>
+          <c:yMode val="edge"/>
+          <c:x val="0.253292521960766"/>
+          <c:y val="0.914145669291339"/>
+          <c:w val="0.559809597499735"/>
+          <c:h val="0.0645752841987999"/>
+        </c:manualLayout>
+      </c:layout>
+      <c:overlay val="0"/>
+      <c:txPr>
+        <a:bodyPr/>
+        <a:lstStyle/>
+        <a:p>
+          <a:pPr>
+            <a:defRPr sz="2000"/>
+          </a:pPr>
+          <a:endParaRPr lang="en-US"/>
+        </a:p>
+      </c:txPr>
+    </c:legend>
+    <c:plotVisOnly val="1"/>
+    <c:dispBlanksAs val="gap"/>
+    <c:showDLblsOverMax val="0"/>
+  </c:chart>
+  <c:spPr>
+    <a:ln>
+      <a:noFill/>
+    </a:ln>
+  </c:spPr>
+  <c:externalData r:id="rId1">
+    <c:autoUpdate val="0"/>
+  </c:externalData>
+</c:chartSpace>
+</file>
+
+<file path=ppt/charts/chart3.xml><?xml version="1.0" encoding="utf-8"?>
+<c:chartSpace xmlns:c="http://schemas.openxmlformats.org/drawingml/2006/chart" xmlns:a="http://schemas.openxmlformats.org/drawingml/2006/main" xmlns:r="http://schemas.openxmlformats.org/officeDocument/2006/relationships">
+  <c:date1904 val="0"/>
+  <c:lang val="en-US"/>
+  <c:roundedCorners val="0"/>
+  <mc:AlternateContent xmlns:mc="http://schemas.openxmlformats.org/markup-compatibility/2006">
+    <mc:Choice xmlns:c14="http://schemas.microsoft.com/office/drawing/2007/8/2/chart" Requires="c14">
+      <c14:style val="118"/>
+    </mc:Choice>
+    <mc:Fallback>
+      <c:style val="18"/>
+    </mc:Fallback>
+  </mc:AlternateContent>
+  <c:chart>
+    <c:autoTitleDeleted val="1"/>
+    <c:plotArea>
+      <c:layout>
+        <c:manualLayout>
+          <c:layoutTarget val="inner"/>
+          <c:xMode val="edge"/>
+          <c:yMode val="edge"/>
+          <c:x val="0.101770553820437"/>
+          <c:y val="0.03"/>
+          <c:w val="0.870994735993196"/>
+          <c:h val="0.810739337270341"/>
+        </c:manualLayout>
+      </c:layout>
+      <c:barChart>
+        <c:barDir val="col"/>
+        <c:grouping val="clustered"/>
+        <c:varyColors val="0"/>
+        <c:ser>
+          <c:idx val="2"/>
+          <c:order val="0"/>
+          <c:tx>
+            <c:v>BASELINE</c:v>
+          </c:tx>
+          <c:spPr>
+            <a:solidFill>
+              <a:schemeClr val="tx1">
+                <a:lumMod val="50000"/>
+                <a:lumOff val="50000"/>
+              </a:schemeClr>
+            </a:solidFill>
+          </c:spPr>
+          <c:invertIfNegative val="0"/>
+          <c:cat>
+            <c:strRef>
+              <c:f>Sheet1!$A$6:$A$11</c:f>
+              <c:strCache>
+                <c:ptCount val="6"/>
+                <c:pt idx="0">
+                  <c:v>16KB</c:v>
+                </c:pt>
+                <c:pt idx="1">
+                  <c:v>32KB</c:v>
+                </c:pt>
+                <c:pt idx="2">
+                  <c:v>64KB</c:v>
+                </c:pt>
+                <c:pt idx="3">
+                  <c:v>128KB</c:v>
+                </c:pt>
+                <c:pt idx="4">
+                  <c:v>256KB</c:v>
+                </c:pt>
+                <c:pt idx="5">
+                  <c:v>512KB</c:v>
+                </c:pt>
+              </c:strCache>
+            </c:strRef>
+          </c:cat>
+          <c:val>
+            <c:numRef>
+              <c:f>Sheet1!$G$64:$G$67</c:f>
+              <c:numCache>
+                <c:formatCode>0.00</c:formatCode>
+                <c:ptCount val="4"/>
+                <c:pt idx="0">
+                  <c:v>1.0</c:v>
+                </c:pt>
+                <c:pt idx="1">
+                  <c:v>1.0</c:v>
+                </c:pt>
+                <c:pt idx="2">
+                  <c:v>1.0</c:v>
+                </c:pt>
+                <c:pt idx="3">
+                  <c:v>1.0</c:v>
+                </c:pt>
+              </c:numCache>
+            </c:numRef>
+          </c:val>
+        </c:ser>
+        <c:ser>
+          <c:idx val="0"/>
+          <c:order val="1"/>
+          <c:tx>
+            <c:v>POOLING</c:v>
+          </c:tx>
+          <c:spPr>
+            <a:solidFill>
+              <a:schemeClr val="tx1">
+                <a:lumMod val="65000"/>
+                <a:lumOff val="35000"/>
+              </a:schemeClr>
+            </a:solidFill>
+          </c:spPr>
+          <c:invertIfNegative val="0"/>
+          <c:cat>
+            <c:strRef>
+              <c:f>Sheet1!$A$6:$A$11</c:f>
+              <c:strCache>
+                <c:ptCount val="6"/>
+                <c:pt idx="0">
+                  <c:v>16KB</c:v>
+                </c:pt>
+                <c:pt idx="1">
+                  <c:v>32KB</c:v>
+                </c:pt>
+                <c:pt idx="2">
+                  <c:v>64KB</c:v>
+                </c:pt>
+                <c:pt idx="3">
+                  <c:v>128KB</c:v>
+                </c:pt>
+                <c:pt idx="4">
+                  <c:v>256KB</c:v>
+                </c:pt>
+                <c:pt idx="5">
+                  <c:v>512KB</c:v>
+                </c:pt>
+              </c:strCache>
+            </c:strRef>
+          </c:cat>
+          <c:val>
+            <c:numRef>
+              <c:f>Sheet1!$H$64:$H$67</c:f>
+              <c:numCache>
+                <c:formatCode>0.00</c:formatCode>
+                <c:ptCount val="4"/>
+                <c:pt idx="0">
+                  <c:v>1.0</c:v>
+                </c:pt>
+                <c:pt idx="1">
+                  <c:v>1.0</c:v>
+                </c:pt>
+                <c:pt idx="2">
+                  <c:v>1.0</c:v>
+                </c:pt>
+                <c:pt idx="3">
+                  <c:v>1.481012658227848</c:v>
+                </c:pt>
+              </c:numCache>
+            </c:numRef>
+          </c:val>
+        </c:ser>
+        <c:ser>
+          <c:idx val="1"/>
+          <c:order val="2"/>
+          <c:tx>
+            <c:v>BASE-DELTA</c:v>
+          </c:tx>
+          <c:spPr>
+            <a:solidFill>
+              <a:schemeClr val="tx1">
+                <a:lumMod val="75000"/>
+                <a:lumOff val="25000"/>
+              </a:schemeClr>
+            </a:solidFill>
+          </c:spPr>
+          <c:invertIfNegative val="0"/>
+          <c:cat>
+            <c:strRef>
+              <c:f>Sheet1!$A$6:$A$11</c:f>
+              <c:strCache>
+                <c:ptCount val="6"/>
+                <c:pt idx="0">
+                  <c:v>16KB</c:v>
+                </c:pt>
+                <c:pt idx="1">
+                  <c:v>32KB</c:v>
+                </c:pt>
+                <c:pt idx="2">
+                  <c:v>64KB</c:v>
+                </c:pt>
+                <c:pt idx="3">
+                  <c:v>128KB</c:v>
+                </c:pt>
+                <c:pt idx="4">
+                  <c:v>256KB</c:v>
+                </c:pt>
+                <c:pt idx="5">
+                  <c:v>512KB</c:v>
+                </c:pt>
+              </c:strCache>
+            </c:strRef>
+          </c:cat>
+          <c:val>
+            <c:numRef>
+              <c:f>Sheet1!$I$64:$I$67</c:f>
+              <c:numCache>
+                <c:formatCode>0.00</c:formatCode>
+                <c:ptCount val="4"/>
+                <c:pt idx="0">
+                  <c:v>1.0</c:v>
+                </c:pt>
+                <c:pt idx="1">
+                  <c:v>1.0</c:v>
+                </c:pt>
+                <c:pt idx="2">
+                  <c:v>1.0</c:v>
+                </c:pt>
+                <c:pt idx="3">
+                  <c:v>1.008890306892359</c:v>
+                </c:pt>
+              </c:numCache>
+            </c:numRef>
+          </c:val>
+        </c:ser>
+        <c:ser>
+          <c:idx val="3"/>
+          <c:order val="3"/>
+          <c:tx>
+            <c:v>BD+POOL</c:v>
+          </c:tx>
+          <c:spPr>
+            <a:solidFill>
+              <a:srgbClr val="008000"/>
+            </a:solidFill>
+          </c:spPr>
+          <c:invertIfNegative val="0"/>
+          <c:dLbls>
+            <c:numFmt formatCode="#,##0.00" sourceLinked="0"/>
+            <c:txPr>
+              <a:bodyPr/>
+              <a:lstStyle/>
+              <a:p>
+                <a:pPr>
+                  <a:defRPr sz="2000"/>
+                </a:pPr>
+                <a:endParaRPr lang="en-US"/>
+              </a:p>
+            </c:txPr>
+            <c:showLegendKey val="0"/>
+            <c:showVal val="1"/>
+            <c:showCatName val="0"/>
+            <c:showSerName val="0"/>
+            <c:showPercent val="0"/>
+            <c:showBubbleSize val="0"/>
+            <c:showLeaderLines val="0"/>
+          </c:dLbls>
+          <c:cat>
+            <c:strRef>
+              <c:f>Sheet1!$A$6:$A$11</c:f>
+              <c:strCache>
+                <c:ptCount val="6"/>
+                <c:pt idx="0">
+                  <c:v>16KB</c:v>
+                </c:pt>
+                <c:pt idx="1">
+                  <c:v>32KB</c:v>
+                </c:pt>
+                <c:pt idx="2">
+                  <c:v>64KB</c:v>
+                </c:pt>
+                <c:pt idx="3">
+                  <c:v>128KB</c:v>
+                </c:pt>
+                <c:pt idx="4">
+                  <c:v>256KB</c:v>
+                </c:pt>
+                <c:pt idx="5">
+                  <c:v>512KB</c:v>
+                </c:pt>
+              </c:strCache>
+            </c:strRef>
+          </c:cat>
+          <c:val>
+            <c:numRef>
+              <c:f>Sheet1!$J$64:$J$67</c:f>
+              <c:numCache>
+                <c:formatCode>0.00</c:formatCode>
+                <c:ptCount val="4"/>
+                <c:pt idx="0">
+                  <c:v>1.377268188548015</c:v>
+                </c:pt>
+                <c:pt idx="1">
+                  <c:v>1.42966921028647</c:v>
+                </c:pt>
+                <c:pt idx="2">
+                  <c:v>2.433025276851665</c:v>
+                </c:pt>
+                <c:pt idx="3">
+                  <c:v>4.44787433424445</c:v>
+                </c:pt>
+              </c:numCache>
+            </c:numRef>
+          </c:val>
+        </c:ser>
+        <c:dLbls>
+          <c:showLegendKey val="0"/>
+          <c:showVal val="0"/>
+          <c:showCatName val="0"/>
+          <c:showSerName val="0"/>
+          <c:showPercent val="0"/>
+          <c:showBubbleSize val="0"/>
+        </c:dLbls>
+        <c:gapWidth val="150"/>
+        <c:axId val="-2141451768"/>
+        <c:axId val="-2139202632"/>
+      </c:barChart>
+      <c:catAx>
+        <c:axId val="-2141451768"/>
+        <c:scaling>
+          <c:orientation val="minMax"/>
+        </c:scaling>
+        <c:delete val="0"/>
+        <c:axPos val="b"/>
+        <c:numFmt formatCode="General" sourceLinked="1"/>
+        <c:majorTickMark val="out"/>
+        <c:minorTickMark val="none"/>
+        <c:tickLblPos val="nextTo"/>
+        <c:txPr>
+          <a:bodyPr/>
+          <a:lstStyle/>
+          <a:p>
+            <a:pPr>
+              <a:defRPr sz="2000"/>
+            </a:pPr>
+            <a:endParaRPr lang="en-US"/>
+          </a:p>
+        </c:txPr>
+        <c:crossAx val="-2139202632"/>
+        <c:crosses val="autoZero"/>
+        <c:auto val="1"/>
+        <c:lblAlgn val="ctr"/>
+        <c:lblOffset val="100"/>
+        <c:noMultiLvlLbl val="0"/>
+      </c:catAx>
+      <c:valAx>
+        <c:axId val="-2139202632"/>
         <c:scaling>
           <c:orientation val="minMax"/>
         </c:scaling>
@@ -928,26 +1420,7 @@
             </a:ln>
           </c:spPr>
         </c:majorGridlines>
-        <c:title>
-          <c:tx>
-            <c:rich>
-              <a:bodyPr rot="-5400000" vert="horz"/>
-              <a:lstStyle/>
-              <a:p>
-                <a:pPr>
-                  <a:defRPr sz="2800"/>
-                </a:pPr>
-                <a:r>
-                  <a:rPr lang="en-US" sz="2800"/>
-                  <a:t>Normalized Compression Ratio</a:t>
-                </a:r>
-              </a:p>
-            </c:rich>
-          </c:tx>
-          <c:layout/>
-          <c:overlay val="0"/>
-        </c:title>
-        <c:numFmt formatCode="0.00" sourceLinked="0"/>
+        <c:numFmt formatCode="0.0" sourceLinked="0"/>
         <c:majorTickMark val="out"/>
         <c:minorTickMark val="none"/>
         <c:tickLblPos val="nextTo"/>
@@ -956,40 +1429,18 @@
           <a:lstStyle/>
           <a:p>
             <a:pPr>
-              <a:defRPr sz="2800"/>
+              <a:defRPr sz="2400"/>
             </a:pPr>
             <a:endParaRPr lang="en-US"/>
           </a:p>
         </c:txPr>
-        <c:crossAx val="2132085832"/>
+        <c:crossAx val="-2141451768"/>
         <c:crosses val="autoZero"/>
         <c:crossBetween val="between"/>
+        <c:majorUnit val="0.5"/>
+        <c:minorUnit val="0.1"/>
       </c:valAx>
     </c:plotArea>
-    <c:legend>
-      <c:legendPos val="b"/>
-      <c:layout>
-        <c:manualLayout>
-          <c:xMode val="edge"/>
-          <c:yMode val="edge"/>
-          <c:x val="0.159039898119244"/>
-          <c:y val="0.917636429598979"/>
-          <c:w val="0.681474320147851"/>
-          <c:h val="0.0645752841987999"/>
-        </c:manualLayout>
-      </c:layout>
-      <c:overlay val="0"/>
-      <c:txPr>
-        <a:bodyPr/>
-        <a:lstStyle/>
-        <a:p>
-          <a:pPr>
-            <a:defRPr sz="2800"/>
-          </a:pPr>
-          <a:endParaRPr lang="en-US"/>
-        </a:p>
-      </c:txPr>
-    </c:legend>
     <c:plotVisOnly val="1"/>
     <c:dispBlanksAs val="gap"/>
     <c:showDLblsOverMax val="0"/>
@@ -4235,8 +4686,8 @@
         </p:nvSpPr>
         <p:spPr>
           <a:xfrm>
-            <a:off x="533400" y="4362271"/>
-            <a:ext cx="13010278" cy="1200329"/>
+            <a:off x="381000" y="4362271"/>
+            <a:ext cx="13162678" cy="1200329"/>
           </a:xfrm>
           <a:prstGeom prst="rect">
             <a:avLst/>
@@ -4284,8 +4735,8 @@
         </p:nvSpPr>
         <p:spPr>
           <a:xfrm>
-            <a:off x="14020800" y="4362271"/>
-            <a:ext cx="12954000" cy="1200329"/>
+            <a:off x="13944600" y="4362271"/>
+            <a:ext cx="13030200" cy="1200329"/>
           </a:xfrm>
           <a:prstGeom prst="rect">
             <a:avLst/>
@@ -4333,8 +4784,8 @@
         </p:nvSpPr>
         <p:spPr>
           <a:xfrm>
-            <a:off x="609600" y="15258871"/>
-            <a:ext cx="12877800" cy="1200329"/>
+            <a:off x="381000" y="15087600"/>
+            <a:ext cx="13182600" cy="1200329"/>
           </a:xfrm>
           <a:prstGeom prst="rect">
             <a:avLst/>
@@ -4382,8 +4833,8 @@
         </p:nvSpPr>
         <p:spPr>
           <a:xfrm>
-            <a:off x="14020800" y="15316200"/>
-            <a:ext cx="12877800" cy="1200329"/>
+            <a:off x="13944600" y="11125200"/>
+            <a:ext cx="13030200" cy="1200329"/>
           </a:xfrm>
           <a:prstGeom prst="rect">
             <a:avLst/>
@@ -4431,8 +4882,8 @@
         </p:nvSpPr>
         <p:spPr>
           <a:xfrm>
-            <a:off x="14020800" y="26136600"/>
-            <a:ext cx="12877800" cy="1200329"/>
+            <a:off x="13944600" y="26060400"/>
+            <a:ext cx="13030200" cy="1200329"/>
           </a:xfrm>
           <a:prstGeom prst="rect">
             <a:avLst/>
@@ -4480,8 +4931,8 @@
         </p:nvSpPr>
         <p:spPr>
           <a:xfrm>
-            <a:off x="457200" y="4267200"/>
-            <a:ext cx="13182600" cy="10515600"/>
+            <a:off x="304800" y="4267200"/>
+            <a:ext cx="13335000" cy="10515600"/>
           </a:xfrm>
           <a:prstGeom prst="rect">
             <a:avLst/>
@@ -4529,7 +4980,7 @@
         <p:spPr>
           <a:xfrm>
             <a:off x="13868400" y="4267200"/>
-            <a:ext cx="13182600" cy="10515600"/>
+            <a:ext cx="13182600" cy="6553200"/>
           </a:xfrm>
           <a:prstGeom prst="rect">
             <a:avLst/>
@@ -4576,8 +5027,8 @@
         </p:nvSpPr>
         <p:spPr>
           <a:xfrm>
-            <a:off x="457200" y="15163800"/>
-            <a:ext cx="13182600" cy="20955000"/>
+            <a:off x="304800" y="15011400"/>
+            <a:ext cx="13335000" cy="21259800"/>
           </a:xfrm>
           <a:prstGeom prst="rect">
             <a:avLst/>
@@ -4624,8 +5075,8 @@
         </p:nvSpPr>
         <p:spPr>
           <a:xfrm>
-            <a:off x="13868400" y="15163800"/>
-            <a:ext cx="13182600" cy="10134600"/>
+            <a:off x="13868400" y="11049000"/>
+            <a:ext cx="13182600" cy="14706600"/>
           </a:xfrm>
           <a:prstGeom prst="rect">
             <a:avLst/>
@@ -4673,7 +5124,7 @@
         <p:spPr>
           <a:xfrm>
             <a:off x="13868400" y="25984200"/>
-            <a:ext cx="13182600" cy="10134600"/>
+            <a:ext cx="13182600" cy="10287000"/>
           </a:xfrm>
           <a:prstGeom prst="rect">
             <a:avLst/>
@@ -4720,7 +5171,7 @@
         </p:nvSpPr>
         <p:spPr>
           <a:xfrm>
-            <a:off x="533400" y="5638800"/>
+            <a:off x="533400" y="5562600"/>
             <a:ext cx="12954000" cy="9202519"/>
           </a:xfrm>
           <a:prstGeom prst="rect">
@@ -4935,23 +5386,11 @@
                   <a:srgbClr val="3366FF"/>
                 </a:solidFill>
               </a:rPr>
-              <a:t>Memory Pooling </a:t>
+              <a:t>Memory Pooling, Data Splitting</a:t>
             </a:r>
             <a:r>
               <a:rPr lang="en-US" sz="4000" dirty="0" smtClean="0"/>
-              <a:t>and </a:t>
-            </a:r>
-            <a:r>
-              <a:rPr lang="en-US" sz="4000" dirty="0" smtClean="0">
-                <a:solidFill>
-                  <a:srgbClr val="3366FF"/>
-                </a:solidFill>
-              </a:rPr>
-              <a:t>Data Splitting</a:t>
-            </a:r>
-            <a:r>
-              <a:rPr lang="en-US" sz="4000" dirty="0" smtClean="0"/>
-              <a:t> [Curial et. al., ISMM’08] and related work seem promising.</a:t>
+              <a:t> [Curial et. al., ISMM’08] and related work seems promising.</a:t>
             </a:r>
             <a:endParaRPr lang="en-US" sz="4000" dirty="0" smtClean="0">
               <a:solidFill>
@@ -4969,8 +5408,8 @@
         </p:nvSpPr>
         <p:spPr>
           <a:xfrm>
-            <a:off x="14020800" y="5638800"/>
-            <a:ext cx="12954000" cy="6801862"/>
+            <a:off x="14020800" y="5583734"/>
+            <a:ext cx="12954000" cy="5693866"/>
           </a:xfrm>
           <a:prstGeom prst="rect">
             <a:avLst/>
@@ -5023,8 +5462,6 @@
               </a:rPr>
               <a:t> compression?</a:t>
             </a:r>
-          </a:p>
-          <a:p>
             <a:endParaRPr lang="en-US" sz="3200" dirty="0" smtClean="0">
               <a:solidFill>
                 <a:srgbClr val="FF0000"/>
@@ -5070,13 +5507,6 @@
               <a:rPr lang="en-US" sz="4000" dirty="0" smtClean="0"/>
               <a:t> in adjacent data values.</a:t>
             </a:r>
-          </a:p>
-          <a:p>
-            <a:pPr marL="457200" indent="-457200">
-              <a:buFont typeface="Arial"/>
-              <a:buChar char="•"/>
-            </a:pPr>
-            <a:endParaRPr lang="en-US" sz="4000" dirty="0" smtClean="0"/>
           </a:p>
           <a:p>
             <a:pPr marL="457200" indent="-457200">
@@ -5134,8 +5564,8 @@
         </p:nvSpPr>
         <p:spPr>
           <a:xfrm>
-            <a:off x="13944600" y="27584400"/>
-            <a:ext cx="13487400" cy="7663636"/>
+            <a:off x="13944600" y="27355800"/>
+            <a:ext cx="13258800" cy="8956298"/>
           </a:xfrm>
           <a:prstGeom prst="rect">
             <a:avLst/>
@@ -5148,147 +5578,226 @@
           <a:lstStyle/>
           <a:p>
             <a:r>
-              <a:rPr lang="en-US" sz="4400" dirty="0" smtClean="0">
-                <a:solidFill>
-                  <a:srgbClr val="0000FF"/>
+              <a:rPr lang="en-US" sz="4000" b="1" dirty="0" smtClean="0">
+                <a:solidFill>
+                  <a:srgbClr val="000000"/>
                 </a:solidFill>
               </a:rPr>
-              <a:t>Min-Eviction</a:t>
-            </a:r>
-            <a:r>
-              <a:rPr lang="en-US" sz="4400" dirty="0" smtClean="0"/>
-              <a:t>: a novel replacement policy for the compressed cache</a:t>
-            </a:r>
-          </a:p>
-          <a:p>
-            <a:pPr>
-              <a:buFont typeface="Arial" pitchFamily="34" charset="0"/>
+              <a:t>BΔ-POOL: </a:t>
+            </a:r>
+            <a:r>
+              <a:rPr lang="en-US" sz="4000" dirty="0" smtClean="0"/>
+              <a:t>Strong improvement over baseline, </a:t>
+            </a:r>
+            <a:r>
+              <a:rPr lang="en-US" sz="4000" dirty="0"/>
+              <a:t>p</a:t>
+            </a:r>
+            <a:r>
+              <a:rPr lang="en-US" sz="4000" dirty="0" smtClean="0"/>
+              <a:t>ooling and base-delta</a:t>
+            </a:r>
+          </a:p>
+          <a:p>
+            <a:pPr marL="571500" indent="-571500">
+              <a:buFont typeface="Arial"/>
               <a:buChar char="•"/>
             </a:pPr>
             <a:r>
-              <a:rPr lang="en-US" sz="3600" dirty="0"/>
-              <a:t> </a:t>
-            </a:r>
-            <a:r>
-              <a:rPr lang="en-US" sz="3600" u="sng" dirty="0" smtClean="0"/>
-              <a:t>Outperforms current state-of-the-art replacement policies</a:t>
-            </a:r>
-          </a:p>
-          <a:p>
-            <a:pPr>
-              <a:buFont typeface="Arial" pitchFamily="34" charset="0"/>
+              <a:rPr lang="en-US" sz="4000" dirty="0" smtClean="0">
+                <a:solidFill>
+                  <a:srgbClr val="3366FF"/>
+                </a:solidFill>
+              </a:rPr>
+              <a:t>Just proof of concept*</a:t>
+            </a:r>
+          </a:p>
+          <a:p>
+            <a:pPr marL="571500" indent="-571500">
+              <a:buFont typeface="Arial"/>
               <a:buChar char="•"/>
             </a:pPr>
             <a:r>
-              <a:rPr lang="en-US" sz="3600" dirty="0"/>
+              <a:rPr lang="en-US" sz="4000" dirty="0" smtClean="0">
+                <a:solidFill>
+                  <a:srgbClr val="3366FF"/>
+                </a:solidFill>
+              </a:rPr>
+              <a:t>Makes single base version of </a:t>
+            </a:r>
+            <a:r>
+              <a:rPr lang="en-US" sz="4000" b="1" dirty="0" smtClean="0">
+                <a:solidFill>
+                  <a:srgbClr val="3366FF"/>
+                </a:solidFill>
+              </a:rPr>
+              <a:t>BΔI</a:t>
+            </a:r>
+            <a:r>
+              <a:rPr lang="en-US" sz="4000" dirty="0" smtClean="0">
+                <a:solidFill>
+                  <a:srgbClr val="3366FF"/>
+                </a:solidFill>
+              </a:rPr>
+              <a:t> more viable</a:t>
+            </a:r>
+            <a:r>
+              <a:rPr lang="en-US" sz="4000" dirty="0" smtClean="0">
+                <a:solidFill>
+                  <a:srgbClr val="000000"/>
+                </a:solidFill>
+              </a:rPr>
+              <a:t>.</a:t>
+            </a:r>
+            <a:endParaRPr lang="en-US" sz="4000" dirty="0" smtClean="0"/>
+          </a:p>
+          <a:p>
+            <a:endParaRPr lang="en-US" sz="2000" dirty="0" smtClean="0"/>
+          </a:p>
+          <a:p>
+            <a:r>
+              <a:rPr lang="en-US" sz="3600" dirty="0" smtClean="0"/>
+              <a:t>*Recall that splitting and pooling was done by hand. </a:t>
+            </a:r>
+            <a:r>
+              <a:rPr lang="en-US" sz="3600" i="1" dirty="0" smtClean="0">
+                <a:solidFill>
+                  <a:srgbClr val="3366FF"/>
+                </a:solidFill>
+              </a:rPr>
+              <a:t>Safely</a:t>
+            </a:r>
+            <a:r>
+              <a:rPr lang="en-US" sz="3600" dirty="0" smtClean="0">
+                <a:solidFill>
+                  <a:srgbClr val="3366FF"/>
+                </a:solidFill>
+              </a:rPr>
               <a:t> </a:t>
             </a:r>
             <a:r>
-              <a:rPr lang="en-US" sz="3600" u="sng" dirty="0" smtClean="0"/>
-              <a:t>First to consider both compressed block size and probability of reuse</a:t>
-            </a:r>
-          </a:p>
-          <a:p>
-            <a:pPr>
-              <a:buFont typeface="Arial" pitchFamily="34" charset="0"/>
+              <a:rPr lang="en-US" sz="3600" dirty="0" smtClean="0"/>
+              <a:t>splitting-pooling in the compiler is not always possible.</a:t>
+            </a:r>
+            <a:endParaRPr lang="en-US" sz="3600" dirty="0"/>
+          </a:p>
+          <a:p>
+            <a:endParaRPr lang="en-US" sz="2800" b="1" dirty="0" smtClean="0">
+              <a:solidFill>
+                <a:srgbClr val="000000"/>
+              </a:solidFill>
+            </a:endParaRPr>
+          </a:p>
+          <a:p>
+            <a:r>
+              <a:rPr lang="en-US" sz="4000" b="1" dirty="0" smtClean="0">
+                <a:solidFill>
+                  <a:srgbClr val="000000"/>
+                </a:solidFill>
+              </a:rPr>
+              <a:t>Further Work</a:t>
+            </a:r>
+          </a:p>
+          <a:p>
+            <a:pPr marL="571500" indent="-571500">
+              <a:buFont typeface="Arial"/>
               <a:buChar char="•"/>
             </a:pPr>
             <a:r>
-              <a:rPr lang="en-US" sz="3600" dirty="0"/>
-              <a:t> </a:t>
-            </a:r>
-            <a:r>
-              <a:rPr lang="en-US" sz="3600" u="sng" dirty="0" smtClean="0"/>
-              <a:t>Simple to implement</a:t>
-            </a:r>
-          </a:p>
-          <a:p>
-            <a:pPr>
-              <a:buFont typeface="Arial" pitchFamily="34" charset="0"/>
+              <a:rPr lang="en-US" sz="4000" dirty="0" smtClean="0">
+                <a:solidFill>
+                  <a:srgbClr val="000000"/>
+                </a:solidFill>
+              </a:rPr>
+              <a:t>Implement pointer transformations in LLVM.</a:t>
+            </a:r>
+          </a:p>
+          <a:p>
+            <a:pPr marL="571500" indent="-571500">
+              <a:buFont typeface="Arial"/>
               <a:buChar char="•"/>
             </a:pPr>
-            <a:endParaRPr lang="en-US" sz="3600" u="sng" dirty="0"/>
-          </a:p>
-          <a:p>
-            <a:r>
-              <a:rPr lang="en-US" sz="4400" dirty="0">
-                <a:solidFill>
-                  <a:srgbClr val="0000FF"/>
+            <a:r>
+              <a:rPr lang="en-US" sz="4000" dirty="0" smtClean="0">
+                <a:solidFill>
+                  <a:srgbClr val="000000"/>
                 </a:solidFill>
               </a:rPr>
-              <a:t>Further Work</a:t>
-            </a:r>
-            <a:r>
-              <a:rPr lang="en-US" sz="4400" dirty="0" smtClean="0">
-                <a:solidFill>
-                  <a:srgbClr val="0000FF"/>
-                </a:solidFill>
-              </a:rPr>
-              <a:t>:</a:t>
-            </a:r>
-          </a:p>
-          <a:p>
-            <a:pPr>
-              <a:buFont typeface="Arial" pitchFamily="34" charset="0"/>
+              <a:t>Run benchmarks on cycle accurate BΔ-simulator.</a:t>
+            </a:r>
+          </a:p>
+          <a:p>
+            <a:pPr marL="571500" indent="-571500">
+              <a:buFont typeface="Arial"/>
               <a:buChar char="•"/>
             </a:pPr>
             <a:r>
-              <a:rPr lang="en-US" sz="3600" dirty="0" smtClean="0">
-                <a:solidFill>
-                  <a:srgbClr val="0000FF"/>
+              <a:rPr lang="en-US" sz="4000" dirty="0" smtClean="0">
+                <a:solidFill>
+                  <a:srgbClr val="000000"/>
                 </a:solidFill>
               </a:rPr>
-              <a:t> </a:t>
-            </a:r>
-            <a:r>
-              <a:rPr lang="en-US" sz="3600" b="1" dirty="0" smtClean="0"/>
-              <a:t>Global Min-Eviction</a:t>
-            </a:r>
-            <a:r>
-              <a:rPr lang="en-US" sz="3600" dirty="0" smtClean="0"/>
-              <a:t>: a global replacement policy for the compressed decoupled variable way cache that applies similar insight as Min-Eviction</a:t>
-            </a:r>
-          </a:p>
-          <a:p>
-            <a:pPr>
-              <a:buFont typeface="Arial" pitchFamily="34" charset="0"/>
+              <a:t>Incorporate data from standard benchmarks.</a:t>
+            </a:r>
+          </a:p>
+          <a:p>
+            <a:pPr marL="571500" indent="-571500">
+              <a:buFont typeface="Arial"/>
               <a:buChar char="•"/>
             </a:pPr>
             <a:r>
-              <a:rPr lang="en-US" sz="3600" dirty="0"/>
-              <a:t> </a:t>
-            </a:r>
-            <a:r>
-              <a:rPr lang="en-US" sz="3600" b="1" dirty="0" smtClean="0"/>
-              <a:t>Fairness</a:t>
-            </a:r>
-            <a:r>
-              <a:rPr lang="en-US" sz="3600" dirty="0" smtClean="0"/>
-              <a:t> in compressed cache replacement</a:t>
-            </a:r>
-          </a:p>
-          <a:p>
-            <a:pPr>
-              <a:buFont typeface="Arial" pitchFamily="34" charset="0"/>
+              <a:rPr lang="en-US" sz="4000" dirty="0" smtClean="0">
+                <a:solidFill>
+                  <a:srgbClr val="000000"/>
+                </a:solidFill>
+              </a:rPr>
+              <a:t>Multithreaded environments.</a:t>
+            </a:r>
+          </a:p>
+          <a:p>
+            <a:pPr marL="571500" indent="-571500">
+              <a:buFont typeface="Arial"/>
               <a:buChar char="•"/>
             </a:pPr>
             <a:r>
-              <a:rPr lang="en-US" sz="3600" dirty="0" smtClean="0">
-                <a:solidFill>
-                  <a:srgbClr val="0000FF"/>
+              <a:rPr lang="en-US" sz="4000" dirty="0" smtClean="0">
+                <a:solidFill>
+                  <a:srgbClr val="000000"/>
                 </a:solidFill>
               </a:rPr>
-              <a:t> </a:t>
-            </a:r>
-            <a:r>
-              <a:rPr lang="en-US" sz="3600" b="1" dirty="0" smtClean="0"/>
-              <a:t>Multi-core evaluation and analysis </a:t>
-            </a:r>
-            <a:r>
-              <a:rPr lang="en-US" sz="3600" dirty="0" smtClean="0"/>
-              <a:t>(see paper): 4% increase in normalized weighted speedup over LRU in heterogeneous workloads</a:t>
-            </a:r>
-            <a:endParaRPr lang="en-US" sz="3600" dirty="0"/>
+              <a:t>Interaction with non-traditional LRU policies.</a:t>
+            </a:r>
+          </a:p>
+          <a:p>
+            <a:r>
+              <a:rPr lang="en-US" sz="4000" dirty="0" smtClean="0">
+                <a:solidFill>
+                  <a:srgbClr val="000000"/>
+                </a:solidFill>
+              </a:rPr>
+              <a:t>See CARP by </a:t>
+            </a:r>
+            <a:r>
+              <a:rPr lang="en-US" sz="4000" dirty="0" err="1" smtClean="0">
+                <a:solidFill>
+                  <a:srgbClr val="000000"/>
+                </a:solidFill>
+              </a:rPr>
+              <a:t>Huberty</a:t>
+            </a:r>
+            <a:r>
+              <a:rPr lang="en-US" sz="4000" dirty="0" smtClean="0">
+                <a:solidFill>
+                  <a:srgbClr val="000000"/>
+                </a:solidFill>
+              </a:rPr>
+              <a:t> et. al.</a:t>
+            </a:r>
+            <a:endParaRPr lang="en-US" sz="4000" dirty="0">
+              <a:solidFill>
+                <a:srgbClr val="000000"/>
+              </a:solidFill>
+            </a:endParaRPr>
           </a:p>
         </p:txBody>
       </p:sp>
@@ -5301,14 +5810,14 @@
           <p:nvPr>
             <p:extLst>
               <p:ext uri="{D42A27DB-BD31-4B8C-83A1-F6EECF244321}">
-                <p14:modId xmlns:p14="http://schemas.microsoft.com/office/powerpoint/2010/main" val="3235637092"/>
+                <p14:modId xmlns:p14="http://schemas.microsoft.com/office/powerpoint/2010/main" val="1375965307"/>
               </p:ext>
             </p:extLst>
           </p:nvPr>
         </p:nvGraphicFramePr>
         <p:xfrm>
-          <a:off x="609600" y="25580876"/>
-          <a:ext cx="12877800" cy="7177790"/>
+          <a:off x="609600" y="27355800"/>
+          <a:ext cx="12877800" cy="6568190"/>
         </p:xfrm>
         <a:graphic>
           <a:graphicData uri="http://schemas.openxmlformats.org/drawingml/2006/chart">
@@ -5324,7 +5833,7 @@
         </p:nvSpPr>
         <p:spPr>
           <a:xfrm>
-            <a:off x="609600" y="32972276"/>
+            <a:off x="609600" y="33909000"/>
             <a:ext cx="12877800" cy="2308324"/>
           </a:xfrm>
           <a:prstGeom prst="rect">
@@ -5356,9 +5865,27 @@
             </a:r>
             <a:r>
               <a:rPr lang="en-US" sz="3600" dirty="0" smtClean="0"/>
-              <a:t>.</a:t>
-            </a:r>
-            <a:endParaRPr lang="en-US" sz="3600" dirty="0"/>
+              <a:t>. </a:t>
+            </a:r>
+            <a:r>
+              <a:rPr lang="en-US" sz="3600" i="1" dirty="0" smtClean="0">
+                <a:solidFill>
+                  <a:schemeClr val="tx1">
+                    <a:lumMod val="65000"/>
+                    <a:lumOff val="35000"/>
+                  </a:schemeClr>
+                </a:solidFill>
+              </a:rPr>
+              <a:t>(1 MB, 16-way, 32-BiB BΔ-Cache)</a:t>
+            </a:r>
+            <a:endParaRPr lang="en-US" sz="3600" dirty="0">
+              <a:solidFill>
+                <a:schemeClr val="tx1">
+                  <a:lumMod val="65000"/>
+                  <a:lumOff val="35000"/>
+                </a:schemeClr>
+              </a:solidFill>
+            </a:endParaRPr>
           </a:p>
         </p:txBody>
       </p:sp>
@@ -5637,18 +6164,991 @@
           </a:p>
         </p:txBody>
       </p:sp>
+      <p:sp>
+        <p:nvSpPr>
+          <p:cNvPr id="152" name="TextBox 151"/>
+          <p:cNvSpPr txBox="1"/>
+          <p:nvPr/>
+        </p:nvSpPr>
+        <p:spPr>
+          <a:xfrm>
+            <a:off x="762000" y="20141624"/>
+            <a:ext cx="7773282" cy="584776"/>
+          </a:xfrm>
+          <a:prstGeom prst="rect">
+            <a:avLst/>
+          </a:prstGeom>
+          <a:noFill/>
+        </p:spPr>
+        <p:txBody>
+          <a:bodyPr wrap="none" rtlCol="0">
+            <a:spAutoFit/>
+          </a:bodyPr>
+          <a:lstStyle/>
+          <a:p>
+            <a:r>
+              <a:rPr lang="en-US" sz="3200" dirty="0" smtClean="0"/>
+              <a:t>After split-pool allocation (</a:t>
+            </a:r>
+            <a:r>
+              <a:rPr lang="en-US" sz="3200" dirty="0" smtClean="0">
+                <a:solidFill>
+                  <a:srgbClr val="008000"/>
+                </a:solidFill>
+              </a:rPr>
+              <a:t>much lower range</a:t>
+            </a:r>
+            <a:r>
+              <a:rPr lang="en-US" sz="3200" dirty="0" smtClean="0"/>
+              <a:t>)</a:t>
+            </a:r>
+            <a:endParaRPr lang="en-US" sz="3200" dirty="0"/>
+          </a:p>
+        </p:txBody>
+      </p:sp>
+      <p:sp>
+        <p:nvSpPr>
+          <p:cNvPr id="153" name="TextBox 152"/>
+          <p:cNvSpPr txBox="1"/>
+          <p:nvPr/>
+        </p:nvSpPr>
+        <p:spPr>
+          <a:xfrm>
+            <a:off x="457200" y="23393400"/>
+            <a:ext cx="13030200" cy="3477875"/>
+          </a:xfrm>
+          <a:prstGeom prst="rect">
+            <a:avLst/>
+          </a:prstGeom>
+          <a:noFill/>
+        </p:spPr>
+        <p:txBody>
+          <a:bodyPr wrap="square" rtlCol="0">
+            <a:spAutoFit/>
+          </a:bodyPr>
+          <a:lstStyle/>
+          <a:p>
+            <a:r>
+              <a:rPr lang="en-US" sz="4000" b="1" dirty="0" smtClean="0"/>
+              <a:t>Proof of Concept Methodology</a:t>
+            </a:r>
+            <a:endParaRPr lang="en-US" sz="4000" b="1" dirty="0"/>
+          </a:p>
+          <a:p>
+            <a:pPr marL="571500" indent="-571500">
+              <a:buFont typeface="Arial"/>
+              <a:buChar char="•"/>
+            </a:pPr>
+            <a:r>
+              <a:rPr lang="en-US" sz="3600" dirty="0" smtClean="0"/>
+              <a:t>To test the affect of splitting and pooling on </a:t>
+            </a:r>
+            <a:r>
+              <a:rPr lang="en-US" sz="3600" b="1" dirty="0"/>
+              <a:t>B+Δ </a:t>
+            </a:r>
+            <a:r>
+              <a:rPr lang="en-US" sz="3600" dirty="0" smtClean="0"/>
+              <a:t>compression, we manually restructured programs for optimal data layout. (</a:t>
+            </a:r>
+            <a:r>
+              <a:rPr lang="en-US" sz="3600" dirty="0" smtClean="0">
+                <a:solidFill>
+                  <a:srgbClr val="3366FF"/>
+                </a:solidFill>
+              </a:rPr>
+              <a:t>Later: implement pointer transformations in compiler</a:t>
+            </a:r>
+            <a:r>
+              <a:rPr lang="en-US" sz="3600" dirty="0" smtClean="0"/>
+              <a:t>)</a:t>
+            </a:r>
+          </a:p>
+          <a:p>
+            <a:pPr marL="571500" indent="-571500">
+              <a:buFont typeface="Arial"/>
+              <a:buChar char="•"/>
+            </a:pPr>
+            <a:r>
+              <a:rPr lang="en-US" sz="3600" dirty="0" smtClean="0"/>
+              <a:t>For this project, we focused on pointer based algorithms for benchmarks (</a:t>
+            </a:r>
+            <a:r>
+              <a:rPr lang="en-US" sz="3600" b="1" dirty="0" smtClean="0"/>
+              <a:t>bisort</a:t>
+            </a:r>
+            <a:r>
+              <a:rPr lang="en-US" sz="3600" dirty="0" smtClean="0"/>
+              <a:t> and </a:t>
+            </a:r>
+            <a:r>
+              <a:rPr lang="en-US" sz="3600" b="1" dirty="0" smtClean="0"/>
+              <a:t>llu</a:t>
+            </a:r>
+            <a:r>
+              <a:rPr lang="en-US" sz="3600" dirty="0" smtClean="0"/>
+              <a:t> – an </a:t>
+            </a:r>
+            <a:r>
+              <a:rPr lang="en-US" sz="3600" dirty="0" err="1" smtClean="0"/>
+              <a:t>apprx</a:t>
+            </a:r>
+            <a:r>
+              <a:rPr lang="en-US" sz="3600" dirty="0" smtClean="0"/>
+              <a:t>. for </a:t>
+            </a:r>
+            <a:r>
+              <a:rPr lang="en-US" sz="3600" i="1" dirty="0" smtClean="0"/>
+              <a:t>Health</a:t>
+            </a:r>
+            <a:r>
+              <a:rPr lang="en-US" sz="3600" dirty="0" smtClean="0"/>
+              <a:t>)</a:t>
+            </a:r>
+          </a:p>
+        </p:txBody>
+      </p:sp>
+      <p:sp>
+        <p:nvSpPr>
+          <p:cNvPr id="155" name="TextBox 154"/>
+          <p:cNvSpPr txBox="1"/>
+          <p:nvPr/>
+        </p:nvSpPr>
+        <p:spPr>
+          <a:xfrm>
+            <a:off x="762000" y="21640800"/>
+            <a:ext cx="7518805" cy="584776"/>
+          </a:xfrm>
+          <a:prstGeom prst="rect">
+            <a:avLst/>
+          </a:prstGeom>
+          <a:noFill/>
+        </p:spPr>
+        <p:txBody>
+          <a:bodyPr wrap="none" rtlCol="0">
+            <a:spAutoFit/>
+          </a:bodyPr>
+          <a:lstStyle/>
+          <a:p>
+            <a:r>
+              <a:rPr lang="en-US" sz="3200" dirty="0" smtClean="0"/>
+              <a:t>After </a:t>
+            </a:r>
+            <a:r>
+              <a:rPr lang="en-US" sz="3200" b="1" dirty="0"/>
+              <a:t>B+</a:t>
+            </a:r>
+            <a:r>
+              <a:rPr lang="en-US" sz="3200" b="1" dirty="0" smtClean="0"/>
+              <a:t>Δ</a:t>
+            </a:r>
+            <a:r>
+              <a:rPr lang="en-US" sz="3200" dirty="0" smtClean="0"/>
+              <a:t> compression (</a:t>
+            </a:r>
+            <a:r>
+              <a:rPr lang="en-US" sz="3200" dirty="0" smtClean="0">
+                <a:solidFill>
+                  <a:srgbClr val="008000"/>
+                </a:solidFill>
+              </a:rPr>
+              <a:t>huge space savings</a:t>
+            </a:r>
+            <a:r>
+              <a:rPr lang="en-US" sz="3200" dirty="0" smtClean="0"/>
+              <a:t>)</a:t>
+            </a:r>
+            <a:endParaRPr lang="en-US" sz="3200" dirty="0"/>
+          </a:p>
+        </p:txBody>
+      </p:sp>
       <p:grpSp>
         <p:nvGrpSpPr>
-          <p:cNvPr id="10" name="Group 9"/>
+          <p:cNvPr id="16" name="Group 15"/>
+          <p:cNvGrpSpPr/>
+          <p:nvPr/>
+        </p:nvGrpSpPr>
+        <p:grpSpPr>
+          <a:xfrm>
+            <a:off x="762000" y="22402800"/>
+            <a:ext cx="11277600" cy="461665"/>
+            <a:chOff x="457200" y="22936200"/>
+            <a:chExt cx="11277600" cy="461665"/>
+          </a:xfrm>
+        </p:grpSpPr>
+        <p:sp>
+          <p:nvSpPr>
+            <p:cNvPr id="157" name="TextBox 156"/>
+            <p:cNvSpPr txBox="1"/>
+            <p:nvPr/>
+          </p:nvSpPr>
+          <p:spPr>
+            <a:xfrm>
+              <a:off x="1066800" y="22936200"/>
+              <a:ext cx="533400" cy="461665"/>
+            </a:xfrm>
+            <a:prstGeom prst="rect">
+              <a:avLst/>
+            </a:prstGeom>
+          </p:spPr>
+          <p:style>
+            <a:lnRef idx="2">
+              <a:schemeClr val="accent6">
+                <a:shade val="50000"/>
+              </a:schemeClr>
+            </a:lnRef>
+            <a:fillRef idx="1">
+              <a:schemeClr val="accent6"/>
+            </a:fillRef>
+            <a:effectRef idx="0">
+              <a:schemeClr val="accent6"/>
+            </a:effectRef>
+            <a:fontRef idx="minor">
+              <a:schemeClr val="lt1"/>
+            </a:fontRef>
+          </p:style>
+          <p:txBody>
+            <a:bodyPr wrap="square" rtlCol="0">
+              <a:spAutoFit/>
+            </a:bodyPr>
+            <a:lstStyle/>
+            <a:p>
+              <a:pPr algn="ctr"/>
+              <a:r>
+                <a:rPr lang="en-US" sz="2400" dirty="0" smtClean="0"/>
+                <a:t>B0</a:t>
+              </a:r>
+              <a:endParaRPr lang="en-US" sz="2400" dirty="0"/>
+            </a:p>
+          </p:txBody>
+        </p:sp>
+        <p:sp>
+          <p:nvSpPr>
+            <p:cNvPr id="158" name="TextBox 157"/>
+            <p:cNvSpPr txBox="1"/>
+            <p:nvPr/>
+          </p:nvSpPr>
+          <p:spPr>
+            <a:xfrm>
+              <a:off x="1600200" y="22936200"/>
+              <a:ext cx="533400" cy="457200"/>
+            </a:xfrm>
+            <a:prstGeom prst="rect">
+              <a:avLst/>
+            </a:prstGeom>
+          </p:spPr>
+          <p:style>
+            <a:lnRef idx="2">
+              <a:schemeClr val="accent1">
+                <a:shade val="50000"/>
+              </a:schemeClr>
+            </a:lnRef>
+            <a:fillRef idx="1">
+              <a:schemeClr val="accent1"/>
+            </a:fillRef>
+            <a:effectRef idx="0">
+              <a:schemeClr val="accent1"/>
+            </a:effectRef>
+            <a:fontRef idx="minor">
+              <a:schemeClr val="lt1"/>
+            </a:fontRef>
+          </p:style>
+          <p:txBody>
+            <a:bodyPr wrap="square" rtlCol="0">
+              <a:spAutoFit/>
+            </a:bodyPr>
+            <a:lstStyle/>
+            <a:p>
+              <a:pPr algn="ctr"/>
+              <a:r>
+                <a:rPr lang="en-US" sz="2400" dirty="0" smtClean="0"/>
+                <a:t>+0</a:t>
+              </a:r>
+              <a:endParaRPr lang="en-US" sz="2400" dirty="0"/>
+            </a:p>
+          </p:txBody>
+        </p:sp>
+        <p:sp>
+          <p:nvSpPr>
+            <p:cNvPr id="159" name="TextBox 158"/>
+            <p:cNvSpPr txBox="1"/>
+            <p:nvPr/>
+          </p:nvSpPr>
+          <p:spPr>
+            <a:xfrm>
+              <a:off x="2133600" y="22936200"/>
+              <a:ext cx="533400" cy="457200"/>
+            </a:xfrm>
+            <a:prstGeom prst="rect">
+              <a:avLst/>
+            </a:prstGeom>
+          </p:spPr>
+          <p:style>
+            <a:lnRef idx="2">
+              <a:schemeClr val="accent1">
+                <a:shade val="50000"/>
+              </a:schemeClr>
+            </a:lnRef>
+            <a:fillRef idx="1">
+              <a:schemeClr val="accent1"/>
+            </a:fillRef>
+            <a:effectRef idx="0">
+              <a:schemeClr val="accent1"/>
+            </a:effectRef>
+            <a:fontRef idx="minor">
+              <a:schemeClr val="lt1"/>
+            </a:fontRef>
+          </p:style>
+          <p:txBody>
+            <a:bodyPr wrap="square" rtlCol="0">
+              <a:spAutoFit/>
+            </a:bodyPr>
+            <a:lstStyle/>
+            <a:p>
+              <a:pPr algn="ctr"/>
+              <a:r>
+                <a:rPr lang="en-US" sz="2400" dirty="0" smtClean="0"/>
+                <a:t>+1</a:t>
+              </a:r>
+              <a:endParaRPr lang="en-US" sz="2400" dirty="0"/>
+            </a:p>
+          </p:txBody>
+        </p:sp>
+        <p:sp>
+          <p:nvSpPr>
+            <p:cNvPr id="160" name="TextBox 159"/>
+            <p:cNvSpPr txBox="1"/>
+            <p:nvPr/>
+          </p:nvSpPr>
+          <p:spPr>
+            <a:xfrm>
+              <a:off x="3200400" y="22936200"/>
+              <a:ext cx="609600" cy="457200"/>
+            </a:xfrm>
+            <a:prstGeom prst="rect">
+              <a:avLst/>
+            </a:prstGeom>
+            <a:ln>
+              <a:solidFill>
+                <a:schemeClr val="tx1">
+                  <a:lumMod val="65000"/>
+                  <a:lumOff val="35000"/>
+                </a:schemeClr>
+              </a:solidFill>
+            </a:ln>
+          </p:spPr>
+          <p:style>
+            <a:lnRef idx="2">
+              <a:schemeClr val="dk1"/>
+            </a:lnRef>
+            <a:fillRef idx="1">
+              <a:schemeClr val="lt1"/>
+            </a:fillRef>
+            <a:effectRef idx="0">
+              <a:schemeClr val="dk1"/>
+            </a:effectRef>
+            <a:fontRef idx="minor">
+              <a:schemeClr val="dk1"/>
+            </a:fontRef>
+          </p:style>
+          <p:txBody>
+            <a:bodyPr wrap="square" rtlCol="0">
+              <a:spAutoFit/>
+            </a:bodyPr>
+            <a:lstStyle/>
+            <a:p>
+              <a:pPr algn="ctr"/>
+              <a:r>
+                <a:rPr lang="en-US" sz="2400" dirty="0" smtClean="0"/>
+                <a:t>…</a:t>
+              </a:r>
+              <a:endParaRPr lang="en-US" sz="2400" dirty="0"/>
+            </a:p>
+          </p:txBody>
+        </p:sp>
+        <p:sp>
+          <p:nvSpPr>
+            <p:cNvPr id="161" name="TextBox 160"/>
+            <p:cNvSpPr txBox="1"/>
+            <p:nvPr/>
+          </p:nvSpPr>
+          <p:spPr>
+            <a:xfrm>
+              <a:off x="3810000" y="22936200"/>
+              <a:ext cx="1295400" cy="461665"/>
+            </a:xfrm>
+            <a:prstGeom prst="rect">
+              <a:avLst/>
+            </a:prstGeom>
+          </p:spPr>
+          <p:style>
+            <a:lnRef idx="2">
+              <a:schemeClr val="accent6">
+                <a:shade val="50000"/>
+              </a:schemeClr>
+            </a:lnRef>
+            <a:fillRef idx="1">
+              <a:schemeClr val="accent6"/>
+            </a:fillRef>
+            <a:effectRef idx="0">
+              <a:schemeClr val="accent6"/>
+            </a:effectRef>
+            <a:fontRef idx="minor">
+              <a:schemeClr val="lt1"/>
+            </a:fontRef>
+          </p:style>
+          <p:txBody>
+            <a:bodyPr wrap="square" rtlCol="0">
+              <a:spAutoFit/>
+            </a:bodyPr>
+            <a:lstStyle/>
+            <a:p>
+              <a:pPr algn="ctr"/>
+              <a:r>
+                <a:rPr lang="en-US" sz="2400" dirty="0" smtClean="0"/>
+                <a:t>B0x77..0</a:t>
+              </a:r>
+              <a:endParaRPr lang="en-US" sz="2400" dirty="0"/>
+            </a:p>
+          </p:txBody>
+        </p:sp>
+        <p:sp>
+          <p:nvSpPr>
+            <p:cNvPr id="170" name="TextBox 169"/>
+            <p:cNvSpPr txBox="1"/>
+            <p:nvPr/>
+          </p:nvSpPr>
+          <p:spPr>
+            <a:xfrm>
+              <a:off x="2667000" y="22936200"/>
+              <a:ext cx="533400" cy="457200"/>
+            </a:xfrm>
+            <a:prstGeom prst="rect">
+              <a:avLst/>
+            </a:prstGeom>
+          </p:spPr>
+          <p:style>
+            <a:lnRef idx="2">
+              <a:schemeClr val="accent1">
+                <a:shade val="50000"/>
+              </a:schemeClr>
+            </a:lnRef>
+            <a:fillRef idx="1">
+              <a:schemeClr val="accent1"/>
+            </a:fillRef>
+            <a:effectRef idx="0">
+              <a:schemeClr val="accent1"/>
+            </a:effectRef>
+            <a:fontRef idx="minor">
+              <a:schemeClr val="lt1"/>
+            </a:fontRef>
+          </p:style>
+          <p:txBody>
+            <a:bodyPr wrap="square" rtlCol="0">
+              <a:spAutoFit/>
+            </a:bodyPr>
+            <a:lstStyle/>
+            <a:p>
+              <a:pPr algn="ctr"/>
+              <a:r>
+                <a:rPr lang="en-US" sz="2400" dirty="0" smtClean="0"/>
+                <a:t>+0</a:t>
+              </a:r>
+              <a:endParaRPr lang="en-US" sz="2400" dirty="0"/>
+            </a:p>
+          </p:txBody>
+        </p:sp>
+        <p:sp>
+          <p:nvSpPr>
+            <p:cNvPr id="171" name="TextBox 170"/>
+            <p:cNvSpPr txBox="1"/>
+            <p:nvPr/>
+          </p:nvSpPr>
+          <p:spPr>
+            <a:xfrm>
+              <a:off x="457200" y="22936200"/>
+              <a:ext cx="609600" cy="457200"/>
+            </a:xfrm>
+            <a:prstGeom prst="rect">
+              <a:avLst/>
+            </a:prstGeom>
+            <a:ln>
+              <a:solidFill>
+                <a:schemeClr val="tx1">
+                  <a:lumMod val="65000"/>
+                  <a:lumOff val="35000"/>
+                </a:schemeClr>
+              </a:solidFill>
+            </a:ln>
+          </p:spPr>
+          <p:style>
+            <a:lnRef idx="2">
+              <a:schemeClr val="dk1"/>
+            </a:lnRef>
+            <a:fillRef idx="1">
+              <a:schemeClr val="lt1"/>
+            </a:fillRef>
+            <a:effectRef idx="0">
+              <a:schemeClr val="dk1"/>
+            </a:effectRef>
+            <a:fontRef idx="minor">
+              <a:schemeClr val="dk1"/>
+            </a:fontRef>
+          </p:style>
+          <p:txBody>
+            <a:bodyPr wrap="square" rtlCol="0">
+              <a:spAutoFit/>
+            </a:bodyPr>
+            <a:lstStyle/>
+            <a:p>
+              <a:pPr algn="ctr"/>
+              <a:r>
+                <a:rPr lang="en-US" sz="2400" dirty="0" smtClean="0"/>
+                <a:t>…</a:t>
+              </a:r>
+              <a:endParaRPr lang="en-US" sz="2400" dirty="0"/>
+            </a:p>
+          </p:txBody>
+        </p:sp>
+        <p:sp>
+          <p:nvSpPr>
+            <p:cNvPr id="172" name="TextBox 171"/>
+            <p:cNvSpPr txBox="1"/>
+            <p:nvPr/>
+          </p:nvSpPr>
+          <p:spPr>
+            <a:xfrm>
+              <a:off x="5105400" y="22936200"/>
+              <a:ext cx="838200" cy="461665"/>
+            </a:xfrm>
+            <a:prstGeom prst="rect">
+              <a:avLst/>
+            </a:prstGeom>
+          </p:spPr>
+          <p:style>
+            <a:lnRef idx="2">
+              <a:schemeClr val="accent2">
+                <a:shade val="50000"/>
+              </a:schemeClr>
+            </a:lnRef>
+            <a:fillRef idx="1">
+              <a:schemeClr val="accent2"/>
+            </a:fillRef>
+            <a:effectRef idx="0">
+              <a:schemeClr val="accent2"/>
+            </a:effectRef>
+            <a:fontRef idx="minor">
+              <a:schemeClr val="lt1"/>
+            </a:fontRef>
+          </p:style>
+          <p:txBody>
+            <a:bodyPr wrap="square" rtlCol="0">
+              <a:spAutoFit/>
+            </a:bodyPr>
+            <a:lstStyle/>
+            <a:p>
+              <a:pPr algn="ctr"/>
+              <a:r>
+                <a:rPr lang="en-US" sz="2400" dirty="0" smtClean="0"/>
+                <a:t>+0x0</a:t>
+              </a:r>
+              <a:endParaRPr lang="en-US" sz="2400" dirty="0"/>
+            </a:p>
+          </p:txBody>
+        </p:sp>
+        <p:sp>
+          <p:nvSpPr>
+            <p:cNvPr id="173" name="TextBox 172"/>
+            <p:cNvSpPr txBox="1"/>
+            <p:nvPr/>
+          </p:nvSpPr>
+          <p:spPr>
+            <a:xfrm>
+              <a:off x="5943600" y="22936200"/>
+              <a:ext cx="838200" cy="461665"/>
+            </a:xfrm>
+            <a:prstGeom prst="rect">
+              <a:avLst/>
+            </a:prstGeom>
+          </p:spPr>
+          <p:style>
+            <a:lnRef idx="2">
+              <a:schemeClr val="accent2">
+                <a:shade val="50000"/>
+              </a:schemeClr>
+            </a:lnRef>
+            <a:fillRef idx="1">
+              <a:schemeClr val="accent2"/>
+            </a:fillRef>
+            <a:effectRef idx="0">
+              <a:schemeClr val="accent2"/>
+            </a:effectRef>
+            <a:fontRef idx="minor">
+              <a:schemeClr val="lt1"/>
+            </a:fontRef>
+          </p:style>
+          <p:txBody>
+            <a:bodyPr wrap="square" rtlCol="0">
+              <a:spAutoFit/>
+            </a:bodyPr>
+            <a:lstStyle/>
+            <a:p>
+              <a:pPr algn="ctr"/>
+              <a:r>
+                <a:rPr lang="en-US" sz="2400" dirty="0" smtClean="0"/>
+                <a:t>+0x4</a:t>
+              </a:r>
+              <a:endParaRPr lang="en-US" sz="2400" dirty="0"/>
+            </a:p>
+          </p:txBody>
+        </p:sp>
+        <p:sp>
+          <p:nvSpPr>
+            <p:cNvPr id="174" name="TextBox 173"/>
+            <p:cNvSpPr txBox="1"/>
+            <p:nvPr/>
+          </p:nvSpPr>
+          <p:spPr>
+            <a:xfrm>
+              <a:off x="6781800" y="22936200"/>
+              <a:ext cx="838200" cy="461665"/>
+            </a:xfrm>
+            <a:prstGeom prst="rect">
+              <a:avLst/>
+            </a:prstGeom>
+          </p:spPr>
+          <p:style>
+            <a:lnRef idx="2">
+              <a:schemeClr val="accent2">
+                <a:shade val="50000"/>
+              </a:schemeClr>
+            </a:lnRef>
+            <a:fillRef idx="1">
+              <a:schemeClr val="accent2"/>
+            </a:fillRef>
+            <a:effectRef idx="0">
+              <a:schemeClr val="accent2"/>
+            </a:effectRef>
+            <a:fontRef idx="minor">
+              <a:schemeClr val="lt1"/>
+            </a:fontRef>
+          </p:style>
+          <p:txBody>
+            <a:bodyPr wrap="square" rtlCol="0">
+              <a:spAutoFit/>
+            </a:bodyPr>
+            <a:lstStyle/>
+            <a:p>
+              <a:pPr algn="ctr"/>
+              <a:r>
+                <a:rPr lang="en-US" sz="2400" dirty="0" smtClean="0"/>
+                <a:t>+0xC</a:t>
+              </a:r>
+              <a:endParaRPr lang="en-US" sz="2400" dirty="0"/>
+            </a:p>
+          </p:txBody>
+        </p:sp>
+        <p:sp>
+          <p:nvSpPr>
+            <p:cNvPr id="175" name="TextBox 174"/>
+            <p:cNvSpPr txBox="1"/>
+            <p:nvPr/>
+          </p:nvSpPr>
+          <p:spPr>
+            <a:xfrm>
+              <a:off x="7620000" y="22936200"/>
+              <a:ext cx="609600" cy="457200"/>
+            </a:xfrm>
+            <a:prstGeom prst="rect">
+              <a:avLst/>
+            </a:prstGeom>
+            <a:ln>
+              <a:solidFill>
+                <a:schemeClr val="tx1">
+                  <a:lumMod val="65000"/>
+                  <a:lumOff val="35000"/>
+                </a:schemeClr>
+              </a:solidFill>
+            </a:ln>
+          </p:spPr>
+          <p:style>
+            <a:lnRef idx="2">
+              <a:schemeClr val="dk1"/>
+            </a:lnRef>
+            <a:fillRef idx="1">
+              <a:schemeClr val="lt1"/>
+            </a:fillRef>
+            <a:effectRef idx="0">
+              <a:schemeClr val="dk1"/>
+            </a:effectRef>
+            <a:fontRef idx="minor">
+              <a:schemeClr val="dk1"/>
+            </a:fontRef>
+          </p:style>
+          <p:txBody>
+            <a:bodyPr wrap="square" rtlCol="0">
+              <a:spAutoFit/>
+            </a:bodyPr>
+            <a:lstStyle/>
+            <a:p>
+              <a:pPr algn="ctr"/>
+              <a:r>
+                <a:rPr lang="en-US" sz="2400" dirty="0" smtClean="0"/>
+                <a:t>…</a:t>
+              </a:r>
+              <a:endParaRPr lang="en-US" sz="2400" dirty="0"/>
+            </a:p>
+          </p:txBody>
+        </p:sp>
+        <p:sp>
+          <p:nvSpPr>
+            <p:cNvPr id="176" name="TextBox 175"/>
+            <p:cNvSpPr txBox="1"/>
+            <p:nvPr/>
+          </p:nvSpPr>
+          <p:spPr>
+            <a:xfrm>
+              <a:off x="8229600" y="22936200"/>
+              <a:ext cx="838200" cy="461665"/>
+            </a:xfrm>
+            <a:prstGeom prst="rect">
+              <a:avLst/>
+            </a:prstGeom>
+          </p:spPr>
+          <p:style>
+            <a:lnRef idx="2">
+              <a:schemeClr val="accent6">
+                <a:shade val="50000"/>
+              </a:schemeClr>
+            </a:lnRef>
+            <a:fillRef idx="1">
+              <a:schemeClr val="accent6"/>
+            </a:fillRef>
+            <a:effectRef idx="0">
+              <a:schemeClr val="accent6"/>
+            </a:effectRef>
+            <a:fontRef idx="minor">
+              <a:schemeClr val="lt1"/>
+            </a:fontRef>
+          </p:style>
+          <p:txBody>
+            <a:bodyPr wrap="square" rtlCol="0">
+              <a:spAutoFit/>
+            </a:bodyPr>
+            <a:lstStyle/>
+            <a:p>
+              <a:pPr algn="ctr"/>
+              <a:r>
+                <a:rPr lang="en-US" sz="2400" dirty="0" smtClean="0"/>
+                <a:t>B100</a:t>
+              </a:r>
+              <a:endParaRPr lang="en-US" sz="2400" dirty="0"/>
+            </a:p>
+          </p:txBody>
+        </p:sp>
+        <p:sp>
+          <p:nvSpPr>
+            <p:cNvPr id="177" name="TextBox 176"/>
+            <p:cNvSpPr txBox="1"/>
+            <p:nvPr/>
+          </p:nvSpPr>
+          <p:spPr>
+            <a:xfrm>
+              <a:off x="9067800" y="22936200"/>
+              <a:ext cx="685800" cy="461665"/>
+            </a:xfrm>
+            <a:prstGeom prst="rect">
+              <a:avLst/>
+            </a:prstGeom>
+          </p:spPr>
+          <p:style>
+            <a:lnRef idx="2">
+              <a:schemeClr val="accent4">
+                <a:shade val="50000"/>
+              </a:schemeClr>
+            </a:lnRef>
+            <a:fillRef idx="1">
+              <a:schemeClr val="accent4"/>
+            </a:fillRef>
+            <a:effectRef idx="0">
+              <a:schemeClr val="accent4"/>
+            </a:effectRef>
+            <a:fontRef idx="minor">
+              <a:schemeClr val="lt1"/>
+            </a:fontRef>
+          </p:style>
+          <p:txBody>
+            <a:bodyPr wrap="square" rtlCol="0">
+              <a:spAutoFit/>
+            </a:bodyPr>
+            <a:lstStyle/>
+            <a:p>
+              <a:pPr algn="ctr"/>
+              <a:r>
+                <a:rPr lang="en-US" sz="2400" dirty="0" smtClean="0"/>
+                <a:t>+0</a:t>
+              </a:r>
+              <a:endParaRPr lang="en-US" sz="2400" dirty="0"/>
+            </a:p>
+          </p:txBody>
+        </p:sp>
+        <p:sp>
+          <p:nvSpPr>
+            <p:cNvPr id="178" name="TextBox 177"/>
+            <p:cNvSpPr txBox="1"/>
+            <p:nvPr/>
+          </p:nvSpPr>
+          <p:spPr>
+            <a:xfrm>
+              <a:off x="9753600" y="22936200"/>
+              <a:ext cx="685800" cy="461665"/>
+            </a:xfrm>
+            <a:prstGeom prst="rect">
+              <a:avLst/>
+            </a:prstGeom>
+          </p:spPr>
+          <p:style>
+            <a:lnRef idx="2">
+              <a:schemeClr val="accent4">
+                <a:shade val="50000"/>
+              </a:schemeClr>
+            </a:lnRef>
+            <a:fillRef idx="1">
+              <a:schemeClr val="accent4"/>
+            </a:fillRef>
+            <a:effectRef idx="0">
+              <a:schemeClr val="accent4"/>
+            </a:effectRef>
+            <a:fontRef idx="minor">
+              <a:schemeClr val="lt1"/>
+            </a:fontRef>
+          </p:style>
+          <p:txBody>
+            <a:bodyPr wrap="square" rtlCol="0">
+              <a:spAutoFit/>
+            </a:bodyPr>
+            <a:lstStyle/>
+            <a:p>
+              <a:pPr algn="ctr"/>
+              <a:r>
+                <a:rPr lang="en-US" sz="2400" dirty="0" smtClean="0"/>
+                <a:t>+8</a:t>
+              </a:r>
+              <a:endParaRPr lang="en-US" sz="2400" dirty="0"/>
+            </a:p>
+          </p:txBody>
+        </p:sp>
+        <p:sp>
+          <p:nvSpPr>
+            <p:cNvPr id="179" name="TextBox 178"/>
+            <p:cNvSpPr txBox="1"/>
+            <p:nvPr/>
+          </p:nvSpPr>
+          <p:spPr>
+            <a:xfrm>
+              <a:off x="10439400" y="22936200"/>
+              <a:ext cx="685800" cy="461665"/>
+            </a:xfrm>
+            <a:prstGeom prst="rect">
+              <a:avLst/>
+            </a:prstGeom>
+          </p:spPr>
+          <p:style>
+            <a:lnRef idx="2">
+              <a:schemeClr val="accent4">
+                <a:shade val="50000"/>
+              </a:schemeClr>
+            </a:lnRef>
+            <a:fillRef idx="1">
+              <a:schemeClr val="accent4"/>
+            </a:fillRef>
+            <a:effectRef idx="0">
+              <a:schemeClr val="accent4"/>
+            </a:effectRef>
+            <a:fontRef idx="minor">
+              <a:schemeClr val="lt1"/>
+            </a:fontRef>
+          </p:style>
+          <p:txBody>
+            <a:bodyPr wrap="square" rtlCol="0">
+              <a:spAutoFit/>
+            </a:bodyPr>
+            <a:lstStyle/>
+            <a:p>
+              <a:pPr algn="ctr"/>
+              <a:r>
+                <a:rPr lang="en-US" sz="2400" dirty="0" smtClean="0"/>
+                <a:t>-7</a:t>
+              </a:r>
+              <a:endParaRPr lang="en-US" sz="2400" dirty="0"/>
+            </a:p>
+          </p:txBody>
+        </p:sp>
+        <p:sp>
+          <p:nvSpPr>
+            <p:cNvPr id="180" name="TextBox 179"/>
+            <p:cNvSpPr txBox="1"/>
+            <p:nvPr/>
+          </p:nvSpPr>
+          <p:spPr>
+            <a:xfrm>
+              <a:off x="11125200" y="22936200"/>
+              <a:ext cx="609600" cy="457200"/>
+            </a:xfrm>
+            <a:prstGeom prst="rect">
+              <a:avLst/>
+            </a:prstGeom>
+            <a:ln>
+              <a:solidFill>
+                <a:schemeClr val="tx1">
+                  <a:lumMod val="65000"/>
+                  <a:lumOff val="35000"/>
+                </a:schemeClr>
+              </a:solidFill>
+            </a:ln>
+          </p:spPr>
+          <p:style>
+            <a:lnRef idx="2">
+              <a:schemeClr val="dk1"/>
+            </a:lnRef>
+            <a:fillRef idx="1">
+              <a:schemeClr val="lt1"/>
+            </a:fillRef>
+            <a:effectRef idx="0">
+              <a:schemeClr val="dk1"/>
+            </a:effectRef>
+            <a:fontRef idx="minor">
+              <a:schemeClr val="dk1"/>
+            </a:fontRef>
+          </p:style>
+          <p:txBody>
+            <a:bodyPr wrap="square" rtlCol="0">
+              <a:spAutoFit/>
+            </a:bodyPr>
+            <a:lstStyle/>
+            <a:p>
+              <a:pPr algn="ctr"/>
+              <a:r>
+                <a:rPr lang="en-US" sz="2400" dirty="0" smtClean="0"/>
+                <a:t>…</a:t>
+              </a:r>
+              <a:endParaRPr lang="en-US" sz="2400" dirty="0"/>
+            </a:p>
+          </p:txBody>
+        </p:sp>
+      </p:grpSp>
+      <p:grpSp>
+        <p:nvGrpSpPr>
+          <p:cNvPr id="19" name="Group 18"/>
           <p:cNvGrpSpPr/>
           <p:nvPr/>
         </p:nvGrpSpPr>
         <p:grpSpPr>
           <a:xfrm>
             <a:off x="762000" y="19431000"/>
-            <a:ext cx="8382000" cy="461665"/>
-            <a:chOff x="152400" y="20193000"/>
-            <a:chExt cx="8382000" cy="461665"/>
+            <a:ext cx="8991600" cy="457201"/>
+            <a:chOff x="457200" y="19431000"/>
+            <a:chExt cx="8991600" cy="457201"/>
           </a:xfrm>
         </p:grpSpPr>
         <p:grpSp>
@@ -5659,7 +7159,7 @@
           </p:nvGrpSpPr>
           <p:grpSpPr>
             <a:xfrm>
-              <a:off x="457200" y="20193000"/>
+              <a:off x="1066800" y="19431000"/>
               <a:ext cx="2590800" cy="457201"/>
               <a:chOff x="457200" y="17449800"/>
               <a:chExt cx="2590800" cy="457201"/>
@@ -5812,7 +7312,7 @@
           </p:nvGrpSpPr>
           <p:grpSpPr>
             <a:xfrm>
-              <a:off x="3048000" y="20193000"/>
+              <a:off x="3657600" y="19431000"/>
               <a:ext cx="2590800" cy="457201"/>
               <a:chOff x="457200" y="17449800"/>
               <a:chExt cx="2590800" cy="457201"/>
@@ -5965,7 +7465,7 @@
           </p:nvGrpSpPr>
           <p:grpSpPr>
             <a:xfrm>
-              <a:off x="5638800" y="20193000"/>
+              <a:off x="6248400" y="19431000"/>
               <a:ext cx="2590800" cy="457201"/>
               <a:chOff x="457200" y="17449800"/>
               <a:chExt cx="2590800" cy="457201"/>
@@ -6112,14 +7612,14 @@
         </p:grpSp>
         <p:sp>
           <p:nvSpPr>
-            <p:cNvPr id="134" name="TextBox 133"/>
+            <p:cNvPr id="181" name="TextBox 180"/>
             <p:cNvSpPr txBox="1"/>
             <p:nvPr/>
           </p:nvSpPr>
           <p:spPr>
             <a:xfrm>
-              <a:off x="8229600" y="20193000"/>
-              <a:ext cx="304800" cy="461665"/>
+              <a:off x="457200" y="19431000"/>
+              <a:ext cx="609600" cy="457200"/>
             </a:xfrm>
             <a:prstGeom prst="rect">
               <a:avLst/>
@@ -6164,14 +7664,14 @@
         </p:sp>
         <p:sp>
           <p:nvSpPr>
-            <p:cNvPr id="135" name="TextBox 134"/>
+            <p:cNvPr id="182" name="TextBox 181"/>
             <p:cNvSpPr txBox="1"/>
             <p:nvPr/>
           </p:nvSpPr>
           <p:spPr>
             <a:xfrm>
-              <a:off x="152400" y="20193000"/>
-              <a:ext cx="304800" cy="457200"/>
+              <a:off x="8839200" y="19431000"/>
+              <a:ext cx="609600" cy="457200"/>
             </a:xfrm>
             <a:prstGeom prst="rect">
               <a:avLst/>
@@ -6217,166 +7717,457 @@
       </p:grpSp>
       <p:grpSp>
         <p:nvGrpSpPr>
-          <p:cNvPr id="11" name="Group 10"/>
+          <p:cNvPr id="24" name="Group 23"/>
           <p:cNvGrpSpPr/>
           <p:nvPr/>
         </p:nvGrpSpPr>
         <p:grpSpPr>
           <a:xfrm>
-            <a:off x="762000" y="20874335"/>
-            <a:ext cx="8534400" cy="461665"/>
-            <a:chOff x="609600" y="21488400"/>
-            <a:chExt cx="8534400" cy="461665"/>
+            <a:off x="762000" y="20878800"/>
+            <a:ext cx="9525000" cy="466130"/>
+            <a:chOff x="457200" y="20874335"/>
+            <a:chExt cx="9525000" cy="466130"/>
           </a:xfrm>
         </p:grpSpPr>
+        <p:grpSp>
+          <p:nvGrpSpPr>
+            <p:cNvPr id="11" name="Group 10"/>
+            <p:cNvGrpSpPr/>
+            <p:nvPr/>
+          </p:nvGrpSpPr>
+          <p:grpSpPr>
+            <a:xfrm>
+              <a:off x="1066800" y="20874335"/>
+              <a:ext cx="8382000" cy="466130"/>
+              <a:chOff x="914400" y="21488400"/>
+              <a:chExt cx="8382000" cy="466130"/>
+            </a:xfrm>
+          </p:grpSpPr>
+          <p:sp>
+            <p:nvSpPr>
+              <p:cNvPr id="137" name="TextBox 136"/>
+              <p:cNvSpPr txBox="1"/>
+              <p:nvPr/>
+            </p:nvSpPr>
+            <p:spPr>
+              <a:xfrm>
+                <a:off x="914400" y="21488400"/>
+                <a:ext cx="533400" cy="457200"/>
+              </a:xfrm>
+              <a:prstGeom prst="rect">
+                <a:avLst/>
+              </a:prstGeom>
+            </p:spPr>
+            <p:style>
+              <a:lnRef idx="2">
+                <a:schemeClr val="accent1">
+                  <a:shade val="50000"/>
+                </a:schemeClr>
+              </a:lnRef>
+              <a:fillRef idx="1">
+                <a:schemeClr val="accent1"/>
+              </a:fillRef>
+              <a:effectRef idx="0">
+                <a:schemeClr val="accent1"/>
+              </a:effectRef>
+              <a:fontRef idx="minor">
+                <a:schemeClr val="lt1"/>
+              </a:fontRef>
+            </p:style>
+            <p:txBody>
+              <a:bodyPr wrap="square" rtlCol="0">
+                <a:spAutoFit/>
+              </a:bodyPr>
+              <a:lstStyle/>
+              <a:p>
+                <a:pPr algn="ctr"/>
+                <a:r>
+                  <a:rPr lang="en-US" sz="2400" dirty="0" smtClean="0"/>
+                  <a:t>0</a:t>
+                </a:r>
+                <a:endParaRPr lang="en-US" sz="2400" dirty="0"/>
+              </a:p>
+            </p:txBody>
+          </p:sp>
+          <p:sp>
+            <p:nvSpPr>
+              <p:cNvPr id="138" name="TextBox 137"/>
+              <p:cNvSpPr txBox="1"/>
+              <p:nvPr/>
+            </p:nvSpPr>
+            <p:spPr>
+              <a:xfrm>
+                <a:off x="1447800" y="21488400"/>
+                <a:ext cx="533400" cy="457200"/>
+              </a:xfrm>
+              <a:prstGeom prst="rect">
+                <a:avLst/>
+              </a:prstGeom>
+            </p:spPr>
+            <p:style>
+              <a:lnRef idx="2">
+                <a:schemeClr val="accent1">
+                  <a:shade val="50000"/>
+                </a:schemeClr>
+              </a:lnRef>
+              <a:fillRef idx="1">
+                <a:schemeClr val="accent1"/>
+              </a:fillRef>
+              <a:effectRef idx="0">
+                <a:schemeClr val="accent1"/>
+              </a:effectRef>
+              <a:fontRef idx="minor">
+                <a:schemeClr val="lt1"/>
+              </a:fontRef>
+            </p:style>
+            <p:txBody>
+              <a:bodyPr wrap="square" rtlCol="0">
+                <a:spAutoFit/>
+              </a:bodyPr>
+              <a:lstStyle/>
+              <a:p>
+                <a:pPr algn="ctr"/>
+                <a:r>
+                  <a:rPr lang="en-US" sz="2400" dirty="0"/>
+                  <a:t>1</a:t>
+                </a:r>
+                <a:endParaRPr lang="en-US" sz="2400" dirty="0"/>
+              </a:p>
+            </p:txBody>
+          </p:sp>
+          <p:sp>
+            <p:nvSpPr>
+              <p:cNvPr id="139" name="TextBox 138"/>
+              <p:cNvSpPr txBox="1"/>
+              <p:nvPr/>
+            </p:nvSpPr>
+            <p:spPr>
+              <a:xfrm>
+                <a:off x="1981200" y="21488400"/>
+                <a:ext cx="533400" cy="457200"/>
+              </a:xfrm>
+              <a:prstGeom prst="rect">
+                <a:avLst/>
+              </a:prstGeom>
+            </p:spPr>
+            <p:style>
+              <a:lnRef idx="2">
+                <a:schemeClr val="accent1">
+                  <a:shade val="50000"/>
+                </a:schemeClr>
+              </a:lnRef>
+              <a:fillRef idx="1">
+                <a:schemeClr val="accent1"/>
+              </a:fillRef>
+              <a:effectRef idx="0">
+                <a:schemeClr val="accent1"/>
+              </a:effectRef>
+              <a:fontRef idx="minor">
+                <a:schemeClr val="lt1"/>
+              </a:fontRef>
+            </p:style>
+            <p:txBody>
+              <a:bodyPr wrap="square" rtlCol="0">
+                <a:spAutoFit/>
+              </a:bodyPr>
+              <a:lstStyle/>
+              <a:p>
+                <a:pPr algn="ctr"/>
+                <a:r>
+                  <a:rPr lang="en-US" sz="2400" dirty="0" smtClean="0"/>
+                  <a:t>0</a:t>
+                </a:r>
+                <a:endParaRPr lang="en-US" sz="2400" dirty="0"/>
+              </a:p>
+            </p:txBody>
+          </p:sp>
+          <p:sp>
+            <p:nvSpPr>
+              <p:cNvPr id="141" name="TextBox 140"/>
+              <p:cNvSpPr txBox="1"/>
+              <p:nvPr/>
+            </p:nvSpPr>
+            <p:spPr>
+              <a:xfrm>
+                <a:off x="3124200" y="21492865"/>
+                <a:ext cx="1143000" cy="461665"/>
+              </a:xfrm>
+              <a:prstGeom prst="rect">
+                <a:avLst/>
+              </a:prstGeom>
+            </p:spPr>
+            <p:style>
+              <a:lnRef idx="2">
+                <a:schemeClr val="accent2">
+                  <a:shade val="50000"/>
+                </a:schemeClr>
+              </a:lnRef>
+              <a:fillRef idx="1">
+                <a:schemeClr val="accent2"/>
+              </a:fillRef>
+              <a:effectRef idx="0">
+                <a:schemeClr val="accent2"/>
+              </a:effectRef>
+              <a:fontRef idx="minor">
+                <a:schemeClr val="lt1"/>
+              </a:fontRef>
+            </p:style>
+            <p:txBody>
+              <a:bodyPr wrap="square" rtlCol="0">
+                <a:spAutoFit/>
+              </a:bodyPr>
+              <a:lstStyle/>
+              <a:p>
+                <a:pPr algn="ctr"/>
+                <a:r>
+                  <a:rPr lang="en-US" sz="2400" dirty="0" smtClean="0"/>
+                  <a:t>0x77..0</a:t>
+                </a:r>
+                <a:endParaRPr lang="en-US" sz="2400" dirty="0"/>
+              </a:p>
+            </p:txBody>
+          </p:sp>
+          <p:sp>
+            <p:nvSpPr>
+              <p:cNvPr id="142" name="TextBox 141"/>
+              <p:cNvSpPr txBox="1"/>
+              <p:nvPr/>
+            </p:nvSpPr>
+            <p:spPr>
+              <a:xfrm>
+                <a:off x="4267200" y="21492865"/>
+                <a:ext cx="1143000" cy="457200"/>
+              </a:xfrm>
+              <a:prstGeom prst="rect">
+                <a:avLst/>
+              </a:prstGeom>
+            </p:spPr>
+            <p:style>
+              <a:lnRef idx="2">
+                <a:schemeClr val="accent2">
+                  <a:shade val="50000"/>
+                </a:schemeClr>
+              </a:lnRef>
+              <a:fillRef idx="1">
+                <a:schemeClr val="accent2"/>
+              </a:fillRef>
+              <a:effectRef idx="0">
+                <a:schemeClr val="accent2"/>
+              </a:effectRef>
+              <a:fontRef idx="minor">
+                <a:schemeClr val="lt1"/>
+              </a:fontRef>
+            </p:style>
+            <p:txBody>
+              <a:bodyPr wrap="square" rtlCol="0">
+                <a:spAutoFit/>
+              </a:bodyPr>
+              <a:lstStyle/>
+              <a:p>
+                <a:pPr algn="ctr"/>
+                <a:r>
+                  <a:rPr lang="en-US" sz="2400" dirty="0" smtClean="0"/>
+                  <a:t>0x77..4</a:t>
+                </a:r>
+                <a:endParaRPr lang="en-US" sz="2400" dirty="0"/>
+              </a:p>
+            </p:txBody>
+          </p:sp>
+          <p:sp>
+            <p:nvSpPr>
+              <p:cNvPr id="143" name="TextBox 142"/>
+              <p:cNvSpPr txBox="1"/>
+              <p:nvPr/>
+            </p:nvSpPr>
+            <p:spPr>
+              <a:xfrm>
+                <a:off x="5410200" y="21492865"/>
+                <a:ext cx="1219200" cy="457200"/>
+              </a:xfrm>
+              <a:prstGeom prst="rect">
+                <a:avLst/>
+              </a:prstGeom>
+            </p:spPr>
+            <p:style>
+              <a:lnRef idx="2">
+                <a:schemeClr val="accent2">
+                  <a:shade val="50000"/>
+                </a:schemeClr>
+              </a:lnRef>
+              <a:fillRef idx="1">
+                <a:schemeClr val="accent2"/>
+              </a:fillRef>
+              <a:effectRef idx="0">
+                <a:schemeClr val="accent2"/>
+              </a:effectRef>
+              <a:fontRef idx="minor">
+                <a:schemeClr val="lt1"/>
+              </a:fontRef>
+            </p:style>
+            <p:txBody>
+              <a:bodyPr wrap="square" rtlCol="0">
+                <a:spAutoFit/>
+              </a:bodyPr>
+              <a:lstStyle/>
+              <a:p>
+                <a:pPr algn="ctr"/>
+                <a:r>
+                  <a:rPr lang="en-US" sz="2400" dirty="0" smtClean="0"/>
+                  <a:t>0x77..C</a:t>
+                </a:r>
+                <a:endParaRPr lang="en-US" sz="2400" dirty="0"/>
+              </a:p>
+            </p:txBody>
+          </p:sp>
+          <p:sp>
+            <p:nvSpPr>
+              <p:cNvPr id="147" name="TextBox 146"/>
+              <p:cNvSpPr txBox="1"/>
+              <p:nvPr/>
+            </p:nvSpPr>
+            <p:spPr>
+              <a:xfrm>
+                <a:off x="7239000" y="21492865"/>
+                <a:ext cx="685800" cy="461665"/>
+              </a:xfrm>
+              <a:prstGeom prst="rect">
+                <a:avLst/>
+              </a:prstGeom>
+            </p:spPr>
+            <p:style>
+              <a:lnRef idx="2">
+                <a:schemeClr val="accent4">
+                  <a:shade val="50000"/>
+                </a:schemeClr>
+              </a:lnRef>
+              <a:fillRef idx="1">
+                <a:schemeClr val="accent4"/>
+              </a:fillRef>
+              <a:effectRef idx="0">
+                <a:schemeClr val="accent4"/>
+              </a:effectRef>
+              <a:fontRef idx="minor">
+                <a:schemeClr val="lt1"/>
+              </a:fontRef>
+            </p:style>
+            <p:txBody>
+              <a:bodyPr wrap="square" rtlCol="0">
+                <a:spAutoFit/>
+              </a:bodyPr>
+              <a:lstStyle/>
+              <a:p>
+                <a:pPr algn="ctr"/>
+                <a:r>
+                  <a:rPr lang="en-US" sz="2400" dirty="0" smtClean="0"/>
+                  <a:t>100</a:t>
+                </a:r>
+                <a:endParaRPr lang="en-US" sz="2400" dirty="0"/>
+              </a:p>
+            </p:txBody>
+          </p:sp>
+          <p:sp>
+            <p:nvSpPr>
+              <p:cNvPr id="148" name="TextBox 147"/>
+              <p:cNvSpPr txBox="1"/>
+              <p:nvPr/>
+            </p:nvSpPr>
+            <p:spPr>
+              <a:xfrm>
+                <a:off x="7924800" y="21492865"/>
+                <a:ext cx="685800" cy="461665"/>
+              </a:xfrm>
+              <a:prstGeom prst="rect">
+                <a:avLst/>
+              </a:prstGeom>
+            </p:spPr>
+            <p:style>
+              <a:lnRef idx="2">
+                <a:schemeClr val="accent4">
+                  <a:shade val="50000"/>
+                </a:schemeClr>
+              </a:lnRef>
+              <a:fillRef idx="1">
+                <a:schemeClr val="accent4"/>
+              </a:fillRef>
+              <a:effectRef idx="0">
+                <a:schemeClr val="accent4"/>
+              </a:effectRef>
+              <a:fontRef idx="minor">
+                <a:schemeClr val="lt1"/>
+              </a:fontRef>
+            </p:style>
+            <p:txBody>
+              <a:bodyPr wrap="square" rtlCol="0">
+                <a:spAutoFit/>
+              </a:bodyPr>
+              <a:lstStyle/>
+              <a:p>
+                <a:pPr algn="ctr"/>
+                <a:r>
+                  <a:rPr lang="en-US" sz="2400" dirty="0" smtClean="0"/>
+                  <a:t>108</a:t>
+                </a:r>
+                <a:endParaRPr lang="en-US" sz="2400" dirty="0"/>
+              </a:p>
+            </p:txBody>
+          </p:sp>
+          <p:sp>
+            <p:nvSpPr>
+              <p:cNvPr id="150" name="TextBox 149"/>
+              <p:cNvSpPr txBox="1"/>
+              <p:nvPr/>
+            </p:nvSpPr>
+            <p:spPr>
+              <a:xfrm>
+                <a:off x="8610600" y="21492865"/>
+                <a:ext cx="685800" cy="461665"/>
+              </a:xfrm>
+              <a:prstGeom prst="rect">
+                <a:avLst/>
+              </a:prstGeom>
+            </p:spPr>
+            <p:style>
+              <a:lnRef idx="2">
+                <a:schemeClr val="accent4">
+                  <a:shade val="50000"/>
+                </a:schemeClr>
+              </a:lnRef>
+              <a:fillRef idx="1">
+                <a:schemeClr val="accent4"/>
+              </a:fillRef>
+              <a:effectRef idx="0">
+                <a:schemeClr val="accent4"/>
+              </a:effectRef>
+              <a:fontRef idx="minor">
+                <a:schemeClr val="lt1"/>
+              </a:fontRef>
+            </p:style>
+            <p:txBody>
+              <a:bodyPr wrap="square" rtlCol="0">
+                <a:spAutoFit/>
+              </a:bodyPr>
+              <a:lstStyle/>
+              <a:p>
+                <a:pPr algn="ctr"/>
+                <a:r>
+                  <a:rPr lang="en-US" sz="2400" dirty="0" smtClean="0"/>
+                  <a:t>93</a:t>
+                </a:r>
+                <a:endParaRPr lang="en-US" sz="2400" dirty="0"/>
+              </a:p>
+            </p:txBody>
+          </p:sp>
+        </p:grpSp>
         <p:sp>
           <p:nvSpPr>
-            <p:cNvPr id="137" name="TextBox 136"/>
+            <p:cNvPr id="183" name="TextBox 182"/>
             <p:cNvSpPr txBox="1"/>
             <p:nvPr/>
           </p:nvSpPr>
           <p:spPr>
             <a:xfrm>
-              <a:off x="914400" y="21488400"/>
-              <a:ext cx="533400" cy="457200"/>
-            </a:xfrm>
-            <a:prstGeom prst="rect">
-              <a:avLst/>
-            </a:prstGeom>
-          </p:spPr>
-          <p:style>
-            <a:lnRef idx="2">
-              <a:schemeClr val="accent1">
-                <a:shade val="50000"/>
-              </a:schemeClr>
-            </a:lnRef>
-            <a:fillRef idx="1">
-              <a:schemeClr val="accent1"/>
-            </a:fillRef>
-            <a:effectRef idx="0">
-              <a:schemeClr val="accent1"/>
-            </a:effectRef>
-            <a:fontRef idx="minor">
-              <a:schemeClr val="lt1"/>
-            </a:fontRef>
-          </p:style>
-          <p:txBody>
-            <a:bodyPr wrap="square" rtlCol="0">
-              <a:spAutoFit/>
-            </a:bodyPr>
-            <a:lstStyle/>
-            <a:p>
-              <a:pPr algn="ctr"/>
-              <a:r>
-                <a:rPr lang="en-US" sz="2400" dirty="0" smtClean="0"/>
-                <a:t>0</a:t>
-              </a:r>
-              <a:endParaRPr lang="en-US" sz="2400" dirty="0"/>
-            </a:p>
-          </p:txBody>
-        </p:sp>
-        <p:sp>
-          <p:nvSpPr>
-            <p:cNvPr id="138" name="TextBox 137"/>
-            <p:cNvSpPr txBox="1"/>
-            <p:nvPr/>
-          </p:nvSpPr>
-          <p:spPr>
-            <a:xfrm>
-              <a:off x="1447800" y="21488400"/>
-              <a:ext cx="533400" cy="457200"/>
-            </a:xfrm>
-            <a:prstGeom prst="rect">
-              <a:avLst/>
-            </a:prstGeom>
-          </p:spPr>
-          <p:style>
-            <a:lnRef idx="2">
-              <a:schemeClr val="accent1">
-                <a:shade val="50000"/>
-              </a:schemeClr>
-            </a:lnRef>
-            <a:fillRef idx="1">
-              <a:schemeClr val="accent1"/>
-            </a:fillRef>
-            <a:effectRef idx="0">
-              <a:schemeClr val="accent1"/>
-            </a:effectRef>
-            <a:fontRef idx="minor">
-              <a:schemeClr val="lt1"/>
-            </a:fontRef>
-          </p:style>
-          <p:txBody>
-            <a:bodyPr wrap="square" rtlCol="0">
-              <a:spAutoFit/>
-            </a:bodyPr>
-            <a:lstStyle/>
-            <a:p>
-              <a:pPr algn="ctr"/>
-              <a:r>
-                <a:rPr lang="en-US" sz="2400" dirty="0"/>
-                <a:t>1</a:t>
-              </a:r>
-              <a:endParaRPr lang="en-US" sz="2400" dirty="0"/>
-            </a:p>
-          </p:txBody>
-        </p:sp>
-        <p:sp>
-          <p:nvSpPr>
-            <p:cNvPr id="139" name="TextBox 138"/>
-            <p:cNvSpPr txBox="1"/>
-            <p:nvPr/>
-          </p:nvSpPr>
-          <p:spPr>
-            <a:xfrm>
-              <a:off x="1981200" y="21488400"/>
-              <a:ext cx="533400" cy="457200"/>
-            </a:xfrm>
-            <a:prstGeom prst="rect">
-              <a:avLst/>
-            </a:prstGeom>
-          </p:spPr>
-          <p:style>
-            <a:lnRef idx="2">
-              <a:schemeClr val="accent1">
-                <a:shade val="50000"/>
-              </a:schemeClr>
-            </a:lnRef>
-            <a:fillRef idx="1">
-              <a:schemeClr val="accent1"/>
-            </a:fillRef>
-            <a:effectRef idx="0">
-              <a:schemeClr val="accent1"/>
-            </a:effectRef>
-            <a:fontRef idx="minor">
-              <a:schemeClr val="lt1"/>
-            </a:fontRef>
-          </p:style>
-          <p:txBody>
-            <a:bodyPr wrap="square" rtlCol="0">
-              <a:spAutoFit/>
-            </a:bodyPr>
-            <a:lstStyle/>
-            <a:p>
-              <a:pPr algn="ctr"/>
-              <a:r>
-                <a:rPr lang="en-US" sz="2400" dirty="0" smtClean="0"/>
-                <a:t>0</a:t>
-              </a:r>
-              <a:endParaRPr lang="en-US" sz="2400" dirty="0"/>
-            </a:p>
-          </p:txBody>
-        </p:sp>
-        <p:sp>
-          <p:nvSpPr>
-            <p:cNvPr id="140" name="TextBox 139"/>
-            <p:cNvSpPr txBox="1"/>
-            <p:nvPr/>
-          </p:nvSpPr>
-          <p:spPr>
-            <a:xfrm>
-              <a:off x="2514600" y="21488400"/>
-              <a:ext cx="381000" cy="457200"/>
+              <a:off x="9372600" y="20878800"/>
+              <a:ext cx="609600" cy="457200"/>
             </a:xfrm>
             <a:prstGeom prst="rect">
               <a:avLst/>
@@ -6421,152 +8212,14 @@
         </p:sp>
         <p:sp>
           <p:nvSpPr>
-            <p:cNvPr id="141" name="TextBox 140"/>
+            <p:cNvPr id="184" name="TextBox 183"/>
             <p:cNvSpPr txBox="1"/>
             <p:nvPr/>
           </p:nvSpPr>
           <p:spPr>
             <a:xfrm>
-              <a:off x="2895600" y="21488400"/>
-              <a:ext cx="1143000" cy="461665"/>
-            </a:xfrm>
-            <a:prstGeom prst="rect">
-              <a:avLst/>
-            </a:prstGeom>
-          </p:spPr>
-          <p:style>
-            <a:lnRef idx="2">
-              <a:schemeClr val="accent2">
-                <a:shade val="50000"/>
-              </a:schemeClr>
-            </a:lnRef>
-            <a:fillRef idx="1">
-              <a:schemeClr val="accent2"/>
-            </a:fillRef>
-            <a:effectRef idx="0">
-              <a:schemeClr val="accent2"/>
-            </a:effectRef>
-            <a:fontRef idx="minor">
-              <a:schemeClr val="lt1"/>
-            </a:fontRef>
-          </p:style>
-          <p:txBody>
-            <a:bodyPr wrap="square" rtlCol="0">
-              <a:spAutoFit/>
-            </a:bodyPr>
-            <a:lstStyle/>
-            <a:p>
-              <a:pPr algn="ctr"/>
-              <a:r>
-                <a:rPr lang="en-US" sz="2400" dirty="0" smtClean="0"/>
-                <a:t>0x77..0</a:t>
-              </a:r>
-              <a:endParaRPr lang="en-US" sz="2400" dirty="0"/>
-            </a:p>
-          </p:txBody>
-        </p:sp>
-        <p:sp>
-          <p:nvSpPr>
-            <p:cNvPr id="142" name="TextBox 141"/>
-            <p:cNvSpPr txBox="1"/>
-            <p:nvPr/>
-          </p:nvSpPr>
-          <p:spPr>
-            <a:xfrm>
-              <a:off x="4038600" y="21488400"/>
-              <a:ext cx="1143000" cy="457200"/>
-            </a:xfrm>
-            <a:prstGeom prst="rect">
-              <a:avLst/>
-            </a:prstGeom>
-          </p:spPr>
-          <p:style>
-            <a:lnRef idx="2">
-              <a:schemeClr val="accent2">
-                <a:shade val="50000"/>
-              </a:schemeClr>
-            </a:lnRef>
-            <a:fillRef idx="1">
-              <a:schemeClr val="accent2"/>
-            </a:fillRef>
-            <a:effectRef idx="0">
-              <a:schemeClr val="accent2"/>
-            </a:effectRef>
-            <a:fontRef idx="minor">
-              <a:schemeClr val="lt1"/>
-            </a:fontRef>
-          </p:style>
-          <p:txBody>
-            <a:bodyPr wrap="square" rtlCol="0">
-              <a:spAutoFit/>
-            </a:bodyPr>
-            <a:lstStyle/>
-            <a:p>
-              <a:pPr algn="ctr"/>
-              <a:r>
-                <a:rPr lang="en-US" sz="2400" dirty="0" smtClean="0"/>
-                <a:t>0x77..4</a:t>
-              </a:r>
-              <a:endParaRPr lang="en-US" sz="2400" dirty="0"/>
-            </a:p>
-          </p:txBody>
-        </p:sp>
-        <p:sp>
-          <p:nvSpPr>
-            <p:cNvPr id="143" name="TextBox 142"/>
-            <p:cNvSpPr txBox="1"/>
-            <p:nvPr/>
-          </p:nvSpPr>
-          <p:spPr>
-            <a:xfrm>
-              <a:off x="5181600" y="21488400"/>
-              <a:ext cx="1219200" cy="457200"/>
-            </a:xfrm>
-            <a:prstGeom prst="rect">
-              <a:avLst/>
-            </a:prstGeom>
-          </p:spPr>
-          <p:style>
-            <a:lnRef idx="2">
-              <a:schemeClr val="accent2">
-                <a:shade val="50000"/>
-              </a:schemeClr>
-            </a:lnRef>
-            <a:fillRef idx="1">
-              <a:schemeClr val="accent2"/>
-            </a:fillRef>
-            <a:effectRef idx="0">
-              <a:schemeClr val="accent2"/>
-            </a:effectRef>
-            <a:fontRef idx="minor">
-              <a:schemeClr val="lt1"/>
-            </a:fontRef>
-          </p:style>
-          <p:txBody>
-            <a:bodyPr wrap="square" rtlCol="0">
-              <a:spAutoFit/>
-            </a:bodyPr>
-            <a:lstStyle/>
-            <a:p>
-              <a:pPr algn="ctr"/>
-              <a:r>
-                <a:rPr lang="en-US" sz="2400" dirty="0" smtClean="0"/>
-                <a:t>0x77..C</a:t>
-              </a:r>
-              <a:endParaRPr lang="en-US" sz="2400" dirty="0"/>
-            </a:p>
-          </p:txBody>
-        </p:sp>
-        <p:sp>
-          <p:nvSpPr>
-            <p:cNvPr id="144" name="TextBox 143"/>
-            <p:cNvSpPr txBox="1"/>
-            <p:nvPr/>
-          </p:nvSpPr>
-          <p:spPr>
-            <a:xfrm>
-              <a:off x="6400800" y="21488400"/>
-              <a:ext cx="381000" cy="457200"/>
+              <a:off x="457200" y="20878800"/>
+              <a:ext cx="609600" cy="457200"/>
             </a:xfrm>
             <a:prstGeom prst="rect">
               <a:avLst/>
@@ -6611,14 +8264,14 @@
         </p:sp>
         <p:sp>
           <p:nvSpPr>
-            <p:cNvPr id="145" name="TextBox 144"/>
+            <p:cNvPr id="185" name="TextBox 184"/>
             <p:cNvSpPr txBox="1"/>
             <p:nvPr/>
           </p:nvSpPr>
           <p:spPr>
             <a:xfrm>
-              <a:off x="609600" y="21488400"/>
-              <a:ext cx="304800" cy="457200"/>
+              <a:off x="2667000" y="20878800"/>
+              <a:ext cx="609600" cy="457200"/>
             </a:xfrm>
             <a:prstGeom prst="rect">
               <a:avLst/>
@@ -6663,152 +8316,14 @@
         </p:sp>
         <p:sp>
           <p:nvSpPr>
-            <p:cNvPr id="147" name="TextBox 146"/>
+            <p:cNvPr id="186" name="TextBox 185"/>
             <p:cNvSpPr txBox="1"/>
             <p:nvPr/>
           </p:nvSpPr>
           <p:spPr>
             <a:xfrm>
-              <a:off x="6781800" y="21488400"/>
-              <a:ext cx="685800" cy="461665"/>
-            </a:xfrm>
-            <a:prstGeom prst="rect">
-              <a:avLst/>
-            </a:prstGeom>
-          </p:spPr>
-          <p:style>
-            <a:lnRef idx="2">
-              <a:schemeClr val="accent4">
-                <a:shade val="50000"/>
-              </a:schemeClr>
-            </a:lnRef>
-            <a:fillRef idx="1">
-              <a:schemeClr val="accent4"/>
-            </a:fillRef>
-            <a:effectRef idx="0">
-              <a:schemeClr val="accent4"/>
-            </a:effectRef>
-            <a:fontRef idx="minor">
-              <a:schemeClr val="lt1"/>
-            </a:fontRef>
-          </p:style>
-          <p:txBody>
-            <a:bodyPr wrap="square" rtlCol="0">
-              <a:spAutoFit/>
-            </a:bodyPr>
-            <a:lstStyle/>
-            <a:p>
-              <a:pPr algn="ctr"/>
-              <a:r>
-                <a:rPr lang="en-US" sz="2400" dirty="0" smtClean="0"/>
-                <a:t>100</a:t>
-              </a:r>
-              <a:endParaRPr lang="en-US" sz="2400" dirty="0"/>
-            </a:p>
-          </p:txBody>
-        </p:sp>
-        <p:sp>
-          <p:nvSpPr>
-            <p:cNvPr id="148" name="TextBox 147"/>
-            <p:cNvSpPr txBox="1"/>
-            <p:nvPr/>
-          </p:nvSpPr>
-          <p:spPr>
-            <a:xfrm>
-              <a:off x="7467600" y="21488400"/>
-              <a:ext cx="685800" cy="461665"/>
-            </a:xfrm>
-            <a:prstGeom prst="rect">
-              <a:avLst/>
-            </a:prstGeom>
-          </p:spPr>
-          <p:style>
-            <a:lnRef idx="2">
-              <a:schemeClr val="accent4">
-                <a:shade val="50000"/>
-              </a:schemeClr>
-            </a:lnRef>
-            <a:fillRef idx="1">
-              <a:schemeClr val="accent4"/>
-            </a:fillRef>
-            <a:effectRef idx="0">
-              <a:schemeClr val="accent4"/>
-            </a:effectRef>
-            <a:fontRef idx="minor">
-              <a:schemeClr val="lt1"/>
-            </a:fontRef>
-          </p:style>
-          <p:txBody>
-            <a:bodyPr wrap="square" rtlCol="0">
-              <a:spAutoFit/>
-            </a:bodyPr>
-            <a:lstStyle/>
-            <a:p>
-              <a:pPr algn="ctr"/>
-              <a:r>
-                <a:rPr lang="en-US" sz="2400" dirty="0" smtClean="0"/>
-                <a:t>108</a:t>
-              </a:r>
-              <a:endParaRPr lang="en-US" sz="2400" dirty="0"/>
-            </a:p>
-          </p:txBody>
-        </p:sp>
-        <p:sp>
-          <p:nvSpPr>
-            <p:cNvPr id="150" name="TextBox 149"/>
-            <p:cNvSpPr txBox="1"/>
-            <p:nvPr/>
-          </p:nvSpPr>
-          <p:spPr>
-            <a:xfrm>
-              <a:off x="8153400" y="21488400"/>
-              <a:ext cx="685800" cy="461665"/>
-            </a:xfrm>
-            <a:prstGeom prst="rect">
-              <a:avLst/>
-            </a:prstGeom>
-          </p:spPr>
-          <p:style>
-            <a:lnRef idx="2">
-              <a:schemeClr val="accent4">
-                <a:shade val="50000"/>
-              </a:schemeClr>
-            </a:lnRef>
-            <a:fillRef idx="1">
-              <a:schemeClr val="accent4"/>
-            </a:fillRef>
-            <a:effectRef idx="0">
-              <a:schemeClr val="accent4"/>
-            </a:effectRef>
-            <a:fontRef idx="minor">
-              <a:schemeClr val="lt1"/>
-            </a:fontRef>
-          </p:style>
-          <p:txBody>
-            <a:bodyPr wrap="square" rtlCol="0">
-              <a:spAutoFit/>
-            </a:bodyPr>
-            <a:lstStyle/>
-            <a:p>
-              <a:pPr algn="ctr"/>
-              <a:r>
-                <a:rPr lang="en-US" sz="2400" dirty="0" smtClean="0"/>
-                <a:t>93</a:t>
-              </a:r>
-              <a:endParaRPr lang="en-US" sz="2400" dirty="0"/>
-            </a:p>
-          </p:txBody>
-        </p:sp>
-        <p:sp>
-          <p:nvSpPr>
-            <p:cNvPr id="151" name="TextBox 150"/>
-            <p:cNvSpPr txBox="1"/>
-            <p:nvPr/>
-          </p:nvSpPr>
-          <p:spPr>
-            <a:xfrm>
-              <a:off x="8839200" y="21488400"/>
-              <a:ext cx="304800" cy="461665"/>
+              <a:off x="6781800" y="20878800"/>
+              <a:ext cx="609600" cy="457200"/>
             </a:xfrm>
             <a:prstGeom prst="rect">
               <a:avLst/>
@@ -6854,56 +8369,180 @@
       </p:grpSp>
       <p:sp>
         <p:nvSpPr>
-          <p:cNvPr id="152" name="TextBox 151"/>
+          <p:cNvPr id="27" name="Rectangle 26"/>
+          <p:cNvSpPr/>
+          <p:nvPr/>
+        </p:nvSpPr>
+        <p:spPr>
+          <a:xfrm>
+            <a:off x="13944600" y="12496800"/>
+            <a:ext cx="11823970" cy="707886"/>
+          </a:xfrm>
+          <a:prstGeom prst="rect">
+            <a:avLst/>
+          </a:prstGeom>
+        </p:spPr>
+        <p:txBody>
+          <a:bodyPr wrap="none">
+            <a:spAutoFit/>
+          </a:bodyPr>
+          <a:lstStyle/>
+          <a:p>
+            <a:r>
+              <a:rPr lang="en-US" sz="4000" b="1" dirty="0" smtClean="0"/>
+              <a:t>Results for LLU micro-benchmark (working set ~117kb)</a:t>
+            </a:r>
+            <a:endParaRPr lang="en-US" sz="4000" b="1" dirty="0"/>
+          </a:p>
+        </p:txBody>
+      </p:sp>
+      <p:grpSp>
+        <p:nvGrpSpPr>
+          <p:cNvPr id="193" name="Group 192"/>
+          <p:cNvGrpSpPr/>
+          <p:nvPr/>
+        </p:nvGrpSpPr>
+        <p:grpSpPr>
+          <a:xfrm>
+            <a:off x="13030200" y="13335000"/>
+            <a:ext cx="14214662" cy="6629400"/>
+            <a:chOff x="13030200" y="13258800"/>
+            <a:chExt cx="14214662" cy="6629400"/>
+          </a:xfrm>
+        </p:grpSpPr>
+        <p:graphicFrame>
+          <p:nvGraphicFramePr>
+            <p:cNvPr id="188" name="Chart 187"/>
+            <p:cNvGraphicFramePr>
+              <a:graphicFrameLocks/>
+            </p:cNvGraphicFramePr>
+            <p:nvPr>
+              <p:extLst>
+                <p:ext uri="{D42A27DB-BD31-4B8C-83A1-F6EECF244321}">
+                  <p14:modId xmlns:p14="http://schemas.microsoft.com/office/powerpoint/2010/main" val="347281757"/>
+                </p:ext>
+              </p:extLst>
+            </p:nvPr>
+          </p:nvGraphicFramePr>
+          <p:xfrm>
+            <a:off x="13030200" y="13792200"/>
+            <a:ext cx="13182600" cy="6096000"/>
+          </p:xfrm>
+          <a:graphic>
+            <a:graphicData uri="http://schemas.openxmlformats.org/drawingml/2006/chart">
+              <c:chart xmlns:c="http://schemas.openxmlformats.org/drawingml/2006/chart" xmlns:r="http://schemas.openxmlformats.org/officeDocument/2006/relationships" r:id="rId5"/>
+            </a:graphicData>
+          </a:graphic>
+        </p:graphicFrame>
+        <p:graphicFrame>
+          <p:nvGraphicFramePr>
+            <p:cNvPr id="189" name="Chart 188"/>
+            <p:cNvGraphicFramePr>
+              <a:graphicFrameLocks/>
+            </p:cNvGraphicFramePr>
+            <p:nvPr>
+              <p:extLst>
+                <p:ext uri="{D42A27DB-BD31-4B8C-83A1-F6EECF244321}">
+                  <p14:modId xmlns:p14="http://schemas.microsoft.com/office/powerpoint/2010/main" val="3932221480"/>
+                </p:ext>
+              </p:extLst>
+            </p:nvPr>
+          </p:nvGraphicFramePr>
+          <p:xfrm>
+            <a:off x="20345400" y="13792200"/>
+            <a:ext cx="6819900" cy="6096000"/>
+          </p:xfrm>
+          <a:graphic>
+            <a:graphicData uri="http://schemas.openxmlformats.org/drawingml/2006/chart">
+              <c:chart xmlns:c="http://schemas.openxmlformats.org/drawingml/2006/chart" xmlns:r="http://schemas.openxmlformats.org/officeDocument/2006/relationships" r:id="rId6"/>
+            </a:graphicData>
+          </a:graphic>
+        </p:graphicFrame>
+        <p:sp>
+          <p:nvSpPr>
+            <p:cNvPr id="191" name="Rectangle 190"/>
+            <p:cNvSpPr/>
+            <p:nvPr/>
+          </p:nvSpPr>
+          <p:spPr>
+            <a:xfrm>
+              <a:off x="14630400" y="13258800"/>
+              <a:ext cx="5173988" cy="523220"/>
+            </a:xfrm>
+            <a:prstGeom prst="rect">
+              <a:avLst/>
+            </a:prstGeom>
+          </p:spPr>
+          <p:txBody>
+            <a:bodyPr wrap="none">
+              <a:spAutoFit/>
+            </a:bodyPr>
+            <a:lstStyle/>
+            <a:p>
+              <a:r>
+                <a:rPr lang="en-US" sz="2800" b="1" dirty="0" smtClean="0">
+                  <a:solidFill>
+                    <a:srgbClr val="3366FF"/>
+                  </a:solidFill>
+                </a:rPr>
+                <a:t>Normalize Hit Ratio by Cache Size</a:t>
+              </a:r>
+              <a:endParaRPr lang="en-US" sz="2800" b="1" dirty="0">
+                <a:solidFill>
+                  <a:srgbClr val="3366FF"/>
+                </a:solidFill>
+              </a:endParaRPr>
+            </a:p>
+          </p:txBody>
+        </p:sp>
+        <p:sp>
+          <p:nvSpPr>
+            <p:cNvPr id="192" name="Rectangle 191"/>
+            <p:cNvSpPr/>
+            <p:nvPr/>
+          </p:nvSpPr>
+          <p:spPr>
+            <a:xfrm>
+              <a:off x="20269200" y="13258800"/>
+              <a:ext cx="6975662" cy="523220"/>
+            </a:xfrm>
+            <a:prstGeom prst="rect">
+              <a:avLst/>
+            </a:prstGeom>
+          </p:spPr>
+          <p:txBody>
+            <a:bodyPr wrap="none">
+              <a:spAutoFit/>
+            </a:bodyPr>
+            <a:lstStyle/>
+            <a:p>
+              <a:r>
+                <a:rPr lang="en-US" sz="2800" b="1" dirty="0" smtClean="0">
+                  <a:solidFill>
+                    <a:srgbClr val="3366FF"/>
+                  </a:solidFill>
+                </a:rPr>
+                <a:t>Normalized Compression Ratio by Cache Size</a:t>
+              </a:r>
+              <a:endParaRPr lang="en-US" sz="2800" b="1" dirty="0">
+                <a:solidFill>
+                  <a:srgbClr val="3366FF"/>
+                </a:solidFill>
+              </a:endParaRPr>
+            </a:p>
+          </p:txBody>
+        </p:sp>
+      </p:grpSp>
+      <p:sp>
+        <p:nvSpPr>
+          <p:cNvPr id="194" name="TextBox 193"/>
           <p:cNvSpPr txBox="1"/>
           <p:nvPr/>
         </p:nvSpPr>
         <p:spPr>
           <a:xfrm>
-            <a:off x="762000" y="20141624"/>
-            <a:ext cx="7773282" cy="584776"/>
-          </a:xfrm>
-          <a:prstGeom prst="rect">
-            <a:avLst/>
-          </a:prstGeom>
-          <a:noFill/>
-        </p:spPr>
-        <p:txBody>
-          <a:bodyPr wrap="none" rtlCol="0">
-            <a:spAutoFit/>
-          </a:bodyPr>
-          <a:lstStyle/>
-          <a:p>
-            <a:r>
-              <a:rPr lang="en-US" sz="3200" dirty="0" smtClean="0"/>
-              <a:t>After split-pool allocation (</a:t>
-            </a:r>
-            <a:r>
-              <a:rPr lang="en-US" sz="3200" dirty="0" smtClean="0">
-                <a:solidFill>
-                  <a:srgbClr val="008000"/>
-                </a:solidFill>
-              </a:rPr>
-              <a:t>much lower range</a:t>
-            </a:r>
-            <a:r>
-              <a:rPr lang="en-US" sz="3200" dirty="0" smtClean="0"/>
-              <a:t>)</a:t>
-            </a:r>
-            <a:endParaRPr lang="en-US" sz="3200" dirty="0"/>
-          </a:p>
-        </p:txBody>
-      </p:sp>
-      <p:sp>
-        <p:nvSpPr>
-          <p:cNvPr id="153" name="TextBox 152"/>
-          <p:cNvSpPr txBox="1"/>
-          <p:nvPr/>
-        </p:nvSpPr>
-        <p:spPr>
-          <a:xfrm>
-            <a:off x="457200" y="21640800"/>
-            <a:ext cx="13030200" cy="3785652"/>
+            <a:off x="13944600" y="19888200"/>
+            <a:ext cx="13030200" cy="1938992"/>
           </a:xfrm>
           <a:prstGeom prst="rect">
             <a:avLst/>
@@ -6916,101 +8555,290 @@
           </a:bodyPr>
           <a:lstStyle/>
           <a:p>
-            <a:r>
-              <a:rPr lang="en-US" sz="4000" b="1" dirty="0" smtClean="0"/>
-              <a:t>Proof of Concept Methodology</a:t>
-            </a:r>
-            <a:endParaRPr lang="en-US" sz="4000" b="1" dirty="0"/>
-          </a:p>
-          <a:p>
-            <a:pPr marL="571500" indent="-571500">
+            <a:pPr marL="457200" indent="-457200">
               <a:buFont typeface="Arial"/>
               <a:buChar char="•"/>
             </a:pPr>
             <a:r>
+              <a:rPr lang="en-US" sz="4000" b="1" dirty="0" smtClean="0"/>
+              <a:t>Improvement</a:t>
+            </a:r>
+            <a:r>
               <a:rPr lang="en-US" sz="4000" dirty="0" smtClean="0"/>
-              <a:t>To test the affect of splitting and pooling on </a:t>
-            </a:r>
-            <a:r>
-              <a:rPr lang="en-US" sz="4000" b="1" dirty="0"/>
-              <a:t>B+Δ </a:t>
+              <a:t> in hit% from </a:t>
+            </a:r>
+            <a:r>
+              <a:rPr lang="en-US" sz="4000" dirty="0" smtClean="0">
+                <a:solidFill>
+                  <a:srgbClr val="3366FF"/>
+                </a:solidFill>
+              </a:rPr>
+              <a:t>fewer evictions</a:t>
             </a:r>
             <a:r>
               <a:rPr lang="en-US" sz="4000" dirty="0" smtClean="0"/>
-              <a:t>compression, we manually restructured programs for optimal data layout.</a:t>
-            </a:r>
-          </a:p>
-          <a:p>
-            <a:pPr marL="571500" indent="-571500">
+              <a:t> (more space)</a:t>
+            </a:r>
+          </a:p>
+          <a:p>
+            <a:pPr marL="457200" indent="-457200">
               <a:buFont typeface="Arial"/>
               <a:buChar char="•"/>
             </a:pPr>
             <a:r>
+              <a:rPr lang="en-US" sz="4000" b="1" dirty="0"/>
+              <a:t>B+</a:t>
+            </a:r>
+            <a:r>
+              <a:rPr lang="en-US" sz="4000" b="1" dirty="0" smtClean="0"/>
+              <a:t>Δ</a:t>
+            </a:r>
+            <a:r>
               <a:rPr lang="en-US" sz="4000" dirty="0" smtClean="0"/>
-              <a:t>Ideally these pointer transformations will be implemented in the compiler.</a:t>
+              <a:t> alone reaches cache capacity for sizes </a:t>
+            </a:r>
+            <a:r>
+              <a:rPr lang="en-US" sz="4000" b="1" dirty="0" smtClean="0"/>
+              <a:t>&lt;</a:t>
+            </a:r>
+            <a:r>
+              <a:rPr lang="en-US" sz="4000" dirty="0" smtClean="0"/>
+              <a:t> working set.</a:t>
+            </a:r>
+            <a:r>
+              <a:rPr lang="en-US" sz="4000" b="1" dirty="0" smtClean="0"/>
+              <a:t> </a:t>
+            </a:r>
+            <a:endParaRPr lang="en-US" sz="4000" dirty="0" smtClean="0"/>
+          </a:p>
+          <a:p>
+            <a:pPr marL="457200" indent="-457200">
+              <a:buFont typeface="Arial"/>
+              <a:buChar char="•"/>
+            </a:pPr>
+            <a:r>
+              <a:rPr lang="en-US" sz="4000" b="1" dirty="0" smtClean="0">
+                <a:solidFill>
+                  <a:srgbClr val="008000"/>
+                </a:solidFill>
+              </a:rPr>
+              <a:t>BΔ+POOL</a:t>
+            </a:r>
+            <a:r>
+              <a:rPr lang="en-US" sz="4000" dirty="0" smtClean="0">
+                <a:solidFill>
+                  <a:srgbClr val="008000"/>
+                </a:solidFill>
+              </a:rPr>
+              <a:t> still comes up with space savings!</a:t>
             </a:r>
           </a:p>
         </p:txBody>
       </p:sp>
-      <p:graphicFrame>
-        <p:nvGraphicFramePr>
-          <p:cNvPr id="154" name="Chart 153"/>
-          <p:cNvGraphicFramePr>
-            <a:graphicFrameLocks/>
-          </p:cNvGraphicFramePr>
-          <p:nvPr>
-            <p:extLst>
-              <p:ext uri="{D42A27DB-BD31-4B8C-83A1-F6EECF244321}">
-                <p14:modId xmlns:p14="http://schemas.microsoft.com/office/powerpoint/2010/main" val="1669007236"/>
-              </p:ext>
-            </p:extLst>
-          </p:nvPr>
-        </p:nvGraphicFramePr>
-        <p:xfrm>
-          <a:off x="14020800" y="16687800"/>
-          <a:ext cx="12877800" cy="7139030"/>
-        </p:xfrm>
-        <a:graphic>
-          <a:graphicData uri="http://schemas.openxmlformats.org/drawingml/2006/chart">
-            <c:chart xmlns:c="http://schemas.openxmlformats.org/drawingml/2006/chart" xmlns:r="http://schemas.openxmlformats.org/officeDocument/2006/relationships" r:id="rId5"/>
-          </a:graphicData>
-        </a:graphic>
-      </p:graphicFrame>
       <p:sp>
         <p:nvSpPr>
-          <p:cNvPr id="13" name="Rectangle 12"/>
-          <p:cNvSpPr/>
+          <p:cNvPr id="195" name="TextBox 194"/>
+          <p:cNvSpPr txBox="1"/>
           <p:nvPr/>
         </p:nvSpPr>
         <p:spPr>
           <a:xfrm>
-            <a:off x="533400" y="35280600"/>
-            <a:ext cx="12954000" cy="646331"/>
+            <a:off x="13944600" y="22021800"/>
+            <a:ext cx="13106400" cy="3600986"/>
           </a:xfrm>
           <a:prstGeom prst="rect">
             <a:avLst/>
           </a:prstGeom>
+          <a:noFill/>
         </p:spPr>
         <p:txBody>
-          <a:bodyPr wrap="square">
+          <a:bodyPr wrap="square" rtlCol="0">
             <a:spAutoFit/>
           </a:bodyPr>
           <a:lstStyle/>
           <a:p>
-            <a:pPr algn="ctr"/>
-            <a:r>
-              <a:rPr lang="en-US" sz="3600" b="1" i="1" dirty="0" smtClean="0"/>
-              <a:t>B</a:t>
-            </a:r>
-            <a:r>
-              <a:rPr lang="en-US" sz="3600" b="1" i="1" dirty="0"/>
-              <a:t>+Δ </a:t>
-            </a:r>
-            <a:r>
-              <a:rPr lang="en-US" sz="3600" i="1" dirty="0"/>
-              <a:t>compression on a 2MB, 16-way, 32BiB cache. </a:t>
-            </a:r>
-            <a:endParaRPr lang="en-US" sz="3600" i="1" dirty="0"/>
+            <a:pPr marL="457200" indent="-457200">
+              <a:buFont typeface="Arial"/>
+              <a:buChar char="•"/>
+            </a:pPr>
+            <a:r>
+              <a:rPr lang="en-US" sz="4000" b="1" u="sng" dirty="0" smtClean="0">
+                <a:solidFill>
+                  <a:srgbClr val="FF0000"/>
+                </a:solidFill>
+              </a:rPr>
+              <a:t>Compression Ratio:</a:t>
+            </a:r>
+            <a:r>
+              <a:rPr lang="en-US" sz="4000" b="1" dirty="0" smtClean="0">
+                <a:solidFill>
+                  <a:srgbClr val="FF0000"/>
+                </a:solidFill>
+              </a:rPr>
+              <a:t> 2.6x avg </a:t>
+            </a:r>
+            <a:r>
+              <a:rPr lang="en-US" sz="4000" dirty="0" smtClean="0">
+                <a:solidFill>
+                  <a:srgbClr val="FF0000"/>
+                </a:solidFill>
+              </a:rPr>
+              <a:t>(over LLU, </a:t>
+            </a:r>
+            <a:r>
+              <a:rPr lang="en-US" sz="4000" dirty="0" err="1" smtClean="0">
+                <a:solidFill>
+                  <a:srgbClr val="FF0000"/>
+                </a:solidFill>
+              </a:rPr>
+              <a:t>TreeSort</a:t>
+            </a:r>
+            <a:r>
+              <a:rPr lang="en-US" sz="4000" dirty="0" smtClean="0">
+                <a:solidFill>
+                  <a:srgbClr val="FF0000"/>
+                </a:solidFill>
+              </a:rPr>
+              <a:t>, </a:t>
+            </a:r>
+            <a:r>
+              <a:rPr lang="en-US" sz="4000" dirty="0" err="1" smtClean="0">
+                <a:solidFill>
+                  <a:srgbClr val="FF0000"/>
+                </a:solidFill>
+              </a:rPr>
+              <a:t>ArraySort</a:t>
+            </a:r>
+            <a:r>
+              <a:rPr lang="en-US" sz="4000" dirty="0" smtClean="0">
+                <a:solidFill>
+                  <a:srgbClr val="FF0000"/>
+                </a:solidFill>
+              </a:rPr>
+              <a:t>) </a:t>
+            </a:r>
+            <a:r>
+              <a:rPr lang="en-US" sz="4000" b="1" dirty="0" smtClean="0">
+                <a:solidFill>
+                  <a:srgbClr val="FF0000"/>
+                </a:solidFill>
+              </a:rPr>
+              <a:t>1.93x</a:t>
+            </a:r>
+            <a:r>
+              <a:rPr lang="en-US" sz="4000" dirty="0" smtClean="0">
+                <a:solidFill>
+                  <a:srgbClr val="FF0000"/>
+                </a:solidFill>
+              </a:rPr>
+              <a:t> over just </a:t>
+            </a:r>
+            <a:r>
+              <a:rPr lang="en-US" sz="4000" i="1" dirty="0" smtClean="0">
+                <a:solidFill>
+                  <a:srgbClr val="FF0000"/>
+                </a:solidFill>
+              </a:rPr>
+              <a:t>Split-Pool</a:t>
+            </a:r>
+            <a:r>
+              <a:rPr lang="en-US" sz="4000" dirty="0" smtClean="0">
+                <a:solidFill>
+                  <a:srgbClr val="FF0000"/>
+                </a:solidFill>
+              </a:rPr>
+              <a:t>, </a:t>
+            </a:r>
+            <a:r>
+              <a:rPr lang="en-US" sz="4000" b="1" dirty="0" smtClean="0">
+                <a:solidFill>
+                  <a:srgbClr val="FF0000"/>
+                </a:solidFill>
+              </a:rPr>
+              <a:t>2.47x</a:t>
+            </a:r>
+            <a:r>
+              <a:rPr lang="en-US" sz="4000" dirty="0" smtClean="0">
+                <a:solidFill>
+                  <a:srgbClr val="FF0000"/>
+                </a:solidFill>
+              </a:rPr>
+              <a:t> over only </a:t>
+            </a:r>
+            <a:r>
+              <a:rPr lang="en-US" sz="4000" i="1" dirty="0">
+                <a:solidFill>
+                  <a:srgbClr val="FF0000"/>
+                </a:solidFill>
+              </a:rPr>
+              <a:t>B+</a:t>
+            </a:r>
+            <a:r>
+              <a:rPr lang="en-US" sz="4000" i="1" dirty="0" smtClean="0">
+                <a:solidFill>
+                  <a:srgbClr val="FF0000"/>
+                </a:solidFill>
+              </a:rPr>
+              <a:t>Δ</a:t>
+            </a:r>
+            <a:endParaRPr lang="en-US" sz="4000" dirty="0">
+              <a:solidFill>
+                <a:srgbClr val="FF0000"/>
+              </a:solidFill>
+            </a:endParaRPr>
+          </a:p>
+          <a:p>
+            <a:pPr marL="457200" indent="-457200">
+              <a:buFont typeface="Arial"/>
+              <a:buChar char="•"/>
+            </a:pPr>
+            <a:r>
+              <a:rPr lang="en-US" sz="4000" b="1" u="sng" dirty="0" smtClean="0">
+                <a:solidFill>
+                  <a:srgbClr val="FF0000"/>
+                </a:solidFill>
+              </a:rPr>
+              <a:t>Hit Rate:</a:t>
+            </a:r>
+            <a:r>
+              <a:rPr lang="en-US" sz="4000" b="1" dirty="0" smtClean="0">
+                <a:solidFill>
+                  <a:srgbClr val="FF0000"/>
+                </a:solidFill>
+              </a:rPr>
+              <a:t> 8% avg. increase over micro-benchmarks.</a:t>
+            </a:r>
+          </a:p>
+          <a:p>
+            <a:pPr marL="457200" indent="-457200">
+              <a:buFont typeface="Arial"/>
+              <a:buChar char="•"/>
+            </a:pPr>
+            <a:endParaRPr lang="en-US" sz="2800" dirty="0" smtClean="0">
+              <a:solidFill>
+                <a:srgbClr val="FF0000"/>
+              </a:solidFill>
+            </a:endParaRPr>
+          </a:p>
+          <a:p>
+            <a:pPr marL="457200" indent="-457200">
+              <a:buFont typeface="Arial"/>
+              <a:buChar char="•"/>
+            </a:pPr>
+            <a:r>
+              <a:rPr lang="en-US" sz="4000" dirty="0" smtClean="0"/>
+              <a:t>Pointer based algorithms had poor locality.</a:t>
+            </a:r>
+          </a:p>
+          <a:p>
+            <a:pPr marL="457200" indent="-457200">
+              <a:buFont typeface="Arial"/>
+              <a:buChar char="•"/>
+            </a:pPr>
+            <a:r>
+              <a:rPr lang="en-US" sz="4000" dirty="0" smtClean="0"/>
+              <a:t>Expect multithreaded apps benefit from compression too.</a:t>
+            </a:r>
           </a:p>
         </p:txBody>
       </p:sp>
